--- a/1_Angular.pptx
+++ b/1_Angular.pptx
@@ -28,12 +28,25 @@
     <p:sldId id="278" r:id="rId22"/>
     <p:sldId id="290" r:id="rId23"/>
     <p:sldId id="292" r:id="rId24"/>
-    <p:sldId id="293" r:id="rId25"/>
-    <p:sldId id="294" r:id="rId26"/>
-    <p:sldId id="295" r:id="rId27"/>
-    <p:sldId id="296" r:id="rId28"/>
-    <p:sldId id="297" r:id="rId29"/>
-    <p:sldId id="298" r:id="rId30"/>
+    <p:sldId id="294" r:id="rId25"/>
+    <p:sldId id="293" r:id="rId26"/>
+    <p:sldId id="301" r:id="rId27"/>
+    <p:sldId id="299" r:id="rId28"/>
+    <p:sldId id="295" r:id="rId29"/>
+    <p:sldId id="303" r:id="rId30"/>
+    <p:sldId id="302" r:id="rId31"/>
+    <p:sldId id="297" r:id="rId32"/>
+    <p:sldId id="304" r:id="rId33"/>
+    <p:sldId id="312" r:id="rId34"/>
+    <p:sldId id="305" r:id="rId35"/>
+    <p:sldId id="307" r:id="rId36"/>
+    <p:sldId id="306" r:id="rId37"/>
+    <p:sldId id="308" r:id="rId38"/>
+    <p:sldId id="313" r:id="rId39"/>
+    <p:sldId id="309" r:id="rId40"/>
+    <p:sldId id="314" r:id="rId41"/>
+    <p:sldId id="310" r:id="rId42"/>
+    <p:sldId id="311" r:id="rId43"/>
   </p:sldIdLst>
   <p:sldSz cx="12192000" cy="6858000"/>
   <p:notesSz cx="6858000" cy="9144000"/>
@@ -287,7 +300,7 @@
           <a:p>
             <a:fld id="{EECBD699-7A79-4FA7-996C-E5C2C0144205}" type="datetimeFigureOut">
               <a:rPr lang="en-US" smtClean="0"/>
-              <a:t>1/14/2025</a:t>
+              <a:t>1/21/2025</a:t>
             </a:fld>
             <a:endParaRPr lang="en-US"/>
           </a:p>
@@ -485,7 +498,7 @@
           <a:p>
             <a:fld id="{EECBD699-7A79-4FA7-996C-E5C2C0144205}" type="datetimeFigureOut">
               <a:rPr lang="en-US" smtClean="0"/>
-              <a:t>1/14/2025</a:t>
+              <a:t>1/21/2025</a:t>
             </a:fld>
             <a:endParaRPr lang="en-US"/>
           </a:p>
@@ -693,7 +706,7 @@
           <a:p>
             <a:fld id="{EECBD699-7A79-4FA7-996C-E5C2C0144205}" type="datetimeFigureOut">
               <a:rPr lang="en-US" smtClean="0"/>
-              <a:t>1/14/2025</a:t>
+              <a:t>1/21/2025</a:t>
             </a:fld>
             <a:endParaRPr lang="en-US"/>
           </a:p>
@@ -891,7 +904,7 @@
           <a:p>
             <a:fld id="{EECBD699-7A79-4FA7-996C-E5C2C0144205}" type="datetimeFigureOut">
               <a:rPr lang="en-US" smtClean="0"/>
-              <a:t>1/14/2025</a:t>
+              <a:t>1/21/2025</a:t>
             </a:fld>
             <a:endParaRPr lang="en-US"/>
           </a:p>
@@ -1166,7 +1179,7 @@
           <a:p>
             <a:fld id="{EECBD699-7A79-4FA7-996C-E5C2C0144205}" type="datetimeFigureOut">
               <a:rPr lang="en-US" smtClean="0"/>
-              <a:t>1/14/2025</a:t>
+              <a:t>1/21/2025</a:t>
             </a:fld>
             <a:endParaRPr lang="en-US"/>
           </a:p>
@@ -1431,7 +1444,7 @@
           <a:p>
             <a:fld id="{EECBD699-7A79-4FA7-996C-E5C2C0144205}" type="datetimeFigureOut">
               <a:rPr lang="en-US" smtClean="0"/>
-              <a:t>1/14/2025</a:t>
+              <a:t>1/21/2025</a:t>
             </a:fld>
             <a:endParaRPr lang="en-US"/>
           </a:p>
@@ -1843,7 +1856,7 @@
           <a:p>
             <a:fld id="{EECBD699-7A79-4FA7-996C-E5C2C0144205}" type="datetimeFigureOut">
               <a:rPr lang="en-US" smtClean="0"/>
-              <a:t>1/14/2025</a:t>
+              <a:t>1/21/2025</a:t>
             </a:fld>
             <a:endParaRPr lang="en-US"/>
           </a:p>
@@ -1984,7 +1997,7 @@
           <a:p>
             <a:fld id="{EECBD699-7A79-4FA7-996C-E5C2C0144205}" type="datetimeFigureOut">
               <a:rPr lang="en-US" smtClean="0"/>
-              <a:t>1/14/2025</a:t>
+              <a:t>1/21/2025</a:t>
             </a:fld>
             <a:endParaRPr lang="en-US"/>
           </a:p>
@@ -2097,7 +2110,7 @@
           <a:p>
             <a:fld id="{EECBD699-7A79-4FA7-996C-E5C2C0144205}" type="datetimeFigureOut">
               <a:rPr lang="en-US" smtClean="0"/>
-              <a:t>1/14/2025</a:t>
+              <a:t>1/21/2025</a:t>
             </a:fld>
             <a:endParaRPr lang="en-US"/>
           </a:p>
@@ -2408,7 +2421,7 @@
           <a:p>
             <a:fld id="{EECBD699-7A79-4FA7-996C-E5C2C0144205}" type="datetimeFigureOut">
               <a:rPr lang="en-US" smtClean="0"/>
-              <a:t>1/14/2025</a:t>
+              <a:t>1/21/2025</a:t>
             </a:fld>
             <a:endParaRPr lang="en-US"/>
           </a:p>
@@ -2696,7 +2709,7 @@
           <a:p>
             <a:fld id="{EECBD699-7A79-4FA7-996C-E5C2C0144205}" type="datetimeFigureOut">
               <a:rPr lang="en-US" smtClean="0"/>
-              <a:t>1/14/2025</a:t>
+              <a:t>1/21/2025</a:t>
             </a:fld>
             <a:endParaRPr lang="en-US"/>
           </a:p>
@@ -2937,7 +2950,7 @@
           <a:p>
             <a:fld id="{EECBD699-7A79-4FA7-996C-E5C2C0144205}" type="datetimeFigureOut">
               <a:rPr lang="en-US" smtClean="0"/>
-              <a:t>1/14/2025</a:t>
+              <a:t>1/21/2025</a:t>
             </a:fld>
             <a:endParaRPr lang="en-US"/>
           </a:p>
@@ -6250,21 +6263,29 @@
           <a:p>
             <a:r>
               <a:rPr lang="en-US" dirty="0"/>
-              <a:t>Each step represents a different part of </a:t>
-            </a:r>
-            <a:r>
-              <a:rPr lang="en-US" dirty="0" err="1"/>
-              <a:t>Angular's</a:t>
+              <a:t>The </a:t>
+            </a:r>
+            <a:r>
+              <a:rPr lang="en-US" b="1" dirty="0"/>
+              <a:t>lifecycle</a:t>
             </a:r>
             <a:r>
               <a:rPr lang="en-US" dirty="0"/>
-              <a:t> process for rendering components and checking them for updates over time.</a:t>
+              <a:t> starts when a component is instantiated, continues with change detection, and ends when the component template is removed from the DOM.</a:t>
             </a:r>
           </a:p>
           <a:p>
             <a:r>
               <a:rPr lang="en-US" dirty="0"/>
-              <a:t>A component's lifecycle is tightly connected to how Angular checks your components for changes over time.</a:t>
+              <a:t>Angular gives us </a:t>
+            </a:r>
+            <a:r>
+              <a:rPr lang="en-US" b="1" dirty="0"/>
+              <a:t>lifecycle hook methods </a:t>
+            </a:r>
+            <a:r>
+              <a:rPr lang="en-US" dirty="0"/>
+              <a:t>to take advantage of events in the lifecycle.</a:t>
             </a:r>
           </a:p>
           <a:p>
@@ -6301,6 +6322,14 @@
 <file path=ppt/slides/slide23.xml><?xml version="1.0" encoding="utf-8"?>
 <p:sld xmlns:a="http://schemas.openxmlformats.org/drawingml/2006/main" xmlns:r="http://schemas.openxmlformats.org/officeDocument/2006/relationships" xmlns:p="http://schemas.openxmlformats.org/presentationml/2006/main">
   <p:cSld>
+    <p:bg>
+      <p:bgPr>
+        <a:solidFill>
+          <a:schemeClr val="bg1"/>
+        </a:solidFill>
+        <a:effectLst/>
+      </p:bgPr>
+    </p:bg>
     <p:spTree>
       <p:nvGrpSpPr>
         <p:cNvPr id="1" name=""/>
@@ -6331,68 +6360,328 @@
             <p:ph type="title"/>
           </p:nvPr>
         </p:nvSpPr>
-        <p:spPr/>
-        <p:txBody>
-          <a:bodyPr/>
-          <a:lstStyle/>
-          <a:p>
-            <a:r>
-              <a:rPr lang="en-US" dirty="0"/>
-              <a:t>Component Lifecycle (Creation)</a:t>
-            </a:r>
-          </a:p>
-        </p:txBody>
-      </p:sp>
-      <p:sp>
-        <p:nvSpPr>
-          <p:cNvPr id="3" name="Content Placeholder 2">
-            <a:extLst>
-              <a:ext uri="{FF2B5EF4-FFF2-40B4-BE49-F238E27FC236}">
-                <a16:creationId xmlns:a16="http://schemas.microsoft.com/office/drawing/2014/main" id="{87EF7DBD-DD82-42F4-40A7-8516331285B8}"/>
-              </a:ext>
-            </a:extLst>
-          </p:cNvPr>
-          <p:cNvSpPr>
-            <a:spLocks noGrp="1"/>
-          </p:cNvSpPr>
-          <p:nvPr>
-            <p:ph idx="1"/>
-          </p:nvPr>
-        </p:nvSpPr>
-        <p:spPr/>
-        <p:txBody>
-          <a:bodyPr>
+        <p:spPr>
+          <a:xfrm>
+            <a:off x="876693" y="741391"/>
+            <a:ext cx="3455821" cy="1616203"/>
+          </a:xfrm>
+        </p:spPr>
+        <p:txBody>
+          <a:bodyPr anchor="b">
             <a:normAutofit/>
           </a:bodyPr>
           <a:lstStyle/>
           <a:p>
+            <a:r>
+              <a:rPr lang="en-US" sz="3200"/>
+              <a:t>Component Lifecycle (Creation)</a:t>
+            </a:r>
+          </a:p>
+        </p:txBody>
+      </p:sp>
+      <p:sp>
+        <p:nvSpPr>
+          <p:cNvPr id="3" name="Content Placeholder 2">
+            <a:extLst>
+              <a:ext uri="{FF2B5EF4-FFF2-40B4-BE49-F238E27FC236}">
+                <a16:creationId xmlns:a16="http://schemas.microsoft.com/office/drawing/2014/main" id="{87EF7DBD-DD82-42F4-40A7-8516331285B8}"/>
+              </a:ext>
+            </a:extLst>
+          </p:cNvPr>
+          <p:cNvSpPr>
+            <a:spLocks noGrp="1"/>
+          </p:cNvSpPr>
+          <p:nvPr>
+            <p:ph idx="1"/>
+          </p:nvPr>
+        </p:nvSpPr>
+        <p:spPr>
+          <a:xfrm>
+            <a:off x="876693" y="2533476"/>
+            <a:ext cx="3455821" cy="3447832"/>
+          </a:xfrm>
+        </p:spPr>
+        <p:txBody>
+          <a:bodyPr anchor="t">
+            <a:normAutofit/>
+          </a:bodyPr>
+          <a:lstStyle/>
+          <a:p>
             <a:pPr marL="0" indent="0">
               <a:buNone/>
             </a:pPr>
             <a:r>
-              <a:rPr lang="en-US" dirty="0"/>
-              <a:t>“</a:t>
-            </a:r>
-            <a:r>
-              <a:rPr lang="en-US" dirty="0" err="1"/>
-              <a:t>Contructor</a:t>
-            </a:r>
-            <a:r>
-              <a:rPr lang="en-US" dirty="0"/>
-              <a:t>”</a:t>
-            </a:r>
-          </a:p>
-          <a:p>
-            <a:r>
-              <a:rPr lang="en-US" dirty="0"/>
+              <a:rPr lang="en-US" sz="2000"/>
+              <a:t>“Contructor”</a:t>
+            </a:r>
+          </a:p>
+          <a:p>
+            <a:r>
+              <a:rPr lang="en-US" sz="2000"/>
               <a:t>Runs when Angular instantiates the component. </a:t>
             </a:r>
           </a:p>
           <a:p>
             <a:r>
-              <a:rPr lang="en-US" dirty="0"/>
+              <a:rPr lang="en-US" sz="2000"/>
               <a:t>Method of a class for creating and initializing an object instance of that class.</a:t>
             </a:r>
+          </a:p>
+        </p:txBody>
+      </p:sp>
+      <p:pic>
+        <p:nvPicPr>
+          <p:cNvPr id="5" name="Picture 4" descr="A diagram of a process&#10;&#10;Description automatically generated">
+            <a:extLst>
+              <a:ext uri="{FF2B5EF4-FFF2-40B4-BE49-F238E27FC236}">
+                <a16:creationId xmlns:a16="http://schemas.microsoft.com/office/drawing/2014/main" id="{F4FBD901-FD35-0989-14DB-DF0BB68D5C37}"/>
+              </a:ext>
+            </a:extLst>
+          </p:cNvPr>
+          <p:cNvPicPr>
+            <a:picLocks noChangeAspect="1"/>
+          </p:cNvPicPr>
+          <p:nvPr/>
+        </p:nvPicPr>
+        <p:blipFill>
+          <a:blip r:embed="rId2"/>
+          <a:stretch>
+            <a:fillRect/>
+          </a:stretch>
+        </p:blipFill>
+        <p:spPr>
+          <a:xfrm>
+            <a:off x="4987672" y="1492891"/>
+            <a:ext cx="6389346" cy="3881527"/>
+          </a:xfrm>
+          <a:prstGeom prst="rect">
+            <a:avLst/>
+          </a:prstGeom>
+        </p:spPr>
+      </p:pic>
+      <p:grpSp>
+        <p:nvGrpSpPr>
+          <p:cNvPr id="10" name="Group 9">
+            <a:extLst>
+              <a:ext uri="{FF2B5EF4-FFF2-40B4-BE49-F238E27FC236}">
+                <a16:creationId xmlns:a16="http://schemas.microsoft.com/office/drawing/2014/main" id="{6258F736-B256-8039-9DC6-F4E49A5C5AD5}"/>
+              </a:ext>
+              <a:ext uri="{C183D7F6-B498-43B3-948B-1728B52AA6E4}">
+                <adec:decorative xmlns:adec="http://schemas.microsoft.com/office/drawing/2017/decorative" val="1"/>
+              </a:ext>
+            </a:extLst>
+          </p:cNvPr>
+          <p:cNvGrpSpPr>
+            <a:grpSpLocks noGrp="1" noUngrp="1" noRot="1" noChangeAspect="1" noMove="1" noResize="1"/>
+          </p:cNvGrpSpPr>
+          <p:nvPr>
+            <p:extLst>
+              <p:ext uri="{386F3935-93C4-4BCD-93E2-E3B085C9AB24}">
+                <p16:designElem xmlns:p16="http://schemas.microsoft.com/office/powerpoint/2015/main" val="1"/>
+              </p:ext>
+            </p:extLst>
+          </p:nvPr>
+        </p:nvGrpSpPr>
+        <p:grpSpPr>
+          <a:xfrm flipH="1">
+            <a:off x="12068638" y="0"/>
+            <a:ext cx="123362" cy="6858000"/>
+            <a:chOff x="12068638" y="0"/>
+            <a:chExt cx="123362" cy="6858000"/>
+          </a:xfrm>
+        </p:grpSpPr>
+        <p:sp>
+          <p:nvSpPr>
+            <p:cNvPr id="11" name="Rectangle 10">
+              <a:extLst>
+                <a:ext uri="{FF2B5EF4-FFF2-40B4-BE49-F238E27FC236}">
+                  <a16:creationId xmlns:a16="http://schemas.microsoft.com/office/drawing/2014/main" id="{10B4520A-996E-330C-99DA-69CA4D89E906}"/>
+                </a:ext>
+                <a:ext uri="{C183D7F6-B498-43B3-948B-1728B52AA6E4}">
+                  <adec:decorative xmlns:adec="http://schemas.microsoft.com/office/drawing/2017/decorative" val="1"/>
+                </a:ext>
+              </a:extLst>
+            </p:cNvPr>
+            <p:cNvSpPr/>
+            <p:nvPr>
+              <p:extLst>
+                <p:ext uri="{386F3935-93C4-4BCD-93E2-E3B085C9AB24}">
+                  <p16:designElem xmlns:p16="http://schemas.microsoft.com/office/powerpoint/2015/main" val="1"/>
+                </p:ext>
+              </p:extLst>
+            </p:nvPr>
+          </p:nvSpPr>
+          <p:spPr>
+            <a:xfrm>
+              <a:off x="12068638" y="0"/>
+              <a:ext cx="123362" cy="6858000"/>
+            </a:xfrm>
+            <a:prstGeom prst="rect">
+              <a:avLst/>
+            </a:prstGeom>
+            <a:gradFill>
+              <a:gsLst>
+                <a:gs pos="0">
+                  <a:schemeClr val="accent2"/>
+                </a:gs>
+                <a:gs pos="100000">
+                  <a:schemeClr val="accent5"/>
+                </a:gs>
+              </a:gsLst>
+              <a:lin ang="1800000" scaled="0"/>
+            </a:gradFill>
+            <a:ln>
+              <a:noFill/>
+            </a:ln>
+          </p:spPr>
+          <p:style>
+            <a:lnRef idx="2">
+              <a:schemeClr val="accent1">
+                <a:shade val="50000"/>
+              </a:schemeClr>
+            </a:lnRef>
+            <a:fillRef idx="1">
+              <a:schemeClr val="accent1"/>
+            </a:fillRef>
+            <a:effectRef idx="0">
+              <a:schemeClr val="accent1"/>
+            </a:effectRef>
+            <a:fontRef idx="minor">
+              <a:schemeClr val="lt1"/>
+            </a:fontRef>
+          </p:style>
+          <p:txBody>
+            <a:bodyPr rtlCol="0" anchor="ctr"/>
+            <a:lstStyle/>
+            <a:p>
+              <a:pPr algn="ctr"/>
+              <a:endParaRPr lang="en-US"/>
+            </a:p>
+          </p:txBody>
+        </p:sp>
+        <p:sp>
+          <p:nvSpPr>
+            <p:cNvPr id="12" name="Rectangle 11">
+              <a:extLst>
+                <a:ext uri="{FF2B5EF4-FFF2-40B4-BE49-F238E27FC236}">
+                  <a16:creationId xmlns:a16="http://schemas.microsoft.com/office/drawing/2014/main" id="{EC8FA945-E356-695F-18D6-CAD4EF34FE4A}"/>
+                </a:ext>
+                <a:ext uri="{C183D7F6-B498-43B3-948B-1728B52AA6E4}">
+                  <adec:decorative xmlns:adec="http://schemas.microsoft.com/office/drawing/2017/decorative" val="1"/>
+                </a:ext>
+              </a:extLst>
+            </p:cNvPr>
+            <p:cNvSpPr/>
+            <p:nvPr>
+              <p:extLst>
+                <p:ext uri="{386F3935-93C4-4BCD-93E2-E3B085C9AB24}">
+                  <p16:designElem xmlns:p16="http://schemas.microsoft.com/office/powerpoint/2015/main" val="1"/>
+                </p:ext>
+              </p:extLst>
+            </p:nvPr>
+          </p:nvSpPr>
+          <p:spPr>
+            <a:xfrm>
+              <a:off x="12068638" y="3527553"/>
+              <a:ext cx="123362" cy="3330447"/>
+            </a:xfrm>
+            <a:prstGeom prst="rect">
+              <a:avLst/>
+            </a:prstGeom>
+            <a:gradFill>
+              <a:gsLst>
+                <a:gs pos="19000">
+                  <a:schemeClr val="accent5">
+                    <a:lumMod val="60000"/>
+                    <a:lumOff val="40000"/>
+                    <a:alpha val="0"/>
+                  </a:schemeClr>
+                </a:gs>
+                <a:gs pos="100000">
+                  <a:schemeClr val="accent5">
+                    <a:lumMod val="60000"/>
+                    <a:lumOff val="40000"/>
+                  </a:schemeClr>
+                </a:gs>
+              </a:gsLst>
+              <a:lin ang="600000" scaled="0"/>
+            </a:gradFill>
+            <a:ln>
+              <a:noFill/>
+            </a:ln>
+          </p:spPr>
+          <p:style>
+            <a:lnRef idx="2">
+              <a:schemeClr val="accent1">
+                <a:shade val="50000"/>
+              </a:schemeClr>
+            </a:lnRef>
+            <a:fillRef idx="1">
+              <a:schemeClr val="accent1"/>
+            </a:fillRef>
+            <a:effectRef idx="0">
+              <a:schemeClr val="accent1"/>
+            </a:effectRef>
+            <a:fontRef idx="minor">
+              <a:schemeClr val="lt1"/>
+            </a:fontRef>
+          </p:style>
+          <p:txBody>
+            <a:bodyPr rtlCol="0" anchor="ctr"/>
+            <a:lstStyle/>
+            <a:p>
+              <a:pPr algn="ctr"/>
+              <a:endParaRPr lang="en-US"/>
+            </a:p>
+          </p:txBody>
+        </p:sp>
+      </p:grpSp>
+      <p:sp>
+        <p:nvSpPr>
+          <p:cNvPr id="6" name="Oval 5">
+            <a:extLst>
+              <a:ext uri="{FF2B5EF4-FFF2-40B4-BE49-F238E27FC236}">
+                <a16:creationId xmlns:a16="http://schemas.microsoft.com/office/drawing/2014/main" id="{090DE53E-9A8A-C437-EC3C-2E06251384E7}"/>
+              </a:ext>
+            </a:extLst>
+          </p:cNvPr>
+          <p:cNvSpPr/>
+          <p:nvPr/>
+        </p:nvSpPr>
+        <p:spPr>
+          <a:xfrm>
+            <a:off x="6177807" y="1767252"/>
+            <a:ext cx="251926" cy="242596"/>
+          </a:xfrm>
+          <a:prstGeom prst="ellipse">
+            <a:avLst/>
+          </a:prstGeom>
+          <a:solidFill>
+            <a:srgbClr val="FF0000"/>
+          </a:solidFill>
+        </p:spPr>
+        <p:style>
+          <a:lnRef idx="2">
+            <a:schemeClr val="accent1">
+              <a:shade val="15000"/>
+            </a:schemeClr>
+          </a:lnRef>
+          <a:fillRef idx="1">
+            <a:schemeClr val="accent1"/>
+          </a:fillRef>
+          <a:effectRef idx="0">
+            <a:schemeClr val="accent1"/>
+          </a:effectRef>
+          <a:fontRef idx="minor">
+            <a:schemeClr val="lt1"/>
+          </a:fontRef>
+        </p:style>
+        <p:txBody>
+          <a:bodyPr rtlCol="0" anchor="ctr"/>
+          <a:lstStyle/>
+          <a:p>
+            <a:pPr algn="ctr"/>
+            <a:endParaRPr lang="en-US"/>
           </a:p>
         </p:txBody>
       </p:sp>
@@ -6412,6 +6701,14 @@
 <file path=ppt/slides/slide24.xml><?xml version="1.0" encoding="utf-8"?>
 <p:sld xmlns:a="http://schemas.openxmlformats.org/drawingml/2006/main" xmlns:r="http://schemas.openxmlformats.org/officeDocument/2006/relationships" xmlns:p="http://schemas.openxmlformats.org/presentationml/2006/main">
   <p:cSld>
+    <p:bg>
+      <p:bgPr>
+        <a:solidFill>
+          <a:schemeClr val="bg1"/>
+        </a:solidFill>
+        <a:effectLst/>
+      </p:bgPr>
+    </p:bg>
     <p:spTree>
       <p:nvGrpSpPr>
         <p:cNvPr id="1" name=""/>
@@ -6442,69 +6739,357 @@
             <p:ph type="title"/>
           </p:nvPr>
         </p:nvSpPr>
-        <p:spPr/>
-        <p:txBody>
-          <a:bodyPr/>
-          <a:lstStyle/>
-          <a:p>
-            <a:r>
-              <a:rPr lang="en-US" dirty="0"/>
-              <a:t>Component Lifecycle (Change)</a:t>
-            </a:r>
-          </a:p>
-        </p:txBody>
-      </p:sp>
-      <p:sp>
-        <p:nvSpPr>
-          <p:cNvPr id="3" name="Content Placeholder 2">
-            <a:extLst>
-              <a:ext uri="{FF2B5EF4-FFF2-40B4-BE49-F238E27FC236}">
-                <a16:creationId xmlns:a16="http://schemas.microsoft.com/office/drawing/2014/main" id="{87EF7DBD-DD82-42F4-40A7-8516331285B8}"/>
-              </a:ext>
-            </a:extLst>
-          </p:cNvPr>
-          <p:cNvSpPr>
-            <a:spLocks noGrp="1"/>
-          </p:cNvSpPr>
-          <p:nvPr>
-            <p:ph idx="1"/>
-          </p:nvPr>
-        </p:nvSpPr>
-        <p:spPr/>
-        <p:txBody>
-          <a:bodyPr>
+        <p:spPr>
+          <a:xfrm>
+            <a:off x="876693" y="741391"/>
+            <a:ext cx="3455821" cy="1616203"/>
+          </a:xfrm>
+        </p:spPr>
+        <p:txBody>
+          <a:bodyPr anchor="b">
             <a:normAutofit/>
           </a:bodyPr>
           <a:lstStyle/>
           <a:p>
+            <a:r>
+              <a:rPr lang="en-US" sz="3200"/>
+              <a:t>Component Lifecycle (Detection)</a:t>
+            </a:r>
+          </a:p>
+        </p:txBody>
+      </p:sp>
+      <p:sp>
+        <p:nvSpPr>
+          <p:cNvPr id="3" name="Content Placeholder 2">
+            <a:extLst>
+              <a:ext uri="{FF2B5EF4-FFF2-40B4-BE49-F238E27FC236}">
+                <a16:creationId xmlns:a16="http://schemas.microsoft.com/office/drawing/2014/main" id="{87EF7DBD-DD82-42F4-40A7-8516331285B8}"/>
+              </a:ext>
+            </a:extLst>
+          </p:cNvPr>
+          <p:cNvSpPr>
+            <a:spLocks noGrp="1"/>
+          </p:cNvSpPr>
+          <p:nvPr>
+            <p:ph idx="1"/>
+          </p:nvPr>
+        </p:nvSpPr>
+        <p:spPr>
+          <a:xfrm>
+            <a:off x="876693" y="2533476"/>
+            <a:ext cx="3455821" cy="3447832"/>
+          </a:xfrm>
+        </p:spPr>
+        <p:txBody>
+          <a:bodyPr anchor="t">
+            <a:normAutofit/>
+          </a:bodyPr>
+          <a:lstStyle/>
+          <a:p>
             <a:pPr marL="0" indent="0">
               <a:buNone/>
             </a:pPr>
             <a:r>
-              <a:rPr lang="en-US" dirty="0"/>
+              <a:rPr lang="en-US" sz="1700"/>
               <a:t>“</a:t>
             </a:r>
             <a:r>
-              <a:rPr lang="en-US" dirty="0" err="1"/>
+              <a:rPr lang="en-US" sz="1700" b="1"/>
+              <a:t>ngOnChanges</a:t>
+            </a:r>
+            <a:r>
+              <a:rPr lang="en-US" sz="1700"/>
+              <a:t>”</a:t>
+            </a:r>
+          </a:p>
+          <a:p>
+            <a:r>
+              <a:rPr lang="en-US" sz="1700"/>
+              <a:t>Called before </a:t>
+            </a:r>
+            <a:r>
+              <a:rPr lang="en-US" sz="1700" b="1"/>
               <a:t>ngOnInit</a:t>
             </a:r>
             <a:r>
-              <a:rPr lang="en-US" dirty="0"/>
-              <a:t>”</a:t>
-            </a:r>
-          </a:p>
-          <a:p>
-            <a:r>
-              <a:rPr lang="en-US" dirty="0"/>
-              <a:t>Runs once after Angular has initialized all the component's inputs.</a:t>
-            </a:r>
+              <a:rPr lang="en-US" sz="1700"/>
+              <a:t>, only if you have an input value. If you don't have an input value, this method won't run.</a:t>
+            </a:r>
+          </a:p>
+          <a:p>
+            <a:r>
+              <a:rPr lang="en-US" sz="1700"/>
+              <a:t>When the input value resets or updates, this method will be triggered.</a:t>
+            </a:r>
+          </a:p>
+          <a:p>
+            <a:r>
+              <a:rPr lang="en-US" sz="1700"/>
+              <a:t>Making an HTTP request or something heavy here might affect your application’s performance.</a:t>
+            </a:r>
+          </a:p>
+        </p:txBody>
+      </p:sp>
+      <p:pic>
+        <p:nvPicPr>
+          <p:cNvPr id="6" name="Picture 5" descr="A diagram of a process&#10;&#10;Description automatically generated">
+            <a:extLst>
+              <a:ext uri="{FF2B5EF4-FFF2-40B4-BE49-F238E27FC236}">
+                <a16:creationId xmlns:a16="http://schemas.microsoft.com/office/drawing/2014/main" id="{9C86224A-6C18-3038-E647-A3EE43840905}"/>
+              </a:ext>
+            </a:extLst>
+          </p:cNvPr>
+          <p:cNvPicPr>
+            <a:picLocks noChangeAspect="1"/>
+          </p:cNvPicPr>
+          <p:nvPr/>
+        </p:nvPicPr>
+        <p:blipFill>
+          <a:blip r:embed="rId2"/>
+          <a:stretch>
+            <a:fillRect/>
+          </a:stretch>
+        </p:blipFill>
+        <p:spPr>
+          <a:xfrm>
+            <a:off x="4987672" y="1492891"/>
+            <a:ext cx="6389346" cy="3881527"/>
+          </a:xfrm>
+          <a:prstGeom prst="rect">
+            <a:avLst/>
+          </a:prstGeom>
+        </p:spPr>
+      </p:pic>
+      <p:grpSp>
+        <p:nvGrpSpPr>
+          <p:cNvPr id="11" name="Group 10">
+            <a:extLst>
+              <a:ext uri="{FF2B5EF4-FFF2-40B4-BE49-F238E27FC236}">
+                <a16:creationId xmlns:a16="http://schemas.microsoft.com/office/drawing/2014/main" id="{6258F736-B256-8039-9DC6-F4E49A5C5AD5}"/>
+              </a:ext>
+              <a:ext uri="{C183D7F6-B498-43B3-948B-1728B52AA6E4}">
+                <adec:decorative xmlns:adec="http://schemas.microsoft.com/office/drawing/2017/decorative" val="1"/>
+              </a:ext>
+            </a:extLst>
+          </p:cNvPr>
+          <p:cNvGrpSpPr>
+            <a:grpSpLocks noGrp="1" noUngrp="1" noRot="1" noChangeAspect="1" noMove="1" noResize="1"/>
+          </p:cNvGrpSpPr>
+          <p:nvPr>
+            <p:extLst>
+              <p:ext uri="{386F3935-93C4-4BCD-93E2-E3B085C9AB24}">
+                <p16:designElem xmlns:p16="http://schemas.microsoft.com/office/powerpoint/2015/main" val="1"/>
+              </p:ext>
+            </p:extLst>
+          </p:nvPr>
+        </p:nvGrpSpPr>
+        <p:grpSpPr>
+          <a:xfrm flipH="1">
+            <a:off x="12068638" y="0"/>
+            <a:ext cx="123362" cy="6858000"/>
+            <a:chOff x="12068638" y="0"/>
+            <a:chExt cx="123362" cy="6858000"/>
+          </a:xfrm>
+        </p:grpSpPr>
+        <p:sp>
+          <p:nvSpPr>
+            <p:cNvPr id="12" name="Rectangle 11">
+              <a:extLst>
+                <a:ext uri="{FF2B5EF4-FFF2-40B4-BE49-F238E27FC236}">
+                  <a16:creationId xmlns:a16="http://schemas.microsoft.com/office/drawing/2014/main" id="{10B4520A-996E-330C-99DA-69CA4D89E906}"/>
+                </a:ext>
+                <a:ext uri="{C183D7F6-B498-43B3-948B-1728B52AA6E4}">
+                  <adec:decorative xmlns:adec="http://schemas.microsoft.com/office/drawing/2017/decorative" val="1"/>
+                </a:ext>
+              </a:extLst>
+            </p:cNvPr>
+            <p:cNvSpPr/>
+            <p:nvPr>
+              <p:extLst>
+                <p:ext uri="{386F3935-93C4-4BCD-93E2-E3B085C9AB24}">
+                  <p16:designElem xmlns:p16="http://schemas.microsoft.com/office/powerpoint/2015/main" val="1"/>
+                </p:ext>
+              </p:extLst>
+            </p:nvPr>
+          </p:nvSpPr>
+          <p:spPr>
+            <a:xfrm>
+              <a:off x="12068638" y="0"/>
+              <a:ext cx="123362" cy="6858000"/>
+            </a:xfrm>
+            <a:prstGeom prst="rect">
+              <a:avLst/>
+            </a:prstGeom>
+            <a:gradFill>
+              <a:gsLst>
+                <a:gs pos="0">
+                  <a:schemeClr val="accent2"/>
+                </a:gs>
+                <a:gs pos="100000">
+                  <a:schemeClr val="accent5"/>
+                </a:gs>
+              </a:gsLst>
+              <a:lin ang="1800000" scaled="0"/>
+            </a:gradFill>
+            <a:ln>
+              <a:noFill/>
+            </a:ln>
+          </p:spPr>
+          <p:style>
+            <a:lnRef idx="2">
+              <a:schemeClr val="accent1">
+                <a:shade val="50000"/>
+              </a:schemeClr>
+            </a:lnRef>
+            <a:fillRef idx="1">
+              <a:schemeClr val="accent1"/>
+            </a:fillRef>
+            <a:effectRef idx="0">
+              <a:schemeClr val="accent1"/>
+            </a:effectRef>
+            <a:fontRef idx="minor">
+              <a:schemeClr val="lt1"/>
+            </a:fontRef>
+          </p:style>
+          <p:txBody>
+            <a:bodyPr rtlCol="0" anchor="ctr"/>
+            <a:lstStyle/>
+            <a:p>
+              <a:pPr algn="ctr"/>
+              <a:endParaRPr lang="en-US"/>
+            </a:p>
+          </p:txBody>
+        </p:sp>
+        <p:sp>
+          <p:nvSpPr>
+            <p:cNvPr id="13" name="Rectangle 12">
+              <a:extLst>
+                <a:ext uri="{FF2B5EF4-FFF2-40B4-BE49-F238E27FC236}">
+                  <a16:creationId xmlns:a16="http://schemas.microsoft.com/office/drawing/2014/main" id="{EC8FA945-E356-695F-18D6-CAD4EF34FE4A}"/>
+                </a:ext>
+                <a:ext uri="{C183D7F6-B498-43B3-948B-1728B52AA6E4}">
+                  <adec:decorative xmlns:adec="http://schemas.microsoft.com/office/drawing/2017/decorative" val="1"/>
+                </a:ext>
+              </a:extLst>
+            </p:cNvPr>
+            <p:cNvSpPr/>
+            <p:nvPr>
+              <p:extLst>
+                <p:ext uri="{386F3935-93C4-4BCD-93E2-E3B085C9AB24}">
+                  <p16:designElem xmlns:p16="http://schemas.microsoft.com/office/powerpoint/2015/main" val="1"/>
+                </p:ext>
+              </p:extLst>
+            </p:nvPr>
+          </p:nvSpPr>
+          <p:spPr>
+            <a:xfrm>
+              <a:off x="12068638" y="3527553"/>
+              <a:ext cx="123362" cy="3330447"/>
+            </a:xfrm>
+            <a:prstGeom prst="rect">
+              <a:avLst/>
+            </a:prstGeom>
+            <a:gradFill>
+              <a:gsLst>
+                <a:gs pos="19000">
+                  <a:schemeClr val="accent5">
+                    <a:lumMod val="60000"/>
+                    <a:lumOff val="40000"/>
+                    <a:alpha val="0"/>
+                  </a:schemeClr>
+                </a:gs>
+                <a:gs pos="100000">
+                  <a:schemeClr val="accent5">
+                    <a:lumMod val="60000"/>
+                    <a:lumOff val="40000"/>
+                  </a:schemeClr>
+                </a:gs>
+              </a:gsLst>
+              <a:lin ang="600000" scaled="0"/>
+            </a:gradFill>
+            <a:ln>
+              <a:noFill/>
+            </a:ln>
+          </p:spPr>
+          <p:style>
+            <a:lnRef idx="2">
+              <a:schemeClr val="accent1">
+                <a:shade val="50000"/>
+              </a:schemeClr>
+            </a:lnRef>
+            <a:fillRef idx="1">
+              <a:schemeClr val="accent1"/>
+            </a:fillRef>
+            <a:effectRef idx="0">
+              <a:schemeClr val="accent1"/>
+            </a:effectRef>
+            <a:fontRef idx="minor">
+              <a:schemeClr val="lt1"/>
+            </a:fontRef>
+          </p:style>
+          <p:txBody>
+            <a:bodyPr rtlCol="0" anchor="ctr"/>
+            <a:lstStyle/>
+            <a:p>
+              <a:pPr algn="ctr"/>
+              <a:endParaRPr lang="en-US"/>
+            </a:p>
+          </p:txBody>
+        </p:sp>
+      </p:grpSp>
+      <p:sp>
+        <p:nvSpPr>
+          <p:cNvPr id="7" name="Oval 6">
+            <a:extLst>
+              <a:ext uri="{FF2B5EF4-FFF2-40B4-BE49-F238E27FC236}">
+                <a16:creationId xmlns:a16="http://schemas.microsoft.com/office/drawing/2014/main" id="{2477B015-D5A9-A59A-E58A-54E8761FA5DA}"/>
+              </a:ext>
+            </a:extLst>
+          </p:cNvPr>
+          <p:cNvSpPr/>
+          <p:nvPr/>
+        </p:nvSpPr>
+        <p:spPr>
+          <a:xfrm>
+            <a:off x="8333178" y="1711269"/>
+            <a:ext cx="251926" cy="242596"/>
+          </a:xfrm>
+          <a:prstGeom prst="ellipse">
+            <a:avLst/>
+          </a:prstGeom>
+          <a:solidFill>
+            <a:srgbClr val="FF0000"/>
+          </a:solidFill>
+        </p:spPr>
+        <p:style>
+          <a:lnRef idx="2">
+            <a:schemeClr val="accent1">
+              <a:shade val="15000"/>
+            </a:schemeClr>
+          </a:lnRef>
+          <a:fillRef idx="1">
+            <a:schemeClr val="accent1"/>
+          </a:fillRef>
+          <a:effectRef idx="0">
+            <a:schemeClr val="accent1"/>
+          </a:effectRef>
+          <a:fontRef idx="minor">
+            <a:schemeClr val="lt1"/>
+          </a:fontRef>
+        </p:style>
+        <p:txBody>
+          <a:bodyPr rtlCol="0" anchor="ctr"/>
+          <a:lstStyle/>
+          <a:p>
+            <a:pPr algn="ctr"/>
+            <a:endParaRPr lang="en-US"/>
           </a:p>
         </p:txBody>
       </p:sp>
     </p:spTree>
     <p:extLst>
       <p:ext uri="{BB962C8B-B14F-4D97-AF65-F5344CB8AC3E}">
-        <p14:creationId xmlns:p14="http://schemas.microsoft.com/office/powerpoint/2010/main" val="3546750993"/>
+        <p14:creationId xmlns:p14="http://schemas.microsoft.com/office/powerpoint/2010/main" val="1246747008"/>
       </p:ext>
     </p:extLst>
   </p:cSld>
@@ -6517,6 +7102,14 @@
 <file path=ppt/slides/slide25.xml><?xml version="1.0" encoding="utf-8"?>
 <p:sld xmlns:a="http://schemas.openxmlformats.org/drawingml/2006/main" xmlns:r="http://schemas.openxmlformats.org/officeDocument/2006/relationships" xmlns:p="http://schemas.openxmlformats.org/presentationml/2006/main">
   <p:cSld>
+    <p:bg>
+      <p:bgPr>
+        <a:solidFill>
+          <a:schemeClr val="bg1"/>
+        </a:solidFill>
+        <a:effectLst/>
+      </p:bgPr>
+    </p:bg>
     <p:spTree>
       <p:nvGrpSpPr>
         <p:cNvPr id="1" name=""/>
@@ -6547,131 +7140,423 @@
             <p:ph type="title"/>
           </p:nvPr>
         </p:nvSpPr>
-        <p:spPr/>
-        <p:txBody>
-          <a:bodyPr/>
-          <a:lstStyle/>
-          <a:p>
-            <a:r>
-              <a:rPr lang="en-US" dirty="0"/>
-              <a:t>Component Lifecycle (Detection)</a:t>
-            </a:r>
-          </a:p>
-        </p:txBody>
-      </p:sp>
-      <p:sp>
-        <p:nvSpPr>
-          <p:cNvPr id="3" name="Content Placeholder 2">
-            <a:extLst>
-              <a:ext uri="{FF2B5EF4-FFF2-40B4-BE49-F238E27FC236}">
-                <a16:creationId xmlns:a16="http://schemas.microsoft.com/office/drawing/2014/main" id="{87EF7DBD-DD82-42F4-40A7-8516331285B8}"/>
-              </a:ext>
-            </a:extLst>
-          </p:cNvPr>
-          <p:cNvSpPr>
-            <a:spLocks noGrp="1"/>
-          </p:cNvSpPr>
-          <p:nvPr>
-            <p:ph idx="1"/>
-          </p:nvPr>
-        </p:nvSpPr>
-        <p:spPr/>
-        <p:txBody>
-          <a:bodyPr>
+        <p:spPr>
+          <a:xfrm>
+            <a:off x="876693" y="741391"/>
+            <a:ext cx="3455821" cy="1616203"/>
+          </a:xfrm>
+        </p:spPr>
+        <p:txBody>
+          <a:bodyPr anchor="b">
             <a:normAutofit/>
           </a:bodyPr>
           <a:lstStyle/>
           <a:p>
+            <a:r>
+              <a:rPr lang="en-US" sz="3200"/>
+              <a:t>Component Lifecycle (Change)</a:t>
+            </a:r>
+          </a:p>
+        </p:txBody>
+      </p:sp>
+      <p:sp>
+        <p:nvSpPr>
+          <p:cNvPr id="3" name="Content Placeholder 2">
+            <a:extLst>
+              <a:ext uri="{FF2B5EF4-FFF2-40B4-BE49-F238E27FC236}">
+                <a16:creationId xmlns:a16="http://schemas.microsoft.com/office/drawing/2014/main" id="{87EF7DBD-DD82-42F4-40A7-8516331285B8}"/>
+              </a:ext>
+            </a:extLst>
+          </p:cNvPr>
+          <p:cNvSpPr>
+            <a:spLocks noGrp="1"/>
+          </p:cNvSpPr>
+          <p:nvPr>
+            <p:ph idx="1"/>
+          </p:nvPr>
+        </p:nvSpPr>
+        <p:spPr>
+          <a:xfrm>
+            <a:off x="876693" y="2533476"/>
+            <a:ext cx="3455821" cy="3447832"/>
+          </a:xfrm>
+        </p:spPr>
+        <p:txBody>
+          <a:bodyPr anchor="t">
+            <a:normAutofit/>
+          </a:bodyPr>
+          <a:lstStyle/>
+          <a:p>
             <a:pPr marL="0" indent="0">
               <a:buNone/>
             </a:pPr>
             <a:r>
-              <a:rPr lang="en-US" dirty="0"/>
+              <a:rPr lang="en-US" sz="1400" dirty="0"/>
               <a:t>“</a:t>
             </a:r>
             <a:r>
-              <a:rPr lang="en-US" dirty="0" err="1"/>
+              <a:rPr lang="en-US" sz="1400" b="1" dirty="0" err="1"/>
+              <a:t>ngOnInit</a:t>
+            </a:r>
+            <a:r>
+              <a:rPr lang="en-US" sz="1400" dirty="0"/>
+              <a:t>”</a:t>
+            </a:r>
+          </a:p>
+          <a:p>
+            <a:r>
+              <a:rPr lang="en-US" sz="1400" dirty="0"/>
+              <a:t>Runs once after Angular has initialized all the component's inputs.</a:t>
+            </a:r>
+          </a:p>
+          <a:p>
+            <a:r>
+              <a:rPr lang="en-US" sz="1400" b="0" i="0" dirty="0">
+                <a:effectLst/>
+                <a:latin typeface="source-serif-pro"/>
+              </a:rPr>
+              <a:t>This method is </a:t>
+            </a:r>
+            <a:r>
+              <a:rPr lang="en-US" sz="1400" b="1" i="0" dirty="0">
+                <a:effectLst/>
+                <a:latin typeface="source-serif-pro"/>
+              </a:rPr>
+              <a:t>called only once</a:t>
+            </a:r>
+            <a:r>
+              <a:rPr lang="en-US" sz="1400" b="0" i="0" dirty="0">
+                <a:effectLst/>
+                <a:latin typeface="source-serif-pro"/>
+              </a:rPr>
+              <a:t> during the component lifecycle and is the most used hook in Angular.</a:t>
+            </a:r>
+          </a:p>
+          <a:p>
+            <a:r>
+              <a:rPr lang="en-US" sz="1400" b="0" i="0" dirty="0">
+                <a:effectLst/>
+                <a:latin typeface="source-serif-pro"/>
+              </a:rPr>
+              <a:t>It is called after the </a:t>
+            </a:r>
+            <a:r>
+              <a:rPr lang="en-US" sz="1400" b="1" i="0" dirty="0" err="1">
+                <a:effectLst/>
+                <a:latin typeface="source-serif-pro"/>
+              </a:rPr>
               <a:t>ngOnChanges</a:t>
             </a:r>
             <a:r>
-              <a:rPr lang="en-US" dirty="0"/>
-              <a:t>”</a:t>
-            </a:r>
-          </a:p>
-          <a:p>
-            <a:r>
-              <a:rPr lang="en-US" dirty="0"/>
-              <a:t>Runs every time the component's inputs have changed.</a:t>
-            </a:r>
-            <a:br>
-              <a:rPr lang="en-US" dirty="0"/>
-            </a:br>
-            <a:endParaRPr lang="en-US" dirty="0"/>
-          </a:p>
-          <a:p>
-            <a:pPr marL="0" indent="0">
-              <a:buNone/>
-            </a:pPr>
-            <a:r>
-              <a:rPr lang="en-US" dirty="0"/>
-              <a:t>“</a:t>
-            </a:r>
-            <a:r>
-              <a:rPr lang="en-US" dirty="0" err="1"/>
-              <a:t>ngDoCheck</a:t>
-            </a:r>
-            <a:r>
-              <a:rPr lang="en-US" dirty="0"/>
-              <a:t>”</a:t>
-            </a:r>
-          </a:p>
-          <a:p>
-            <a:r>
-              <a:rPr lang="en-US" dirty="0"/>
-              <a:t>Runs every time this component is checked for changes.</a:t>
-            </a:r>
-          </a:p>
-          <a:p>
-            <a:endParaRPr lang="en-US" dirty="0"/>
-          </a:p>
-          <a:p>
-            <a:pPr marL="0" indent="0">
-              <a:buNone/>
-            </a:pPr>
-            <a:r>
-              <a:rPr lang="en-US" dirty="0"/>
-              <a:t>“</a:t>
-            </a:r>
-            <a:r>
-              <a:rPr lang="en-US" dirty="0" err="1"/>
-              <a:t>ngAfterContentInit</a:t>
-            </a:r>
-            <a:r>
-              <a:rPr lang="en-US" dirty="0"/>
-              <a:t>”</a:t>
-            </a:r>
-          </a:p>
-          <a:p>
-            <a:r>
-              <a:rPr lang="en-US" dirty="0"/>
-              <a:t>Runs once after the component's content has been initialized.</a:t>
-            </a:r>
-          </a:p>
-          <a:p>
-            <a:endParaRPr lang="en-US" dirty="0"/>
-          </a:p>
-          <a:p>
-            <a:pPr marL="0" indent="0">
-              <a:buNone/>
-            </a:pPr>
-            <a:endParaRPr lang="en-US" dirty="0"/>
+              <a:rPr lang="en-US" sz="1400" b="0" i="0" dirty="0">
+                <a:effectLst/>
+                <a:latin typeface="source-serif-pro"/>
+              </a:rPr>
+              <a:t> method. Even if </a:t>
+            </a:r>
+            <a:r>
+              <a:rPr lang="en-US" sz="1400" b="1" i="0" dirty="0" err="1">
+                <a:effectLst/>
+                <a:latin typeface="source-serif-pro"/>
+              </a:rPr>
+              <a:t>ngOnChanges</a:t>
+            </a:r>
+            <a:r>
+              <a:rPr lang="en-US" sz="1400" b="0" i="0" dirty="0">
+                <a:effectLst/>
+                <a:latin typeface="source-serif-pro"/>
+              </a:rPr>
+              <a:t> is not called, it will still be called.</a:t>
+            </a:r>
+          </a:p>
+          <a:p>
+            <a:r>
+              <a:rPr lang="en-US" sz="1400" b="0" i="0" dirty="0">
+                <a:effectLst/>
+                <a:latin typeface="source-serif-pro"/>
+              </a:rPr>
+              <a:t>We can use </a:t>
+            </a:r>
+            <a:r>
+              <a:rPr lang="en-US" sz="1400" b="1" i="0" dirty="0" err="1">
+                <a:effectLst/>
+                <a:latin typeface="source-serif-pro"/>
+              </a:rPr>
+              <a:t>ngOnInit</a:t>
+            </a:r>
+            <a:r>
+              <a:rPr lang="en-US" sz="1400" b="0" i="0" dirty="0">
+                <a:effectLst/>
+                <a:latin typeface="source-serif-pro"/>
+              </a:rPr>
+              <a:t> for initialization tasks. This is a good place for fetching data from a server, and it’s a best practice.</a:t>
+            </a:r>
+          </a:p>
+          <a:p>
+            <a:endParaRPr lang="en-US" sz="1400" dirty="0"/>
+          </a:p>
+        </p:txBody>
+      </p:sp>
+      <p:pic>
+        <p:nvPicPr>
+          <p:cNvPr id="8" name="Picture 7" descr="A diagram of a process&#10;&#10;Description automatically generated">
+            <a:extLst>
+              <a:ext uri="{FF2B5EF4-FFF2-40B4-BE49-F238E27FC236}">
+                <a16:creationId xmlns:a16="http://schemas.microsoft.com/office/drawing/2014/main" id="{35C956F3-1940-9D6D-0578-F17DA69C475C}"/>
+              </a:ext>
+            </a:extLst>
+          </p:cNvPr>
+          <p:cNvPicPr>
+            <a:picLocks noChangeAspect="1"/>
+          </p:cNvPicPr>
+          <p:nvPr/>
+        </p:nvPicPr>
+        <p:blipFill>
+          <a:blip r:embed="rId2"/>
+          <a:stretch>
+            <a:fillRect/>
+          </a:stretch>
+        </p:blipFill>
+        <p:spPr>
+          <a:xfrm>
+            <a:off x="4987672" y="1492891"/>
+            <a:ext cx="6389346" cy="3881527"/>
+          </a:xfrm>
+          <a:prstGeom prst="rect">
+            <a:avLst/>
+          </a:prstGeom>
+        </p:spPr>
+      </p:pic>
+      <p:grpSp>
+        <p:nvGrpSpPr>
+          <p:cNvPr id="13" name="Group 12">
+            <a:extLst>
+              <a:ext uri="{FF2B5EF4-FFF2-40B4-BE49-F238E27FC236}">
+                <a16:creationId xmlns:a16="http://schemas.microsoft.com/office/drawing/2014/main" id="{6258F736-B256-8039-9DC6-F4E49A5C5AD5}"/>
+              </a:ext>
+              <a:ext uri="{C183D7F6-B498-43B3-948B-1728B52AA6E4}">
+                <adec:decorative xmlns:adec="http://schemas.microsoft.com/office/drawing/2017/decorative" val="1"/>
+              </a:ext>
+            </a:extLst>
+          </p:cNvPr>
+          <p:cNvGrpSpPr>
+            <a:grpSpLocks noGrp="1" noUngrp="1" noRot="1" noChangeAspect="1" noMove="1" noResize="1"/>
+          </p:cNvGrpSpPr>
+          <p:nvPr>
+            <p:extLst>
+              <p:ext uri="{386F3935-93C4-4BCD-93E2-E3B085C9AB24}">
+                <p16:designElem xmlns:p16="http://schemas.microsoft.com/office/powerpoint/2015/main" val="1"/>
+              </p:ext>
+            </p:extLst>
+          </p:nvPr>
+        </p:nvGrpSpPr>
+        <p:grpSpPr>
+          <a:xfrm flipH="1">
+            <a:off x="12068638" y="0"/>
+            <a:ext cx="123362" cy="6858000"/>
+            <a:chOff x="12068638" y="0"/>
+            <a:chExt cx="123362" cy="6858000"/>
+          </a:xfrm>
+        </p:grpSpPr>
+        <p:sp>
+          <p:nvSpPr>
+            <p:cNvPr id="14" name="Rectangle 13">
+              <a:extLst>
+                <a:ext uri="{FF2B5EF4-FFF2-40B4-BE49-F238E27FC236}">
+                  <a16:creationId xmlns:a16="http://schemas.microsoft.com/office/drawing/2014/main" id="{10B4520A-996E-330C-99DA-69CA4D89E906}"/>
+                </a:ext>
+                <a:ext uri="{C183D7F6-B498-43B3-948B-1728B52AA6E4}">
+                  <adec:decorative xmlns:adec="http://schemas.microsoft.com/office/drawing/2017/decorative" val="1"/>
+                </a:ext>
+              </a:extLst>
+            </p:cNvPr>
+            <p:cNvSpPr/>
+            <p:nvPr>
+              <p:extLst>
+                <p:ext uri="{386F3935-93C4-4BCD-93E2-E3B085C9AB24}">
+                  <p16:designElem xmlns:p16="http://schemas.microsoft.com/office/powerpoint/2015/main" val="1"/>
+                </p:ext>
+              </p:extLst>
+            </p:nvPr>
+          </p:nvSpPr>
+          <p:spPr>
+            <a:xfrm>
+              <a:off x="12068638" y="0"/>
+              <a:ext cx="123362" cy="6858000"/>
+            </a:xfrm>
+            <a:prstGeom prst="rect">
+              <a:avLst/>
+            </a:prstGeom>
+            <a:gradFill>
+              <a:gsLst>
+                <a:gs pos="0">
+                  <a:schemeClr val="accent2"/>
+                </a:gs>
+                <a:gs pos="100000">
+                  <a:schemeClr val="accent5"/>
+                </a:gs>
+              </a:gsLst>
+              <a:lin ang="1800000" scaled="0"/>
+            </a:gradFill>
+            <a:ln>
+              <a:noFill/>
+            </a:ln>
+          </p:spPr>
+          <p:style>
+            <a:lnRef idx="2">
+              <a:schemeClr val="accent1">
+                <a:shade val="50000"/>
+              </a:schemeClr>
+            </a:lnRef>
+            <a:fillRef idx="1">
+              <a:schemeClr val="accent1"/>
+            </a:fillRef>
+            <a:effectRef idx="0">
+              <a:schemeClr val="accent1"/>
+            </a:effectRef>
+            <a:fontRef idx="minor">
+              <a:schemeClr val="lt1"/>
+            </a:fontRef>
+          </p:style>
+          <p:txBody>
+            <a:bodyPr rtlCol="0" anchor="ctr"/>
+            <a:lstStyle/>
+            <a:p>
+              <a:pPr algn="ctr"/>
+              <a:endParaRPr lang="en-US"/>
+            </a:p>
+          </p:txBody>
+        </p:sp>
+        <p:sp>
+          <p:nvSpPr>
+            <p:cNvPr id="15" name="Rectangle 14">
+              <a:extLst>
+                <a:ext uri="{FF2B5EF4-FFF2-40B4-BE49-F238E27FC236}">
+                  <a16:creationId xmlns:a16="http://schemas.microsoft.com/office/drawing/2014/main" id="{EC8FA945-E356-695F-18D6-CAD4EF34FE4A}"/>
+                </a:ext>
+                <a:ext uri="{C183D7F6-B498-43B3-948B-1728B52AA6E4}">
+                  <adec:decorative xmlns:adec="http://schemas.microsoft.com/office/drawing/2017/decorative" val="1"/>
+                </a:ext>
+              </a:extLst>
+            </p:cNvPr>
+            <p:cNvSpPr/>
+            <p:nvPr>
+              <p:extLst>
+                <p:ext uri="{386F3935-93C4-4BCD-93E2-E3B085C9AB24}">
+                  <p16:designElem xmlns:p16="http://schemas.microsoft.com/office/powerpoint/2015/main" val="1"/>
+                </p:ext>
+              </p:extLst>
+            </p:nvPr>
+          </p:nvSpPr>
+          <p:spPr>
+            <a:xfrm>
+              <a:off x="12068638" y="3527553"/>
+              <a:ext cx="123362" cy="3330447"/>
+            </a:xfrm>
+            <a:prstGeom prst="rect">
+              <a:avLst/>
+            </a:prstGeom>
+            <a:gradFill>
+              <a:gsLst>
+                <a:gs pos="19000">
+                  <a:schemeClr val="accent5">
+                    <a:lumMod val="60000"/>
+                    <a:lumOff val="40000"/>
+                    <a:alpha val="0"/>
+                  </a:schemeClr>
+                </a:gs>
+                <a:gs pos="100000">
+                  <a:schemeClr val="accent5">
+                    <a:lumMod val="60000"/>
+                    <a:lumOff val="40000"/>
+                  </a:schemeClr>
+                </a:gs>
+              </a:gsLst>
+              <a:lin ang="600000" scaled="0"/>
+            </a:gradFill>
+            <a:ln>
+              <a:noFill/>
+            </a:ln>
+          </p:spPr>
+          <p:style>
+            <a:lnRef idx="2">
+              <a:schemeClr val="accent1">
+                <a:shade val="50000"/>
+              </a:schemeClr>
+            </a:lnRef>
+            <a:fillRef idx="1">
+              <a:schemeClr val="accent1"/>
+            </a:fillRef>
+            <a:effectRef idx="0">
+              <a:schemeClr val="accent1"/>
+            </a:effectRef>
+            <a:fontRef idx="minor">
+              <a:schemeClr val="lt1"/>
+            </a:fontRef>
+          </p:style>
+          <p:txBody>
+            <a:bodyPr rtlCol="0" anchor="ctr"/>
+            <a:lstStyle/>
+            <a:p>
+              <a:pPr algn="ctr"/>
+              <a:endParaRPr lang="en-US"/>
+            </a:p>
+          </p:txBody>
+        </p:sp>
+      </p:grpSp>
+      <p:sp>
+        <p:nvSpPr>
+          <p:cNvPr id="9" name="Oval 8">
+            <a:extLst>
+              <a:ext uri="{FF2B5EF4-FFF2-40B4-BE49-F238E27FC236}">
+                <a16:creationId xmlns:a16="http://schemas.microsoft.com/office/drawing/2014/main" id="{BEC163DC-6F0B-C342-74C2-FCCFCE01B246}"/>
+              </a:ext>
+            </a:extLst>
+          </p:cNvPr>
+          <p:cNvSpPr/>
+          <p:nvPr/>
+        </p:nvSpPr>
+        <p:spPr>
+          <a:xfrm>
+            <a:off x="10115325" y="1739260"/>
+            <a:ext cx="251926" cy="242596"/>
+          </a:xfrm>
+          <a:prstGeom prst="ellipse">
+            <a:avLst/>
+          </a:prstGeom>
+          <a:solidFill>
+            <a:srgbClr val="FF0000"/>
+          </a:solidFill>
+        </p:spPr>
+        <p:style>
+          <a:lnRef idx="2">
+            <a:schemeClr val="accent1">
+              <a:shade val="15000"/>
+            </a:schemeClr>
+          </a:lnRef>
+          <a:fillRef idx="1">
+            <a:schemeClr val="accent1"/>
+          </a:fillRef>
+          <a:effectRef idx="0">
+            <a:schemeClr val="accent1"/>
+          </a:effectRef>
+          <a:fontRef idx="minor">
+            <a:schemeClr val="lt1"/>
+          </a:fontRef>
+        </p:style>
+        <p:txBody>
+          <a:bodyPr rtlCol="0" anchor="ctr"/>
+          <a:lstStyle/>
+          <a:p>
+            <a:pPr algn="ctr"/>
+            <a:endParaRPr lang="en-US"/>
           </a:p>
         </p:txBody>
       </p:sp>
     </p:spTree>
     <p:extLst>
       <p:ext uri="{BB962C8B-B14F-4D97-AF65-F5344CB8AC3E}">
-        <p14:creationId xmlns:p14="http://schemas.microsoft.com/office/powerpoint/2010/main" val="1246747008"/>
+        <p14:creationId xmlns:p14="http://schemas.microsoft.com/office/powerpoint/2010/main" val="3546750993"/>
       </p:ext>
     </p:extLst>
   </p:cSld>
@@ -6684,6 +7569,14 @@
 <file path=ppt/slides/slide26.xml><?xml version="1.0" encoding="utf-8"?>
 <p:sld xmlns:a="http://schemas.openxmlformats.org/drawingml/2006/main" xmlns:r="http://schemas.openxmlformats.org/officeDocument/2006/relationships" xmlns:p="http://schemas.openxmlformats.org/presentationml/2006/main">
   <p:cSld>
+    <p:bg>
+      <p:bgPr>
+        <a:solidFill>
+          <a:schemeClr val="bg1"/>
+        </a:solidFill>
+        <a:effectLst/>
+      </p:bgPr>
+    </p:bg>
     <p:spTree>
       <p:nvGrpSpPr>
         <p:cNvPr id="1" name=""/>
@@ -6714,131 +7607,363 @@
             <p:ph type="title"/>
           </p:nvPr>
         </p:nvSpPr>
-        <p:spPr/>
-        <p:txBody>
-          <a:bodyPr/>
-          <a:lstStyle/>
-          <a:p>
-            <a:r>
-              <a:rPr lang="en-US" dirty="0"/>
-              <a:t>Component Lifecycle (Detection)</a:t>
-            </a:r>
-          </a:p>
-        </p:txBody>
-      </p:sp>
-      <p:sp>
-        <p:nvSpPr>
-          <p:cNvPr id="3" name="Content Placeholder 2">
-            <a:extLst>
-              <a:ext uri="{FF2B5EF4-FFF2-40B4-BE49-F238E27FC236}">
-                <a16:creationId xmlns:a16="http://schemas.microsoft.com/office/drawing/2014/main" id="{87EF7DBD-DD82-42F4-40A7-8516331285B8}"/>
-              </a:ext>
-            </a:extLst>
-          </p:cNvPr>
-          <p:cNvSpPr>
-            <a:spLocks noGrp="1"/>
-          </p:cNvSpPr>
-          <p:nvPr>
-            <p:ph idx="1"/>
-          </p:nvPr>
-        </p:nvSpPr>
-        <p:spPr/>
-        <p:txBody>
-          <a:bodyPr>
+        <p:spPr>
+          <a:xfrm>
+            <a:off x="876693" y="741391"/>
+            <a:ext cx="3455821" cy="1616203"/>
+          </a:xfrm>
+        </p:spPr>
+        <p:txBody>
+          <a:bodyPr anchor="b">
             <a:normAutofit/>
           </a:bodyPr>
           <a:lstStyle/>
           <a:p>
+            <a:r>
+              <a:rPr lang="en-US" sz="3200"/>
+              <a:t>Component Lifecycle (Detection)</a:t>
+            </a:r>
+          </a:p>
+        </p:txBody>
+      </p:sp>
+      <p:sp>
+        <p:nvSpPr>
+          <p:cNvPr id="3" name="Content Placeholder 2">
+            <a:extLst>
+              <a:ext uri="{FF2B5EF4-FFF2-40B4-BE49-F238E27FC236}">
+                <a16:creationId xmlns:a16="http://schemas.microsoft.com/office/drawing/2014/main" id="{87EF7DBD-DD82-42F4-40A7-8516331285B8}"/>
+              </a:ext>
+            </a:extLst>
+          </p:cNvPr>
+          <p:cNvSpPr>
+            <a:spLocks noGrp="1"/>
+          </p:cNvSpPr>
+          <p:nvPr>
+            <p:ph idx="1"/>
+          </p:nvPr>
+        </p:nvSpPr>
+        <p:spPr>
+          <a:xfrm>
+            <a:off x="876693" y="2533476"/>
+            <a:ext cx="3455821" cy="3447832"/>
+          </a:xfrm>
+        </p:spPr>
+        <p:txBody>
+          <a:bodyPr anchor="t">
+            <a:normAutofit/>
+          </a:bodyPr>
+          <a:lstStyle/>
+          <a:p>
             <a:pPr marL="0" indent="0">
               <a:buNone/>
             </a:pPr>
             <a:r>
-              <a:rPr lang="en-US" dirty="0"/>
+              <a:rPr lang="en-US" sz="2000" dirty="0"/>
               <a:t>“</a:t>
             </a:r>
             <a:r>
-              <a:rPr lang="en-US" dirty="0" err="1"/>
-              <a:t>ngAfterContentChecked</a:t>
-            </a:r>
-            <a:r>
-              <a:rPr lang="en-US" dirty="0"/>
+              <a:rPr lang="en-US" sz="2000" b="1" dirty="0" err="1"/>
+              <a:t>ngDoCheck</a:t>
+            </a:r>
+            <a:r>
+              <a:rPr lang="en-US" sz="2000" dirty="0"/>
               <a:t>”</a:t>
             </a:r>
           </a:p>
           <a:p>
-            <a:r>
-              <a:rPr lang="en-US" dirty="0"/>
-              <a:t>Runs every time this component content has been checked for changes.</a:t>
-            </a:r>
-            <a:br>
-              <a:rPr lang="en-US" dirty="0"/>
-            </a:br>
-            <a:endParaRPr lang="en-US" dirty="0"/>
-          </a:p>
-          <a:p>
             <a:pPr marL="0" indent="0">
               <a:buNone/>
             </a:pPr>
-            <a:r>
-              <a:rPr lang="en-US" dirty="0"/>
-              <a:t>“</a:t>
-            </a:r>
-            <a:r>
-              <a:rPr lang="en-US" dirty="0" err="1"/>
-              <a:t>ngAfterViewInit</a:t>
-            </a:r>
-            <a:r>
-              <a:rPr lang="en-US" dirty="0"/>
-              <a:t>”</a:t>
-            </a:r>
-          </a:p>
-          <a:p>
-            <a:r>
-              <a:rPr lang="en-US" dirty="0"/>
-              <a:t>Runs once after the component's view has been initialized.</a:t>
-            </a:r>
-          </a:p>
-          <a:p>
-            <a:endParaRPr lang="en-US" dirty="0"/>
+            <a:endParaRPr lang="en-US" sz="2000" dirty="0"/>
+          </a:p>
+          <a:p>
+            <a:r>
+              <a:rPr lang="en-US" sz="2000" dirty="0"/>
+              <a:t>this method is </a:t>
+            </a:r>
+            <a:r>
+              <a:rPr lang="en-US" sz="2000" b="1" dirty="0"/>
+              <a:t>called almost every change detection</a:t>
+            </a:r>
+            <a:r>
+              <a:rPr lang="en-US" sz="2000" dirty="0"/>
+              <a:t>, so you shouldn’t do heavy things here. It will be bad for your website’s performance.</a:t>
+            </a:r>
           </a:p>
           <a:p>
             <a:pPr marL="0" indent="0">
               <a:buNone/>
             </a:pPr>
-            <a:r>
-              <a:rPr lang="en-US" dirty="0"/>
-              <a:t>“</a:t>
-            </a:r>
-            <a:r>
-              <a:rPr lang="en-US" dirty="0" err="1"/>
-              <a:t>ngAfterViewChecked</a:t>
-            </a:r>
-            <a:r>
-              <a:rPr lang="en-US" dirty="0"/>
-              <a:t>”</a:t>
-            </a:r>
-          </a:p>
-          <a:p>
-            <a:r>
-              <a:rPr lang="en-US" dirty="0"/>
-              <a:t>Runs every time the component's view has been checked for changes.</a:t>
-            </a:r>
-          </a:p>
-          <a:p>
-            <a:endParaRPr lang="en-US" dirty="0"/>
+            <a:endParaRPr lang="en-US" sz="2000" dirty="0"/>
           </a:p>
           <a:p>
             <a:pPr marL="0" indent="0">
               <a:buNone/>
             </a:pPr>
-            <a:endParaRPr lang="en-US" dirty="0"/>
+            <a:endParaRPr lang="en-US" sz="2000" dirty="0"/>
+          </a:p>
+        </p:txBody>
+      </p:sp>
+      <p:pic>
+        <p:nvPicPr>
+          <p:cNvPr id="4" name="Picture 3" descr="A diagram of a process&#10;&#10;Description automatically generated">
+            <a:extLst>
+              <a:ext uri="{FF2B5EF4-FFF2-40B4-BE49-F238E27FC236}">
+                <a16:creationId xmlns:a16="http://schemas.microsoft.com/office/drawing/2014/main" id="{E2E1E6F9-3103-9A08-7398-49E2C0668A75}"/>
+              </a:ext>
+            </a:extLst>
+          </p:cNvPr>
+          <p:cNvPicPr>
+            <a:picLocks noChangeAspect="1"/>
+          </p:cNvPicPr>
+          <p:nvPr/>
+        </p:nvPicPr>
+        <p:blipFill>
+          <a:blip r:embed="rId2"/>
+          <a:stretch>
+            <a:fillRect/>
+          </a:stretch>
+        </p:blipFill>
+        <p:spPr>
+          <a:xfrm>
+            <a:off x="4987672" y="1492891"/>
+            <a:ext cx="6389346" cy="3881527"/>
+          </a:xfrm>
+          <a:prstGeom prst="rect">
+            <a:avLst/>
+          </a:prstGeom>
+        </p:spPr>
+      </p:pic>
+      <p:grpSp>
+        <p:nvGrpSpPr>
+          <p:cNvPr id="9" name="Group 8">
+            <a:extLst>
+              <a:ext uri="{FF2B5EF4-FFF2-40B4-BE49-F238E27FC236}">
+                <a16:creationId xmlns:a16="http://schemas.microsoft.com/office/drawing/2014/main" id="{6258F736-B256-8039-9DC6-F4E49A5C5AD5}"/>
+              </a:ext>
+              <a:ext uri="{C183D7F6-B498-43B3-948B-1728B52AA6E4}">
+                <adec:decorative xmlns:adec="http://schemas.microsoft.com/office/drawing/2017/decorative" val="1"/>
+              </a:ext>
+            </a:extLst>
+          </p:cNvPr>
+          <p:cNvGrpSpPr>
+            <a:grpSpLocks noGrp="1" noUngrp="1" noRot="1" noChangeAspect="1" noMove="1" noResize="1"/>
+          </p:cNvGrpSpPr>
+          <p:nvPr>
+            <p:extLst>
+              <p:ext uri="{386F3935-93C4-4BCD-93E2-E3B085C9AB24}">
+                <p16:designElem xmlns:p16="http://schemas.microsoft.com/office/powerpoint/2015/main" val="1"/>
+              </p:ext>
+            </p:extLst>
+          </p:nvPr>
+        </p:nvGrpSpPr>
+        <p:grpSpPr>
+          <a:xfrm flipH="1">
+            <a:off x="12068638" y="0"/>
+            <a:ext cx="123362" cy="6858000"/>
+            <a:chOff x="12068638" y="0"/>
+            <a:chExt cx="123362" cy="6858000"/>
+          </a:xfrm>
+        </p:grpSpPr>
+        <p:sp>
+          <p:nvSpPr>
+            <p:cNvPr id="10" name="Rectangle 9">
+              <a:extLst>
+                <a:ext uri="{FF2B5EF4-FFF2-40B4-BE49-F238E27FC236}">
+                  <a16:creationId xmlns:a16="http://schemas.microsoft.com/office/drawing/2014/main" id="{10B4520A-996E-330C-99DA-69CA4D89E906}"/>
+                </a:ext>
+                <a:ext uri="{C183D7F6-B498-43B3-948B-1728B52AA6E4}">
+                  <adec:decorative xmlns:adec="http://schemas.microsoft.com/office/drawing/2017/decorative" val="1"/>
+                </a:ext>
+              </a:extLst>
+            </p:cNvPr>
+            <p:cNvSpPr/>
+            <p:nvPr>
+              <p:extLst>
+                <p:ext uri="{386F3935-93C4-4BCD-93E2-E3B085C9AB24}">
+                  <p16:designElem xmlns:p16="http://schemas.microsoft.com/office/powerpoint/2015/main" val="1"/>
+                </p:ext>
+              </p:extLst>
+            </p:nvPr>
+          </p:nvSpPr>
+          <p:spPr>
+            <a:xfrm>
+              <a:off x="12068638" y="0"/>
+              <a:ext cx="123362" cy="6858000"/>
+            </a:xfrm>
+            <a:prstGeom prst="rect">
+              <a:avLst/>
+            </a:prstGeom>
+            <a:gradFill>
+              <a:gsLst>
+                <a:gs pos="0">
+                  <a:schemeClr val="accent2"/>
+                </a:gs>
+                <a:gs pos="100000">
+                  <a:schemeClr val="accent5"/>
+                </a:gs>
+              </a:gsLst>
+              <a:lin ang="1800000" scaled="0"/>
+            </a:gradFill>
+            <a:ln>
+              <a:noFill/>
+            </a:ln>
+          </p:spPr>
+          <p:style>
+            <a:lnRef idx="2">
+              <a:schemeClr val="accent1">
+                <a:shade val="50000"/>
+              </a:schemeClr>
+            </a:lnRef>
+            <a:fillRef idx="1">
+              <a:schemeClr val="accent1"/>
+            </a:fillRef>
+            <a:effectRef idx="0">
+              <a:schemeClr val="accent1"/>
+            </a:effectRef>
+            <a:fontRef idx="minor">
+              <a:schemeClr val="lt1"/>
+            </a:fontRef>
+          </p:style>
+          <p:txBody>
+            <a:bodyPr rtlCol="0" anchor="ctr"/>
+            <a:lstStyle/>
+            <a:p>
+              <a:pPr algn="ctr"/>
+              <a:endParaRPr lang="en-US"/>
+            </a:p>
+          </p:txBody>
+        </p:sp>
+        <p:sp>
+          <p:nvSpPr>
+            <p:cNvPr id="11" name="Rectangle 10">
+              <a:extLst>
+                <a:ext uri="{FF2B5EF4-FFF2-40B4-BE49-F238E27FC236}">
+                  <a16:creationId xmlns:a16="http://schemas.microsoft.com/office/drawing/2014/main" id="{EC8FA945-E356-695F-18D6-CAD4EF34FE4A}"/>
+                </a:ext>
+                <a:ext uri="{C183D7F6-B498-43B3-948B-1728B52AA6E4}">
+                  <adec:decorative xmlns:adec="http://schemas.microsoft.com/office/drawing/2017/decorative" val="1"/>
+                </a:ext>
+              </a:extLst>
+            </p:cNvPr>
+            <p:cNvSpPr/>
+            <p:nvPr>
+              <p:extLst>
+                <p:ext uri="{386F3935-93C4-4BCD-93E2-E3B085C9AB24}">
+                  <p16:designElem xmlns:p16="http://schemas.microsoft.com/office/powerpoint/2015/main" val="1"/>
+                </p:ext>
+              </p:extLst>
+            </p:nvPr>
+          </p:nvSpPr>
+          <p:spPr>
+            <a:xfrm>
+              <a:off x="12068638" y="3527553"/>
+              <a:ext cx="123362" cy="3330447"/>
+            </a:xfrm>
+            <a:prstGeom prst="rect">
+              <a:avLst/>
+            </a:prstGeom>
+            <a:gradFill>
+              <a:gsLst>
+                <a:gs pos="19000">
+                  <a:schemeClr val="accent5">
+                    <a:lumMod val="60000"/>
+                    <a:lumOff val="40000"/>
+                    <a:alpha val="0"/>
+                  </a:schemeClr>
+                </a:gs>
+                <a:gs pos="100000">
+                  <a:schemeClr val="accent5">
+                    <a:lumMod val="60000"/>
+                    <a:lumOff val="40000"/>
+                  </a:schemeClr>
+                </a:gs>
+              </a:gsLst>
+              <a:lin ang="600000" scaled="0"/>
+            </a:gradFill>
+            <a:ln>
+              <a:noFill/>
+            </a:ln>
+          </p:spPr>
+          <p:style>
+            <a:lnRef idx="2">
+              <a:schemeClr val="accent1">
+                <a:shade val="50000"/>
+              </a:schemeClr>
+            </a:lnRef>
+            <a:fillRef idx="1">
+              <a:schemeClr val="accent1"/>
+            </a:fillRef>
+            <a:effectRef idx="0">
+              <a:schemeClr val="accent1"/>
+            </a:effectRef>
+            <a:fontRef idx="minor">
+              <a:schemeClr val="lt1"/>
+            </a:fontRef>
+          </p:style>
+          <p:txBody>
+            <a:bodyPr rtlCol="0" anchor="ctr"/>
+            <a:lstStyle/>
+            <a:p>
+              <a:pPr algn="ctr"/>
+              <a:endParaRPr lang="en-US"/>
+            </a:p>
+          </p:txBody>
+        </p:sp>
+      </p:grpSp>
+      <p:sp>
+        <p:nvSpPr>
+          <p:cNvPr id="5" name="Oval 4">
+            <a:extLst>
+              <a:ext uri="{FF2B5EF4-FFF2-40B4-BE49-F238E27FC236}">
+                <a16:creationId xmlns:a16="http://schemas.microsoft.com/office/drawing/2014/main" id="{B7500164-5608-1F40-710F-8D9AE6AD28A2}"/>
+              </a:ext>
+            </a:extLst>
+          </p:cNvPr>
+          <p:cNvSpPr/>
+          <p:nvPr/>
+        </p:nvSpPr>
+        <p:spPr>
+          <a:xfrm>
+            <a:off x="10871104" y="3064207"/>
+            <a:ext cx="251926" cy="242596"/>
+          </a:xfrm>
+          <a:prstGeom prst="ellipse">
+            <a:avLst/>
+          </a:prstGeom>
+          <a:solidFill>
+            <a:srgbClr val="FF0000"/>
+          </a:solidFill>
+        </p:spPr>
+        <p:style>
+          <a:lnRef idx="2">
+            <a:schemeClr val="accent1">
+              <a:shade val="15000"/>
+            </a:schemeClr>
+          </a:lnRef>
+          <a:fillRef idx="1">
+            <a:schemeClr val="accent1"/>
+          </a:fillRef>
+          <a:effectRef idx="0">
+            <a:schemeClr val="accent1"/>
+          </a:effectRef>
+          <a:fontRef idx="minor">
+            <a:schemeClr val="lt1"/>
+          </a:fontRef>
+        </p:style>
+        <p:txBody>
+          <a:bodyPr rtlCol="0" anchor="ctr"/>
+          <a:lstStyle/>
+          <a:p>
+            <a:pPr algn="ctr"/>
+            <a:endParaRPr lang="en-US"/>
           </a:p>
         </p:txBody>
       </p:sp>
     </p:spTree>
     <p:extLst>
       <p:ext uri="{BB962C8B-B14F-4D97-AF65-F5344CB8AC3E}">
-        <p14:creationId xmlns:p14="http://schemas.microsoft.com/office/powerpoint/2010/main" val="2753445635"/>
+        <p14:creationId xmlns:p14="http://schemas.microsoft.com/office/powerpoint/2010/main" val="996045654"/>
       </p:ext>
     </p:extLst>
   </p:cSld>
@@ -6851,6 +7976,14 @@
 <file path=ppt/slides/slide27.xml><?xml version="1.0" encoding="utf-8"?>
 <p:sld xmlns:a="http://schemas.openxmlformats.org/drawingml/2006/main" xmlns:r="http://schemas.openxmlformats.org/officeDocument/2006/relationships" xmlns:p="http://schemas.openxmlformats.org/presentationml/2006/main">
   <p:cSld>
+    <p:bg>
+      <p:bgPr>
+        <a:solidFill>
+          <a:schemeClr val="bg1"/>
+        </a:solidFill>
+        <a:effectLst/>
+      </p:bgPr>
+    </p:bg>
     <p:spTree>
       <p:nvGrpSpPr>
         <p:cNvPr id="1" name=""/>
@@ -6881,102 +8014,364 @@
             <p:ph type="title"/>
           </p:nvPr>
         </p:nvSpPr>
-        <p:spPr/>
-        <p:txBody>
-          <a:bodyPr/>
-          <a:lstStyle/>
-          <a:p>
-            <a:r>
-              <a:rPr lang="en-US" dirty="0"/>
-              <a:t>Component Lifecycle (Rendering)</a:t>
-            </a:r>
-          </a:p>
-        </p:txBody>
-      </p:sp>
-      <p:sp>
-        <p:nvSpPr>
-          <p:cNvPr id="3" name="Content Placeholder 2">
-            <a:extLst>
-              <a:ext uri="{FF2B5EF4-FFF2-40B4-BE49-F238E27FC236}">
-                <a16:creationId xmlns:a16="http://schemas.microsoft.com/office/drawing/2014/main" id="{87EF7DBD-DD82-42F4-40A7-8516331285B8}"/>
-              </a:ext>
-            </a:extLst>
-          </p:cNvPr>
-          <p:cNvSpPr>
-            <a:spLocks noGrp="1"/>
-          </p:cNvSpPr>
-          <p:nvPr>
-            <p:ph idx="1"/>
-          </p:nvPr>
-        </p:nvSpPr>
-        <p:spPr/>
-        <p:txBody>
-          <a:bodyPr>
+        <p:spPr>
+          <a:xfrm>
+            <a:off x="876693" y="741391"/>
+            <a:ext cx="3455821" cy="1616203"/>
+          </a:xfrm>
+        </p:spPr>
+        <p:txBody>
+          <a:bodyPr anchor="b">
             <a:normAutofit/>
           </a:bodyPr>
           <a:lstStyle/>
           <a:p>
+            <a:r>
+              <a:rPr lang="en-US" sz="3200"/>
+              <a:t>Component Lifecycle (Detection)</a:t>
+            </a:r>
+          </a:p>
+        </p:txBody>
+      </p:sp>
+      <p:sp>
+        <p:nvSpPr>
+          <p:cNvPr id="3" name="Content Placeholder 2">
+            <a:extLst>
+              <a:ext uri="{FF2B5EF4-FFF2-40B4-BE49-F238E27FC236}">
+                <a16:creationId xmlns:a16="http://schemas.microsoft.com/office/drawing/2014/main" id="{87EF7DBD-DD82-42F4-40A7-8516331285B8}"/>
+              </a:ext>
+            </a:extLst>
+          </p:cNvPr>
+          <p:cNvSpPr>
+            <a:spLocks noGrp="1"/>
+          </p:cNvSpPr>
+          <p:nvPr>
+            <p:ph idx="1"/>
+          </p:nvPr>
+        </p:nvSpPr>
+        <p:spPr>
+          <a:xfrm>
+            <a:off x="876693" y="2533476"/>
+            <a:ext cx="3455821" cy="3447832"/>
+          </a:xfrm>
+        </p:spPr>
+        <p:txBody>
+          <a:bodyPr anchor="t">
+            <a:normAutofit/>
+          </a:bodyPr>
+          <a:lstStyle/>
+          <a:p>
+            <a:r>
+              <a:rPr lang="en-US" sz="2000" dirty="0"/>
+              <a:t>“</a:t>
+            </a:r>
+            <a:r>
+              <a:rPr lang="en-US" sz="2000" b="1" dirty="0" err="1"/>
+              <a:t>ngAfterContentInit</a:t>
+            </a:r>
+            <a:r>
+              <a:rPr lang="en-US" sz="2000" dirty="0"/>
+              <a:t>”</a:t>
+            </a:r>
+            <a:br>
+              <a:rPr lang="en-US" sz="2000" dirty="0"/>
+            </a:br>
+            <a:endParaRPr lang="en-US" sz="2000" dirty="0"/>
+          </a:p>
+          <a:p>
+            <a:r>
+              <a:rPr lang="en-US" sz="2000" dirty="0"/>
+              <a:t>This hook is called only once after the first </a:t>
+            </a:r>
+            <a:r>
+              <a:rPr lang="en-US" sz="2000" b="1" dirty="0" err="1"/>
+              <a:t>ngDoCheck</a:t>
+            </a:r>
+            <a:endParaRPr lang="en-US" sz="2000" dirty="0"/>
+          </a:p>
+          <a:p>
+            <a:r>
+              <a:rPr lang="en-US" sz="2000" dirty="0"/>
+              <a:t>Runs once after the component's content has been initialized</a:t>
+            </a:r>
+          </a:p>
+          <a:p>
+            <a:r>
+              <a:rPr lang="en-US" sz="2000" dirty="0"/>
+              <a:t>Catch this content with the ng-content tag in the child component</a:t>
+            </a:r>
+          </a:p>
+          <a:p>
+            <a:endParaRPr lang="en-US" sz="2000" dirty="0"/>
+          </a:p>
+          <a:p>
             <a:pPr marL="0" indent="0">
               <a:buNone/>
             </a:pPr>
-            <a:r>
-              <a:rPr lang="en-US" dirty="0"/>
-              <a:t>“</a:t>
-            </a:r>
-            <a:r>
-              <a:rPr lang="en-US" dirty="0" err="1"/>
-              <a:t>afterNextRender</a:t>
-            </a:r>
-            <a:r>
-              <a:rPr lang="en-US" dirty="0"/>
-              <a:t>”</a:t>
-            </a:r>
-          </a:p>
-          <a:p>
-            <a:r>
-              <a:rPr lang="en-US" dirty="0"/>
-              <a:t>Runs once the next time that all components have been rendered to the DOM.</a:t>
-            </a:r>
-            <a:br>
-              <a:rPr lang="en-US" dirty="0"/>
-            </a:br>
-            <a:endParaRPr lang="en-US" dirty="0"/>
-          </a:p>
-          <a:p>
-            <a:pPr marL="0" indent="0">
-              <a:buNone/>
-            </a:pPr>
-            <a:r>
-              <a:rPr lang="en-US" dirty="0"/>
-              <a:t>“</a:t>
-            </a:r>
-            <a:r>
-              <a:rPr lang="en-US" dirty="0" err="1"/>
-              <a:t>afterRender</a:t>
-            </a:r>
-            <a:r>
-              <a:rPr lang="en-US" dirty="0"/>
-              <a:t>”</a:t>
-            </a:r>
-          </a:p>
-          <a:p>
-            <a:r>
-              <a:rPr lang="en-US" dirty="0"/>
-              <a:t>Runs every time all components have been rendered to the DOM.</a:t>
-            </a:r>
-          </a:p>
-          <a:p>
-            <a:pPr marL="0" indent="0">
-              <a:buNone/>
-            </a:pPr>
-            <a:endParaRPr lang="en-US" dirty="0"/>
+            <a:endParaRPr lang="en-US" sz="2000" dirty="0"/>
+          </a:p>
+        </p:txBody>
+      </p:sp>
+      <p:pic>
+        <p:nvPicPr>
+          <p:cNvPr id="5" name="Picture 4" descr="A diagram of a process&#10;&#10;Description automatically generated">
+            <a:extLst>
+              <a:ext uri="{FF2B5EF4-FFF2-40B4-BE49-F238E27FC236}">
+                <a16:creationId xmlns:a16="http://schemas.microsoft.com/office/drawing/2014/main" id="{B703B4AD-F768-7313-CA30-FD861ABC41BC}"/>
+              </a:ext>
+            </a:extLst>
+          </p:cNvPr>
+          <p:cNvPicPr>
+            <a:picLocks noChangeAspect="1"/>
+          </p:cNvPicPr>
+          <p:nvPr/>
+        </p:nvPicPr>
+        <p:blipFill>
+          <a:blip r:embed="rId2"/>
+          <a:stretch>
+            <a:fillRect/>
+          </a:stretch>
+        </p:blipFill>
+        <p:spPr>
+          <a:xfrm>
+            <a:off x="4987672" y="1492891"/>
+            <a:ext cx="6389346" cy="3881527"/>
+          </a:xfrm>
+          <a:prstGeom prst="rect">
+            <a:avLst/>
+          </a:prstGeom>
+        </p:spPr>
+      </p:pic>
+      <p:grpSp>
+        <p:nvGrpSpPr>
+          <p:cNvPr id="10" name="Group 9">
+            <a:extLst>
+              <a:ext uri="{FF2B5EF4-FFF2-40B4-BE49-F238E27FC236}">
+                <a16:creationId xmlns:a16="http://schemas.microsoft.com/office/drawing/2014/main" id="{6258F736-B256-8039-9DC6-F4E49A5C5AD5}"/>
+              </a:ext>
+              <a:ext uri="{C183D7F6-B498-43B3-948B-1728B52AA6E4}">
+                <adec:decorative xmlns:adec="http://schemas.microsoft.com/office/drawing/2017/decorative" val="1"/>
+              </a:ext>
+            </a:extLst>
+          </p:cNvPr>
+          <p:cNvGrpSpPr>
+            <a:grpSpLocks noGrp="1" noUngrp="1" noRot="1" noChangeAspect="1" noMove="1" noResize="1"/>
+          </p:cNvGrpSpPr>
+          <p:nvPr>
+            <p:extLst>
+              <p:ext uri="{386F3935-93C4-4BCD-93E2-E3B085C9AB24}">
+                <p16:designElem xmlns:p16="http://schemas.microsoft.com/office/powerpoint/2015/main" val="1"/>
+              </p:ext>
+            </p:extLst>
+          </p:nvPr>
+        </p:nvGrpSpPr>
+        <p:grpSpPr>
+          <a:xfrm flipH="1">
+            <a:off x="12068638" y="0"/>
+            <a:ext cx="123362" cy="6858000"/>
+            <a:chOff x="12068638" y="0"/>
+            <a:chExt cx="123362" cy="6858000"/>
+          </a:xfrm>
+        </p:grpSpPr>
+        <p:sp>
+          <p:nvSpPr>
+            <p:cNvPr id="11" name="Rectangle 10">
+              <a:extLst>
+                <a:ext uri="{FF2B5EF4-FFF2-40B4-BE49-F238E27FC236}">
+                  <a16:creationId xmlns:a16="http://schemas.microsoft.com/office/drawing/2014/main" id="{10B4520A-996E-330C-99DA-69CA4D89E906}"/>
+                </a:ext>
+                <a:ext uri="{C183D7F6-B498-43B3-948B-1728B52AA6E4}">
+                  <adec:decorative xmlns:adec="http://schemas.microsoft.com/office/drawing/2017/decorative" val="1"/>
+                </a:ext>
+              </a:extLst>
+            </p:cNvPr>
+            <p:cNvSpPr/>
+            <p:nvPr>
+              <p:extLst>
+                <p:ext uri="{386F3935-93C4-4BCD-93E2-E3B085C9AB24}">
+                  <p16:designElem xmlns:p16="http://schemas.microsoft.com/office/powerpoint/2015/main" val="1"/>
+                </p:ext>
+              </p:extLst>
+            </p:nvPr>
+          </p:nvSpPr>
+          <p:spPr>
+            <a:xfrm>
+              <a:off x="12068638" y="0"/>
+              <a:ext cx="123362" cy="6858000"/>
+            </a:xfrm>
+            <a:prstGeom prst="rect">
+              <a:avLst/>
+            </a:prstGeom>
+            <a:gradFill>
+              <a:gsLst>
+                <a:gs pos="0">
+                  <a:schemeClr val="accent2"/>
+                </a:gs>
+                <a:gs pos="100000">
+                  <a:schemeClr val="accent5"/>
+                </a:gs>
+              </a:gsLst>
+              <a:lin ang="1800000" scaled="0"/>
+            </a:gradFill>
+            <a:ln>
+              <a:noFill/>
+            </a:ln>
+          </p:spPr>
+          <p:style>
+            <a:lnRef idx="2">
+              <a:schemeClr val="accent1">
+                <a:shade val="50000"/>
+              </a:schemeClr>
+            </a:lnRef>
+            <a:fillRef idx="1">
+              <a:schemeClr val="accent1"/>
+            </a:fillRef>
+            <a:effectRef idx="0">
+              <a:schemeClr val="accent1"/>
+            </a:effectRef>
+            <a:fontRef idx="minor">
+              <a:schemeClr val="lt1"/>
+            </a:fontRef>
+          </p:style>
+          <p:txBody>
+            <a:bodyPr rtlCol="0" anchor="ctr"/>
+            <a:lstStyle/>
+            <a:p>
+              <a:pPr algn="ctr"/>
+              <a:endParaRPr lang="en-US"/>
+            </a:p>
+          </p:txBody>
+        </p:sp>
+        <p:sp>
+          <p:nvSpPr>
+            <p:cNvPr id="12" name="Rectangle 11">
+              <a:extLst>
+                <a:ext uri="{FF2B5EF4-FFF2-40B4-BE49-F238E27FC236}">
+                  <a16:creationId xmlns:a16="http://schemas.microsoft.com/office/drawing/2014/main" id="{EC8FA945-E356-695F-18D6-CAD4EF34FE4A}"/>
+                </a:ext>
+                <a:ext uri="{C183D7F6-B498-43B3-948B-1728B52AA6E4}">
+                  <adec:decorative xmlns:adec="http://schemas.microsoft.com/office/drawing/2017/decorative" val="1"/>
+                </a:ext>
+              </a:extLst>
+            </p:cNvPr>
+            <p:cNvSpPr/>
+            <p:nvPr>
+              <p:extLst>
+                <p:ext uri="{386F3935-93C4-4BCD-93E2-E3B085C9AB24}">
+                  <p16:designElem xmlns:p16="http://schemas.microsoft.com/office/powerpoint/2015/main" val="1"/>
+                </p:ext>
+              </p:extLst>
+            </p:nvPr>
+          </p:nvSpPr>
+          <p:spPr>
+            <a:xfrm>
+              <a:off x="12068638" y="3527553"/>
+              <a:ext cx="123362" cy="3330447"/>
+            </a:xfrm>
+            <a:prstGeom prst="rect">
+              <a:avLst/>
+            </a:prstGeom>
+            <a:gradFill>
+              <a:gsLst>
+                <a:gs pos="19000">
+                  <a:schemeClr val="accent5">
+                    <a:lumMod val="60000"/>
+                    <a:lumOff val="40000"/>
+                    <a:alpha val="0"/>
+                  </a:schemeClr>
+                </a:gs>
+                <a:gs pos="100000">
+                  <a:schemeClr val="accent5">
+                    <a:lumMod val="60000"/>
+                    <a:lumOff val="40000"/>
+                  </a:schemeClr>
+                </a:gs>
+              </a:gsLst>
+              <a:lin ang="600000" scaled="0"/>
+            </a:gradFill>
+            <a:ln>
+              <a:noFill/>
+            </a:ln>
+          </p:spPr>
+          <p:style>
+            <a:lnRef idx="2">
+              <a:schemeClr val="accent1">
+                <a:shade val="50000"/>
+              </a:schemeClr>
+            </a:lnRef>
+            <a:fillRef idx="1">
+              <a:schemeClr val="accent1"/>
+            </a:fillRef>
+            <a:effectRef idx="0">
+              <a:schemeClr val="accent1"/>
+            </a:effectRef>
+            <a:fontRef idx="minor">
+              <a:schemeClr val="lt1"/>
+            </a:fontRef>
+          </p:style>
+          <p:txBody>
+            <a:bodyPr rtlCol="0" anchor="ctr"/>
+            <a:lstStyle/>
+            <a:p>
+              <a:pPr algn="ctr"/>
+              <a:endParaRPr lang="en-US"/>
+            </a:p>
+          </p:txBody>
+        </p:sp>
+      </p:grpSp>
+      <p:sp>
+        <p:nvSpPr>
+          <p:cNvPr id="6" name="Oval 5">
+            <a:extLst>
+              <a:ext uri="{FF2B5EF4-FFF2-40B4-BE49-F238E27FC236}">
+                <a16:creationId xmlns:a16="http://schemas.microsoft.com/office/drawing/2014/main" id="{0BF99AB7-A96D-21D6-F436-464ACB42F7E0}"/>
+              </a:ext>
+            </a:extLst>
+          </p:cNvPr>
+          <p:cNvSpPr/>
+          <p:nvPr/>
+        </p:nvSpPr>
+        <p:spPr>
+          <a:xfrm>
+            <a:off x="8874353" y="3092199"/>
+            <a:ext cx="251926" cy="242596"/>
+          </a:xfrm>
+          <a:prstGeom prst="ellipse">
+            <a:avLst/>
+          </a:prstGeom>
+          <a:solidFill>
+            <a:srgbClr val="FF0000"/>
+          </a:solidFill>
+        </p:spPr>
+        <p:style>
+          <a:lnRef idx="2">
+            <a:schemeClr val="accent1">
+              <a:shade val="15000"/>
+            </a:schemeClr>
+          </a:lnRef>
+          <a:fillRef idx="1">
+            <a:schemeClr val="accent1"/>
+          </a:fillRef>
+          <a:effectRef idx="0">
+            <a:schemeClr val="accent1"/>
+          </a:effectRef>
+          <a:fontRef idx="minor">
+            <a:schemeClr val="lt1"/>
+          </a:fontRef>
+        </p:style>
+        <p:txBody>
+          <a:bodyPr rtlCol="0" anchor="ctr"/>
+          <a:lstStyle/>
+          <a:p>
+            <a:pPr algn="ctr"/>
+            <a:endParaRPr lang="en-US"/>
           </a:p>
         </p:txBody>
       </p:sp>
     </p:spTree>
     <p:extLst>
       <p:ext uri="{BB962C8B-B14F-4D97-AF65-F5344CB8AC3E}">
-        <p14:creationId xmlns:p14="http://schemas.microsoft.com/office/powerpoint/2010/main" val="2263135000"/>
+        <p14:creationId xmlns:p14="http://schemas.microsoft.com/office/powerpoint/2010/main" val="443647890"/>
       </p:ext>
     </p:extLst>
   </p:cSld>
@@ -6989,6 +8384,14 @@
 <file path=ppt/slides/slide28.xml><?xml version="1.0" encoding="utf-8"?>
 <p:sld xmlns:a="http://schemas.openxmlformats.org/drawingml/2006/main" xmlns:r="http://schemas.openxmlformats.org/officeDocument/2006/relationships" xmlns:p="http://schemas.openxmlformats.org/presentationml/2006/main">
   <p:cSld>
+    <p:bg>
+      <p:bgPr>
+        <a:solidFill>
+          <a:schemeClr val="bg1"/>
+        </a:solidFill>
+        <a:effectLst/>
+      </p:bgPr>
+    </p:bg>
     <p:spTree>
       <p:nvGrpSpPr>
         <p:cNvPr id="1" name=""/>
@@ -7019,79 +8422,389 @@
             <p:ph type="title"/>
           </p:nvPr>
         </p:nvSpPr>
-        <p:spPr/>
-        <p:txBody>
-          <a:bodyPr/>
-          <a:lstStyle/>
-          <a:p>
-            <a:r>
-              <a:rPr lang="en-US" dirty="0"/>
-              <a:t>Component Lifecycle (Destruction)</a:t>
-            </a:r>
-          </a:p>
-        </p:txBody>
-      </p:sp>
-      <p:sp>
-        <p:nvSpPr>
-          <p:cNvPr id="3" name="Content Placeholder 2">
-            <a:extLst>
-              <a:ext uri="{FF2B5EF4-FFF2-40B4-BE49-F238E27FC236}">
-                <a16:creationId xmlns:a16="http://schemas.microsoft.com/office/drawing/2014/main" id="{87EF7DBD-DD82-42F4-40A7-8516331285B8}"/>
-              </a:ext>
-            </a:extLst>
-          </p:cNvPr>
-          <p:cNvSpPr>
-            <a:spLocks noGrp="1"/>
-          </p:cNvSpPr>
-          <p:nvPr>
-            <p:ph idx="1"/>
-          </p:nvPr>
-        </p:nvSpPr>
-        <p:spPr/>
-        <p:txBody>
-          <a:bodyPr>
+        <p:spPr>
+          <a:xfrm>
+            <a:off x="876693" y="741391"/>
+            <a:ext cx="3455821" cy="1616203"/>
+          </a:xfrm>
+        </p:spPr>
+        <p:txBody>
+          <a:bodyPr anchor="b">
             <a:normAutofit/>
           </a:bodyPr>
           <a:lstStyle/>
           <a:p>
+            <a:r>
+              <a:rPr lang="en-US" sz="3200"/>
+              <a:t>Component Lifecycle (Detection)</a:t>
+            </a:r>
+          </a:p>
+        </p:txBody>
+      </p:sp>
+      <p:sp>
+        <p:nvSpPr>
+          <p:cNvPr id="3" name="Content Placeholder 2">
+            <a:extLst>
+              <a:ext uri="{FF2B5EF4-FFF2-40B4-BE49-F238E27FC236}">
+                <a16:creationId xmlns:a16="http://schemas.microsoft.com/office/drawing/2014/main" id="{87EF7DBD-DD82-42F4-40A7-8516331285B8}"/>
+              </a:ext>
+            </a:extLst>
+          </p:cNvPr>
+          <p:cNvSpPr>
+            <a:spLocks noGrp="1"/>
+          </p:cNvSpPr>
+          <p:nvPr>
+            <p:ph idx="1"/>
+          </p:nvPr>
+        </p:nvSpPr>
+        <p:spPr>
+          <a:xfrm>
+            <a:off x="876693" y="2533476"/>
+            <a:ext cx="3455821" cy="3447832"/>
+          </a:xfrm>
+        </p:spPr>
+        <p:txBody>
+          <a:bodyPr anchor="t">
+            <a:normAutofit/>
+          </a:bodyPr>
+          <a:lstStyle/>
+          <a:p>
             <a:pPr marL="0" indent="0">
               <a:buNone/>
             </a:pPr>
             <a:r>
-              <a:rPr lang="en-US" dirty="0"/>
+              <a:rPr lang="en-US" sz="1400" dirty="0"/>
               <a:t>“</a:t>
             </a:r>
             <a:r>
-              <a:rPr lang="en-US" dirty="0" err="1"/>
-              <a:t>ngOnDestroy</a:t>
-            </a:r>
-            <a:r>
-              <a:rPr lang="en-US" dirty="0"/>
+              <a:rPr lang="en-US" sz="1400" b="1" dirty="0" err="1"/>
+              <a:t>ngAfterContentChecked</a:t>
+            </a:r>
+            <a:r>
+              <a:rPr lang="en-US" sz="1400" dirty="0"/>
               <a:t>”</a:t>
             </a:r>
-          </a:p>
-          <a:p>
-            <a:r>
-              <a:rPr lang="en-US" dirty="0"/>
-              <a:t>Runs once before the component is destroyed.</a:t>
-            </a:r>
             <a:br>
-              <a:rPr lang="en-US" dirty="0"/>
+              <a:rPr lang="en-US" sz="1400" dirty="0"/>
             </a:br>
-            <a:endParaRPr lang="en-US" dirty="0"/>
+            <a:endParaRPr lang="en-US" sz="1400" dirty="0"/>
+          </a:p>
+          <a:p>
+            <a:r>
+              <a:rPr lang="en-US" sz="1400" dirty="0"/>
+              <a:t>Runs every time this component content has been checked for changes. </a:t>
+            </a:r>
+          </a:p>
+          <a:p>
+            <a:r>
+              <a:rPr lang="en-US" sz="1400" dirty="0"/>
+              <a:t>This hook will be called after </a:t>
+            </a:r>
+            <a:r>
+              <a:rPr lang="en-US" sz="1400" b="1" dirty="0" err="1"/>
+              <a:t>ngAfterContentInit</a:t>
+            </a:r>
+            <a:r>
+              <a:rPr lang="en-US" sz="1400" dirty="0"/>
+              <a:t> and after every </a:t>
+            </a:r>
+            <a:r>
+              <a:rPr lang="en-US" sz="1400" b="1" dirty="0" err="1"/>
+              <a:t>ngDoCheck</a:t>
+            </a:r>
+            <a:r>
+              <a:rPr lang="en-US" sz="1400" dirty="0"/>
+              <a:t>.</a:t>
+            </a:r>
+          </a:p>
+          <a:p>
+            <a:r>
+              <a:rPr lang="en-US" sz="1400" dirty="0"/>
+              <a:t>You may use this hook to react to changes in the projected content.</a:t>
+            </a:r>
+          </a:p>
+          <a:p>
+            <a:r>
+              <a:rPr lang="en-US" sz="1400" dirty="0"/>
+              <a:t>You shouldn’t do heavy things here because </a:t>
+            </a:r>
+            <a:r>
+              <a:rPr lang="en-US" sz="1400" b="1" dirty="0" err="1"/>
+              <a:t>ngDoCheck</a:t>
+            </a:r>
+            <a:r>
+              <a:rPr lang="en-US" sz="1400" dirty="0"/>
+              <a:t> triggers this hook</a:t>
+            </a:r>
           </a:p>
           <a:p>
             <a:pPr marL="0" indent="0">
               <a:buNone/>
             </a:pPr>
-            <a:endParaRPr lang="en-US" dirty="0"/>
+            <a:endParaRPr lang="en-US" sz="1400" dirty="0"/>
+          </a:p>
+        </p:txBody>
+      </p:sp>
+      <p:pic>
+        <p:nvPicPr>
+          <p:cNvPr id="5" name="Picture 4" descr="A diagram of a process&#10;&#10;Description automatically generated">
+            <a:extLst>
+              <a:ext uri="{FF2B5EF4-FFF2-40B4-BE49-F238E27FC236}">
+                <a16:creationId xmlns:a16="http://schemas.microsoft.com/office/drawing/2014/main" id="{A540DF58-D586-25FD-0F44-031FFC152C9F}"/>
+              </a:ext>
+            </a:extLst>
+          </p:cNvPr>
+          <p:cNvPicPr>
+            <a:picLocks noChangeAspect="1"/>
+          </p:cNvPicPr>
+          <p:nvPr/>
+        </p:nvPicPr>
+        <p:blipFill>
+          <a:blip r:embed="rId2"/>
+          <a:stretch>
+            <a:fillRect/>
+          </a:stretch>
+        </p:blipFill>
+        <p:spPr>
+          <a:xfrm>
+            <a:off x="4987672" y="1492891"/>
+            <a:ext cx="6389346" cy="3881527"/>
+          </a:xfrm>
+          <a:prstGeom prst="rect">
+            <a:avLst/>
+          </a:prstGeom>
+        </p:spPr>
+      </p:pic>
+      <p:grpSp>
+        <p:nvGrpSpPr>
+          <p:cNvPr id="10" name="Group 9">
+            <a:extLst>
+              <a:ext uri="{FF2B5EF4-FFF2-40B4-BE49-F238E27FC236}">
+                <a16:creationId xmlns:a16="http://schemas.microsoft.com/office/drawing/2014/main" id="{6258F736-B256-8039-9DC6-F4E49A5C5AD5}"/>
+              </a:ext>
+              <a:ext uri="{C183D7F6-B498-43B3-948B-1728B52AA6E4}">
+                <adec:decorative xmlns:adec="http://schemas.microsoft.com/office/drawing/2017/decorative" val="1"/>
+              </a:ext>
+            </a:extLst>
+          </p:cNvPr>
+          <p:cNvGrpSpPr>
+            <a:grpSpLocks noGrp="1" noUngrp="1" noRot="1" noChangeAspect="1" noMove="1" noResize="1"/>
+          </p:cNvGrpSpPr>
+          <p:nvPr>
+            <p:extLst>
+              <p:ext uri="{386F3935-93C4-4BCD-93E2-E3B085C9AB24}">
+                <p16:designElem xmlns:p16="http://schemas.microsoft.com/office/powerpoint/2015/main" val="1"/>
+              </p:ext>
+            </p:extLst>
+          </p:nvPr>
+        </p:nvGrpSpPr>
+        <p:grpSpPr>
+          <a:xfrm flipH="1">
+            <a:off x="12068638" y="0"/>
+            <a:ext cx="123362" cy="6858000"/>
+            <a:chOff x="12068638" y="0"/>
+            <a:chExt cx="123362" cy="6858000"/>
+          </a:xfrm>
+        </p:grpSpPr>
+        <p:sp>
+          <p:nvSpPr>
+            <p:cNvPr id="11" name="Rectangle 10">
+              <a:extLst>
+                <a:ext uri="{FF2B5EF4-FFF2-40B4-BE49-F238E27FC236}">
+                  <a16:creationId xmlns:a16="http://schemas.microsoft.com/office/drawing/2014/main" id="{10B4520A-996E-330C-99DA-69CA4D89E906}"/>
+                </a:ext>
+                <a:ext uri="{C183D7F6-B498-43B3-948B-1728B52AA6E4}">
+                  <adec:decorative xmlns:adec="http://schemas.microsoft.com/office/drawing/2017/decorative" val="1"/>
+                </a:ext>
+              </a:extLst>
+            </p:cNvPr>
+            <p:cNvSpPr/>
+            <p:nvPr>
+              <p:extLst>
+                <p:ext uri="{386F3935-93C4-4BCD-93E2-E3B085C9AB24}">
+                  <p16:designElem xmlns:p16="http://schemas.microsoft.com/office/powerpoint/2015/main" val="1"/>
+                </p:ext>
+              </p:extLst>
+            </p:nvPr>
+          </p:nvSpPr>
+          <p:spPr>
+            <a:xfrm>
+              <a:off x="12068638" y="0"/>
+              <a:ext cx="123362" cy="6858000"/>
+            </a:xfrm>
+            <a:prstGeom prst="rect">
+              <a:avLst/>
+            </a:prstGeom>
+            <a:gradFill>
+              <a:gsLst>
+                <a:gs pos="0">
+                  <a:schemeClr val="accent2"/>
+                </a:gs>
+                <a:gs pos="100000">
+                  <a:schemeClr val="accent5"/>
+                </a:gs>
+              </a:gsLst>
+              <a:lin ang="1800000" scaled="0"/>
+            </a:gradFill>
+            <a:ln>
+              <a:noFill/>
+            </a:ln>
+          </p:spPr>
+          <p:style>
+            <a:lnRef idx="2">
+              <a:schemeClr val="accent1">
+                <a:shade val="50000"/>
+              </a:schemeClr>
+            </a:lnRef>
+            <a:fillRef idx="1">
+              <a:schemeClr val="accent1"/>
+            </a:fillRef>
+            <a:effectRef idx="0">
+              <a:schemeClr val="accent1"/>
+            </a:effectRef>
+            <a:fontRef idx="minor">
+              <a:schemeClr val="lt1"/>
+            </a:fontRef>
+          </p:style>
+          <p:txBody>
+            <a:bodyPr rtlCol="0" anchor="ctr"/>
+            <a:lstStyle/>
+            <a:p>
+              <a:pPr algn="ctr"/>
+              <a:endParaRPr lang="en-US"/>
+            </a:p>
+          </p:txBody>
+        </p:sp>
+        <p:sp>
+          <p:nvSpPr>
+            <p:cNvPr id="12" name="Rectangle 11">
+              <a:extLst>
+                <a:ext uri="{FF2B5EF4-FFF2-40B4-BE49-F238E27FC236}">
+                  <a16:creationId xmlns:a16="http://schemas.microsoft.com/office/drawing/2014/main" id="{EC8FA945-E356-695F-18D6-CAD4EF34FE4A}"/>
+                </a:ext>
+                <a:ext uri="{C183D7F6-B498-43B3-948B-1728B52AA6E4}">
+                  <adec:decorative xmlns:adec="http://schemas.microsoft.com/office/drawing/2017/decorative" val="1"/>
+                </a:ext>
+              </a:extLst>
+            </p:cNvPr>
+            <p:cNvSpPr/>
+            <p:nvPr>
+              <p:extLst>
+                <p:ext uri="{386F3935-93C4-4BCD-93E2-E3B085C9AB24}">
+                  <p16:designElem xmlns:p16="http://schemas.microsoft.com/office/powerpoint/2015/main" val="1"/>
+                </p:ext>
+              </p:extLst>
+            </p:nvPr>
+          </p:nvSpPr>
+          <p:spPr>
+            <a:xfrm>
+              <a:off x="12068638" y="3527553"/>
+              <a:ext cx="123362" cy="3330447"/>
+            </a:xfrm>
+            <a:prstGeom prst="rect">
+              <a:avLst/>
+            </a:prstGeom>
+            <a:gradFill>
+              <a:gsLst>
+                <a:gs pos="19000">
+                  <a:schemeClr val="accent5">
+                    <a:lumMod val="60000"/>
+                    <a:lumOff val="40000"/>
+                    <a:alpha val="0"/>
+                  </a:schemeClr>
+                </a:gs>
+                <a:gs pos="100000">
+                  <a:schemeClr val="accent5">
+                    <a:lumMod val="60000"/>
+                    <a:lumOff val="40000"/>
+                  </a:schemeClr>
+                </a:gs>
+              </a:gsLst>
+              <a:lin ang="600000" scaled="0"/>
+            </a:gradFill>
+            <a:ln>
+              <a:noFill/>
+            </a:ln>
+          </p:spPr>
+          <p:style>
+            <a:lnRef idx="2">
+              <a:schemeClr val="accent1">
+                <a:shade val="50000"/>
+              </a:schemeClr>
+            </a:lnRef>
+            <a:fillRef idx="1">
+              <a:schemeClr val="accent1"/>
+            </a:fillRef>
+            <a:effectRef idx="0">
+              <a:schemeClr val="accent1"/>
+            </a:effectRef>
+            <a:fontRef idx="minor">
+              <a:schemeClr val="lt1"/>
+            </a:fontRef>
+          </p:style>
+          <p:txBody>
+            <a:bodyPr rtlCol="0" anchor="ctr"/>
+            <a:lstStyle/>
+            <a:p>
+              <a:pPr algn="ctr"/>
+              <a:endParaRPr lang="en-US"/>
+            </a:p>
+          </p:txBody>
+        </p:sp>
+      </p:grpSp>
+      <p:sp>
+        <p:nvSpPr>
+          <p:cNvPr id="6" name="Oval 5">
+            <a:extLst>
+              <a:ext uri="{FF2B5EF4-FFF2-40B4-BE49-F238E27FC236}">
+                <a16:creationId xmlns:a16="http://schemas.microsoft.com/office/drawing/2014/main" id="{88A649AC-BDAA-5F70-2406-DD28E08D207F}"/>
+              </a:ext>
+            </a:extLst>
+          </p:cNvPr>
+          <p:cNvSpPr/>
+          <p:nvPr/>
+        </p:nvSpPr>
+        <p:spPr>
+          <a:xfrm>
+            <a:off x="5844074" y="3054877"/>
+            <a:ext cx="251926" cy="242596"/>
+          </a:xfrm>
+          <a:prstGeom prst="ellipse">
+            <a:avLst/>
+          </a:prstGeom>
+          <a:solidFill>
+            <a:srgbClr val="FF0000"/>
+          </a:solidFill>
+        </p:spPr>
+        <p:style>
+          <a:lnRef idx="2">
+            <a:schemeClr val="accent1">
+              <a:shade val="15000"/>
+            </a:schemeClr>
+          </a:lnRef>
+          <a:fillRef idx="1">
+            <a:schemeClr val="accent1"/>
+          </a:fillRef>
+          <a:effectRef idx="0">
+            <a:schemeClr val="accent1"/>
+          </a:effectRef>
+          <a:fontRef idx="minor">
+            <a:schemeClr val="lt1"/>
+          </a:fontRef>
+        </p:style>
+        <p:txBody>
+          <a:bodyPr rtlCol="0" anchor="ctr"/>
+          <a:lstStyle/>
+          <a:p>
+            <a:pPr algn="ctr"/>
+            <a:endParaRPr lang="en-US"/>
           </a:p>
         </p:txBody>
       </p:sp>
     </p:spTree>
     <p:extLst>
       <p:ext uri="{BB962C8B-B14F-4D97-AF65-F5344CB8AC3E}">
-        <p14:creationId xmlns:p14="http://schemas.microsoft.com/office/powerpoint/2010/main" val="1942781708"/>
+        <p14:creationId xmlns:p14="http://schemas.microsoft.com/office/powerpoint/2010/main" val="2753445635"/>
       </p:ext>
     </p:extLst>
   </p:cSld>
@@ -7104,6 +8817,14 @@
 <file path=ppt/slides/slide29.xml><?xml version="1.0" encoding="utf-8"?>
 <p:sld xmlns:a="http://schemas.openxmlformats.org/drawingml/2006/main" xmlns:r="http://schemas.openxmlformats.org/officeDocument/2006/relationships" xmlns:p="http://schemas.openxmlformats.org/presentationml/2006/main">
   <p:cSld>
+    <p:bg>
+      <p:bgPr>
+        <a:solidFill>
+          <a:schemeClr val="bg1"/>
+        </a:solidFill>
+        <a:effectLst/>
+      </p:bgPr>
+    </p:bg>
     <p:spTree>
       <p:nvGrpSpPr>
         <p:cNvPr id="1" name=""/>
@@ -7134,63 +8855,107 @@
             <p:ph type="title"/>
           </p:nvPr>
         </p:nvSpPr>
-        <p:spPr/>
-        <p:txBody>
-          <a:bodyPr/>
-          <a:lstStyle/>
-          <a:p>
-            <a:r>
-              <a:rPr lang="en-US" dirty="0"/>
-              <a:t>Component Lifecycle</a:t>
-            </a:r>
-          </a:p>
-        </p:txBody>
-      </p:sp>
-      <p:sp>
-        <p:nvSpPr>
-          <p:cNvPr id="3" name="Content Placeholder 2">
-            <a:extLst>
-              <a:ext uri="{FF2B5EF4-FFF2-40B4-BE49-F238E27FC236}">
-                <a16:creationId xmlns:a16="http://schemas.microsoft.com/office/drawing/2014/main" id="{87EF7DBD-DD82-42F4-40A7-8516331285B8}"/>
-              </a:ext>
-            </a:extLst>
-          </p:cNvPr>
-          <p:cNvSpPr>
-            <a:spLocks noGrp="1"/>
-          </p:cNvSpPr>
-          <p:nvPr>
-            <p:ph idx="1"/>
-          </p:nvPr>
-        </p:nvSpPr>
-        <p:spPr/>
-        <p:txBody>
-          <a:bodyPr>
+        <p:spPr>
+          <a:xfrm>
+            <a:off x="876693" y="741391"/>
+            <a:ext cx="3455821" cy="1616203"/>
+          </a:xfrm>
+        </p:spPr>
+        <p:txBody>
+          <a:bodyPr anchor="b">
             <a:normAutofit/>
           </a:bodyPr>
           <a:lstStyle/>
           <a:p>
+            <a:r>
+              <a:rPr lang="en-US" sz="3200"/>
+              <a:t>Component Lifecycle (Detection)</a:t>
+            </a:r>
+          </a:p>
+        </p:txBody>
+      </p:sp>
+      <p:sp>
+        <p:nvSpPr>
+          <p:cNvPr id="3" name="Content Placeholder 2">
+            <a:extLst>
+              <a:ext uri="{FF2B5EF4-FFF2-40B4-BE49-F238E27FC236}">
+                <a16:creationId xmlns:a16="http://schemas.microsoft.com/office/drawing/2014/main" id="{87EF7DBD-DD82-42F4-40A7-8516331285B8}"/>
+              </a:ext>
+            </a:extLst>
+          </p:cNvPr>
+          <p:cNvSpPr>
+            <a:spLocks noGrp="1"/>
+          </p:cNvSpPr>
+          <p:nvPr>
+            <p:ph idx="1"/>
+          </p:nvPr>
+        </p:nvSpPr>
+        <p:spPr>
+          <a:xfrm>
+            <a:off x="876693" y="2533476"/>
+            <a:ext cx="3455821" cy="3447832"/>
+          </a:xfrm>
+        </p:spPr>
+        <p:txBody>
+          <a:bodyPr anchor="t">
+            <a:normAutofit/>
+          </a:bodyPr>
+          <a:lstStyle/>
+          <a:p>
             <a:pPr marL="0" indent="0">
               <a:buNone/>
             </a:pPr>
+            <a:r>
+              <a:rPr lang="en-US" sz="1900"/>
+              <a:t>“</a:t>
+            </a:r>
+            <a:r>
+              <a:rPr lang="en-US" sz="1900" b="1"/>
+              <a:t>ngAfterViewInit</a:t>
+            </a:r>
+            <a:r>
+              <a:rPr lang="en-US" sz="1900"/>
+              <a:t>”</a:t>
+            </a:r>
             <a:br>
-              <a:rPr lang="en-US" dirty="0"/>
+              <a:rPr lang="en-US" sz="1900"/>
             </a:br>
-            <a:endParaRPr lang="en-US" dirty="0"/>
+            <a:endParaRPr lang="en-US" sz="1900"/>
+          </a:p>
+          <a:p>
+            <a:r>
+              <a:rPr lang="en-US" sz="1900"/>
+              <a:t>This hook is called only once after the first </a:t>
+            </a:r>
+            <a:r>
+              <a:rPr lang="en-US" sz="1900" b="1"/>
+              <a:t>ngAfterContentChecked</a:t>
+            </a:r>
+            <a:r>
+              <a:rPr lang="en-US" sz="1900"/>
+              <a:t>. With this hook, we understand that the component and child views are initialized.</a:t>
+            </a:r>
+          </a:p>
+          <a:p>
+            <a:r>
+              <a:rPr lang="en-US" sz="1900"/>
+              <a:t>This is the first time that we can access the ElementRef of the ViewChildren.</a:t>
+            </a:r>
           </a:p>
           <a:p>
             <a:pPr marL="0" indent="0">
               <a:buNone/>
             </a:pPr>
-            <a:endParaRPr lang="en-US" dirty="0"/>
+            <a:endParaRPr lang="en-US" sz="1900"/>
           </a:p>
         </p:txBody>
       </p:sp>
       <p:pic>
         <p:nvPicPr>
-          <p:cNvPr id="5" name="Picture 4">
-            <a:extLst>
-              <a:ext uri="{FF2B5EF4-FFF2-40B4-BE49-F238E27FC236}">
-                <a16:creationId xmlns:a16="http://schemas.microsoft.com/office/drawing/2014/main" id="{01B09347-FE69-BBE2-2DFE-731DBA24C038}"/>
+          <p:cNvPr id="4" name="Picture 3" descr="A diagram of a process&#10;&#10;Description automatically generated">
+            <a:extLst>
+              <a:ext uri="{FF2B5EF4-FFF2-40B4-BE49-F238E27FC236}">
+                <a16:creationId xmlns:a16="http://schemas.microsoft.com/office/drawing/2014/main" id="{EAEF0EF3-208D-01A9-7F7A-E9FCF9FE4DD0}"/>
               </a:ext>
             </a:extLst>
           </p:cNvPr>
@@ -7207,48 +8972,244 @@
         </p:blipFill>
         <p:spPr>
           <a:xfrm>
-            <a:off x="7201042" y="365125"/>
-            <a:ext cx="4262460" cy="6251608"/>
+            <a:off x="4987672" y="1492891"/>
+            <a:ext cx="6389346" cy="3881527"/>
           </a:xfrm>
           <a:prstGeom prst="rect">
             <a:avLst/>
           </a:prstGeom>
         </p:spPr>
       </p:pic>
-      <p:pic>
-        <p:nvPicPr>
-          <p:cNvPr id="7" name="Picture 6">
-            <a:extLst>
-              <a:ext uri="{FF2B5EF4-FFF2-40B4-BE49-F238E27FC236}">
-                <a16:creationId xmlns:a16="http://schemas.microsoft.com/office/drawing/2014/main" id="{572E3F7E-B173-8F17-F3A2-2E65D8358C1A}"/>
-              </a:ext>
-            </a:extLst>
-          </p:cNvPr>
-          <p:cNvPicPr>
-            <a:picLocks noChangeAspect="1"/>
-          </p:cNvPicPr>
+      <p:grpSp>
+        <p:nvGrpSpPr>
+          <p:cNvPr id="9" name="Group 8">
+            <a:extLst>
+              <a:ext uri="{FF2B5EF4-FFF2-40B4-BE49-F238E27FC236}">
+                <a16:creationId xmlns:a16="http://schemas.microsoft.com/office/drawing/2014/main" id="{6258F736-B256-8039-9DC6-F4E49A5C5AD5}"/>
+              </a:ext>
+              <a:ext uri="{C183D7F6-B498-43B3-948B-1728B52AA6E4}">
+                <adec:decorative xmlns:adec="http://schemas.microsoft.com/office/drawing/2017/decorative" val="1"/>
+              </a:ext>
+            </a:extLst>
+          </p:cNvPr>
+          <p:cNvGrpSpPr>
+            <a:grpSpLocks noGrp="1" noUngrp="1" noRot="1" noChangeAspect="1" noMove="1" noResize="1"/>
+          </p:cNvGrpSpPr>
+          <p:nvPr>
+            <p:extLst>
+              <p:ext uri="{386F3935-93C4-4BCD-93E2-E3B085C9AB24}">
+                <p16:designElem xmlns:p16="http://schemas.microsoft.com/office/powerpoint/2015/main" val="1"/>
+              </p:ext>
+            </p:extLst>
+          </p:nvPr>
+        </p:nvGrpSpPr>
+        <p:grpSpPr>
+          <a:xfrm flipH="1">
+            <a:off x="12068638" y="0"/>
+            <a:ext cx="123362" cy="6858000"/>
+            <a:chOff x="12068638" y="0"/>
+            <a:chExt cx="123362" cy="6858000"/>
+          </a:xfrm>
+        </p:grpSpPr>
+        <p:sp>
+          <p:nvSpPr>
+            <p:cNvPr id="10" name="Rectangle 9">
+              <a:extLst>
+                <a:ext uri="{FF2B5EF4-FFF2-40B4-BE49-F238E27FC236}">
+                  <a16:creationId xmlns:a16="http://schemas.microsoft.com/office/drawing/2014/main" id="{10B4520A-996E-330C-99DA-69CA4D89E906}"/>
+                </a:ext>
+                <a:ext uri="{C183D7F6-B498-43B3-948B-1728B52AA6E4}">
+                  <adec:decorative xmlns:adec="http://schemas.microsoft.com/office/drawing/2017/decorative" val="1"/>
+                </a:ext>
+              </a:extLst>
+            </p:cNvPr>
+            <p:cNvSpPr/>
+            <p:nvPr>
+              <p:extLst>
+                <p:ext uri="{386F3935-93C4-4BCD-93E2-E3B085C9AB24}">
+                  <p16:designElem xmlns:p16="http://schemas.microsoft.com/office/powerpoint/2015/main" val="1"/>
+                </p:ext>
+              </p:extLst>
+            </p:nvPr>
+          </p:nvSpPr>
+          <p:spPr>
+            <a:xfrm>
+              <a:off x="12068638" y="0"/>
+              <a:ext cx="123362" cy="6858000"/>
+            </a:xfrm>
+            <a:prstGeom prst="rect">
+              <a:avLst/>
+            </a:prstGeom>
+            <a:gradFill>
+              <a:gsLst>
+                <a:gs pos="0">
+                  <a:schemeClr val="accent2"/>
+                </a:gs>
+                <a:gs pos="100000">
+                  <a:schemeClr val="accent5"/>
+                </a:gs>
+              </a:gsLst>
+              <a:lin ang="1800000" scaled="0"/>
+            </a:gradFill>
+            <a:ln>
+              <a:noFill/>
+            </a:ln>
+          </p:spPr>
+          <p:style>
+            <a:lnRef idx="2">
+              <a:schemeClr val="accent1">
+                <a:shade val="50000"/>
+              </a:schemeClr>
+            </a:lnRef>
+            <a:fillRef idx="1">
+              <a:schemeClr val="accent1"/>
+            </a:fillRef>
+            <a:effectRef idx="0">
+              <a:schemeClr val="accent1"/>
+            </a:effectRef>
+            <a:fontRef idx="minor">
+              <a:schemeClr val="lt1"/>
+            </a:fontRef>
+          </p:style>
+          <p:txBody>
+            <a:bodyPr rtlCol="0" anchor="ctr"/>
+            <a:lstStyle/>
+            <a:p>
+              <a:pPr algn="ctr"/>
+              <a:endParaRPr lang="en-US"/>
+            </a:p>
+          </p:txBody>
+        </p:sp>
+        <p:sp>
+          <p:nvSpPr>
+            <p:cNvPr id="11" name="Rectangle 10">
+              <a:extLst>
+                <a:ext uri="{FF2B5EF4-FFF2-40B4-BE49-F238E27FC236}">
+                  <a16:creationId xmlns:a16="http://schemas.microsoft.com/office/drawing/2014/main" id="{EC8FA945-E356-695F-18D6-CAD4EF34FE4A}"/>
+                </a:ext>
+                <a:ext uri="{C183D7F6-B498-43B3-948B-1728B52AA6E4}">
+                  <adec:decorative xmlns:adec="http://schemas.microsoft.com/office/drawing/2017/decorative" val="1"/>
+                </a:ext>
+              </a:extLst>
+            </p:cNvPr>
+            <p:cNvSpPr/>
+            <p:nvPr>
+              <p:extLst>
+                <p:ext uri="{386F3935-93C4-4BCD-93E2-E3B085C9AB24}">
+                  <p16:designElem xmlns:p16="http://schemas.microsoft.com/office/powerpoint/2015/main" val="1"/>
+                </p:ext>
+              </p:extLst>
+            </p:nvPr>
+          </p:nvSpPr>
+          <p:spPr>
+            <a:xfrm>
+              <a:off x="12068638" y="3527553"/>
+              <a:ext cx="123362" cy="3330447"/>
+            </a:xfrm>
+            <a:prstGeom prst="rect">
+              <a:avLst/>
+            </a:prstGeom>
+            <a:gradFill>
+              <a:gsLst>
+                <a:gs pos="19000">
+                  <a:schemeClr val="accent5">
+                    <a:lumMod val="60000"/>
+                    <a:lumOff val="40000"/>
+                    <a:alpha val="0"/>
+                  </a:schemeClr>
+                </a:gs>
+                <a:gs pos="100000">
+                  <a:schemeClr val="accent5">
+                    <a:lumMod val="60000"/>
+                    <a:lumOff val="40000"/>
+                  </a:schemeClr>
+                </a:gs>
+              </a:gsLst>
+              <a:lin ang="600000" scaled="0"/>
+            </a:gradFill>
+            <a:ln>
+              <a:noFill/>
+            </a:ln>
+          </p:spPr>
+          <p:style>
+            <a:lnRef idx="2">
+              <a:schemeClr val="accent1">
+                <a:shade val="50000"/>
+              </a:schemeClr>
+            </a:lnRef>
+            <a:fillRef idx="1">
+              <a:schemeClr val="accent1"/>
+            </a:fillRef>
+            <a:effectRef idx="0">
+              <a:schemeClr val="accent1"/>
+            </a:effectRef>
+            <a:fontRef idx="minor">
+              <a:schemeClr val="lt1"/>
+            </a:fontRef>
+          </p:style>
+          <p:txBody>
+            <a:bodyPr rtlCol="0" anchor="ctr"/>
+            <a:lstStyle/>
+            <a:p>
+              <a:pPr algn="ctr"/>
+              <a:endParaRPr lang="en-US"/>
+            </a:p>
+          </p:txBody>
+        </p:sp>
+      </p:grpSp>
+      <p:sp>
+        <p:nvSpPr>
+          <p:cNvPr id="5" name="Oval 4">
+            <a:extLst>
+              <a:ext uri="{FF2B5EF4-FFF2-40B4-BE49-F238E27FC236}">
+                <a16:creationId xmlns:a16="http://schemas.microsoft.com/office/drawing/2014/main" id="{A9C9BF26-24E7-BBB5-CCB3-E07635A62FB0}"/>
+              </a:ext>
+            </a:extLst>
+          </p:cNvPr>
+          <p:cNvSpPr/>
           <p:nvPr/>
-        </p:nvPicPr>
-        <p:blipFill>
-          <a:blip r:embed="rId3"/>
-          <a:stretch>
-            <a:fillRect/>
-          </a:stretch>
-        </p:blipFill>
+        </p:nvSpPr>
         <p:spPr>
           <a:xfrm>
-            <a:off x="1080018" y="1690688"/>
-            <a:ext cx="5105400" cy="4591050"/>
+            <a:off x="6749143" y="4361163"/>
+            <a:ext cx="251926" cy="242596"/>
           </a:xfrm>
-          <a:prstGeom prst="rect">
+          <a:prstGeom prst="ellipse">
             <a:avLst/>
           </a:prstGeom>
+          <a:solidFill>
+            <a:srgbClr val="FF0000"/>
+          </a:solidFill>
         </p:spPr>
-      </p:pic>
+        <p:style>
+          <a:lnRef idx="2">
+            <a:schemeClr val="accent1">
+              <a:shade val="15000"/>
+            </a:schemeClr>
+          </a:lnRef>
+          <a:fillRef idx="1">
+            <a:schemeClr val="accent1"/>
+          </a:fillRef>
+          <a:effectRef idx="0">
+            <a:schemeClr val="accent1"/>
+          </a:effectRef>
+          <a:fontRef idx="minor">
+            <a:schemeClr val="lt1"/>
+          </a:fontRef>
+        </p:style>
+        <p:txBody>
+          <a:bodyPr rtlCol="0" anchor="ctr"/>
+          <a:lstStyle/>
+          <a:p>
+            <a:pPr algn="ctr"/>
+            <a:endParaRPr lang="en-US"/>
+          </a:p>
+        </p:txBody>
+      </p:sp>
     </p:spTree>
     <p:extLst>
       <p:ext uri="{BB962C8B-B14F-4D97-AF65-F5344CB8AC3E}">
-        <p14:creationId xmlns:p14="http://schemas.microsoft.com/office/powerpoint/2010/main" val="235069950"/>
+        <p14:creationId xmlns:p14="http://schemas.microsoft.com/office/powerpoint/2010/main" val="2927407212"/>
       </p:ext>
     </p:extLst>
   </p:cSld>
@@ -7376,6 +9337,2894 @@
 </p:sld>
 </file>
 
+<file path=ppt/slides/slide30.xml><?xml version="1.0" encoding="utf-8"?>
+<p:sld xmlns:a="http://schemas.openxmlformats.org/drawingml/2006/main" xmlns:r="http://schemas.openxmlformats.org/officeDocument/2006/relationships" xmlns:p="http://schemas.openxmlformats.org/presentationml/2006/main">
+  <p:cSld>
+    <p:bg>
+      <p:bgPr>
+        <a:solidFill>
+          <a:schemeClr val="bg1"/>
+        </a:solidFill>
+        <a:effectLst/>
+      </p:bgPr>
+    </p:bg>
+    <p:spTree>
+      <p:nvGrpSpPr>
+        <p:cNvPr id="1" name=""/>
+        <p:cNvGrpSpPr/>
+        <p:nvPr/>
+      </p:nvGrpSpPr>
+      <p:grpSpPr>
+        <a:xfrm>
+          <a:off x="0" y="0"/>
+          <a:ext cx="0" cy="0"/>
+          <a:chOff x="0" y="0"/>
+          <a:chExt cx="0" cy="0"/>
+        </a:xfrm>
+      </p:grpSpPr>
+      <p:sp>
+        <p:nvSpPr>
+          <p:cNvPr id="2" name="Title 1">
+            <a:extLst>
+              <a:ext uri="{FF2B5EF4-FFF2-40B4-BE49-F238E27FC236}">
+                <a16:creationId xmlns:a16="http://schemas.microsoft.com/office/drawing/2014/main" id="{0F3F56CA-C931-67D7-6382-29F1CF339A1F}"/>
+              </a:ext>
+            </a:extLst>
+          </p:cNvPr>
+          <p:cNvSpPr>
+            <a:spLocks noGrp="1"/>
+          </p:cNvSpPr>
+          <p:nvPr>
+            <p:ph type="title"/>
+          </p:nvPr>
+        </p:nvSpPr>
+        <p:spPr>
+          <a:xfrm>
+            <a:off x="876693" y="741391"/>
+            <a:ext cx="3455821" cy="1616203"/>
+          </a:xfrm>
+        </p:spPr>
+        <p:txBody>
+          <a:bodyPr anchor="b">
+            <a:normAutofit/>
+          </a:bodyPr>
+          <a:lstStyle/>
+          <a:p>
+            <a:r>
+              <a:rPr lang="en-US" sz="3200"/>
+              <a:t>Component Lifecycle (Detection)</a:t>
+            </a:r>
+          </a:p>
+        </p:txBody>
+      </p:sp>
+      <p:sp>
+        <p:nvSpPr>
+          <p:cNvPr id="3" name="Content Placeholder 2">
+            <a:extLst>
+              <a:ext uri="{FF2B5EF4-FFF2-40B4-BE49-F238E27FC236}">
+                <a16:creationId xmlns:a16="http://schemas.microsoft.com/office/drawing/2014/main" id="{87EF7DBD-DD82-42F4-40A7-8516331285B8}"/>
+              </a:ext>
+            </a:extLst>
+          </p:cNvPr>
+          <p:cNvSpPr>
+            <a:spLocks noGrp="1"/>
+          </p:cNvSpPr>
+          <p:nvPr>
+            <p:ph idx="1"/>
+          </p:nvPr>
+        </p:nvSpPr>
+        <p:spPr>
+          <a:xfrm>
+            <a:off x="876693" y="2533476"/>
+            <a:ext cx="3455821" cy="3447832"/>
+          </a:xfrm>
+        </p:spPr>
+        <p:txBody>
+          <a:bodyPr anchor="t">
+            <a:normAutofit/>
+          </a:bodyPr>
+          <a:lstStyle/>
+          <a:p>
+            <a:pPr marL="0" indent="0">
+              <a:buNone/>
+            </a:pPr>
+            <a:r>
+              <a:rPr lang="en-US" sz="1400"/>
+              <a:t>“</a:t>
+            </a:r>
+            <a:r>
+              <a:rPr lang="en-US" sz="1400" b="1"/>
+              <a:t>ngAfterViewChecked</a:t>
+            </a:r>
+            <a:r>
+              <a:rPr lang="en-US" sz="1400"/>
+              <a:t>”</a:t>
+            </a:r>
+            <a:br>
+              <a:rPr lang="en-US" sz="1400"/>
+            </a:br>
+            <a:endParaRPr lang="en-US" sz="1400"/>
+          </a:p>
+          <a:p>
+            <a:r>
+              <a:rPr lang="en-US" sz="1400"/>
+              <a:t>This hook will be called after </a:t>
+            </a:r>
+            <a:r>
+              <a:rPr lang="en-US" sz="1400" b="1"/>
+              <a:t>ngAfterViewInit</a:t>
+            </a:r>
+            <a:r>
+              <a:rPr lang="en-US" sz="1400"/>
+              <a:t> and after every </a:t>
+            </a:r>
+            <a:r>
+              <a:rPr lang="en-US" sz="1400" b="1"/>
+              <a:t>ngAfterContentChecked</a:t>
+            </a:r>
+            <a:r>
+              <a:rPr lang="en-US" sz="1400"/>
+              <a:t>.</a:t>
+            </a:r>
+          </a:p>
+          <a:p>
+            <a:r>
+              <a:rPr lang="en-US" sz="1400"/>
+              <a:t>This is called after angular checked component views and its child views.</a:t>
+            </a:r>
+          </a:p>
+          <a:p>
+            <a:r>
+              <a:rPr lang="en-US" sz="1400"/>
+              <a:t>The triggering chain is like this; </a:t>
+            </a:r>
+            <a:r>
+              <a:rPr lang="en-US" sz="1400" b="1"/>
+              <a:t>ngDoCheck</a:t>
+            </a:r>
+            <a:r>
+              <a:rPr lang="en-US" sz="1400"/>
+              <a:t> → </a:t>
+            </a:r>
+            <a:r>
+              <a:rPr lang="en-US" sz="1400" b="1"/>
+              <a:t>ngAfterContentChecked</a:t>
+            </a:r>
+            <a:r>
+              <a:rPr lang="en-US" sz="1400"/>
+              <a:t> → </a:t>
+            </a:r>
+            <a:r>
+              <a:rPr lang="en-US" sz="1400" b="1"/>
+              <a:t>ngAfterViewChecked</a:t>
+            </a:r>
+            <a:r>
+              <a:rPr lang="en-US" sz="1400"/>
+              <a:t> so like others, this hook will be called almost every change detection. You shouldn’t make heavy operations in this method.</a:t>
+            </a:r>
+          </a:p>
+          <a:p>
+            <a:endParaRPr lang="en-US" sz="1400"/>
+          </a:p>
+          <a:p>
+            <a:pPr marL="0" indent="0">
+              <a:buNone/>
+            </a:pPr>
+            <a:endParaRPr lang="en-US" sz="1400"/>
+          </a:p>
+        </p:txBody>
+      </p:sp>
+      <p:pic>
+        <p:nvPicPr>
+          <p:cNvPr id="4" name="Picture 3" descr="A diagram of a process&#10;&#10;Description automatically generated">
+            <a:extLst>
+              <a:ext uri="{FF2B5EF4-FFF2-40B4-BE49-F238E27FC236}">
+                <a16:creationId xmlns:a16="http://schemas.microsoft.com/office/drawing/2014/main" id="{CB93F888-20F4-9A3E-4F8A-907A48615AEC}"/>
+              </a:ext>
+            </a:extLst>
+          </p:cNvPr>
+          <p:cNvPicPr>
+            <a:picLocks noChangeAspect="1"/>
+          </p:cNvPicPr>
+          <p:nvPr/>
+        </p:nvPicPr>
+        <p:blipFill>
+          <a:blip r:embed="rId2"/>
+          <a:stretch>
+            <a:fillRect/>
+          </a:stretch>
+        </p:blipFill>
+        <p:spPr>
+          <a:xfrm>
+            <a:off x="4987672" y="1492891"/>
+            <a:ext cx="6389346" cy="3881527"/>
+          </a:xfrm>
+          <a:prstGeom prst="rect">
+            <a:avLst/>
+          </a:prstGeom>
+        </p:spPr>
+      </p:pic>
+      <p:grpSp>
+        <p:nvGrpSpPr>
+          <p:cNvPr id="9" name="Group 8">
+            <a:extLst>
+              <a:ext uri="{FF2B5EF4-FFF2-40B4-BE49-F238E27FC236}">
+                <a16:creationId xmlns:a16="http://schemas.microsoft.com/office/drawing/2014/main" id="{6258F736-B256-8039-9DC6-F4E49A5C5AD5}"/>
+              </a:ext>
+              <a:ext uri="{C183D7F6-B498-43B3-948B-1728B52AA6E4}">
+                <adec:decorative xmlns:adec="http://schemas.microsoft.com/office/drawing/2017/decorative" val="1"/>
+              </a:ext>
+            </a:extLst>
+          </p:cNvPr>
+          <p:cNvGrpSpPr>
+            <a:grpSpLocks noGrp="1" noUngrp="1" noRot="1" noChangeAspect="1" noMove="1" noResize="1"/>
+          </p:cNvGrpSpPr>
+          <p:nvPr>
+            <p:extLst>
+              <p:ext uri="{386F3935-93C4-4BCD-93E2-E3B085C9AB24}">
+                <p16:designElem xmlns:p16="http://schemas.microsoft.com/office/powerpoint/2015/main" val="1"/>
+              </p:ext>
+            </p:extLst>
+          </p:nvPr>
+        </p:nvGrpSpPr>
+        <p:grpSpPr>
+          <a:xfrm flipH="1">
+            <a:off x="12068638" y="0"/>
+            <a:ext cx="123362" cy="6858000"/>
+            <a:chOff x="12068638" y="0"/>
+            <a:chExt cx="123362" cy="6858000"/>
+          </a:xfrm>
+        </p:grpSpPr>
+        <p:sp>
+          <p:nvSpPr>
+            <p:cNvPr id="10" name="Rectangle 9">
+              <a:extLst>
+                <a:ext uri="{FF2B5EF4-FFF2-40B4-BE49-F238E27FC236}">
+                  <a16:creationId xmlns:a16="http://schemas.microsoft.com/office/drawing/2014/main" id="{10B4520A-996E-330C-99DA-69CA4D89E906}"/>
+                </a:ext>
+                <a:ext uri="{C183D7F6-B498-43B3-948B-1728B52AA6E4}">
+                  <adec:decorative xmlns:adec="http://schemas.microsoft.com/office/drawing/2017/decorative" val="1"/>
+                </a:ext>
+              </a:extLst>
+            </p:cNvPr>
+            <p:cNvSpPr/>
+            <p:nvPr>
+              <p:extLst>
+                <p:ext uri="{386F3935-93C4-4BCD-93E2-E3B085C9AB24}">
+                  <p16:designElem xmlns:p16="http://schemas.microsoft.com/office/powerpoint/2015/main" val="1"/>
+                </p:ext>
+              </p:extLst>
+            </p:nvPr>
+          </p:nvSpPr>
+          <p:spPr>
+            <a:xfrm>
+              <a:off x="12068638" y="0"/>
+              <a:ext cx="123362" cy="6858000"/>
+            </a:xfrm>
+            <a:prstGeom prst="rect">
+              <a:avLst/>
+            </a:prstGeom>
+            <a:gradFill>
+              <a:gsLst>
+                <a:gs pos="0">
+                  <a:schemeClr val="accent2"/>
+                </a:gs>
+                <a:gs pos="100000">
+                  <a:schemeClr val="accent5"/>
+                </a:gs>
+              </a:gsLst>
+              <a:lin ang="1800000" scaled="0"/>
+            </a:gradFill>
+            <a:ln>
+              <a:noFill/>
+            </a:ln>
+          </p:spPr>
+          <p:style>
+            <a:lnRef idx="2">
+              <a:schemeClr val="accent1">
+                <a:shade val="50000"/>
+              </a:schemeClr>
+            </a:lnRef>
+            <a:fillRef idx="1">
+              <a:schemeClr val="accent1"/>
+            </a:fillRef>
+            <a:effectRef idx="0">
+              <a:schemeClr val="accent1"/>
+            </a:effectRef>
+            <a:fontRef idx="minor">
+              <a:schemeClr val="lt1"/>
+            </a:fontRef>
+          </p:style>
+          <p:txBody>
+            <a:bodyPr rtlCol="0" anchor="ctr"/>
+            <a:lstStyle/>
+            <a:p>
+              <a:pPr algn="ctr"/>
+              <a:endParaRPr lang="en-US"/>
+            </a:p>
+          </p:txBody>
+        </p:sp>
+        <p:sp>
+          <p:nvSpPr>
+            <p:cNvPr id="11" name="Rectangle 10">
+              <a:extLst>
+                <a:ext uri="{FF2B5EF4-FFF2-40B4-BE49-F238E27FC236}">
+                  <a16:creationId xmlns:a16="http://schemas.microsoft.com/office/drawing/2014/main" id="{EC8FA945-E356-695F-18D6-CAD4EF34FE4A}"/>
+                </a:ext>
+                <a:ext uri="{C183D7F6-B498-43B3-948B-1728B52AA6E4}">
+                  <adec:decorative xmlns:adec="http://schemas.microsoft.com/office/drawing/2017/decorative" val="1"/>
+                </a:ext>
+              </a:extLst>
+            </p:cNvPr>
+            <p:cNvSpPr/>
+            <p:nvPr>
+              <p:extLst>
+                <p:ext uri="{386F3935-93C4-4BCD-93E2-E3B085C9AB24}">
+                  <p16:designElem xmlns:p16="http://schemas.microsoft.com/office/powerpoint/2015/main" val="1"/>
+                </p:ext>
+              </p:extLst>
+            </p:nvPr>
+          </p:nvSpPr>
+          <p:spPr>
+            <a:xfrm>
+              <a:off x="12068638" y="3527553"/>
+              <a:ext cx="123362" cy="3330447"/>
+            </a:xfrm>
+            <a:prstGeom prst="rect">
+              <a:avLst/>
+            </a:prstGeom>
+            <a:gradFill>
+              <a:gsLst>
+                <a:gs pos="19000">
+                  <a:schemeClr val="accent5">
+                    <a:lumMod val="60000"/>
+                    <a:lumOff val="40000"/>
+                    <a:alpha val="0"/>
+                  </a:schemeClr>
+                </a:gs>
+                <a:gs pos="100000">
+                  <a:schemeClr val="accent5">
+                    <a:lumMod val="60000"/>
+                    <a:lumOff val="40000"/>
+                  </a:schemeClr>
+                </a:gs>
+              </a:gsLst>
+              <a:lin ang="600000" scaled="0"/>
+            </a:gradFill>
+            <a:ln>
+              <a:noFill/>
+            </a:ln>
+          </p:spPr>
+          <p:style>
+            <a:lnRef idx="2">
+              <a:schemeClr val="accent1">
+                <a:shade val="50000"/>
+              </a:schemeClr>
+            </a:lnRef>
+            <a:fillRef idx="1">
+              <a:schemeClr val="accent1"/>
+            </a:fillRef>
+            <a:effectRef idx="0">
+              <a:schemeClr val="accent1"/>
+            </a:effectRef>
+            <a:fontRef idx="minor">
+              <a:schemeClr val="lt1"/>
+            </a:fontRef>
+          </p:style>
+          <p:txBody>
+            <a:bodyPr rtlCol="0" anchor="ctr"/>
+            <a:lstStyle/>
+            <a:p>
+              <a:pPr algn="ctr"/>
+              <a:endParaRPr lang="en-US"/>
+            </a:p>
+          </p:txBody>
+        </p:sp>
+      </p:grpSp>
+      <p:sp>
+        <p:nvSpPr>
+          <p:cNvPr id="5" name="Oval 4">
+            <a:extLst>
+              <a:ext uri="{FF2B5EF4-FFF2-40B4-BE49-F238E27FC236}">
+                <a16:creationId xmlns:a16="http://schemas.microsoft.com/office/drawing/2014/main" id="{96883446-8CF7-416D-F60F-6FE66FAF6115}"/>
+              </a:ext>
+            </a:extLst>
+          </p:cNvPr>
+          <p:cNvSpPr/>
+          <p:nvPr/>
+        </p:nvSpPr>
+        <p:spPr>
+          <a:xfrm>
+            <a:off x="8941837" y="4351832"/>
+            <a:ext cx="251926" cy="242596"/>
+          </a:xfrm>
+          <a:prstGeom prst="ellipse">
+            <a:avLst/>
+          </a:prstGeom>
+          <a:solidFill>
+            <a:srgbClr val="FF0000"/>
+          </a:solidFill>
+        </p:spPr>
+        <p:style>
+          <a:lnRef idx="2">
+            <a:schemeClr val="accent1">
+              <a:shade val="15000"/>
+            </a:schemeClr>
+          </a:lnRef>
+          <a:fillRef idx="1">
+            <a:schemeClr val="accent1"/>
+          </a:fillRef>
+          <a:effectRef idx="0">
+            <a:schemeClr val="accent1"/>
+          </a:effectRef>
+          <a:fontRef idx="minor">
+            <a:schemeClr val="lt1"/>
+          </a:fontRef>
+        </p:style>
+        <p:txBody>
+          <a:bodyPr rtlCol="0" anchor="ctr"/>
+          <a:lstStyle/>
+          <a:p>
+            <a:pPr algn="ctr"/>
+            <a:endParaRPr lang="en-US"/>
+          </a:p>
+        </p:txBody>
+      </p:sp>
+    </p:spTree>
+    <p:extLst>
+      <p:ext uri="{BB962C8B-B14F-4D97-AF65-F5344CB8AC3E}">
+        <p14:creationId xmlns:p14="http://schemas.microsoft.com/office/powerpoint/2010/main" val="333815271"/>
+      </p:ext>
+    </p:extLst>
+  </p:cSld>
+  <p:clrMapOvr>
+    <a:masterClrMapping/>
+  </p:clrMapOvr>
+</p:sld>
+</file>
+
+<file path=ppt/slides/slide31.xml><?xml version="1.0" encoding="utf-8"?>
+<p:sld xmlns:a="http://schemas.openxmlformats.org/drawingml/2006/main" xmlns:r="http://schemas.openxmlformats.org/officeDocument/2006/relationships" xmlns:p="http://schemas.openxmlformats.org/presentationml/2006/main">
+  <p:cSld>
+    <p:bg>
+      <p:bgPr>
+        <a:solidFill>
+          <a:schemeClr val="bg1"/>
+        </a:solidFill>
+        <a:effectLst/>
+      </p:bgPr>
+    </p:bg>
+    <p:spTree>
+      <p:nvGrpSpPr>
+        <p:cNvPr id="1" name=""/>
+        <p:cNvGrpSpPr/>
+        <p:nvPr/>
+      </p:nvGrpSpPr>
+      <p:grpSpPr>
+        <a:xfrm>
+          <a:off x="0" y="0"/>
+          <a:ext cx="0" cy="0"/>
+          <a:chOff x="0" y="0"/>
+          <a:chExt cx="0" cy="0"/>
+        </a:xfrm>
+      </p:grpSpPr>
+      <p:sp>
+        <p:nvSpPr>
+          <p:cNvPr id="2" name="Title 1">
+            <a:extLst>
+              <a:ext uri="{FF2B5EF4-FFF2-40B4-BE49-F238E27FC236}">
+                <a16:creationId xmlns:a16="http://schemas.microsoft.com/office/drawing/2014/main" id="{0F3F56CA-C931-67D7-6382-29F1CF339A1F}"/>
+              </a:ext>
+            </a:extLst>
+          </p:cNvPr>
+          <p:cNvSpPr>
+            <a:spLocks noGrp="1"/>
+          </p:cNvSpPr>
+          <p:nvPr>
+            <p:ph type="title"/>
+          </p:nvPr>
+        </p:nvSpPr>
+        <p:spPr>
+          <a:xfrm>
+            <a:off x="876693" y="741391"/>
+            <a:ext cx="3455821" cy="1616203"/>
+          </a:xfrm>
+        </p:spPr>
+        <p:txBody>
+          <a:bodyPr anchor="b">
+            <a:normAutofit/>
+          </a:bodyPr>
+          <a:lstStyle/>
+          <a:p>
+            <a:r>
+              <a:rPr lang="en-US" sz="3200"/>
+              <a:t>Component Lifecycle (Destruction)</a:t>
+            </a:r>
+          </a:p>
+        </p:txBody>
+      </p:sp>
+      <p:sp>
+        <p:nvSpPr>
+          <p:cNvPr id="3" name="Content Placeholder 2">
+            <a:extLst>
+              <a:ext uri="{FF2B5EF4-FFF2-40B4-BE49-F238E27FC236}">
+                <a16:creationId xmlns:a16="http://schemas.microsoft.com/office/drawing/2014/main" id="{87EF7DBD-DD82-42F4-40A7-8516331285B8}"/>
+              </a:ext>
+            </a:extLst>
+          </p:cNvPr>
+          <p:cNvSpPr>
+            <a:spLocks noGrp="1"/>
+          </p:cNvSpPr>
+          <p:nvPr>
+            <p:ph idx="1"/>
+          </p:nvPr>
+        </p:nvSpPr>
+        <p:spPr>
+          <a:xfrm>
+            <a:off x="876693" y="2533476"/>
+            <a:ext cx="3455821" cy="3447832"/>
+          </a:xfrm>
+        </p:spPr>
+        <p:txBody>
+          <a:bodyPr anchor="t">
+            <a:normAutofit/>
+          </a:bodyPr>
+          <a:lstStyle/>
+          <a:p>
+            <a:pPr marL="0" indent="0">
+              <a:buNone/>
+            </a:pPr>
+            <a:r>
+              <a:rPr lang="en-US" sz="2000"/>
+              <a:t>“ngOnDestroy”</a:t>
+            </a:r>
+          </a:p>
+          <a:p>
+            <a:r>
+              <a:rPr lang="en-US" sz="2000"/>
+              <a:t>Runs once before the component is destroyed.</a:t>
+            </a:r>
+            <a:br>
+              <a:rPr lang="en-US" sz="2000"/>
+            </a:br>
+            <a:endParaRPr lang="en-US" sz="2000"/>
+          </a:p>
+          <a:p>
+            <a:pPr marL="0" indent="0">
+              <a:buNone/>
+            </a:pPr>
+            <a:endParaRPr lang="en-US" sz="2000"/>
+          </a:p>
+        </p:txBody>
+      </p:sp>
+      <p:pic>
+        <p:nvPicPr>
+          <p:cNvPr id="4" name="Picture 3" descr="A diagram of a process&#10;&#10;Description automatically generated">
+            <a:extLst>
+              <a:ext uri="{FF2B5EF4-FFF2-40B4-BE49-F238E27FC236}">
+                <a16:creationId xmlns:a16="http://schemas.microsoft.com/office/drawing/2014/main" id="{37AECBC6-DBE2-A2C6-F606-12FA47DBC0FD}"/>
+              </a:ext>
+            </a:extLst>
+          </p:cNvPr>
+          <p:cNvPicPr>
+            <a:picLocks noChangeAspect="1"/>
+          </p:cNvPicPr>
+          <p:nvPr/>
+        </p:nvPicPr>
+        <p:blipFill>
+          <a:blip r:embed="rId2"/>
+          <a:stretch>
+            <a:fillRect/>
+          </a:stretch>
+        </p:blipFill>
+        <p:spPr>
+          <a:xfrm>
+            <a:off x="4987672" y="1492891"/>
+            <a:ext cx="6389346" cy="3881527"/>
+          </a:xfrm>
+          <a:prstGeom prst="rect">
+            <a:avLst/>
+          </a:prstGeom>
+        </p:spPr>
+      </p:pic>
+      <p:grpSp>
+        <p:nvGrpSpPr>
+          <p:cNvPr id="9" name="Group 8">
+            <a:extLst>
+              <a:ext uri="{FF2B5EF4-FFF2-40B4-BE49-F238E27FC236}">
+                <a16:creationId xmlns:a16="http://schemas.microsoft.com/office/drawing/2014/main" id="{6258F736-B256-8039-9DC6-F4E49A5C5AD5}"/>
+              </a:ext>
+              <a:ext uri="{C183D7F6-B498-43B3-948B-1728B52AA6E4}">
+                <adec:decorative xmlns:adec="http://schemas.microsoft.com/office/drawing/2017/decorative" val="1"/>
+              </a:ext>
+            </a:extLst>
+          </p:cNvPr>
+          <p:cNvGrpSpPr>
+            <a:grpSpLocks noGrp="1" noUngrp="1" noRot="1" noChangeAspect="1" noMove="1" noResize="1"/>
+          </p:cNvGrpSpPr>
+          <p:nvPr>
+            <p:extLst>
+              <p:ext uri="{386F3935-93C4-4BCD-93E2-E3B085C9AB24}">
+                <p16:designElem xmlns:p16="http://schemas.microsoft.com/office/powerpoint/2015/main" val="1"/>
+              </p:ext>
+            </p:extLst>
+          </p:nvPr>
+        </p:nvGrpSpPr>
+        <p:grpSpPr>
+          <a:xfrm flipH="1">
+            <a:off x="12068638" y="0"/>
+            <a:ext cx="123362" cy="6858000"/>
+            <a:chOff x="12068638" y="0"/>
+            <a:chExt cx="123362" cy="6858000"/>
+          </a:xfrm>
+        </p:grpSpPr>
+        <p:sp>
+          <p:nvSpPr>
+            <p:cNvPr id="10" name="Rectangle 9">
+              <a:extLst>
+                <a:ext uri="{FF2B5EF4-FFF2-40B4-BE49-F238E27FC236}">
+                  <a16:creationId xmlns:a16="http://schemas.microsoft.com/office/drawing/2014/main" id="{10B4520A-996E-330C-99DA-69CA4D89E906}"/>
+                </a:ext>
+                <a:ext uri="{C183D7F6-B498-43B3-948B-1728B52AA6E4}">
+                  <adec:decorative xmlns:adec="http://schemas.microsoft.com/office/drawing/2017/decorative" val="1"/>
+                </a:ext>
+              </a:extLst>
+            </p:cNvPr>
+            <p:cNvSpPr/>
+            <p:nvPr>
+              <p:extLst>
+                <p:ext uri="{386F3935-93C4-4BCD-93E2-E3B085C9AB24}">
+                  <p16:designElem xmlns:p16="http://schemas.microsoft.com/office/powerpoint/2015/main" val="1"/>
+                </p:ext>
+              </p:extLst>
+            </p:nvPr>
+          </p:nvSpPr>
+          <p:spPr>
+            <a:xfrm>
+              <a:off x="12068638" y="0"/>
+              <a:ext cx="123362" cy="6858000"/>
+            </a:xfrm>
+            <a:prstGeom prst="rect">
+              <a:avLst/>
+            </a:prstGeom>
+            <a:gradFill>
+              <a:gsLst>
+                <a:gs pos="0">
+                  <a:schemeClr val="accent2"/>
+                </a:gs>
+                <a:gs pos="100000">
+                  <a:schemeClr val="accent5"/>
+                </a:gs>
+              </a:gsLst>
+              <a:lin ang="1800000" scaled="0"/>
+            </a:gradFill>
+            <a:ln>
+              <a:noFill/>
+            </a:ln>
+          </p:spPr>
+          <p:style>
+            <a:lnRef idx="2">
+              <a:schemeClr val="accent1">
+                <a:shade val="50000"/>
+              </a:schemeClr>
+            </a:lnRef>
+            <a:fillRef idx="1">
+              <a:schemeClr val="accent1"/>
+            </a:fillRef>
+            <a:effectRef idx="0">
+              <a:schemeClr val="accent1"/>
+            </a:effectRef>
+            <a:fontRef idx="minor">
+              <a:schemeClr val="lt1"/>
+            </a:fontRef>
+          </p:style>
+          <p:txBody>
+            <a:bodyPr rtlCol="0" anchor="ctr"/>
+            <a:lstStyle/>
+            <a:p>
+              <a:pPr algn="ctr"/>
+              <a:endParaRPr lang="en-US"/>
+            </a:p>
+          </p:txBody>
+        </p:sp>
+        <p:sp>
+          <p:nvSpPr>
+            <p:cNvPr id="11" name="Rectangle 10">
+              <a:extLst>
+                <a:ext uri="{FF2B5EF4-FFF2-40B4-BE49-F238E27FC236}">
+                  <a16:creationId xmlns:a16="http://schemas.microsoft.com/office/drawing/2014/main" id="{EC8FA945-E356-695F-18D6-CAD4EF34FE4A}"/>
+                </a:ext>
+                <a:ext uri="{C183D7F6-B498-43B3-948B-1728B52AA6E4}">
+                  <adec:decorative xmlns:adec="http://schemas.microsoft.com/office/drawing/2017/decorative" val="1"/>
+                </a:ext>
+              </a:extLst>
+            </p:cNvPr>
+            <p:cNvSpPr/>
+            <p:nvPr>
+              <p:extLst>
+                <p:ext uri="{386F3935-93C4-4BCD-93E2-E3B085C9AB24}">
+                  <p16:designElem xmlns:p16="http://schemas.microsoft.com/office/powerpoint/2015/main" val="1"/>
+                </p:ext>
+              </p:extLst>
+            </p:nvPr>
+          </p:nvSpPr>
+          <p:spPr>
+            <a:xfrm>
+              <a:off x="12068638" y="3527553"/>
+              <a:ext cx="123362" cy="3330447"/>
+            </a:xfrm>
+            <a:prstGeom prst="rect">
+              <a:avLst/>
+            </a:prstGeom>
+            <a:gradFill>
+              <a:gsLst>
+                <a:gs pos="19000">
+                  <a:schemeClr val="accent5">
+                    <a:lumMod val="60000"/>
+                    <a:lumOff val="40000"/>
+                    <a:alpha val="0"/>
+                  </a:schemeClr>
+                </a:gs>
+                <a:gs pos="100000">
+                  <a:schemeClr val="accent5">
+                    <a:lumMod val="60000"/>
+                    <a:lumOff val="40000"/>
+                  </a:schemeClr>
+                </a:gs>
+              </a:gsLst>
+              <a:lin ang="600000" scaled="0"/>
+            </a:gradFill>
+            <a:ln>
+              <a:noFill/>
+            </a:ln>
+          </p:spPr>
+          <p:style>
+            <a:lnRef idx="2">
+              <a:schemeClr val="accent1">
+                <a:shade val="50000"/>
+              </a:schemeClr>
+            </a:lnRef>
+            <a:fillRef idx="1">
+              <a:schemeClr val="accent1"/>
+            </a:fillRef>
+            <a:effectRef idx="0">
+              <a:schemeClr val="accent1"/>
+            </a:effectRef>
+            <a:fontRef idx="minor">
+              <a:schemeClr val="lt1"/>
+            </a:fontRef>
+          </p:style>
+          <p:txBody>
+            <a:bodyPr rtlCol="0" anchor="ctr"/>
+            <a:lstStyle/>
+            <a:p>
+              <a:pPr algn="ctr"/>
+              <a:endParaRPr lang="en-US"/>
+            </a:p>
+          </p:txBody>
+        </p:sp>
+      </p:grpSp>
+      <p:sp>
+        <p:nvSpPr>
+          <p:cNvPr id="5" name="Oval 4">
+            <a:extLst>
+              <a:ext uri="{FF2B5EF4-FFF2-40B4-BE49-F238E27FC236}">
+                <a16:creationId xmlns:a16="http://schemas.microsoft.com/office/drawing/2014/main" id="{ACFDB12C-4E6A-F94F-A084-558F4826D21B}"/>
+              </a:ext>
+            </a:extLst>
+          </p:cNvPr>
+          <p:cNvSpPr/>
+          <p:nvPr/>
+        </p:nvSpPr>
+        <p:spPr>
+          <a:xfrm>
+            <a:off x="10602686" y="4323840"/>
+            <a:ext cx="251926" cy="242596"/>
+          </a:xfrm>
+          <a:prstGeom prst="ellipse">
+            <a:avLst/>
+          </a:prstGeom>
+          <a:solidFill>
+            <a:srgbClr val="FF0000"/>
+          </a:solidFill>
+        </p:spPr>
+        <p:style>
+          <a:lnRef idx="2">
+            <a:schemeClr val="accent1">
+              <a:shade val="15000"/>
+            </a:schemeClr>
+          </a:lnRef>
+          <a:fillRef idx="1">
+            <a:schemeClr val="accent1"/>
+          </a:fillRef>
+          <a:effectRef idx="0">
+            <a:schemeClr val="accent1"/>
+          </a:effectRef>
+          <a:fontRef idx="minor">
+            <a:schemeClr val="lt1"/>
+          </a:fontRef>
+        </p:style>
+        <p:txBody>
+          <a:bodyPr rtlCol="0" anchor="ctr"/>
+          <a:lstStyle/>
+          <a:p>
+            <a:pPr algn="ctr"/>
+            <a:endParaRPr lang="en-US"/>
+          </a:p>
+        </p:txBody>
+      </p:sp>
+    </p:spTree>
+    <p:extLst>
+      <p:ext uri="{BB962C8B-B14F-4D97-AF65-F5344CB8AC3E}">
+        <p14:creationId xmlns:p14="http://schemas.microsoft.com/office/powerpoint/2010/main" val="1942781708"/>
+      </p:ext>
+    </p:extLst>
+  </p:cSld>
+  <p:clrMapOvr>
+    <a:masterClrMapping/>
+  </p:clrMapOvr>
+</p:sld>
+</file>
+
+<file path=ppt/slides/slide32.xml><?xml version="1.0" encoding="utf-8"?>
+<p:sld xmlns:a="http://schemas.openxmlformats.org/drawingml/2006/main" xmlns:r="http://schemas.openxmlformats.org/officeDocument/2006/relationships" xmlns:p="http://schemas.openxmlformats.org/presentationml/2006/main">
+  <p:cSld>
+    <p:spTree>
+      <p:nvGrpSpPr>
+        <p:cNvPr id="1" name=""/>
+        <p:cNvGrpSpPr/>
+        <p:nvPr/>
+      </p:nvGrpSpPr>
+      <p:grpSpPr>
+        <a:xfrm>
+          <a:off x="0" y="0"/>
+          <a:ext cx="0" cy="0"/>
+          <a:chOff x="0" y="0"/>
+          <a:chExt cx="0" cy="0"/>
+        </a:xfrm>
+      </p:grpSpPr>
+      <p:sp>
+        <p:nvSpPr>
+          <p:cNvPr id="2" name="Title 1">
+            <a:extLst>
+              <a:ext uri="{FF2B5EF4-FFF2-40B4-BE49-F238E27FC236}">
+                <a16:creationId xmlns:a16="http://schemas.microsoft.com/office/drawing/2014/main" id="{0F3F56CA-C931-67D7-6382-29F1CF339A1F}"/>
+              </a:ext>
+            </a:extLst>
+          </p:cNvPr>
+          <p:cNvSpPr>
+            <a:spLocks noGrp="1"/>
+          </p:cNvSpPr>
+          <p:nvPr>
+            <p:ph type="title"/>
+          </p:nvPr>
+        </p:nvSpPr>
+        <p:spPr/>
+        <p:txBody>
+          <a:bodyPr/>
+          <a:lstStyle/>
+          <a:p>
+            <a:r>
+              <a:rPr lang="en-US" dirty="0"/>
+              <a:t>@if..@else-if…@else</a:t>
+            </a:r>
+          </a:p>
+        </p:txBody>
+      </p:sp>
+      <p:sp>
+        <p:nvSpPr>
+          <p:cNvPr id="3" name="Content Placeholder 2">
+            <a:extLst>
+              <a:ext uri="{FF2B5EF4-FFF2-40B4-BE49-F238E27FC236}">
+                <a16:creationId xmlns:a16="http://schemas.microsoft.com/office/drawing/2014/main" id="{87EF7DBD-DD82-42F4-40A7-8516331285B8}"/>
+              </a:ext>
+            </a:extLst>
+          </p:cNvPr>
+          <p:cNvSpPr>
+            <a:spLocks noGrp="1"/>
+          </p:cNvSpPr>
+          <p:nvPr>
+            <p:ph idx="1"/>
+          </p:nvPr>
+        </p:nvSpPr>
+        <p:spPr/>
+        <p:txBody>
+          <a:bodyPr>
+            <a:normAutofit fontScale="92500" lnSpcReduction="20000"/>
+          </a:bodyPr>
+          <a:lstStyle/>
+          <a:p>
+            <a:r>
+              <a:rPr lang="en-US" dirty="0"/>
+              <a:t>Helps to control de flow in the UI</a:t>
+            </a:r>
+          </a:p>
+          <a:p>
+            <a:endParaRPr lang="en-US" dirty="0"/>
+          </a:p>
+          <a:p>
+            <a:pPr marL="0" indent="0">
+              <a:buNone/>
+            </a:pPr>
+            <a:r>
+              <a:rPr lang="en-US" dirty="0"/>
+              <a:t>e.g. </a:t>
+            </a:r>
+          </a:p>
+          <a:p>
+            <a:pPr marL="0" indent="0">
+              <a:buNone/>
+            </a:pPr>
+            <a:r>
+              <a:rPr lang="pt-BR" b="0" i="0" dirty="0">
+                <a:solidFill>
+                  <a:srgbClr val="FF0000"/>
+                </a:solidFill>
+                <a:effectLst/>
+                <a:latin typeface="Roboto Mono" panose="00000009000000000000" pitchFamily="49" charset="0"/>
+              </a:rPr>
+              <a:t>@if </a:t>
+            </a:r>
+            <a:r>
+              <a:rPr lang="pt-BR" b="0" i="0" dirty="0">
+                <a:solidFill>
+                  <a:srgbClr val="000088"/>
+                </a:solidFill>
+                <a:effectLst/>
+                <a:latin typeface="Roboto Mono" panose="00000009000000000000" pitchFamily="49" charset="0"/>
+              </a:rPr>
+              <a:t>(cartSubmitted()) </a:t>
+            </a:r>
+            <a:r>
+              <a:rPr lang="pt-BR" b="0" i="0" dirty="0">
+                <a:solidFill>
+                  <a:srgbClr val="FF0000"/>
+                </a:solidFill>
+                <a:effectLst/>
+                <a:latin typeface="Roboto Mono" panose="00000009000000000000" pitchFamily="49" charset="0"/>
+              </a:rPr>
+              <a:t>{</a:t>
+            </a:r>
+          </a:p>
+          <a:p>
+            <a:pPr marL="0" indent="0">
+              <a:buNone/>
+            </a:pPr>
+            <a:r>
+              <a:rPr lang="pt-BR" b="0" i="0" dirty="0">
+                <a:solidFill>
+                  <a:srgbClr val="000088"/>
+                </a:solidFill>
+                <a:effectLst/>
+                <a:latin typeface="Roboto Mono" panose="00000009000000000000" pitchFamily="49" charset="0"/>
+              </a:rPr>
+              <a:t>  &lt;h2&gt;You completed is submitted!&lt;/h2&gt;</a:t>
+            </a:r>
+          </a:p>
+          <a:p>
+            <a:pPr marL="0" indent="0">
+              <a:buNone/>
+            </a:pPr>
+            <a:r>
+              <a:rPr lang="pt-BR" b="0" i="0" dirty="0">
+                <a:solidFill>
+                  <a:srgbClr val="FF0000"/>
+                </a:solidFill>
+                <a:effectLst/>
+                <a:latin typeface="Roboto Mono" panose="00000009000000000000" pitchFamily="49" charset="0"/>
+              </a:rPr>
+              <a:t>}</a:t>
+            </a:r>
+            <a:r>
+              <a:rPr lang="pt-BR" b="0" i="0" dirty="0">
+                <a:solidFill>
+                  <a:srgbClr val="000088"/>
+                </a:solidFill>
+                <a:effectLst/>
+                <a:latin typeface="Roboto Mono" panose="00000009000000000000" pitchFamily="49" charset="0"/>
+              </a:rPr>
+              <a:t> </a:t>
+            </a:r>
+            <a:r>
+              <a:rPr lang="pt-BR" b="0" i="0" dirty="0">
+                <a:solidFill>
+                  <a:srgbClr val="FF0000"/>
+                </a:solidFill>
+                <a:effectLst/>
+                <a:latin typeface="Roboto Mono" panose="00000009000000000000" pitchFamily="49" charset="0"/>
+              </a:rPr>
+              <a:t>@else-if </a:t>
+            </a:r>
+            <a:r>
+              <a:rPr lang="pt-BR" dirty="0">
+                <a:solidFill>
+                  <a:srgbClr val="000088"/>
+                </a:solidFill>
+                <a:latin typeface="Roboto Mono" panose="00000009000000000000" pitchFamily="49" charset="0"/>
+              </a:rPr>
+              <a:t>(cartEmpty())</a:t>
+            </a:r>
+            <a:r>
+              <a:rPr lang="pt-BR" b="0" i="0" dirty="0">
+                <a:solidFill>
+                  <a:srgbClr val="FF0000"/>
+                </a:solidFill>
+                <a:effectLst/>
+                <a:latin typeface="Roboto Mono" panose="00000009000000000000" pitchFamily="49" charset="0"/>
+              </a:rPr>
+              <a:t> {</a:t>
+            </a:r>
+          </a:p>
+          <a:p>
+            <a:pPr marL="0" indent="0">
+              <a:buNone/>
+            </a:pPr>
+            <a:r>
+              <a:rPr lang="pt-BR" dirty="0">
+                <a:solidFill>
+                  <a:srgbClr val="000088"/>
+                </a:solidFill>
+                <a:latin typeface="Roboto Mono" panose="00000009000000000000" pitchFamily="49" charset="0"/>
+              </a:rPr>
+              <a:t>  </a:t>
+            </a:r>
+            <a:r>
+              <a:rPr lang="pt-BR" b="0" i="0" dirty="0">
+                <a:solidFill>
+                  <a:srgbClr val="000088"/>
+                </a:solidFill>
+                <a:effectLst/>
+                <a:latin typeface="Roboto Mono" panose="00000009000000000000" pitchFamily="49" charset="0"/>
+              </a:rPr>
+              <a:t>&lt;h2No items in your cart&lt;/h2&gt;</a:t>
+            </a:r>
+            <a:endParaRPr lang="pt-BR" dirty="0">
+              <a:solidFill>
+                <a:srgbClr val="000088"/>
+              </a:solidFill>
+              <a:latin typeface="Roboto Mono" panose="00000009000000000000" pitchFamily="49" charset="0"/>
+            </a:endParaRPr>
+          </a:p>
+          <a:p>
+            <a:pPr marL="0" indent="0">
+              <a:buNone/>
+            </a:pPr>
+            <a:r>
+              <a:rPr lang="pt-BR" dirty="0">
+                <a:solidFill>
+                  <a:srgbClr val="FF0000"/>
+                </a:solidFill>
+                <a:latin typeface="Roboto Mono" panose="00000009000000000000" pitchFamily="49" charset="0"/>
+              </a:rPr>
+              <a:t>} </a:t>
+            </a:r>
+            <a:r>
+              <a:rPr lang="pt-BR" b="0" i="0" dirty="0">
+                <a:solidFill>
+                  <a:srgbClr val="FF0000"/>
+                </a:solidFill>
+                <a:effectLst/>
+                <a:latin typeface="Roboto Mono" panose="00000009000000000000" pitchFamily="49" charset="0"/>
+              </a:rPr>
+              <a:t>@else {</a:t>
+            </a:r>
+          </a:p>
+          <a:p>
+            <a:pPr marL="0" indent="0">
+              <a:buNone/>
+            </a:pPr>
+            <a:r>
+              <a:rPr lang="pt-BR" dirty="0">
+                <a:solidFill>
+                  <a:srgbClr val="000088"/>
+                </a:solidFill>
+                <a:latin typeface="Roboto Mono" panose="00000009000000000000" pitchFamily="49" charset="0"/>
+              </a:rPr>
+              <a:t>  </a:t>
+            </a:r>
+            <a:r>
+              <a:rPr lang="pt-BR" b="0" i="0" dirty="0">
+                <a:solidFill>
+                  <a:srgbClr val="000088"/>
+                </a:solidFill>
+                <a:effectLst/>
+                <a:latin typeface="Roboto Mono" panose="00000009000000000000" pitchFamily="49" charset="0"/>
+              </a:rPr>
+              <a:t>&lt;h2&gt;{{getTotalItems()}} items in your cart&lt;/h2&gt;</a:t>
+            </a:r>
+            <a:endParaRPr lang="pt-BR" dirty="0">
+              <a:solidFill>
+                <a:srgbClr val="000088"/>
+              </a:solidFill>
+              <a:latin typeface="Roboto Mono" panose="00000009000000000000" pitchFamily="49" charset="0"/>
+            </a:endParaRPr>
+          </a:p>
+          <a:p>
+            <a:pPr marL="0" indent="0">
+              <a:buNone/>
+            </a:pPr>
+            <a:r>
+              <a:rPr lang="pt-BR" dirty="0">
+                <a:solidFill>
+                  <a:srgbClr val="FF0000"/>
+                </a:solidFill>
+                <a:latin typeface="Roboto Mono" panose="00000009000000000000" pitchFamily="49" charset="0"/>
+              </a:rPr>
+              <a:t>}</a:t>
+            </a:r>
+            <a:endParaRPr lang="en-US" dirty="0">
+              <a:solidFill>
+                <a:srgbClr val="FF0000"/>
+              </a:solidFill>
+            </a:endParaRPr>
+          </a:p>
+          <a:p>
+            <a:pPr marL="0" indent="0">
+              <a:buNone/>
+            </a:pPr>
+            <a:endParaRPr lang="en-US" dirty="0">
+              <a:solidFill>
+                <a:srgbClr val="FF0000"/>
+              </a:solidFill>
+            </a:endParaRPr>
+          </a:p>
+        </p:txBody>
+      </p:sp>
+    </p:spTree>
+    <p:extLst>
+      <p:ext uri="{BB962C8B-B14F-4D97-AF65-F5344CB8AC3E}">
+        <p14:creationId xmlns:p14="http://schemas.microsoft.com/office/powerpoint/2010/main" val="2440994360"/>
+      </p:ext>
+    </p:extLst>
+  </p:cSld>
+  <p:clrMapOvr>
+    <a:masterClrMapping/>
+  </p:clrMapOvr>
+</p:sld>
+</file>
+
+<file path=ppt/slides/slide33.xml><?xml version="1.0" encoding="utf-8"?>
+<p:sld xmlns:a="http://schemas.openxmlformats.org/drawingml/2006/main" xmlns:r="http://schemas.openxmlformats.org/officeDocument/2006/relationships" xmlns:p="http://schemas.openxmlformats.org/presentationml/2006/main">
+  <p:cSld>
+    <p:spTree>
+      <p:nvGrpSpPr>
+        <p:cNvPr id="1" name=""/>
+        <p:cNvGrpSpPr/>
+        <p:nvPr/>
+      </p:nvGrpSpPr>
+      <p:grpSpPr>
+        <a:xfrm>
+          <a:off x="0" y="0"/>
+          <a:ext cx="0" cy="0"/>
+          <a:chOff x="0" y="0"/>
+          <a:chExt cx="0" cy="0"/>
+        </a:xfrm>
+      </p:grpSpPr>
+      <p:sp>
+        <p:nvSpPr>
+          <p:cNvPr id="2" name="Title 1">
+            <a:extLst>
+              <a:ext uri="{FF2B5EF4-FFF2-40B4-BE49-F238E27FC236}">
+                <a16:creationId xmlns:a16="http://schemas.microsoft.com/office/drawing/2014/main" id="{0F3F56CA-C931-67D7-6382-29F1CF339A1F}"/>
+              </a:ext>
+            </a:extLst>
+          </p:cNvPr>
+          <p:cNvSpPr>
+            <a:spLocks noGrp="1"/>
+          </p:cNvSpPr>
+          <p:nvPr>
+            <p:ph type="title"/>
+          </p:nvPr>
+        </p:nvSpPr>
+        <p:spPr/>
+        <p:txBody>
+          <a:bodyPr/>
+          <a:lstStyle/>
+          <a:p>
+            <a:r>
+              <a:rPr lang="en-US" dirty="0" err="1"/>
+              <a:t>Directiva</a:t>
+            </a:r>
+            <a:r>
+              <a:rPr lang="en-US" dirty="0"/>
+              <a:t> “</a:t>
+            </a:r>
+            <a:r>
+              <a:rPr lang="en-US" dirty="0" err="1"/>
+              <a:t>ngIf</a:t>
+            </a:r>
+            <a:r>
+              <a:rPr lang="en-US" dirty="0"/>
+              <a:t>”</a:t>
+            </a:r>
+          </a:p>
+        </p:txBody>
+      </p:sp>
+      <p:sp>
+        <p:nvSpPr>
+          <p:cNvPr id="3" name="Content Placeholder 2">
+            <a:extLst>
+              <a:ext uri="{FF2B5EF4-FFF2-40B4-BE49-F238E27FC236}">
+                <a16:creationId xmlns:a16="http://schemas.microsoft.com/office/drawing/2014/main" id="{87EF7DBD-DD82-42F4-40A7-8516331285B8}"/>
+              </a:ext>
+            </a:extLst>
+          </p:cNvPr>
+          <p:cNvSpPr>
+            <a:spLocks noGrp="1"/>
+          </p:cNvSpPr>
+          <p:nvPr>
+            <p:ph idx="1"/>
+          </p:nvPr>
+        </p:nvSpPr>
+        <p:spPr/>
+        <p:txBody>
+          <a:bodyPr>
+            <a:normAutofit/>
+          </a:bodyPr>
+          <a:lstStyle/>
+          <a:p>
+            <a:r>
+              <a:rPr lang="en-US" dirty="0"/>
+              <a:t>Helps to control de flow in the UI similar to “@if”</a:t>
+            </a:r>
+          </a:p>
+          <a:p>
+            <a:endParaRPr lang="en-US" dirty="0"/>
+          </a:p>
+          <a:p>
+            <a:pPr marL="0" indent="0">
+              <a:buNone/>
+            </a:pPr>
+            <a:r>
+              <a:rPr lang="en-US" dirty="0"/>
+              <a:t>e.g. </a:t>
+            </a:r>
+          </a:p>
+          <a:p>
+            <a:pPr marL="0" indent="0">
+              <a:buNone/>
+            </a:pPr>
+            <a:r>
+              <a:rPr lang="en-US" sz="2600" dirty="0">
+                <a:solidFill>
+                  <a:srgbClr val="000088"/>
+                </a:solidFill>
+                <a:latin typeface="Roboto Mono" panose="00000009000000000000" pitchFamily="49" charset="0"/>
+              </a:rPr>
+              <a:t>&lt;div class="row“ </a:t>
+            </a:r>
+            <a:r>
+              <a:rPr lang="en-US" b="0" i="0" dirty="0">
+                <a:solidFill>
+                  <a:srgbClr val="FF0000"/>
+                </a:solidFill>
+                <a:effectLst/>
+                <a:latin typeface="Roboto Mono" panose="00000009000000000000" pitchFamily="49" charset="0"/>
+              </a:rPr>
+              <a:t>*</a:t>
+            </a:r>
+            <a:r>
+              <a:rPr lang="en-US" b="0" i="0" dirty="0" err="1">
+                <a:solidFill>
+                  <a:srgbClr val="FF0000"/>
+                </a:solidFill>
+                <a:effectLst/>
+                <a:latin typeface="Roboto Mono" panose="00000009000000000000" pitchFamily="49" charset="0"/>
+              </a:rPr>
+              <a:t>ngIf</a:t>
+            </a:r>
+            <a:r>
+              <a:rPr lang="en-US" sz="2600" dirty="0">
+                <a:solidFill>
+                  <a:srgbClr val="000088"/>
+                </a:solidFill>
+                <a:latin typeface="Roboto Mono" panose="00000009000000000000" pitchFamily="49" charset="0"/>
+              </a:rPr>
+              <a:t>="</a:t>
+            </a:r>
+            <a:r>
+              <a:rPr lang="en-US" sz="2600" dirty="0" err="1">
+                <a:solidFill>
+                  <a:srgbClr val="000088"/>
+                </a:solidFill>
+                <a:latin typeface="Roboto Mono" panose="00000009000000000000" pitchFamily="49" charset="0"/>
+              </a:rPr>
+              <a:t>cartItems</a:t>
+            </a:r>
+            <a:r>
+              <a:rPr lang="en-US" sz="2600" dirty="0">
+                <a:solidFill>
+                  <a:srgbClr val="000088"/>
+                </a:solidFill>
+                <a:latin typeface="Roboto Mono" panose="00000009000000000000" pitchFamily="49" charset="0"/>
+              </a:rPr>
+              <a:t>().length &gt; 0”&gt;</a:t>
+            </a:r>
+          </a:p>
+          <a:p>
+            <a:pPr marL="0" indent="0">
+              <a:buNone/>
+            </a:pPr>
+            <a:r>
+              <a:rPr lang="en-US" sz="2600" dirty="0">
+                <a:solidFill>
+                  <a:srgbClr val="000088"/>
+                </a:solidFill>
+                <a:latin typeface="Roboto Mono" panose="00000009000000000000" pitchFamily="49" charset="0"/>
+              </a:rPr>
+              <a:t>  &lt;div class="col-7"&gt;</a:t>
+            </a:r>
+          </a:p>
+          <a:p>
+            <a:pPr marL="0" indent="0">
+              <a:buNone/>
+            </a:pPr>
+            <a:r>
+              <a:rPr lang="en-US" sz="2600" dirty="0">
+                <a:solidFill>
+                  <a:srgbClr val="000088"/>
+                </a:solidFill>
+                <a:latin typeface="Roboto Mono" panose="00000009000000000000" pitchFamily="49" charset="0"/>
+              </a:rPr>
+              <a:t>    &lt;app-cart-item-list [</a:t>
+            </a:r>
+            <a:r>
+              <a:rPr lang="en-US" sz="2600" dirty="0" err="1">
+                <a:solidFill>
+                  <a:srgbClr val="000088"/>
+                </a:solidFill>
+                <a:latin typeface="Roboto Mono" panose="00000009000000000000" pitchFamily="49" charset="0"/>
+              </a:rPr>
+              <a:t>cartItems</a:t>
+            </a:r>
+            <a:r>
+              <a:rPr lang="en-US" sz="2600" dirty="0">
+                <a:solidFill>
+                  <a:srgbClr val="000088"/>
+                </a:solidFill>
+                <a:latin typeface="Roboto Mono" panose="00000009000000000000" pitchFamily="49" charset="0"/>
+              </a:rPr>
+              <a:t>]="</a:t>
+            </a:r>
+            <a:r>
+              <a:rPr lang="en-US" sz="2600" dirty="0" err="1">
+                <a:solidFill>
+                  <a:srgbClr val="000088"/>
+                </a:solidFill>
+                <a:latin typeface="Roboto Mono" panose="00000009000000000000" pitchFamily="49" charset="0"/>
+              </a:rPr>
+              <a:t>cartItems</a:t>
+            </a:r>
+            <a:r>
+              <a:rPr lang="en-US" sz="2600" dirty="0">
+                <a:solidFill>
+                  <a:srgbClr val="000088"/>
+                </a:solidFill>
+                <a:latin typeface="Roboto Mono" panose="00000009000000000000" pitchFamily="49" charset="0"/>
+              </a:rPr>
+              <a:t>()"/&gt;</a:t>
+            </a:r>
+          </a:p>
+          <a:p>
+            <a:pPr marL="0" indent="0">
+              <a:buNone/>
+            </a:pPr>
+            <a:r>
+              <a:rPr lang="en-US" sz="2600" dirty="0">
+                <a:solidFill>
+                  <a:srgbClr val="000088"/>
+                </a:solidFill>
+                <a:latin typeface="Roboto Mono" panose="00000009000000000000" pitchFamily="49" charset="0"/>
+              </a:rPr>
+              <a:t>  &lt;/div&gt;        </a:t>
+            </a:r>
+          </a:p>
+          <a:p>
+            <a:pPr marL="0" indent="0">
+              <a:buNone/>
+            </a:pPr>
+            <a:r>
+              <a:rPr lang="en-US" sz="2600" dirty="0">
+                <a:solidFill>
+                  <a:srgbClr val="000088"/>
+                </a:solidFill>
+                <a:latin typeface="Roboto Mono" panose="00000009000000000000" pitchFamily="49" charset="0"/>
+              </a:rPr>
+              <a:t>&lt;/div&gt;</a:t>
+            </a:r>
+          </a:p>
+        </p:txBody>
+      </p:sp>
+    </p:spTree>
+    <p:extLst>
+      <p:ext uri="{BB962C8B-B14F-4D97-AF65-F5344CB8AC3E}">
+        <p14:creationId xmlns:p14="http://schemas.microsoft.com/office/powerpoint/2010/main" val="422491333"/>
+      </p:ext>
+    </p:extLst>
+  </p:cSld>
+  <p:clrMapOvr>
+    <a:masterClrMapping/>
+  </p:clrMapOvr>
+</p:sld>
+</file>
+
+<file path=ppt/slides/slide34.xml><?xml version="1.0" encoding="utf-8"?>
+<p:sld xmlns:a="http://schemas.openxmlformats.org/drawingml/2006/main" xmlns:r="http://schemas.openxmlformats.org/officeDocument/2006/relationships" xmlns:p="http://schemas.openxmlformats.org/presentationml/2006/main">
+  <p:cSld>
+    <p:spTree>
+      <p:nvGrpSpPr>
+        <p:cNvPr id="1" name=""/>
+        <p:cNvGrpSpPr/>
+        <p:nvPr/>
+      </p:nvGrpSpPr>
+      <p:grpSpPr>
+        <a:xfrm>
+          <a:off x="0" y="0"/>
+          <a:ext cx="0" cy="0"/>
+          <a:chOff x="0" y="0"/>
+          <a:chExt cx="0" cy="0"/>
+        </a:xfrm>
+      </p:grpSpPr>
+      <p:sp>
+        <p:nvSpPr>
+          <p:cNvPr id="2" name="Title 1">
+            <a:extLst>
+              <a:ext uri="{FF2B5EF4-FFF2-40B4-BE49-F238E27FC236}">
+                <a16:creationId xmlns:a16="http://schemas.microsoft.com/office/drawing/2014/main" id="{0F3F56CA-C931-67D7-6382-29F1CF339A1F}"/>
+              </a:ext>
+            </a:extLst>
+          </p:cNvPr>
+          <p:cNvSpPr>
+            <a:spLocks noGrp="1"/>
+          </p:cNvSpPr>
+          <p:nvPr>
+            <p:ph type="title"/>
+          </p:nvPr>
+        </p:nvSpPr>
+        <p:spPr/>
+        <p:txBody>
+          <a:bodyPr/>
+          <a:lstStyle/>
+          <a:p>
+            <a:r>
+              <a:rPr lang="en-US" dirty="0"/>
+              <a:t>@for</a:t>
+            </a:r>
+          </a:p>
+        </p:txBody>
+      </p:sp>
+      <p:sp>
+        <p:nvSpPr>
+          <p:cNvPr id="3" name="Content Placeholder 2">
+            <a:extLst>
+              <a:ext uri="{FF2B5EF4-FFF2-40B4-BE49-F238E27FC236}">
+                <a16:creationId xmlns:a16="http://schemas.microsoft.com/office/drawing/2014/main" id="{87EF7DBD-DD82-42F4-40A7-8516331285B8}"/>
+              </a:ext>
+            </a:extLst>
+          </p:cNvPr>
+          <p:cNvSpPr>
+            <a:spLocks noGrp="1"/>
+          </p:cNvSpPr>
+          <p:nvPr>
+            <p:ph idx="1"/>
+          </p:nvPr>
+        </p:nvSpPr>
+        <p:spPr/>
+        <p:txBody>
+          <a:bodyPr>
+            <a:normAutofit fontScale="85000" lnSpcReduction="20000"/>
+          </a:bodyPr>
+          <a:lstStyle/>
+          <a:p>
+            <a:r>
+              <a:rPr lang="en-US" dirty="0"/>
+              <a:t>Helps to control de flow in the UI for loops</a:t>
+            </a:r>
+          </a:p>
+          <a:p>
+            <a:r>
+              <a:rPr lang="en-US" dirty="0"/>
+              <a:t>Track expression allows to maintain a relationship between your data and the DOM nodes on the page. Optimize performance by executing the minimum necessary DOM operations when the data changes</a:t>
+            </a:r>
+          </a:p>
+          <a:p>
+            <a:endParaRPr lang="en-US" dirty="0"/>
+          </a:p>
+          <a:p>
+            <a:pPr marL="0" indent="0">
+              <a:buNone/>
+            </a:pPr>
+            <a:r>
+              <a:rPr lang="en-US" dirty="0"/>
+              <a:t>e.g. </a:t>
+            </a:r>
+          </a:p>
+          <a:p>
+            <a:pPr marL="0" indent="0">
+              <a:buNone/>
+            </a:pPr>
+            <a:r>
+              <a:rPr lang="en-US" sz="3000" dirty="0">
+                <a:solidFill>
+                  <a:srgbClr val="FF0000"/>
+                </a:solidFill>
+                <a:latin typeface="Roboto Mono" panose="00000009000000000000" pitchFamily="49" charset="0"/>
+              </a:rPr>
+              <a:t>@for </a:t>
+            </a:r>
+            <a:r>
+              <a:rPr lang="en-US" sz="3000" dirty="0">
+                <a:solidFill>
+                  <a:srgbClr val="000088"/>
+                </a:solidFill>
+                <a:latin typeface="Roboto Mono" panose="00000009000000000000" pitchFamily="49" charset="0"/>
+              </a:rPr>
+              <a:t>(item of items()</a:t>
+            </a:r>
+            <a:r>
+              <a:rPr lang="en-US" sz="3000" dirty="0">
+                <a:solidFill>
+                  <a:srgbClr val="FF0000"/>
+                </a:solidFill>
+                <a:latin typeface="Roboto Mono" panose="00000009000000000000" pitchFamily="49" charset="0"/>
+              </a:rPr>
+              <a:t>;</a:t>
+            </a:r>
+            <a:r>
+              <a:rPr lang="en-US" sz="3000" dirty="0">
+                <a:solidFill>
+                  <a:srgbClr val="000088"/>
+                </a:solidFill>
+                <a:latin typeface="Roboto Mono" panose="00000009000000000000" pitchFamily="49" charset="0"/>
+              </a:rPr>
+              <a:t> </a:t>
+            </a:r>
+            <a:r>
+              <a:rPr lang="en-US" sz="3000" dirty="0">
+                <a:solidFill>
+                  <a:srgbClr val="FF0000"/>
+                </a:solidFill>
+                <a:latin typeface="Roboto Mono" panose="00000009000000000000" pitchFamily="49" charset="0"/>
+              </a:rPr>
+              <a:t>track</a:t>
+            </a:r>
+            <a:r>
+              <a:rPr lang="en-US" sz="3000" dirty="0">
+                <a:solidFill>
+                  <a:srgbClr val="000088"/>
+                </a:solidFill>
+                <a:latin typeface="Roboto Mono" panose="00000009000000000000" pitchFamily="49" charset="0"/>
+              </a:rPr>
+              <a:t> item.id) </a:t>
+            </a:r>
+            <a:r>
+              <a:rPr lang="en-US" sz="3000" dirty="0">
+                <a:solidFill>
+                  <a:srgbClr val="FF0000"/>
+                </a:solidFill>
+                <a:latin typeface="Roboto Mono" panose="00000009000000000000" pitchFamily="49" charset="0"/>
+              </a:rPr>
+              <a:t>{</a:t>
+            </a:r>
+          </a:p>
+          <a:p>
+            <a:pPr marL="0" indent="0">
+              <a:buNone/>
+            </a:pPr>
+            <a:r>
+              <a:rPr lang="en-US" sz="3000" dirty="0">
+                <a:solidFill>
+                  <a:srgbClr val="000088"/>
+                </a:solidFill>
+                <a:latin typeface="Roboto Mono" panose="00000009000000000000" pitchFamily="49" charset="0"/>
+              </a:rPr>
+              <a:t> &lt;li&gt;</a:t>
+            </a:r>
+          </a:p>
+          <a:p>
+            <a:pPr marL="0" indent="0">
+              <a:buNone/>
+            </a:pPr>
+            <a:r>
+              <a:rPr lang="en-US" sz="3000" dirty="0">
+                <a:solidFill>
+                  <a:srgbClr val="000088"/>
+                </a:solidFill>
+                <a:latin typeface="Roboto Mono" panose="00000009000000000000" pitchFamily="49" charset="0"/>
+              </a:rPr>
+              <a:t>  &lt;app-cart-item-preview [item]=“item"/&gt;</a:t>
+            </a:r>
+          </a:p>
+          <a:p>
+            <a:pPr marL="0" indent="0">
+              <a:buNone/>
+            </a:pPr>
+            <a:r>
+              <a:rPr lang="en-US" sz="3000" dirty="0">
+                <a:solidFill>
+                  <a:srgbClr val="000088"/>
+                </a:solidFill>
+                <a:latin typeface="Roboto Mono" panose="00000009000000000000" pitchFamily="49" charset="0"/>
+              </a:rPr>
+              <a:t> &lt;/li&gt;</a:t>
+            </a:r>
+          </a:p>
+          <a:p>
+            <a:pPr marL="0" indent="0">
+              <a:buNone/>
+            </a:pPr>
+            <a:r>
+              <a:rPr lang="en-US" sz="3000" dirty="0">
+                <a:solidFill>
+                  <a:srgbClr val="FF0000"/>
+                </a:solidFill>
+                <a:latin typeface="Roboto Mono" panose="00000009000000000000" pitchFamily="49" charset="0"/>
+              </a:rPr>
+              <a:t>}</a:t>
+            </a:r>
+          </a:p>
+        </p:txBody>
+      </p:sp>
+    </p:spTree>
+    <p:extLst>
+      <p:ext uri="{BB962C8B-B14F-4D97-AF65-F5344CB8AC3E}">
+        <p14:creationId xmlns:p14="http://schemas.microsoft.com/office/powerpoint/2010/main" val="1175839643"/>
+      </p:ext>
+    </p:extLst>
+  </p:cSld>
+  <p:clrMapOvr>
+    <a:masterClrMapping/>
+  </p:clrMapOvr>
+</p:sld>
+</file>
+
+<file path=ppt/slides/slide35.xml><?xml version="1.0" encoding="utf-8"?>
+<p:sld xmlns:a="http://schemas.openxmlformats.org/drawingml/2006/main" xmlns:r="http://schemas.openxmlformats.org/officeDocument/2006/relationships" xmlns:p="http://schemas.openxmlformats.org/presentationml/2006/main">
+  <p:cSld>
+    <p:spTree>
+      <p:nvGrpSpPr>
+        <p:cNvPr id="1" name=""/>
+        <p:cNvGrpSpPr/>
+        <p:nvPr/>
+      </p:nvGrpSpPr>
+      <p:grpSpPr>
+        <a:xfrm>
+          <a:off x="0" y="0"/>
+          <a:ext cx="0" cy="0"/>
+          <a:chOff x="0" y="0"/>
+          <a:chExt cx="0" cy="0"/>
+        </a:xfrm>
+      </p:grpSpPr>
+      <p:sp>
+        <p:nvSpPr>
+          <p:cNvPr id="2" name="Title 1">
+            <a:extLst>
+              <a:ext uri="{FF2B5EF4-FFF2-40B4-BE49-F238E27FC236}">
+                <a16:creationId xmlns:a16="http://schemas.microsoft.com/office/drawing/2014/main" id="{0F3F56CA-C931-67D7-6382-29F1CF339A1F}"/>
+              </a:ext>
+            </a:extLst>
+          </p:cNvPr>
+          <p:cNvSpPr>
+            <a:spLocks noGrp="1"/>
+          </p:cNvSpPr>
+          <p:nvPr>
+            <p:ph type="title"/>
+          </p:nvPr>
+        </p:nvSpPr>
+        <p:spPr/>
+        <p:txBody>
+          <a:bodyPr/>
+          <a:lstStyle/>
+          <a:p>
+            <a:r>
+              <a:rPr lang="en-US" dirty="0"/>
+              <a:t>@for contextual variables</a:t>
+            </a:r>
+          </a:p>
+        </p:txBody>
+      </p:sp>
+      <p:sp>
+        <p:nvSpPr>
+          <p:cNvPr id="3" name="Content Placeholder 2">
+            <a:extLst>
+              <a:ext uri="{FF2B5EF4-FFF2-40B4-BE49-F238E27FC236}">
+                <a16:creationId xmlns:a16="http://schemas.microsoft.com/office/drawing/2014/main" id="{87EF7DBD-DD82-42F4-40A7-8516331285B8}"/>
+              </a:ext>
+            </a:extLst>
+          </p:cNvPr>
+          <p:cNvSpPr>
+            <a:spLocks noGrp="1"/>
+          </p:cNvSpPr>
+          <p:nvPr>
+            <p:ph idx="1"/>
+          </p:nvPr>
+        </p:nvSpPr>
+        <p:spPr/>
+        <p:txBody>
+          <a:bodyPr>
+            <a:normAutofit/>
+          </a:bodyPr>
+          <a:lstStyle/>
+          <a:p>
+            <a:r>
+              <a:rPr lang="en-US" dirty="0"/>
+              <a:t>Variables that can help for some use cases:</a:t>
+            </a:r>
+            <a:br>
+              <a:rPr lang="en-US" dirty="0"/>
+            </a:br>
+            <a:endParaRPr lang="en-US" dirty="0"/>
+          </a:p>
+          <a:p>
+            <a:pPr lvl="1"/>
+            <a:r>
+              <a:rPr lang="en-US" dirty="0"/>
+              <a:t>$count: Number of items in a collection iterated over</a:t>
+            </a:r>
+          </a:p>
+          <a:p>
+            <a:pPr lvl="1"/>
+            <a:r>
+              <a:rPr lang="en-US" dirty="0"/>
+              <a:t>$index: Index of the current row</a:t>
+            </a:r>
+          </a:p>
+          <a:p>
+            <a:pPr lvl="1"/>
+            <a:r>
+              <a:rPr lang="en-US" dirty="0"/>
+              <a:t>$first: Whether the current row is the first row </a:t>
+            </a:r>
+          </a:p>
+          <a:p>
+            <a:pPr lvl="1"/>
+            <a:r>
+              <a:rPr lang="en-US" dirty="0"/>
+              <a:t>$last: Whether the current row is the last row</a:t>
+            </a:r>
+          </a:p>
+          <a:p>
+            <a:pPr lvl="1"/>
+            <a:r>
+              <a:rPr lang="en-US" dirty="0"/>
+              <a:t>$even: Whether the current row index is even</a:t>
+            </a:r>
+          </a:p>
+          <a:p>
+            <a:pPr lvl="1"/>
+            <a:r>
+              <a:rPr lang="en-US" dirty="0"/>
+              <a:t>$odd: Whether the current row index is odd</a:t>
+            </a:r>
+          </a:p>
+        </p:txBody>
+      </p:sp>
+    </p:spTree>
+    <p:extLst>
+      <p:ext uri="{BB962C8B-B14F-4D97-AF65-F5344CB8AC3E}">
+        <p14:creationId xmlns:p14="http://schemas.microsoft.com/office/powerpoint/2010/main" val="3045482981"/>
+      </p:ext>
+    </p:extLst>
+  </p:cSld>
+  <p:clrMapOvr>
+    <a:masterClrMapping/>
+  </p:clrMapOvr>
+</p:sld>
+</file>
+
+<file path=ppt/slides/slide36.xml><?xml version="1.0" encoding="utf-8"?>
+<p:sld xmlns:a="http://schemas.openxmlformats.org/drawingml/2006/main" xmlns:r="http://schemas.openxmlformats.org/officeDocument/2006/relationships" xmlns:p="http://schemas.openxmlformats.org/presentationml/2006/main">
+  <p:cSld>
+    <p:spTree>
+      <p:nvGrpSpPr>
+        <p:cNvPr id="1" name=""/>
+        <p:cNvGrpSpPr/>
+        <p:nvPr/>
+      </p:nvGrpSpPr>
+      <p:grpSpPr>
+        <a:xfrm>
+          <a:off x="0" y="0"/>
+          <a:ext cx="0" cy="0"/>
+          <a:chOff x="0" y="0"/>
+          <a:chExt cx="0" cy="0"/>
+        </a:xfrm>
+      </p:grpSpPr>
+      <p:sp>
+        <p:nvSpPr>
+          <p:cNvPr id="2" name="Title 1">
+            <a:extLst>
+              <a:ext uri="{FF2B5EF4-FFF2-40B4-BE49-F238E27FC236}">
+                <a16:creationId xmlns:a16="http://schemas.microsoft.com/office/drawing/2014/main" id="{0F3F56CA-C931-67D7-6382-29F1CF339A1F}"/>
+              </a:ext>
+            </a:extLst>
+          </p:cNvPr>
+          <p:cNvSpPr>
+            <a:spLocks noGrp="1"/>
+          </p:cNvSpPr>
+          <p:nvPr>
+            <p:ph type="title"/>
+          </p:nvPr>
+        </p:nvSpPr>
+        <p:spPr/>
+        <p:txBody>
+          <a:bodyPr/>
+          <a:lstStyle/>
+          <a:p>
+            <a:r>
+              <a:rPr lang="en-US" dirty="0"/>
+              <a:t>@for contextual variables</a:t>
+            </a:r>
+          </a:p>
+        </p:txBody>
+      </p:sp>
+      <p:sp>
+        <p:nvSpPr>
+          <p:cNvPr id="3" name="Content Placeholder 2">
+            <a:extLst>
+              <a:ext uri="{FF2B5EF4-FFF2-40B4-BE49-F238E27FC236}">
+                <a16:creationId xmlns:a16="http://schemas.microsoft.com/office/drawing/2014/main" id="{87EF7DBD-DD82-42F4-40A7-8516331285B8}"/>
+              </a:ext>
+            </a:extLst>
+          </p:cNvPr>
+          <p:cNvSpPr>
+            <a:spLocks noGrp="1"/>
+          </p:cNvSpPr>
+          <p:nvPr>
+            <p:ph idx="1"/>
+          </p:nvPr>
+        </p:nvSpPr>
+        <p:spPr/>
+        <p:txBody>
+          <a:bodyPr>
+            <a:normAutofit/>
+          </a:bodyPr>
+          <a:lstStyle/>
+          <a:p>
+            <a:pPr marL="0" indent="0">
+              <a:buNone/>
+            </a:pPr>
+            <a:r>
+              <a:rPr lang="en-US" dirty="0"/>
+              <a:t>e.g. </a:t>
+            </a:r>
+          </a:p>
+          <a:p>
+            <a:pPr marL="0" indent="0">
+              <a:buNone/>
+            </a:pPr>
+            <a:r>
+              <a:rPr lang="en-US" sz="3000" dirty="0">
+                <a:solidFill>
+                  <a:srgbClr val="FF0000"/>
+                </a:solidFill>
+                <a:latin typeface="Roboto Mono" panose="00000009000000000000" pitchFamily="49" charset="0"/>
+              </a:rPr>
+              <a:t>@for </a:t>
+            </a:r>
+            <a:r>
+              <a:rPr lang="en-US" sz="3000" dirty="0">
+                <a:solidFill>
+                  <a:srgbClr val="000088"/>
+                </a:solidFill>
+                <a:latin typeface="Roboto Mono" panose="00000009000000000000" pitchFamily="49" charset="0"/>
+              </a:rPr>
+              <a:t>(item of items(); </a:t>
+            </a:r>
+            <a:r>
+              <a:rPr lang="en-US" sz="3000" dirty="0">
+                <a:solidFill>
+                  <a:srgbClr val="FF0000"/>
+                </a:solidFill>
+                <a:latin typeface="Roboto Mono" panose="00000009000000000000" pitchFamily="49" charset="0"/>
+              </a:rPr>
+              <a:t>track</a:t>
+            </a:r>
+            <a:r>
+              <a:rPr lang="en-US" sz="3000" dirty="0">
+                <a:solidFill>
+                  <a:srgbClr val="000088"/>
+                </a:solidFill>
+                <a:latin typeface="Roboto Mono" panose="00000009000000000000" pitchFamily="49" charset="0"/>
+              </a:rPr>
+              <a:t> item.id; let x = </a:t>
+            </a:r>
+            <a:r>
+              <a:rPr lang="en-US" sz="3000" dirty="0">
+                <a:solidFill>
+                  <a:srgbClr val="FF0000"/>
+                </a:solidFill>
+                <a:latin typeface="Roboto Mono" panose="00000009000000000000" pitchFamily="49" charset="0"/>
+              </a:rPr>
+              <a:t>$index</a:t>
+            </a:r>
+            <a:r>
+              <a:rPr lang="en-US" sz="3000" dirty="0">
+                <a:solidFill>
+                  <a:srgbClr val="000088"/>
+                </a:solidFill>
+                <a:latin typeface="Roboto Mono" panose="00000009000000000000" pitchFamily="49" charset="0"/>
+              </a:rPr>
+              <a:t>, e = </a:t>
+            </a:r>
+            <a:r>
+              <a:rPr lang="en-US" sz="3000" dirty="0">
+                <a:solidFill>
+                  <a:srgbClr val="FF0000"/>
+                </a:solidFill>
+                <a:latin typeface="Roboto Mono" panose="00000009000000000000" pitchFamily="49" charset="0"/>
+              </a:rPr>
+              <a:t>$even</a:t>
+            </a:r>
+            <a:r>
+              <a:rPr lang="en-US" sz="3000" dirty="0">
+                <a:solidFill>
+                  <a:srgbClr val="000088"/>
+                </a:solidFill>
+                <a:latin typeface="Roboto Mono" panose="00000009000000000000" pitchFamily="49" charset="0"/>
+              </a:rPr>
+              <a:t>, f = </a:t>
+            </a:r>
+            <a:r>
+              <a:rPr lang="en-US" sz="3000" dirty="0">
+                <a:solidFill>
+                  <a:srgbClr val="FF0000"/>
+                </a:solidFill>
+                <a:latin typeface="Roboto Mono" panose="00000009000000000000" pitchFamily="49" charset="0"/>
+              </a:rPr>
+              <a:t>$first</a:t>
+            </a:r>
+            <a:r>
+              <a:rPr lang="en-US" sz="3000" dirty="0">
+                <a:solidFill>
+                  <a:srgbClr val="000088"/>
+                </a:solidFill>
+                <a:latin typeface="Roboto Mono" panose="00000009000000000000" pitchFamily="49" charset="0"/>
+              </a:rPr>
+              <a:t>, l = </a:t>
+            </a:r>
+            <a:r>
+              <a:rPr lang="en-US" sz="3000" dirty="0">
+                <a:solidFill>
+                  <a:srgbClr val="FF0000"/>
+                </a:solidFill>
+                <a:latin typeface="Roboto Mono" panose="00000009000000000000" pitchFamily="49" charset="0"/>
+              </a:rPr>
+              <a:t>$last</a:t>
+            </a:r>
+            <a:r>
+              <a:rPr lang="en-US" sz="3000" dirty="0">
+                <a:solidFill>
+                  <a:srgbClr val="000088"/>
+                </a:solidFill>
+                <a:latin typeface="Roboto Mono" panose="00000009000000000000" pitchFamily="49" charset="0"/>
+              </a:rPr>
+              <a:t>) </a:t>
+            </a:r>
+            <a:r>
+              <a:rPr lang="en-US" sz="3000" dirty="0">
+                <a:solidFill>
+                  <a:srgbClr val="FF0000"/>
+                </a:solidFill>
+                <a:latin typeface="Roboto Mono" panose="00000009000000000000" pitchFamily="49" charset="0"/>
+              </a:rPr>
+              <a:t>{</a:t>
+            </a:r>
+          </a:p>
+          <a:p>
+            <a:pPr marL="0" indent="0">
+              <a:buNone/>
+            </a:pPr>
+            <a:r>
+              <a:rPr lang="en-US" sz="3000" dirty="0">
+                <a:solidFill>
+                  <a:srgbClr val="000088"/>
+                </a:solidFill>
+                <a:latin typeface="Roboto Mono" panose="00000009000000000000" pitchFamily="49" charset="0"/>
+              </a:rPr>
+              <a:t> &lt;li&gt;</a:t>
+            </a:r>
+          </a:p>
+          <a:p>
+            <a:pPr marL="0" indent="0">
+              <a:buNone/>
+            </a:pPr>
+            <a:r>
+              <a:rPr lang="en-US" sz="3000" dirty="0">
+                <a:solidFill>
+                  <a:srgbClr val="000088"/>
+                </a:solidFill>
+                <a:latin typeface="Roboto Mono" panose="00000009000000000000" pitchFamily="49" charset="0"/>
+              </a:rPr>
+              <a:t>  &lt;app-cart-item-preview [item]=“item"/&gt;</a:t>
+            </a:r>
+          </a:p>
+          <a:p>
+            <a:pPr marL="0" indent="0">
+              <a:buNone/>
+            </a:pPr>
+            <a:r>
+              <a:rPr lang="en-US" sz="3000" dirty="0">
+                <a:solidFill>
+                  <a:srgbClr val="000088"/>
+                </a:solidFill>
+                <a:latin typeface="Roboto Mono" panose="00000009000000000000" pitchFamily="49" charset="0"/>
+              </a:rPr>
+              <a:t> &lt;/li&gt;</a:t>
+            </a:r>
+          </a:p>
+          <a:p>
+            <a:pPr marL="0" indent="0">
+              <a:buNone/>
+            </a:pPr>
+            <a:r>
+              <a:rPr lang="en-US" sz="3000" dirty="0">
+                <a:solidFill>
+                  <a:srgbClr val="FF0000"/>
+                </a:solidFill>
+                <a:latin typeface="Roboto Mono" panose="00000009000000000000" pitchFamily="49" charset="0"/>
+              </a:rPr>
+              <a:t>}</a:t>
+            </a:r>
+          </a:p>
+        </p:txBody>
+      </p:sp>
+    </p:spTree>
+    <p:extLst>
+      <p:ext uri="{BB962C8B-B14F-4D97-AF65-F5344CB8AC3E}">
+        <p14:creationId xmlns:p14="http://schemas.microsoft.com/office/powerpoint/2010/main" val="2737841591"/>
+      </p:ext>
+    </p:extLst>
+  </p:cSld>
+  <p:clrMapOvr>
+    <a:masterClrMapping/>
+  </p:clrMapOvr>
+</p:sld>
+</file>
+
+<file path=ppt/slides/slide37.xml><?xml version="1.0" encoding="utf-8"?>
+<p:sld xmlns:a="http://schemas.openxmlformats.org/drawingml/2006/main" xmlns:r="http://schemas.openxmlformats.org/officeDocument/2006/relationships" xmlns:p="http://schemas.openxmlformats.org/presentationml/2006/main">
+  <p:cSld>
+    <p:spTree>
+      <p:nvGrpSpPr>
+        <p:cNvPr id="1" name=""/>
+        <p:cNvGrpSpPr/>
+        <p:nvPr/>
+      </p:nvGrpSpPr>
+      <p:grpSpPr>
+        <a:xfrm>
+          <a:off x="0" y="0"/>
+          <a:ext cx="0" cy="0"/>
+          <a:chOff x="0" y="0"/>
+          <a:chExt cx="0" cy="0"/>
+        </a:xfrm>
+      </p:grpSpPr>
+      <p:sp>
+        <p:nvSpPr>
+          <p:cNvPr id="2" name="Title 1">
+            <a:extLst>
+              <a:ext uri="{FF2B5EF4-FFF2-40B4-BE49-F238E27FC236}">
+                <a16:creationId xmlns:a16="http://schemas.microsoft.com/office/drawing/2014/main" id="{0F3F56CA-C931-67D7-6382-29F1CF339A1F}"/>
+              </a:ext>
+            </a:extLst>
+          </p:cNvPr>
+          <p:cNvSpPr>
+            <a:spLocks noGrp="1"/>
+          </p:cNvSpPr>
+          <p:nvPr>
+            <p:ph type="title"/>
+          </p:nvPr>
+        </p:nvSpPr>
+        <p:spPr/>
+        <p:txBody>
+          <a:bodyPr/>
+          <a:lstStyle/>
+          <a:p>
+            <a:r>
+              <a:rPr lang="en-US" dirty="0"/>
+              <a:t>@for fallback</a:t>
+            </a:r>
+          </a:p>
+        </p:txBody>
+      </p:sp>
+      <p:sp>
+        <p:nvSpPr>
+          <p:cNvPr id="3" name="Content Placeholder 2">
+            <a:extLst>
+              <a:ext uri="{FF2B5EF4-FFF2-40B4-BE49-F238E27FC236}">
+                <a16:creationId xmlns:a16="http://schemas.microsoft.com/office/drawing/2014/main" id="{87EF7DBD-DD82-42F4-40A7-8516331285B8}"/>
+              </a:ext>
+            </a:extLst>
+          </p:cNvPr>
+          <p:cNvSpPr>
+            <a:spLocks noGrp="1"/>
+          </p:cNvSpPr>
+          <p:nvPr>
+            <p:ph idx="1"/>
+          </p:nvPr>
+        </p:nvSpPr>
+        <p:spPr/>
+        <p:txBody>
+          <a:bodyPr>
+            <a:normAutofit/>
+          </a:bodyPr>
+          <a:lstStyle/>
+          <a:p>
+            <a:pPr marL="0" indent="0">
+              <a:buNone/>
+            </a:pPr>
+            <a:r>
+              <a:rPr lang="en-US" dirty="0"/>
+              <a:t>e.g. </a:t>
+            </a:r>
+          </a:p>
+          <a:p>
+            <a:pPr marL="0" indent="0">
+              <a:buNone/>
+            </a:pPr>
+            <a:r>
+              <a:rPr lang="en-US" sz="3000" dirty="0">
+                <a:solidFill>
+                  <a:srgbClr val="FF0000"/>
+                </a:solidFill>
+                <a:latin typeface="Roboto Mono" panose="00000009000000000000" pitchFamily="49" charset="0"/>
+              </a:rPr>
+              <a:t>@for </a:t>
+            </a:r>
+            <a:r>
+              <a:rPr lang="en-US" sz="3000" dirty="0">
+                <a:solidFill>
+                  <a:srgbClr val="000088"/>
+                </a:solidFill>
+                <a:latin typeface="Roboto Mono" panose="00000009000000000000" pitchFamily="49" charset="0"/>
+              </a:rPr>
+              <a:t>(item of items(); </a:t>
+            </a:r>
+            <a:r>
+              <a:rPr lang="en-US" sz="3000" dirty="0">
+                <a:solidFill>
+                  <a:srgbClr val="FF0000"/>
+                </a:solidFill>
+                <a:latin typeface="Roboto Mono" panose="00000009000000000000" pitchFamily="49" charset="0"/>
+              </a:rPr>
+              <a:t>track</a:t>
+            </a:r>
+            <a:r>
+              <a:rPr lang="en-US" sz="3000" dirty="0">
+                <a:solidFill>
+                  <a:srgbClr val="000088"/>
+                </a:solidFill>
+                <a:latin typeface="Roboto Mono" panose="00000009000000000000" pitchFamily="49" charset="0"/>
+              </a:rPr>
+              <a:t> item.id) </a:t>
+            </a:r>
+            <a:r>
+              <a:rPr lang="en-US" sz="3000" dirty="0">
+                <a:solidFill>
+                  <a:srgbClr val="FF0000"/>
+                </a:solidFill>
+                <a:latin typeface="Roboto Mono" panose="00000009000000000000" pitchFamily="49" charset="0"/>
+              </a:rPr>
+              <a:t>{</a:t>
+            </a:r>
+          </a:p>
+          <a:p>
+            <a:pPr marL="0" indent="0">
+              <a:buNone/>
+            </a:pPr>
+            <a:r>
+              <a:rPr lang="en-US" sz="3000" dirty="0">
+                <a:solidFill>
+                  <a:srgbClr val="000088"/>
+                </a:solidFill>
+                <a:latin typeface="Roboto Mono" panose="00000009000000000000" pitchFamily="49" charset="0"/>
+              </a:rPr>
+              <a:t> &lt;li&gt;</a:t>
+            </a:r>
+          </a:p>
+          <a:p>
+            <a:pPr marL="0" indent="0">
+              <a:buNone/>
+            </a:pPr>
+            <a:r>
+              <a:rPr lang="en-US" sz="3000" dirty="0">
+                <a:solidFill>
+                  <a:srgbClr val="000088"/>
+                </a:solidFill>
+                <a:latin typeface="Roboto Mono" panose="00000009000000000000" pitchFamily="49" charset="0"/>
+              </a:rPr>
+              <a:t>  &lt;app-cart-item-preview [item]=“item"/&gt;</a:t>
+            </a:r>
+          </a:p>
+          <a:p>
+            <a:pPr marL="0" indent="0">
+              <a:buNone/>
+            </a:pPr>
+            <a:r>
+              <a:rPr lang="en-US" sz="3000" dirty="0">
+                <a:solidFill>
+                  <a:srgbClr val="000088"/>
+                </a:solidFill>
+                <a:latin typeface="Roboto Mono" panose="00000009000000000000" pitchFamily="49" charset="0"/>
+              </a:rPr>
+              <a:t> &lt;/li&gt;</a:t>
+            </a:r>
+          </a:p>
+          <a:p>
+            <a:pPr marL="0" indent="0">
+              <a:buNone/>
+            </a:pPr>
+            <a:r>
+              <a:rPr lang="en-US" sz="3000" dirty="0">
+                <a:solidFill>
+                  <a:srgbClr val="FF0000"/>
+                </a:solidFill>
+                <a:latin typeface="Roboto Mono" panose="00000009000000000000" pitchFamily="49" charset="0"/>
+              </a:rPr>
+              <a:t>} @empty {</a:t>
+            </a:r>
+          </a:p>
+          <a:p>
+            <a:pPr marL="0" indent="0">
+              <a:buNone/>
+            </a:pPr>
+            <a:r>
+              <a:rPr lang="en-US" sz="3000" dirty="0">
+                <a:solidFill>
+                  <a:srgbClr val="FF0000"/>
+                </a:solidFill>
+                <a:latin typeface="Roboto Mono" panose="00000009000000000000" pitchFamily="49" charset="0"/>
+              </a:rPr>
+              <a:t>  </a:t>
+            </a:r>
+            <a:r>
+              <a:rPr lang="en-US" sz="3000" dirty="0">
+                <a:solidFill>
+                  <a:srgbClr val="000088"/>
+                </a:solidFill>
+                <a:latin typeface="Roboto Mono" panose="00000009000000000000" pitchFamily="49" charset="0"/>
+              </a:rPr>
+              <a:t>&lt;li&gt;No items.&lt;/li&gt;</a:t>
+            </a:r>
+          </a:p>
+          <a:p>
+            <a:pPr marL="0" indent="0">
+              <a:buNone/>
+            </a:pPr>
+            <a:r>
+              <a:rPr lang="en-US" sz="3000" dirty="0">
+                <a:solidFill>
+                  <a:srgbClr val="FF0000"/>
+                </a:solidFill>
+                <a:latin typeface="Roboto Mono" panose="00000009000000000000" pitchFamily="49" charset="0"/>
+              </a:rPr>
+              <a:t>}</a:t>
+            </a:r>
+          </a:p>
+        </p:txBody>
+      </p:sp>
+    </p:spTree>
+    <p:extLst>
+      <p:ext uri="{BB962C8B-B14F-4D97-AF65-F5344CB8AC3E}">
+        <p14:creationId xmlns:p14="http://schemas.microsoft.com/office/powerpoint/2010/main" val="3185731851"/>
+      </p:ext>
+    </p:extLst>
+  </p:cSld>
+  <p:clrMapOvr>
+    <a:masterClrMapping/>
+  </p:clrMapOvr>
+</p:sld>
+</file>
+
+<file path=ppt/slides/slide38.xml><?xml version="1.0" encoding="utf-8"?>
+<p:sld xmlns:a="http://schemas.openxmlformats.org/drawingml/2006/main" xmlns:r="http://schemas.openxmlformats.org/officeDocument/2006/relationships" xmlns:p="http://schemas.openxmlformats.org/presentationml/2006/main">
+  <p:cSld>
+    <p:spTree>
+      <p:nvGrpSpPr>
+        <p:cNvPr id="1" name=""/>
+        <p:cNvGrpSpPr/>
+        <p:nvPr/>
+      </p:nvGrpSpPr>
+      <p:grpSpPr>
+        <a:xfrm>
+          <a:off x="0" y="0"/>
+          <a:ext cx="0" cy="0"/>
+          <a:chOff x="0" y="0"/>
+          <a:chExt cx="0" cy="0"/>
+        </a:xfrm>
+      </p:grpSpPr>
+      <p:sp>
+        <p:nvSpPr>
+          <p:cNvPr id="2" name="Title 1">
+            <a:extLst>
+              <a:ext uri="{FF2B5EF4-FFF2-40B4-BE49-F238E27FC236}">
+                <a16:creationId xmlns:a16="http://schemas.microsoft.com/office/drawing/2014/main" id="{0F3F56CA-C931-67D7-6382-29F1CF339A1F}"/>
+              </a:ext>
+            </a:extLst>
+          </p:cNvPr>
+          <p:cNvSpPr>
+            <a:spLocks noGrp="1"/>
+          </p:cNvSpPr>
+          <p:nvPr>
+            <p:ph type="title"/>
+          </p:nvPr>
+        </p:nvSpPr>
+        <p:spPr/>
+        <p:txBody>
+          <a:bodyPr/>
+          <a:lstStyle/>
+          <a:p>
+            <a:r>
+              <a:rPr lang="en-US" dirty="0" err="1"/>
+              <a:t>Directiva</a:t>
+            </a:r>
+            <a:r>
+              <a:rPr lang="en-US" dirty="0"/>
+              <a:t> “</a:t>
+            </a:r>
+            <a:r>
+              <a:rPr lang="en-US" dirty="0" err="1"/>
+              <a:t>ngFor</a:t>
+            </a:r>
+            <a:r>
+              <a:rPr lang="en-US" dirty="0"/>
+              <a:t>”</a:t>
+            </a:r>
+          </a:p>
+        </p:txBody>
+      </p:sp>
+      <p:sp>
+        <p:nvSpPr>
+          <p:cNvPr id="3" name="Content Placeholder 2">
+            <a:extLst>
+              <a:ext uri="{FF2B5EF4-FFF2-40B4-BE49-F238E27FC236}">
+                <a16:creationId xmlns:a16="http://schemas.microsoft.com/office/drawing/2014/main" id="{87EF7DBD-DD82-42F4-40A7-8516331285B8}"/>
+              </a:ext>
+            </a:extLst>
+          </p:cNvPr>
+          <p:cNvSpPr>
+            <a:spLocks noGrp="1"/>
+          </p:cNvSpPr>
+          <p:nvPr>
+            <p:ph idx="1"/>
+          </p:nvPr>
+        </p:nvSpPr>
+        <p:spPr/>
+        <p:txBody>
+          <a:bodyPr>
+            <a:normAutofit/>
+          </a:bodyPr>
+          <a:lstStyle/>
+          <a:p>
+            <a:pPr marL="0" indent="0">
+              <a:buNone/>
+            </a:pPr>
+            <a:r>
+              <a:rPr lang="en-US" dirty="0"/>
+              <a:t>e.g. </a:t>
+            </a:r>
+          </a:p>
+          <a:p>
+            <a:pPr marL="0" indent="0">
+              <a:buNone/>
+            </a:pPr>
+            <a:r>
+              <a:rPr lang="en-US" sz="3000" dirty="0">
+                <a:solidFill>
+                  <a:srgbClr val="000088"/>
+                </a:solidFill>
+                <a:latin typeface="Roboto Mono" panose="00000009000000000000" pitchFamily="49" charset="0"/>
+              </a:rPr>
+              <a:t>&lt;div </a:t>
+            </a:r>
+            <a:r>
+              <a:rPr lang="en-US" sz="3000" dirty="0">
+                <a:solidFill>
+                  <a:srgbClr val="FF0000"/>
+                </a:solidFill>
+                <a:latin typeface="Roboto Mono" panose="00000009000000000000" pitchFamily="49" charset="0"/>
+              </a:rPr>
+              <a:t>*</a:t>
+            </a:r>
+            <a:r>
+              <a:rPr lang="en-US" sz="3000" dirty="0" err="1">
+                <a:solidFill>
+                  <a:srgbClr val="FF0000"/>
+                </a:solidFill>
+                <a:latin typeface="Roboto Mono" panose="00000009000000000000" pitchFamily="49" charset="0"/>
+              </a:rPr>
+              <a:t>ngFor</a:t>
+            </a:r>
+            <a:r>
+              <a:rPr lang="en-US" sz="3000" dirty="0">
+                <a:solidFill>
+                  <a:srgbClr val="000088"/>
+                </a:solidFill>
+                <a:latin typeface="Roboto Mono" panose="00000009000000000000" pitchFamily="49" charset="0"/>
+              </a:rPr>
+              <a:t>="let item of items"&gt;{{ item.name }}&lt;/div&gt;</a:t>
+            </a:r>
+          </a:p>
+          <a:p>
+            <a:pPr marL="0" indent="0">
+              <a:buNone/>
+            </a:pPr>
+            <a:endParaRPr lang="en-US" sz="3000" dirty="0">
+              <a:solidFill>
+                <a:srgbClr val="000088"/>
+              </a:solidFill>
+              <a:latin typeface="Roboto Mono" panose="00000009000000000000" pitchFamily="49" charset="0"/>
+            </a:endParaRPr>
+          </a:p>
+          <a:p>
+            <a:pPr marL="0" indent="0">
+              <a:buNone/>
+            </a:pPr>
+            <a:r>
+              <a:rPr lang="en-US" sz="3200" dirty="0"/>
+              <a:t>e.g. </a:t>
+            </a:r>
+          </a:p>
+          <a:p>
+            <a:pPr marL="0" indent="0">
+              <a:buNone/>
+            </a:pPr>
+            <a:r>
+              <a:rPr lang="en-US" sz="3000" dirty="0">
+                <a:solidFill>
+                  <a:srgbClr val="000088"/>
+                </a:solidFill>
+                <a:latin typeface="Roboto Mono" panose="00000009000000000000" pitchFamily="49" charset="0"/>
+              </a:rPr>
+              <a:t>&lt;div </a:t>
+            </a:r>
+            <a:r>
+              <a:rPr lang="en-US" sz="3000" dirty="0">
+                <a:solidFill>
+                  <a:srgbClr val="FF0000"/>
+                </a:solidFill>
+                <a:latin typeface="Roboto Mono" panose="00000009000000000000" pitchFamily="49" charset="0"/>
+              </a:rPr>
+              <a:t>*</a:t>
+            </a:r>
+            <a:r>
+              <a:rPr lang="en-US" sz="3000" dirty="0" err="1">
+                <a:solidFill>
+                  <a:srgbClr val="FF0000"/>
+                </a:solidFill>
+                <a:latin typeface="Roboto Mono" panose="00000009000000000000" pitchFamily="49" charset="0"/>
+              </a:rPr>
+              <a:t>ngFor</a:t>
+            </a:r>
+            <a:r>
+              <a:rPr lang="en-US" sz="3000" dirty="0">
+                <a:solidFill>
+                  <a:srgbClr val="000088"/>
+                </a:solidFill>
+                <a:latin typeface="Roboto Mono" panose="00000009000000000000" pitchFamily="49" charset="0"/>
+              </a:rPr>
+              <a:t>="let item of items</a:t>
+            </a:r>
+            <a:r>
+              <a:rPr lang="en-US" sz="3000" dirty="0">
+                <a:solidFill>
+                  <a:srgbClr val="FF0000"/>
+                </a:solidFill>
+                <a:latin typeface="Roboto Mono" panose="00000009000000000000" pitchFamily="49" charset="0"/>
+              </a:rPr>
+              <a:t>; let </a:t>
+            </a:r>
+            <a:r>
+              <a:rPr lang="en-US" sz="3000" dirty="0" err="1">
+                <a:solidFill>
+                  <a:srgbClr val="FF0000"/>
+                </a:solidFill>
+                <a:latin typeface="Roboto Mono" panose="00000009000000000000" pitchFamily="49" charset="0"/>
+              </a:rPr>
+              <a:t>i</a:t>
+            </a:r>
+            <a:r>
+              <a:rPr lang="en-US" sz="3000" dirty="0">
+                <a:solidFill>
+                  <a:srgbClr val="FF0000"/>
+                </a:solidFill>
+                <a:latin typeface="Roboto Mono" panose="00000009000000000000" pitchFamily="49" charset="0"/>
+              </a:rPr>
+              <a:t>=index; </a:t>
+            </a:r>
+            <a:r>
+              <a:rPr lang="en-US" sz="3000" dirty="0" err="1">
+                <a:solidFill>
+                  <a:srgbClr val="FF0000"/>
+                </a:solidFill>
+                <a:latin typeface="Roboto Mono" panose="00000009000000000000" pitchFamily="49" charset="0"/>
+              </a:rPr>
+              <a:t>trackBy</a:t>
+            </a:r>
+            <a:r>
+              <a:rPr lang="en-US" sz="3000" dirty="0">
+                <a:solidFill>
+                  <a:srgbClr val="FF0000"/>
+                </a:solidFill>
+                <a:latin typeface="Roboto Mono" panose="00000009000000000000" pitchFamily="49" charset="0"/>
+              </a:rPr>
+              <a:t>: </a:t>
+            </a:r>
+            <a:r>
+              <a:rPr lang="en-US" sz="3000" dirty="0">
+                <a:solidFill>
+                  <a:srgbClr val="000088"/>
+                </a:solidFill>
+                <a:latin typeface="Roboto Mono" panose="00000009000000000000" pitchFamily="49" charset="0"/>
+              </a:rPr>
+              <a:t>item.id "&gt;{{ item.name }} – index {{</a:t>
+            </a:r>
+            <a:r>
+              <a:rPr lang="en-US" sz="3000" dirty="0" err="1">
+                <a:solidFill>
+                  <a:srgbClr val="000088"/>
+                </a:solidFill>
+                <a:latin typeface="Roboto Mono" panose="00000009000000000000" pitchFamily="49" charset="0"/>
+              </a:rPr>
+              <a:t>i</a:t>
+            </a:r>
+            <a:r>
+              <a:rPr lang="en-US" sz="3000" dirty="0">
+                <a:solidFill>
+                  <a:srgbClr val="000088"/>
+                </a:solidFill>
+                <a:latin typeface="Roboto Mono" panose="00000009000000000000" pitchFamily="49" charset="0"/>
+              </a:rPr>
+              <a:t>}}&lt;/div&gt;</a:t>
+            </a:r>
+          </a:p>
+          <a:p>
+            <a:pPr marL="0" indent="0">
+              <a:buNone/>
+            </a:pPr>
+            <a:endParaRPr lang="en-US" sz="3000" dirty="0">
+              <a:solidFill>
+                <a:srgbClr val="000088"/>
+              </a:solidFill>
+              <a:latin typeface="Roboto Mono" panose="00000009000000000000" pitchFamily="49" charset="0"/>
+            </a:endParaRPr>
+          </a:p>
+        </p:txBody>
+      </p:sp>
+    </p:spTree>
+    <p:extLst>
+      <p:ext uri="{BB962C8B-B14F-4D97-AF65-F5344CB8AC3E}">
+        <p14:creationId xmlns:p14="http://schemas.microsoft.com/office/powerpoint/2010/main" val="3575835837"/>
+      </p:ext>
+    </p:extLst>
+  </p:cSld>
+  <p:clrMapOvr>
+    <a:masterClrMapping/>
+  </p:clrMapOvr>
+</p:sld>
+</file>
+
+<file path=ppt/slides/slide39.xml><?xml version="1.0" encoding="utf-8"?>
+<p:sld xmlns:a="http://schemas.openxmlformats.org/drawingml/2006/main" xmlns:r="http://schemas.openxmlformats.org/officeDocument/2006/relationships" xmlns:p="http://schemas.openxmlformats.org/presentationml/2006/main">
+  <p:cSld>
+    <p:spTree>
+      <p:nvGrpSpPr>
+        <p:cNvPr id="1" name=""/>
+        <p:cNvGrpSpPr/>
+        <p:nvPr/>
+      </p:nvGrpSpPr>
+      <p:grpSpPr>
+        <a:xfrm>
+          <a:off x="0" y="0"/>
+          <a:ext cx="0" cy="0"/>
+          <a:chOff x="0" y="0"/>
+          <a:chExt cx="0" cy="0"/>
+        </a:xfrm>
+      </p:grpSpPr>
+      <p:sp>
+        <p:nvSpPr>
+          <p:cNvPr id="2" name="Title 1">
+            <a:extLst>
+              <a:ext uri="{FF2B5EF4-FFF2-40B4-BE49-F238E27FC236}">
+                <a16:creationId xmlns:a16="http://schemas.microsoft.com/office/drawing/2014/main" id="{0F3F56CA-C931-67D7-6382-29F1CF339A1F}"/>
+              </a:ext>
+            </a:extLst>
+          </p:cNvPr>
+          <p:cNvSpPr>
+            <a:spLocks noGrp="1"/>
+          </p:cNvSpPr>
+          <p:nvPr>
+            <p:ph type="title"/>
+          </p:nvPr>
+        </p:nvSpPr>
+        <p:spPr/>
+        <p:txBody>
+          <a:bodyPr/>
+          <a:lstStyle/>
+          <a:p>
+            <a:r>
+              <a:rPr lang="en-US" dirty="0"/>
+              <a:t>@switch</a:t>
+            </a:r>
+          </a:p>
+        </p:txBody>
+      </p:sp>
+      <p:sp>
+        <p:nvSpPr>
+          <p:cNvPr id="3" name="Content Placeholder 2">
+            <a:extLst>
+              <a:ext uri="{FF2B5EF4-FFF2-40B4-BE49-F238E27FC236}">
+                <a16:creationId xmlns:a16="http://schemas.microsoft.com/office/drawing/2014/main" id="{87EF7DBD-DD82-42F4-40A7-8516331285B8}"/>
+              </a:ext>
+            </a:extLst>
+          </p:cNvPr>
+          <p:cNvSpPr>
+            <a:spLocks noGrp="1"/>
+          </p:cNvSpPr>
+          <p:nvPr>
+            <p:ph idx="1"/>
+          </p:nvPr>
+        </p:nvSpPr>
+        <p:spPr/>
+        <p:txBody>
+          <a:bodyPr>
+            <a:normAutofit fontScale="55000" lnSpcReduction="20000"/>
+          </a:bodyPr>
+          <a:lstStyle/>
+          <a:p>
+            <a:r>
+              <a:rPr lang="en-US" dirty="0"/>
+              <a:t>The value of the conditional expression is compared to the case expression using the triple-equals (===) operator</a:t>
+            </a:r>
+          </a:p>
+          <a:p>
+            <a:pPr marL="0" indent="0">
+              <a:buNone/>
+            </a:pPr>
+            <a:r>
+              <a:rPr lang="en-US" dirty="0"/>
+              <a:t>e.g. </a:t>
+            </a:r>
+          </a:p>
+          <a:p>
+            <a:pPr marL="0" indent="0">
+              <a:buNone/>
+            </a:pPr>
+            <a:r>
+              <a:rPr lang="en-US" sz="4800" dirty="0">
+                <a:solidFill>
+                  <a:srgbClr val="FF0000"/>
+                </a:solidFill>
+                <a:latin typeface="Roboto Mono" panose="00000009000000000000" pitchFamily="49" charset="0"/>
+              </a:rPr>
+              <a:t>@switch </a:t>
+            </a:r>
+            <a:r>
+              <a:rPr lang="en-US" sz="4700" dirty="0">
+                <a:solidFill>
+                  <a:srgbClr val="000088"/>
+                </a:solidFill>
+                <a:latin typeface="Roboto Mono" panose="00000009000000000000" pitchFamily="49" charset="0"/>
+              </a:rPr>
+              <a:t>(</a:t>
+            </a:r>
+            <a:r>
+              <a:rPr lang="en-US" sz="4700" dirty="0" err="1">
+                <a:solidFill>
+                  <a:srgbClr val="000088"/>
+                </a:solidFill>
+                <a:latin typeface="Roboto Mono" panose="00000009000000000000" pitchFamily="49" charset="0"/>
+              </a:rPr>
+              <a:t>userPermissions</a:t>
+            </a:r>
+            <a:r>
+              <a:rPr lang="en-US" sz="4700" dirty="0">
+                <a:solidFill>
+                  <a:srgbClr val="000088"/>
+                </a:solidFill>
+                <a:latin typeface="Roboto Mono" panose="00000009000000000000" pitchFamily="49" charset="0"/>
+              </a:rPr>
+              <a:t>) </a:t>
+            </a:r>
+            <a:r>
+              <a:rPr lang="en-US" sz="4800" dirty="0">
+                <a:solidFill>
+                  <a:srgbClr val="FF0000"/>
+                </a:solidFill>
+                <a:latin typeface="Roboto Mono" panose="00000009000000000000" pitchFamily="49" charset="0"/>
+              </a:rPr>
+              <a:t>{</a:t>
+            </a:r>
+          </a:p>
+          <a:p>
+            <a:pPr marL="0" indent="0">
+              <a:buNone/>
+            </a:pPr>
+            <a:r>
+              <a:rPr lang="en-US" sz="4800" dirty="0">
+                <a:solidFill>
+                  <a:srgbClr val="FF0000"/>
+                </a:solidFill>
+                <a:latin typeface="Roboto Mono" panose="00000009000000000000" pitchFamily="49" charset="0"/>
+              </a:rPr>
+              <a:t>  @case </a:t>
+            </a:r>
+            <a:r>
+              <a:rPr lang="en-US" sz="4800" dirty="0">
+                <a:solidFill>
+                  <a:srgbClr val="000088"/>
+                </a:solidFill>
+                <a:latin typeface="Roboto Mono" panose="00000009000000000000" pitchFamily="49" charset="0"/>
+              </a:rPr>
+              <a:t>('admin') </a:t>
+            </a:r>
+            <a:r>
+              <a:rPr lang="en-US" sz="4800" dirty="0">
+                <a:solidFill>
+                  <a:srgbClr val="FF0000"/>
+                </a:solidFill>
+                <a:latin typeface="Roboto Mono" panose="00000009000000000000" pitchFamily="49" charset="0"/>
+              </a:rPr>
+              <a:t>{</a:t>
+            </a:r>
+          </a:p>
+          <a:p>
+            <a:pPr marL="0" indent="0">
+              <a:buNone/>
+            </a:pPr>
+            <a:r>
+              <a:rPr lang="en-US" sz="4800" dirty="0">
+                <a:solidFill>
+                  <a:srgbClr val="FF0000"/>
+                </a:solidFill>
+                <a:latin typeface="Roboto Mono" panose="00000009000000000000" pitchFamily="49" charset="0"/>
+              </a:rPr>
+              <a:t>    </a:t>
+            </a:r>
+            <a:r>
+              <a:rPr lang="en-US" sz="4800" dirty="0">
+                <a:solidFill>
+                  <a:srgbClr val="000088"/>
+                </a:solidFill>
+                <a:latin typeface="Roboto Mono" panose="00000009000000000000" pitchFamily="49" charset="0"/>
+              </a:rPr>
+              <a:t>&lt;app-admin-dashboard /&gt;</a:t>
+            </a:r>
+          </a:p>
+          <a:p>
+            <a:pPr marL="0" indent="0">
+              <a:buNone/>
+            </a:pPr>
+            <a:r>
+              <a:rPr lang="en-US" sz="4800" dirty="0">
+                <a:solidFill>
+                  <a:srgbClr val="FF0000"/>
+                </a:solidFill>
+                <a:latin typeface="Roboto Mono" panose="00000009000000000000" pitchFamily="49" charset="0"/>
+              </a:rPr>
+              <a:t>  } @case </a:t>
+            </a:r>
+            <a:r>
+              <a:rPr lang="en-US" sz="4700" dirty="0">
+                <a:solidFill>
+                  <a:srgbClr val="000088"/>
+                </a:solidFill>
+                <a:latin typeface="Roboto Mono" panose="00000009000000000000" pitchFamily="49" charset="0"/>
+              </a:rPr>
+              <a:t>('reviewer') </a:t>
+            </a:r>
+            <a:r>
+              <a:rPr lang="en-US" sz="4800" dirty="0">
+                <a:solidFill>
+                  <a:srgbClr val="FF0000"/>
+                </a:solidFill>
+                <a:latin typeface="Roboto Mono" panose="00000009000000000000" pitchFamily="49" charset="0"/>
+              </a:rPr>
+              <a:t>{</a:t>
+            </a:r>
+          </a:p>
+          <a:p>
+            <a:pPr marL="0" indent="0">
+              <a:buNone/>
+            </a:pPr>
+            <a:r>
+              <a:rPr lang="en-US" sz="4800" dirty="0">
+                <a:solidFill>
+                  <a:srgbClr val="FF0000"/>
+                </a:solidFill>
+                <a:latin typeface="Roboto Mono" panose="00000009000000000000" pitchFamily="49" charset="0"/>
+              </a:rPr>
+              <a:t>    </a:t>
+            </a:r>
+            <a:r>
+              <a:rPr lang="en-US" sz="4800" dirty="0">
+                <a:solidFill>
+                  <a:srgbClr val="000088"/>
+                </a:solidFill>
+                <a:latin typeface="Roboto Mono" panose="00000009000000000000" pitchFamily="49" charset="0"/>
+              </a:rPr>
+              <a:t>&lt;app-reviewer-dashboard /&gt;</a:t>
+            </a:r>
+          </a:p>
+          <a:p>
+            <a:pPr marL="0" indent="0">
+              <a:buNone/>
+            </a:pPr>
+            <a:r>
+              <a:rPr lang="en-US" sz="4800" dirty="0">
+                <a:solidFill>
+                  <a:srgbClr val="FF0000"/>
+                </a:solidFill>
+                <a:latin typeface="Roboto Mono" panose="00000009000000000000" pitchFamily="49" charset="0"/>
+              </a:rPr>
+              <a:t>  } @default {</a:t>
+            </a:r>
+          </a:p>
+          <a:p>
+            <a:pPr marL="0" indent="0">
+              <a:buNone/>
+            </a:pPr>
+            <a:r>
+              <a:rPr lang="en-US" sz="4800" dirty="0">
+                <a:solidFill>
+                  <a:srgbClr val="FF0000"/>
+                </a:solidFill>
+                <a:latin typeface="Roboto Mono" panose="00000009000000000000" pitchFamily="49" charset="0"/>
+              </a:rPr>
+              <a:t>    </a:t>
+            </a:r>
+            <a:r>
+              <a:rPr lang="en-US" sz="4800" dirty="0">
+                <a:solidFill>
+                  <a:srgbClr val="000088"/>
+                </a:solidFill>
+                <a:latin typeface="Roboto Mono" panose="00000009000000000000" pitchFamily="49" charset="0"/>
+              </a:rPr>
+              <a:t>&lt;app-viewer-dashboard /&gt;</a:t>
+            </a:r>
+          </a:p>
+          <a:p>
+            <a:pPr marL="0" indent="0">
+              <a:buNone/>
+            </a:pPr>
+            <a:r>
+              <a:rPr lang="en-US" sz="4800" dirty="0">
+                <a:solidFill>
+                  <a:srgbClr val="FF0000"/>
+                </a:solidFill>
+                <a:latin typeface="Roboto Mono" panose="00000009000000000000" pitchFamily="49" charset="0"/>
+              </a:rPr>
+              <a:t>  }</a:t>
+            </a:r>
+          </a:p>
+          <a:p>
+            <a:pPr marL="0" indent="0">
+              <a:buNone/>
+            </a:pPr>
+            <a:r>
+              <a:rPr lang="en-US" sz="4800" dirty="0">
+                <a:solidFill>
+                  <a:srgbClr val="FF0000"/>
+                </a:solidFill>
+                <a:latin typeface="Roboto Mono" panose="00000009000000000000" pitchFamily="49" charset="0"/>
+              </a:rPr>
+              <a:t>}</a:t>
+            </a:r>
+          </a:p>
+        </p:txBody>
+      </p:sp>
+    </p:spTree>
+    <p:extLst>
+      <p:ext uri="{BB962C8B-B14F-4D97-AF65-F5344CB8AC3E}">
+        <p14:creationId xmlns:p14="http://schemas.microsoft.com/office/powerpoint/2010/main" val="785893768"/>
+      </p:ext>
+    </p:extLst>
+  </p:cSld>
+  <p:clrMapOvr>
+    <a:masterClrMapping/>
+  </p:clrMapOvr>
+</p:sld>
+</file>
+
 <file path=ppt/slides/slide4.xml><?xml version="1.0" encoding="utf-8"?>
 <p:sld xmlns:a="http://schemas.openxmlformats.org/drawingml/2006/main" xmlns:r="http://schemas.openxmlformats.org/officeDocument/2006/relationships" xmlns:p="http://schemas.openxmlformats.org/presentationml/2006/main">
   <p:cSld>
@@ -7515,6 +12364,1045 @@
     <p:extLst>
       <p:ext uri="{BB962C8B-B14F-4D97-AF65-F5344CB8AC3E}">
         <p14:creationId xmlns:p14="http://schemas.microsoft.com/office/powerpoint/2010/main" val="2096121628"/>
+      </p:ext>
+    </p:extLst>
+  </p:cSld>
+  <p:clrMapOvr>
+    <a:masterClrMapping/>
+  </p:clrMapOvr>
+</p:sld>
+</file>
+
+<file path=ppt/slides/slide40.xml><?xml version="1.0" encoding="utf-8"?>
+<p:sld xmlns:a="http://schemas.openxmlformats.org/drawingml/2006/main" xmlns:r="http://schemas.openxmlformats.org/officeDocument/2006/relationships" xmlns:p="http://schemas.openxmlformats.org/presentationml/2006/main">
+  <p:cSld>
+    <p:spTree>
+      <p:nvGrpSpPr>
+        <p:cNvPr id="1" name=""/>
+        <p:cNvGrpSpPr/>
+        <p:nvPr/>
+      </p:nvGrpSpPr>
+      <p:grpSpPr>
+        <a:xfrm>
+          <a:off x="0" y="0"/>
+          <a:ext cx="0" cy="0"/>
+          <a:chOff x="0" y="0"/>
+          <a:chExt cx="0" cy="0"/>
+        </a:xfrm>
+      </p:grpSpPr>
+      <p:sp>
+        <p:nvSpPr>
+          <p:cNvPr id="2" name="Title 1">
+            <a:extLst>
+              <a:ext uri="{FF2B5EF4-FFF2-40B4-BE49-F238E27FC236}">
+                <a16:creationId xmlns:a16="http://schemas.microsoft.com/office/drawing/2014/main" id="{0F3F56CA-C931-67D7-6382-29F1CF339A1F}"/>
+              </a:ext>
+            </a:extLst>
+          </p:cNvPr>
+          <p:cNvSpPr>
+            <a:spLocks noGrp="1"/>
+          </p:cNvSpPr>
+          <p:nvPr>
+            <p:ph type="title"/>
+          </p:nvPr>
+        </p:nvSpPr>
+        <p:spPr/>
+        <p:txBody>
+          <a:bodyPr/>
+          <a:lstStyle/>
+          <a:p>
+            <a:r>
+              <a:rPr lang="en-US" dirty="0" err="1"/>
+              <a:t>Directiva</a:t>
+            </a:r>
+            <a:r>
+              <a:rPr lang="en-US" dirty="0"/>
+              <a:t> “</a:t>
+            </a:r>
+            <a:r>
+              <a:rPr lang="en-US" dirty="0" err="1"/>
+              <a:t>ngSwitch</a:t>
+            </a:r>
+            <a:r>
+              <a:rPr lang="en-US" dirty="0"/>
+              <a:t>”</a:t>
+            </a:r>
+          </a:p>
+        </p:txBody>
+      </p:sp>
+      <p:sp>
+        <p:nvSpPr>
+          <p:cNvPr id="3" name="Content Placeholder 2">
+            <a:extLst>
+              <a:ext uri="{FF2B5EF4-FFF2-40B4-BE49-F238E27FC236}">
+                <a16:creationId xmlns:a16="http://schemas.microsoft.com/office/drawing/2014/main" id="{87EF7DBD-DD82-42F4-40A7-8516331285B8}"/>
+              </a:ext>
+            </a:extLst>
+          </p:cNvPr>
+          <p:cNvSpPr>
+            <a:spLocks noGrp="1"/>
+          </p:cNvSpPr>
+          <p:nvPr>
+            <p:ph idx="1"/>
+          </p:nvPr>
+        </p:nvSpPr>
+        <p:spPr/>
+        <p:txBody>
+          <a:bodyPr>
+            <a:normAutofit/>
+          </a:bodyPr>
+          <a:lstStyle/>
+          <a:p>
+            <a:pPr marL="0" indent="0">
+              <a:buNone/>
+            </a:pPr>
+            <a:r>
+              <a:rPr lang="en-US" dirty="0"/>
+              <a:t>e.g. </a:t>
+            </a:r>
+          </a:p>
+          <a:p>
+            <a:pPr marL="0" indent="0">
+              <a:buNone/>
+            </a:pPr>
+            <a:r>
+              <a:rPr lang="en-US" sz="2200" dirty="0">
+                <a:solidFill>
+                  <a:srgbClr val="000088"/>
+                </a:solidFill>
+                <a:latin typeface="Roboto Mono" panose="00000009000000000000" pitchFamily="49" charset="0"/>
+              </a:rPr>
+              <a:t>&lt;div </a:t>
+            </a:r>
+            <a:r>
+              <a:rPr lang="en-US" sz="2200" dirty="0">
+                <a:solidFill>
+                  <a:srgbClr val="FF0000"/>
+                </a:solidFill>
+                <a:latin typeface="Roboto Mono" panose="00000009000000000000" pitchFamily="49" charset="0"/>
+              </a:rPr>
+              <a:t>[</a:t>
+            </a:r>
+            <a:r>
+              <a:rPr lang="en-US" sz="2200" dirty="0" err="1">
+                <a:solidFill>
+                  <a:srgbClr val="FF0000"/>
+                </a:solidFill>
+                <a:latin typeface="Roboto Mono" panose="00000009000000000000" pitchFamily="49" charset="0"/>
+              </a:rPr>
+              <a:t>ngSwitch</a:t>
+            </a:r>
+            <a:r>
+              <a:rPr lang="en-US" sz="2200" dirty="0">
+                <a:solidFill>
+                  <a:srgbClr val="FF0000"/>
+                </a:solidFill>
+                <a:latin typeface="Roboto Mono" panose="00000009000000000000" pitchFamily="49" charset="0"/>
+              </a:rPr>
+              <a:t>]</a:t>
+            </a:r>
+            <a:r>
+              <a:rPr lang="en-US" sz="2200" dirty="0">
+                <a:solidFill>
+                  <a:srgbClr val="000088"/>
+                </a:solidFill>
+                <a:latin typeface="Roboto Mono" panose="00000009000000000000" pitchFamily="49" charset="0"/>
+              </a:rPr>
+              <a:t>=“</a:t>
+            </a:r>
+            <a:r>
+              <a:rPr lang="en-US" sz="2200" dirty="0" err="1">
+                <a:solidFill>
+                  <a:srgbClr val="000088"/>
+                </a:solidFill>
+                <a:latin typeface="Roboto Mono" panose="00000009000000000000" pitchFamily="49" charset="0"/>
+              </a:rPr>
+              <a:t>item.color</a:t>
+            </a:r>
+            <a:r>
+              <a:rPr lang="en-US" sz="2200" dirty="0">
+                <a:solidFill>
+                  <a:srgbClr val="000088"/>
+                </a:solidFill>
+                <a:latin typeface="Roboto Mono" panose="00000009000000000000" pitchFamily="49" charset="0"/>
+              </a:rPr>
+              <a:t>"&gt;</a:t>
+            </a:r>
+          </a:p>
+          <a:p>
+            <a:pPr marL="0" indent="0">
+              <a:buNone/>
+            </a:pPr>
+            <a:r>
+              <a:rPr lang="en-US" sz="2200" dirty="0">
+                <a:solidFill>
+                  <a:srgbClr val="000088"/>
+                </a:solidFill>
+                <a:latin typeface="Roboto Mono" panose="00000009000000000000" pitchFamily="49" charset="0"/>
+              </a:rPr>
+              <a:t>  &lt;app-item </a:t>
+            </a:r>
+            <a:r>
+              <a:rPr lang="en-US" sz="2200" dirty="0">
+                <a:solidFill>
+                  <a:srgbClr val="FF0000"/>
+                </a:solidFill>
+                <a:latin typeface="Roboto Mono" panose="00000009000000000000" pitchFamily="49" charset="0"/>
+              </a:rPr>
+              <a:t>*</a:t>
+            </a:r>
+            <a:r>
+              <a:rPr lang="en-US" sz="2200" dirty="0" err="1">
+                <a:solidFill>
+                  <a:srgbClr val="FF0000"/>
+                </a:solidFill>
+                <a:latin typeface="Roboto Mono" panose="00000009000000000000" pitchFamily="49" charset="0"/>
+              </a:rPr>
+              <a:t>ngSwitchCase</a:t>
+            </a:r>
+            <a:r>
+              <a:rPr lang="en-US" sz="2200" dirty="0">
+                <a:solidFill>
+                  <a:srgbClr val="000088"/>
+                </a:solidFill>
+                <a:latin typeface="Roboto Mono" panose="00000009000000000000" pitchFamily="49" charset="0"/>
+              </a:rPr>
+              <a:t>=“’red'" [item]="item"&gt;&lt;/app-item&gt;</a:t>
+            </a:r>
+          </a:p>
+          <a:p>
+            <a:pPr marL="0" indent="0">
+              <a:buNone/>
+            </a:pPr>
+            <a:r>
+              <a:rPr lang="en-US" sz="2200" dirty="0">
+                <a:solidFill>
+                  <a:srgbClr val="000088"/>
+                </a:solidFill>
+                <a:latin typeface="Roboto Mono" panose="00000009000000000000" pitchFamily="49" charset="0"/>
+              </a:rPr>
+              <a:t>  &lt;app-item </a:t>
+            </a:r>
+            <a:r>
+              <a:rPr lang="en-US" sz="2200" dirty="0">
+                <a:solidFill>
+                  <a:srgbClr val="FF0000"/>
+                </a:solidFill>
+                <a:latin typeface="Roboto Mono" panose="00000009000000000000" pitchFamily="49" charset="0"/>
+              </a:rPr>
+              <a:t>*</a:t>
+            </a:r>
+            <a:r>
+              <a:rPr lang="en-US" sz="2200" dirty="0" err="1">
+                <a:solidFill>
+                  <a:srgbClr val="FF0000"/>
+                </a:solidFill>
+                <a:latin typeface="Roboto Mono" panose="00000009000000000000" pitchFamily="49" charset="0"/>
+              </a:rPr>
+              <a:t>ngSwitchCase</a:t>
+            </a:r>
+            <a:r>
+              <a:rPr lang="en-US" sz="2200" dirty="0">
+                <a:solidFill>
+                  <a:srgbClr val="000088"/>
+                </a:solidFill>
+                <a:latin typeface="Roboto Mono" panose="00000009000000000000" pitchFamily="49" charset="0"/>
+              </a:rPr>
+              <a:t>=“’white'" [item]="item"&gt;&lt;/app-item&gt;</a:t>
+            </a:r>
+          </a:p>
+          <a:p>
+            <a:pPr marL="0" indent="0">
+              <a:buNone/>
+            </a:pPr>
+            <a:r>
+              <a:rPr lang="en-US" sz="2200" dirty="0">
+                <a:solidFill>
+                  <a:srgbClr val="000088"/>
+                </a:solidFill>
+                <a:latin typeface="Roboto Mono" panose="00000009000000000000" pitchFamily="49" charset="0"/>
+              </a:rPr>
+              <a:t>  &lt;app-item </a:t>
+            </a:r>
+            <a:r>
+              <a:rPr lang="en-US" sz="2200" dirty="0">
+                <a:solidFill>
+                  <a:srgbClr val="FF0000"/>
+                </a:solidFill>
+                <a:latin typeface="Roboto Mono" panose="00000009000000000000" pitchFamily="49" charset="0"/>
+              </a:rPr>
+              <a:t>*</a:t>
+            </a:r>
+            <a:r>
+              <a:rPr lang="en-US" sz="2200" dirty="0" err="1">
+                <a:solidFill>
+                  <a:srgbClr val="FF0000"/>
+                </a:solidFill>
+                <a:latin typeface="Roboto Mono" panose="00000009000000000000" pitchFamily="49" charset="0"/>
+              </a:rPr>
+              <a:t>ngSwitchCase</a:t>
+            </a:r>
+            <a:r>
+              <a:rPr lang="en-US" sz="2200" dirty="0">
+                <a:solidFill>
+                  <a:srgbClr val="000088"/>
+                </a:solidFill>
+                <a:latin typeface="Roboto Mono" panose="00000009000000000000" pitchFamily="49" charset="0"/>
+              </a:rPr>
+              <a:t>=“’black'" [item]="item"&gt;&lt;/app-item&gt;</a:t>
+            </a:r>
+          </a:p>
+          <a:p>
+            <a:pPr marL="0" indent="0">
+              <a:buNone/>
+            </a:pPr>
+            <a:r>
+              <a:rPr lang="en-US" sz="2200" dirty="0">
+                <a:solidFill>
+                  <a:srgbClr val="000088"/>
+                </a:solidFill>
+                <a:latin typeface="Roboto Mono" panose="00000009000000000000" pitchFamily="49" charset="0"/>
+              </a:rPr>
+              <a:t>  &lt;app-unknown </a:t>
+            </a:r>
+            <a:r>
+              <a:rPr lang="en-US" sz="2200" dirty="0">
+                <a:solidFill>
+                  <a:srgbClr val="FF0000"/>
+                </a:solidFill>
+                <a:latin typeface="Roboto Mono" panose="00000009000000000000" pitchFamily="49" charset="0"/>
+              </a:rPr>
+              <a:t>*</a:t>
+            </a:r>
+            <a:r>
+              <a:rPr lang="en-US" sz="2200" dirty="0" err="1">
+                <a:solidFill>
+                  <a:srgbClr val="FF0000"/>
+                </a:solidFill>
+                <a:latin typeface="Roboto Mono" panose="00000009000000000000" pitchFamily="49" charset="0"/>
+              </a:rPr>
+              <a:t>ngSwitchDefault</a:t>
+            </a:r>
+            <a:r>
+              <a:rPr lang="en-US" sz="2200" dirty="0">
+                <a:solidFill>
+                  <a:srgbClr val="FF0000"/>
+                </a:solidFill>
+                <a:latin typeface="Roboto Mono" panose="00000009000000000000" pitchFamily="49" charset="0"/>
+              </a:rPr>
+              <a:t> </a:t>
+            </a:r>
+            <a:r>
+              <a:rPr lang="en-US" sz="2200" dirty="0">
+                <a:solidFill>
+                  <a:srgbClr val="000088"/>
+                </a:solidFill>
+                <a:latin typeface="Roboto Mono" panose="00000009000000000000" pitchFamily="49" charset="0"/>
+              </a:rPr>
+              <a:t>[item]=“item"&gt;&lt;/app-unknown&gt;</a:t>
+            </a:r>
+          </a:p>
+          <a:p>
+            <a:pPr marL="0" indent="0">
+              <a:buNone/>
+            </a:pPr>
+            <a:r>
+              <a:rPr lang="en-US" sz="2200" dirty="0">
+                <a:solidFill>
+                  <a:srgbClr val="000088"/>
+                </a:solidFill>
+                <a:latin typeface="Roboto Mono" panose="00000009000000000000" pitchFamily="49" charset="0"/>
+              </a:rPr>
+              <a:t>&lt;/div&gt;</a:t>
+            </a:r>
+          </a:p>
+        </p:txBody>
+      </p:sp>
+    </p:spTree>
+    <p:extLst>
+      <p:ext uri="{BB962C8B-B14F-4D97-AF65-F5344CB8AC3E}">
+        <p14:creationId xmlns:p14="http://schemas.microsoft.com/office/powerpoint/2010/main" val="2405821610"/>
+      </p:ext>
+    </p:extLst>
+  </p:cSld>
+  <p:clrMapOvr>
+    <a:masterClrMapping/>
+  </p:clrMapOvr>
+</p:sld>
+</file>
+
+<file path=ppt/slides/slide41.xml><?xml version="1.0" encoding="utf-8"?>
+<p:sld xmlns:a="http://schemas.openxmlformats.org/drawingml/2006/main" xmlns:r="http://schemas.openxmlformats.org/officeDocument/2006/relationships" xmlns:p="http://schemas.openxmlformats.org/presentationml/2006/main">
+  <p:cSld>
+    <p:spTree>
+      <p:nvGrpSpPr>
+        <p:cNvPr id="1" name=""/>
+        <p:cNvGrpSpPr/>
+        <p:nvPr/>
+      </p:nvGrpSpPr>
+      <p:grpSpPr>
+        <a:xfrm>
+          <a:off x="0" y="0"/>
+          <a:ext cx="0" cy="0"/>
+          <a:chOff x="0" y="0"/>
+          <a:chExt cx="0" cy="0"/>
+        </a:xfrm>
+      </p:grpSpPr>
+      <p:sp>
+        <p:nvSpPr>
+          <p:cNvPr id="2" name="Title 1">
+            <a:extLst>
+              <a:ext uri="{FF2B5EF4-FFF2-40B4-BE49-F238E27FC236}">
+                <a16:creationId xmlns:a16="http://schemas.microsoft.com/office/drawing/2014/main" id="{0F3F56CA-C931-67D7-6382-29F1CF339A1F}"/>
+              </a:ext>
+            </a:extLst>
+          </p:cNvPr>
+          <p:cNvSpPr>
+            <a:spLocks noGrp="1"/>
+          </p:cNvSpPr>
+          <p:nvPr>
+            <p:ph type="title"/>
+          </p:nvPr>
+        </p:nvSpPr>
+        <p:spPr/>
+        <p:txBody>
+          <a:bodyPr/>
+          <a:lstStyle/>
+          <a:p>
+            <a:r>
+              <a:rPr lang="en-US" dirty="0"/>
+              <a:t>Pipes</a:t>
+            </a:r>
+          </a:p>
+        </p:txBody>
+      </p:sp>
+      <p:sp>
+        <p:nvSpPr>
+          <p:cNvPr id="3" name="Content Placeholder 2">
+            <a:extLst>
+              <a:ext uri="{FF2B5EF4-FFF2-40B4-BE49-F238E27FC236}">
+                <a16:creationId xmlns:a16="http://schemas.microsoft.com/office/drawing/2014/main" id="{87EF7DBD-DD82-42F4-40A7-8516331285B8}"/>
+              </a:ext>
+            </a:extLst>
+          </p:cNvPr>
+          <p:cNvSpPr>
+            <a:spLocks noGrp="1"/>
+          </p:cNvSpPr>
+          <p:nvPr>
+            <p:ph idx="1"/>
+          </p:nvPr>
+        </p:nvSpPr>
+        <p:spPr/>
+        <p:txBody>
+          <a:bodyPr>
+            <a:normAutofit/>
+          </a:bodyPr>
+          <a:lstStyle/>
+          <a:p>
+            <a:r>
+              <a:rPr lang="en-US" dirty="0"/>
+              <a:t>Expressions that allows you to transform data declaratively in your template. </a:t>
+            </a:r>
+          </a:p>
+          <a:p>
+            <a:r>
+              <a:rPr lang="en-US" dirty="0"/>
+              <a:t>Pipes let you declare a transformation function once and then use that transformation across multiple templates. </a:t>
+            </a:r>
+          </a:p>
+          <a:p>
+            <a:r>
+              <a:rPr lang="en-US" dirty="0"/>
+              <a:t>Angular pipes use the vertical bar character (|), inspired by the Unix pipe.</a:t>
+            </a:r>
+          </a:p>
+          <a:p>
+            <a:pPr marL="0" indent="0">
+              <a:buNone/>
+            </a:pPr>
+            <a:endParaRPr lang="en-US" dirty="0"/>
+          </a:p>
+          <a:p>
+            <a:pPr marL="0" indent="0">
+              <a:buNone/>
+            </a:pPr>
+            <a:r>
+              <a:rPr lang="en-US" dirty="0"/>
+              <a:t>e.g. </a:t>
+            </a:r>
+          </a:p>
+          <a:p>
+            <a:pPr marL="0" indent="0">
+              <a:buNone/>
+            </a:pPr>
+            <a:r>
+              <a:rPr lang="en-US" dirty="0">
+                <a:solidFill>
+                  <a:srgbClr val="000088"/>
+                </a:solidFill>
+                <a:latin typeface="Roboto Mono" panose="00000009000000000000" pitchFamily="49" charset="0"/>
+              </a:rPr>
+              <a:t>{{ </a:t>
+            </a:r>
+            <a:r>
+              <a:rPr lang="en-US" dirty="0" err="1">
+                <a:solidFill>
+                  <a:srgbClr val="000088"/>
+                </a:solidFill>
+                <a:latin typeface="Roboto Mono" panose="00000009000000000000" pitchFamily="49" charset="0"/>
+              </a:rPr>
+              <a:t>this.orderItem</a:t>
+            </a:r>
+            <a:r>
+              <a:rPr lang="en-US" dirty="0">
+                <a:solidFill>
+                  <a:srgbClr val="000088"/>
+                </a:solidFill>
+                <a:latin typeface="Roboto Mono" panose="00000009000000000000" pitchFamily="49" charset="0"/>
+              </a:rPr>
+              <a:t>().total </a:t>
+            </a:r>
+            <a:r>
+              <a:rPr lang="en-US" dirty="0">
+                <a:solidFill>
+                  <a:srgbClr val="FF0000"/>
+                </a:solidFill>
+                <a:latin typeface="Roboto Mono" panose="00000009000000000000" pitchFamily="49" charset="0"/>
+              </a:rPr>
+              <a:t>| currency</a:t>
+            </a:r>
+            <a:r>
+              <a:rPr lang="en-US" dirty="0">
+                <a:solidFill>
+                  <a:srgbClr val="000088"/>
+                </a:solidFill>
+                <a:latin typeface="Roboto Mono" panose="00000009000000000000" pitchFamily="49" charset="0"/>
+              </a:rPr>
+              <a:t> }}&lt;/p&gt;</a:t>
+            </a:r>
+          </a:p>
+        </p:txBody>
+      </p:sp>
+    </p:spTree>
+    <p:extLst>
+      <p:ext uri="{BB962C8B-B14F-4D97-AF65-F5344CB8AC3E}">
+        <p14:creationId xmlns:p14="http://schemas.microsoft.com/office/powerpoint/2010/main" val="1042884057"/>
+      </p:ext>
+    </p:extLst>
+  </p:cSld>
+  <p:clrMapOvr>
+    <a:masterClrMapping/>
+  </p:clrMapOvr>
+</p:sld>
+</file>
+
+<file path=ppt/slides/slide42.xml><?xml version="1.0" encoding="utf-8"?>
+<p:sld xmlns:a="http://schemas.openxmlformats.org/drawingml/2006/main" xmlns:r="http://schemas.openxmlformats.org/officeDocument/2006/relationships" xmlns:p="http://schemas.openxmlformats.org/presentationml/2006/main">
+  <p:cSld>
+    <p:spTree>
+      <p:nvGrpSpPr>
+        <p:cNvPr id="1" name=""/>
+        <p:cNvGrpSpPr/>
+        <p:nvPr/>
+      </p:nvGrpSpPr>
+      <p:grpSpPr>
+        <a:xfrm>
+          <a:off x="0" y="0"/>
+          <a:ext cx="0" cy="0"/>
+          <a:chOff x="0" y="0"/>
+          <a:chExt cx="0" cy="0"/>
+        </a:xfrm>
+      </p:grpSpPr>
+      <p:sp>
+        <p:nvSpPr>
+          <p:cNvPr id="2" name="Title 1">
+            <a:extLst>
+              <a:ext uri="{FF2B5EF4-FFF2-40B4-BE49-F238E27FC236}">
+                <a16:creationId xmlns:a16="http://schemas.microsoft.com/office/drawing/2014/main" id="{0F3F56CA-C931-67D7-6382-29F1CF339A1F}"/>
+              </a:ext>
+            </a:extLst>
+          </p:cNvPr>
+          <p:cNvSpPr>
+            <a:spLocks noGrp="1"/>
+          </p:cNvSpPr>
+          <p:nvPr>
+            <p:ph type="title"/>
+          </p:nvPr>
+        </p:nvSpPr>
+        <p:spPr/>
+        <p:txBody>
+          <a:bodyPr/>
+          <a:lstStyle/>
+          <a:p>
+            <a:r>
+              <a:rPr lang="en-US" dirty="0"/>
+              <a:t>Custom Pipes</a:t>
+            </a:r>
+          </a:p>
+        </p:txBody>
+      </p:sp>
+      <p:sp>
+        <p:nvSpPr>
+          <p:cNvPr id="3" name="Content Placeholder 2">
+            <a:extLst>
+              <a:ext uri="{FF2B5EF4-FFF2-40B4-BE49-F238E27FC236}">
+                <a16:creationId xmlns:a16="http://schemas.microsoft.com/office/drawing/2014/main" id="{87EF7DBD-DD82-42F4-40A7-8516331285B8}"/>
+              </a:ext>
+            </a:extLst>
+          </p:cNvPr>
+          <p:cNvSpPr>
+            <a:spLocks noGrp="1"/>
+          </p:cNvSpPr>
+          <p:nvPr>
+            <p:ph idx="1"/>
+          </p:nvPr>
+        </p:nvSpPr>
+        <p:spPr/>
+        <p:txBody>
+          <a:bodyPr>
+            <a:normAutofit fontScale="55000" lnSpcReduction="20000"/>
+          </a:bodyPr>
+          <a:lstStyle/>
+          <a:p>
+            <a:r>
+              <a:rPr lang="en-US" dirty="0"/>
+              <a:t>You can create custom pipes manually or with CLI.</a:t>
+            </a:r>
+          </a:p>
+          <a:p>
+            <a:r>
+              <a:rPr lang="en-US" dirty="0"/>
+              <a:t>With CLI you can generate it using command “</a:t>
+            </a:r>
+            <a:r>
+              <a:rPr lang="en-US" dirty="0">
+                <a:solidFill>
+                  <a:srgbClr val="FF0000"/>
+                </a:solidFill>
+              </a:rPr>
+              <a:t>ng generate pipe </a:t>
+            </a:r>
+            <a:r>
+              <a:rPr lang="en-US" dirty="0"/>
+              <a:t>pipe-name”</a:t>
+            </a:r>
+            <a:br>
+              <a:rPr lang="en-US" dirty="0"/>
+            </a:br>
+            <a:endParaRPr lang="en-US" dirty="0"/>
+          </a:p>
+          <a:p>
+            <a:pPr marL="0" indent="0">
+              <a:buNone/>
+            </a:pPr>
+            <a:r>
+              <a:rPr lang="en-US" dirty="0"/>
+              <a:t>e.g. </a:t>
+            </a:r>
+          </a:p>
+          <a:p>
+            <a:pPr marL="0" indent="0">
+              <a:buNone/>
+            </a:pPr>
+            <a:r>
+              <a:rPr lang="en-US" dirty="0">
+                <a:solidFill>
+                  <a:srgbClr val="000088"/>
+                </a:solidFill>
+                <a:latin typeface="Roboto Mono" panose="00000009000000000000" pitchFamily="49" charset="0"/>
+              </a:rPr>
+              <a:t>import { Pipe, </a:t>
+            </a:r>
+            <a:r>
+              <a:rPr lang="en-US" dirty="0" err="1">
+                <a:solidFill>
+                  <a:srgbClr val="000088"/>
+                </a:solidFill>
+                <a:latin typeface="Roboto Mono" panose="00000009000000000000" pitchFamily="49" charset="0"/>
+              </a:rPr>
+              <a:t>PipeTransform</a:t>
+            </a:r>
+            <a:r>
+              <a:rPr lang="en-US" dirty="0">
+                <a:solidFill>
+                  <a:srgbClr val="000088"/>
+                </a:solidFill>
+                <a:latin typeface="Roboto Mono" panose="00000009000000000000" pitchFamily="49" charset="0"/>
+              </a:rPr>
+              <a:t> } from '@angular/core';</a:t>
+            </a:r>
+          </a:p>
+          <a:p>
+            <a:pPr marL="0" indent="0">
+              <a:buNone/>
+            </a:pPr>
+            <a:r>
+              <a:rPr lang="en-US" dirty="0">
+                <a:solidFill>
+                  <a:srgbClr val="000088"/>
+                </a:solidFill>
+                <a:latin typeface="Roboto Mono" panose="00000009000000000000" pitchFamily="49" charset="0"/>
+              </a:rPr>
+              <a:t>@Pipe({</a:t>
+            </a:r>
+          </a:p>
+          <a:p>
+            <a:pPr marL="0" indent="0">
+              <a:buNone/>
+            </a:pPr>
+            <a:r>
+              <a:rPr lang="en-US" dirty="0">
+                <a:solidFill>
+                  <a:srgbClr val="000088"/>
+                </a:solidFill>
+                <a:latin typeface="Roboto Mono" panose="00000009000000000000" pitchFamily="49" charset="0"/>
+              </a:rPr>
+              <a:t>  </a:t>
+            </a:r>
+            <a:r>
+              <a:rPr lang="en-US" dirty="0">
+                <a:solidFill>
+                  <a:srgbClr val="FF0000"/>
+                </a:solidFill>
+                <a:latin typeface="Roboto Mono" panose="00000009000000000000" pitchFamily="49" charset="0"/>
+              </a:rPr>
+              <a:t>name: ‘</a:t>
+            </a:r>
+            <a:r>
+              <a:rPr lang="en-US" dirty="0" err="1">
+                <a:solidFill>
+                  <a:srgbClr val="FF0000"/>
+                </a:solidFill>
+                <a:latin typeface="Roboto Mono" panose="00000009000000000000" pitchFamily="49" charset="0"/>
+              </a:rPr>
+              <a:t>firstLetterCase</a:t>
+            </a:r>
+            <a:r>
+              <a:rPr lang="en-US" dirty="0">
+                <a:solidFill>
+                  <a:srgbClr val="FF0000"/>
+                </a:solidFill>
+                <a:latin typeface="Roboto Mono" panose="00000009000000000000" pitchFamily="49" charset="0"/>
+              </a:rPr>
+              <a:t>'</a:t>
+            </a:r>
+          </a:p>
+          <a:p>
+            <a:pPr marL="0" indent="0">
+              <a:buNone/>
+            </a:pPr>
+            <a:r>
+              <a:rPr lang="en-US" dirty="0">
+                <a:solidFill>
+                  <a:srgbClr val="000088"/>
+                </a:solidFill>
+                <a:latin typeface="Roboto Mono" panose="00000009000000000000" pitchFamily="49" charset="0"/>
+              </a:rPr>
+              <a:t>})</a:t>
+            </a:r>
+          </a:p>
+          <a:p>
+            <a:pPr marL="0" indent="0">
+              <a:buNone/>
+            </a:pPr>
+            <a:r>
+              <a:rPr lang="en-US" dirty="0">
+                <a:solidFill>
+                  <a:srgbClr val="000088"/>
+                </a:solidFill>
+                <a:latin typeface="Roboto Mono" panose="00000009000000000000" pitchFamily="49" charset="0"/>
+              </a:rPr>
+              <a:t>export class </a:t>
+            </a:r>
+            <a:r>
+              <a:rPr lang="en-US" dirty="0" err="1">
+                <a:solidFill>
+                  <a:srgbClr val="000088"/>
+                </a:solidFill>
+                <a:latin typeface="Roboto Mono" panose="00000009000000000000" pitchFamily="49" charset="0"/>
+              </a:rPr>
+              <a:t>FirstLetterCasePipe</a:t>
+            </a:r>
+            <a:r>
+              <a:rPr lang="en-US" dirty="0">
+                <a:solidFill>
+                  <a:srgbClr val="000088"/>
+                </a:solidFill>
+                <a:latin typeface="Roboto Mono" panose="00000009000000000000" pitchFamily="49" charset="0"/>
+              </a:rPr>
+              <a:t> implements </a:t>
+            </a:r>
+            <a:r>
+              <a:rPr lang="en-US" dirty="0" err="1">
+                <a:solidFill>
+                  <a:srgbClr val="000088"/>
+                </a:solidFill>
+                <a:latin typeface="Roboto Mono" panose="00000009000000000000" pitchFamily="49" charset="0"/>
+              </a:rPr>
+              <a:t>PipeTransform</a:t>
+            </a:r>
+            <a:r>
+              <a:rPr lang="en-US" dirty="0">
+                <a:solidFill>
+                  <a:srgbClr val="000088"/>
+                </a:solidFill>
+                <a:latin typeface="Roboto Mono" panose="00000009000000000000" pitchFamily="49" charset="0"/>
+              </a:rPr>
+              <a:t> {</a:t>
+            </a:r>
+          </a:p>
+          <a:p>
+            <a:pPr marL="0" indent="0">
+              <a:buNone/>
+            </a:pPr>
+            <a:r>
+              <a:rPr lang="en-US" dirty="0">
+                <a:solidFill>
+                  <a:srgbClr val="000088"/>
+                </a:solidFill>
+                <a:latin typeface="Roboto Mono" panose="00000009000000000000" pitchFamily="49" charset="0"/>
+              </a:rPr>
+              <a:t>  </a:t>
+            </a:r>
+            <a:r>
+              <a:rPr lang="en-US" dirty="0">
+                <a:solidFill>
+                  <a:srgbClr val="FF0000"/>
+                </a:solidFill>
+                <a:latin typeface="Roboto Mono" panose="00000009000000000000" pitchFamily="49" charset="0"/>
+              </a:rPr>
+              <a:t>transform(value: string, </a:t>
+            </a:r>
+            <a:r>
+              <a:rPr lang="en-US" dirty="0" err="1">
+                <a:solidFill>
+                  <a:srgbClr val="FF0000"/>
+                </a:solidFill>
+                <a:latin typeface="Roboto Mono" panose="00000009000000000000" pitchFamily="49" charset="0"/>
+              </a:rPr>
+              <a:t>args</a:t>
+            </a:r>
+            <a:r>
+              <a:rPr lang="en-US" dirty="0">
+                <a:solidFill>
+                  <a:srgbClr val="FF0000"/>
+                </a:solidFill>
+                <a:latin typeface="Roboto Mono" panose="00000009000000000000" pitchFamily="49" charset="0"/>
+              </a:rPr>
+              <a:t>: ‘UPPER’|’LOWER’): string {</a:t>
+            </a:r>
+          </a:p>
+          <a:p>
+            <a:pPr marL="0" indent="0">
+              <a:buNone/>
+            </a:pPr>
+            <a:r>
+              <a:rPr lang="en-US" dirty="0">
+                <a:solidFill>
+                  <a:srgbClr val="FF0000"/>
+                </a:solidFill>
+                <a:latin typeface="Roboto Mono" panose="00000009000000000000" pitchFamily="49" charset="0"/>
+              </a:rPr>
+              <a:t>    </a:t>
+            </a:r>
+            <a:r>
+              <a:rPr lang="en-US" dirty="0">
+                <a:solidFill>
+                  <a:srgbClr val="000088"/>
+                </a:solidFill>
+                <a:latin typeface="Roboto Mono" panose="00000009000000000000" pitchFamily="49" charset="0"/>
+              </a:rPr>
+              <a:t>const </a:t>
+            </a:r>
+            <a:r>
+              <a:rPr lang="en-US" dirty="0" err="1">
+                <a:solidFill>
+                  <a:srgbClr val="000088"/>
+                </a:solidFill>
+                <a:latin typeface="Roboto Mono" panose="00000009000000000000" pitchFamily="49" charset="0"/>
+              </a:rPr>
+              <a:t>i</a:t>
+            </a:r>
+            <a:r>
+              <a:rPr lang="en-US" dirty="0">
+                <a:solidFill>
+                  <a:srgbClr val="000088"/>
+                </a:solidFill>
+                <a:latin typeface="Roboto Mono" panose="00000009000000000000" pitchFamily="49" charset="0"/>
+              </a:rPr>
+              <a:t> = </a:t>
+            </a:r>
+            <a:r>
+              <a:rPr lang="en-US" dirty="0" err="1">
+                <a:solidFill>
+                  <a:srgbClr val="000088"/>
+                </a:solidFill>
+                <a:latin typeface="Roboto Mono" panose="00000009000000000000" pitchFamily="49" charset="0"/>
+              </a:rPr>
+              <a:t>value.charAt</a:t>
+            </a:r>
+            <a:r>
+              <a:rPr lang="en-US" dirty="0">
+                <a:solidFill>
+                  <a:srgbClr val="000088"/>
+                </a:solidFill>
+                <a:latin typeface="Roboto Mono" panose="00000009000000000000" pitchFamily="49" charset="0"/>
+              </a:rPr>
+              <a:t>(0);</a:t>
+            </a:r>
+          </a:p>
+          <a:p>
+            <a:pPr marL="0" indent="0">
+              <a:buNone/>
+            </a:pPr>
+            <a:r>
+              <a:rPr lang="en-US" dirty="0">
+                <a:solidFill>
+                  <a:srgbClr val="000088"/>
+                </a:solidFill>
+                <a:latin typeface="Roboto Mono" panose="00000009000000000000" pitchFamily="49" charset="0"/>
+              </a:rPr>
+              <a:t>    const </a:t>
+            </a:r>
+            <a:r>
+              <a:rPr lang="en-US" dirty="0" err="1">
+                <a:solidFill>
+                  <a:srgbClr val="000088"/>
+                </a:solidFill>
+                <a:latin typeface="Roboto Mono" panose="00000009000000000000" pitchFamily="49" charset="0"/>
+              </a:rPr>
+              <a:t>iTrasnformed</a:t>
+            </a:r>
+            <a:r>
+              <a:rPr lang="en-US" dirty="0">
+                <a:solidFill>
+                  <a:srgbClr val="000088"/>
+                </a:solidFill>
+                <a:latin typeface="Roboto Mono" panose="00000009000000000000" pitchFamily="49" charset="0"/>
+              </a:rPr>
+              <a:t> = case === ‘UPPER’ ? </a:t>
+            </a:r>
+            <a:r>
+              <a:rPr lang="en-US" dirty="0" err="1">
+                <a:solidFill>
+                  <a:srgbClr val="000088"/>
+                </a:solidFill>
+                <a:latin typeface="Roboto Mono" panose="00000009000000000000" pitchFamily="49" charset="0"/>
+              </a:rPr>
+              <a:t>i.toUpperCase</a:t>
+            </a:r>
+            <a:r>
+              <a:rPr lang="en-US" dirty="0">
+                <a:solidFill>
+                  <a:srgbClr val="000088"/>
+                </a:solidFill>
+                <a:latin typeface="Roboto Mono" panose="00000009000000000000" pitchFamily="49" charset="0"/>
+              </a:rPr>
+              <a:t>() : </a:t>
+            </a:r>
+            <a:r>
+              <a:rPr lang="en-US" dirty="0" err="1">
+                <a:solidFill>
+                  <a:srgbClr val="000088"/>
+                </a:solidFill>
+                <a:latin typeface="Roboto Mono" panose="00000009000000000000" pitchFamily="49" charset="0"/>
+              </a:rPr>
+              <a:t>i.toLowerCase</a:t>
+            </a:r>
+            <a:r>
+              <a:rPr lang="en-US" dirty="0">
+                <a:solidFill>
+                  <a:srgbClr val="000088"/>
+                </a:solidFill>
+                <a:latin typeface="Roboto Mono" panose="00000009000000000000" pitchFamily="49" charset="0"/>
+              </a:rPr>
+              <a:t>(); </a:t>
+            </a:r>
+          </a:p>
+          <a:p>
+            <a:pPr marL="0" indent="0">
+              <a:buNone/>
+            </a:pPr>
+            <a:r>
+              <a:rPr lang="en-US" dirty="0">
+                <a:solidFill>
+                  <a:srgbClr val="000088"/>
+                </a:solidFill>
+                <a:latin typeface="Roboto Mono" panose="00000009000000000000" pitchFamily="49" charset="0"/>
+              </a:rPr>
+              <a:t>    return </a:t>
+            </a:r>
+            <a:r>
+              <a:rPr lang="en-US" dirty="0" err="1">
+                <a:solidFill>
+                  <a:srgbClr val="000088"/>
+                </a:solidFill>
+                <a:latin typeface="Roboto Mono" panose="00000009000000000000" pitchFamily="49" charset="0"/>
+              </a:rPr>
+              <a:t>iTrasnformed</a:t>
+            </a:r>
+            <a:r>
+              <a:rPr lang="en-US" dirty="0">
+                <a:solidFill>
+                  <a:srgbClr val="000088"/>
+                </a:solidFill>
+                <a:latin typeface="Roboto Mono" panose="00000009000000000000" pitchFamily="49" charset="0"/>
+              </a:rPr>
+              <a:t> + </a:t>
+            </a:r>
+            <a:r>
+              <a:rPr lang="en-US" dirty="0" err="1">
+                <a:solidFill>
+                  <a:srgbClr val="000088"/>
+                </a:solidFill>
+                <a:latin typeface="Roboto Mono" panose="00000009000000000000" pitchFamily="49" charset="0"/>
+              </a:rPr>
+              <a:t>value.slice</a:t>
+            </a:r>
+            <a:r>
+              <a:rPr lang="en-US" dirty="0">
+                <a:solidFill>
+                  <a:srgbClr val="000088"/>
+                </a:solidFill>
+                <a:latin typeface="Roboto Mono" panose="00000009000000000000" pitchFamily="49" charset="0"/>
+              </a:rPr>
+              <a:t>(1);</a:t>
+            </a:r>
+          </a:p>
+          <a:p>
+            <a:pPr marL="0" indent="0">
+              <a:buNone/>
+            </a:pPr>
+            <a:r>
+              <a:rPr lang="en-US" dirty="0">
+                <a:solidFill>
+                  <a:srgbClr val="FF0000"/>
+                </a:solidFill>
+                <a:latin typeface="Roboto Mono" panose="00000009000000000000" pitchFamily="49" charset="0"/>
+              </a:rPr>
+              <a:t>  }</a:t>
+            </a:r>
+          </a:p>
+          <a:p>
+            <a:pPr marL="0" indent="0">
+              <a:buNone/>
+            </a:pPr>
+            <a:r>
+              <a:rPr lang="en-US" dirty="0">
+                <a:solidFill>
+                  <a:srgbClr val="000088"/>
+                </a:solidFill>
+                <a:latin typeface="Roboto Mono" panose="00000009000000000000" pitchFamily="49" charset="0"/>
+              </a:rPr>
+              <a:t>}</a:t>
+            </a:r>
+          </a:p>
+        </p:txBody>
+      </p:sp>
+    </p:spTree>
+    <p:extLst>
+      <p:ext uri="{BB962C8B-B14F-4D97-AF65-F5344CB8AC3E}">
+        <p14:creationId xmlns:p14="http://schemas.microsoft.com/office/powerpoint/2010/main" val="2142730755"/>
       </p:ext>
     </p:extLst>
   </p:cSld>

--- a/1_Angular.pptx
+++ b/1_Angular.pptx
@@ -4,6 +4,9 @@
   <p:sldMasterIdLst>
     <p:sldMasterId id="2147483648" r:id="rId1"/>
   </p:sldMasterIdLst>
+  <p:notesMasterIdLst>
+    <p:notesMasterId r:id="rId55"/>
+  </p:notesMasterIdLst>
   <p:sldIdLst>
     <p:sldId id="268" r:id="rId2"/>
     <p:sldId id="267" r:id="rId3"/>
@@ -47,6 +50,17 @@
     <p:sldId id="314" r:id="rId41"/>
     <p:sldId id="310" r:id="rId42"/>
     <p:sldId id="311" r:id="rId43"/>
+    <p:sldId id="315" r:id="rId44"/>
+    <p:sldId id="316" r:id="rId45"/>
+    <p:sldId id="318" r:id="rId46"/>
+    <p:sldId id="317" r:id="rId47"/>
+    <p:sldId id="319" r:id="rId48"/>
+    <p:sldId id="320" r:id="rId49"/>
+    <p:sldId id="321" r:id="rId50"/>
+    <p:sldId id="324" r:id="rId51"/>
+    <p:sldId id="323" r:id="rId52"/>
+    <p:sldId id="326" r:id="rId53"/>
+    <p:sldId id="322" r:id="rId54"/>
   </p:sldIdLst>
   <p:sldSz cx="12192000" cy="6858000"/>
   <p:notesSz cx="6858000" cy="9144000"/>
@@ -153,6 +167,439 @@
 </p:presentation>
 </file>
 
+<file path=ppt/notesMasters/notesMaster1.xml><?xml version="1.0" encoding="utf-8"?>
+<p:notesMaster xmlns:a="http://schemas.openxmlformats.org/drawingml/2006/main" xmlns:r="http://schemas.openxmlformats.org/officeDocument/2006/relationships" xmlns:p="http://schemas.openxmlformats.org/presentationml/2006/main">
+  <p:cSld>
+    <p:bg>
+      <p:bgRef idx="1001">
+        <a:schemeClr val="bg1"/>
+      </p:bgRef>
+    </p:bg>
+    <p:spTree>
+      <p:nvGrpSpPr>
+        <p:cNvPr id="1" name=""/>
+        <p:cNvGrpSpPr/>
+        <p:nvPr/>
+      </p:nvGrpSpPr>
+      <p:grpSpPr>
+        <a:xfrm>
+          <a:off x="0" y="0"/>
+          <a:ext cx="0" cy="0"/>
+          <a:chOff x="0" y="0"/>
+          <a:chExt cx="0" cy="0"/>
+        </a:xfrm>
+      </p:grpSpPr>
+      <p:sp>
+        <p:nvSpPr>
+          <p:cNvPr id="2" name="Header Placeholder 1"/>
+          <p:cNvSpPr>
+            <a:spLocks noGrp="1"/>
+          </p:cNvSpPr>
+          <p:nvPr>
+            <p:ph type="hdr" sz="quarter"/>
+          </p:nvPr>
+        </p:nvSpPr>
+        <p:spPr>
+          <a:xfrm>
+            <a:off x="0" y="0"/>
+            <a:ext cx="2971800" cy="458788"/>
+          </a:xfrm>
+          <a:prstGeom prst="rect">
+            <a:avLst/>
+          </a:prstGeom>
+        </p:spPr>
+        <p:txBody>
+          <a:bodyPr vert="horz" lIns="91440" tIns="45720" rIns="91440" bIns="45720" rtlCol="0"/>
+          <a:lstStyle>
+            <a:lvl1pPr algn="l">
+              <a:defRPr sz="1200"/>
+            </a:lvl1pPr>
+          </a:lstStyle>
+          <a:p>
+            <a:endParaRPr lang="en-US"/>
+          </a:p>
+        </p:txBody>
+      </p:sp>
+      <p:sp>
+        <p:nvSpPr>
+          <p:cNvPr id="3" name="Date Placeholder 2"/>
+          <p:cNvSpPr>
+            <a:spLocks noGrp="1"/>
+          </p:cNvSpPr>
+          <p:nvPr>
+            <p:ph type="dt" idx="1"/>
+          </p:nvPr>
+        </p:nvSpPr>
+        <p:spPr>
+          <a:xfrm>
+            <a:off x="3884613" y="0"/>
+            <a:ext cx="2971800" cy="458788"/>
+          </a:xfrm>
+          <a:prstGeom prst="rect">
+            <a:avLst/>
+          </a:prstGeom>
+        </p:spPr>
+        <p:txBody>
+          <a:bodyPr vert="horz" lIns="91440" tIns="45720" rIns="91440" bIns="45720" rtlCol="0"/>
+          <a:lstStyle>
+            <a:lvl1pPr algn="r">
+              <a:defRPr sz="1200"/>
+            </a:lvl1pPr>
+          </a:lstStyle>
+          <a:p>
+            <a:fld id="{92DB92BE-E1A1-48E5-99F3-5A9F5832766A}" type="datetimeFigureOut">
+              <a:rPr lang="en-US" smtClean="0"/>
+              <a:t>2/11/2025</a:t>
+            </a:fld>
+            <a:endParaRPr lang="en-US"/>
+          </a:p>
+        </p:txBody>
+      </p:sp>
+      <p:sp>
+        <p:nvSpPr>
+          <p:cNvPr id="4" name="Slide Image Placeholder 3"/>
+          <p:cNvSpPr>
+            <a:spLocks noGrp="1" noRot="1" noChangeAspect="1"/>
+          </p:cNvSpPr>
+          <p:nvPr>
+            <p:ph type="sldImg" idx="2"/>
+          </p:nvPr>
+        </p:nvSpPr>
+        <p:spPr>
+          <a:xfrm>
+            <a:off x="685800" y="1143000"/>
+            <a:ext cx="5486400" cy="3086100"/>
+          </a:xfrm>
+          <a:prstGeom prst="rect">
+            <a:avLst/>
+          </a:prstGeom>
+          <a:noFill/>
+          <a:ln w="12700">
+            <a:solidFill>
+              <a:prstClr val="black"/>
+            </a:solidFill>
+          </a:ln>
+        </p:spPr>
+        <p:txBody>
+          <a:bodyPr vert="horz" lIns="91440" tIns="45720" rIns="91440" bIns="45720" rtlCol="0" anchor="ctr"/>
+          <a:lstStyle/>
+          <a:p>
+            <a:endParaRPr lang="en-US"/>
+          </a:p>
+        </p:txBody>
+      </p:sp>
+      <p:sp>
+        <p:nvSpPr>
+          <p:cNvPr id="5" name="Notes Placeholder 4"/>
+          <p:cNvSpPr>
+            <a:spLocks noGrp="1"/>
+          </p:cNvSpPr>
+          <p:nvPr>
+            <p:ph type="body" sz="quarter" idx="3"/>
+          </p:nvPr>
+        </p:nvSpPr>
+        <p:spPr>
+          <a:xfrm>
+            <a:off x="685800" y="4400550"/>
+            <a:ext cx="5486400" cy="3600450"/>
+          </a:xfrm>
+          <a:prstGeom prst="rect">
+            <a:avLst/>
+          </a:prstGeom>
+        </p:spPr>
+        <p:txBody>
+          <a:bodyPr vert="horz" lIns="91440" tIns="45720" rIns="91440" bIns="45720" rtlCol="0"/>
+          <a:lstStyle/>
+          <a:p>
+            <a:pPr lvl="0"/>
+            <a:r>
+              <a:rPr lang="en-US"/>
+              <a:t>Click to edit Master text styles</a:t>
+            </a:r>
+          </a:p>
+          <a:p>
+            <a:pPr lvl="1"/>
+            <a:r>
+              <a:rPr lang="en-US"/>
+              <a:t>Second level</a:t>
+            </a:r>
+          </a:p>
+          <a:p>
+            <a:pPr lvl="2"/>
+            <a:r>
+              <a:rPr lang="en-US"/>
+              <a:t>Third level</a:t>
+            </a:r>
+          </a:p>
+          <a:p>
+            <a:pPr lvl="3"/>
+            <a:r>
+              <a:rPr lang="en-US"/>
+              <a:t>Fourth level</a:t>
+            </a:r>
+          </a:p>
+          <a:p>
+            <a:pPr lvl="4"/>
+            <a:r>
+              <a:rPr lang="en-US"/>
+              <a:t>Fifth level</a:t>
+            </a:r>
+          </a:p>
+        </p:txBody>
+      </p:sp>
+      <p:sp>
+        <p:nvSpPr>
+          <p:cNvPr id="6" name="Footer Placeholder 5"/>
+          <p:cNvSpPr>
+            <a:spLocks noGrp="1"/>
+          </p:cNvSpPr>
+          <p:nvPr>
+            <p:ph type="ftr" sz="quarter" idx="4"/>
+          </p:nvPr>
+        </p:nvSpPr>
+        <p:spPr>
+          <a:xfrm>
+            <a:off x="0" y="8685213"/>
+            <a:ext cx="2971800" cy="458787"/>
+          </a:xfrm>
+          <a:prstGeom prst="rect">
+            <a:avLst/>
+          </a:prstGeom>
+        </p:spPr>
+        <p:txBody>
+          <a:bodyPr vert="horz" lIns="91440" tIns="45720" rIns="91440" bIns="45720" rtlCol="0" anchor="b"/>
+          <a:lstStyle>
+            <a:lvl1pPr algn="l">
+              <a:defRPr sz="1200"/>
+            </a:lvl1pPr>
+          </a:lstStyle>
+          <a:p>
+            <a:endParaRPr lang="en-US"/>
+          </a:p>
+        </p:txBody>
+      </p:sp>
+      <p:sp>
+        <p:nvSpPr>
+          <p:cNvPr id="7" name="Slide Number Placeholder 6"/>
+          <p:cNvSpPr>
+            <a:spLocks noGrp="1"/>
+          </p:cNvSpPr>
+          <p:nvPr>
+            <p:ph type="sldNum" sz="quarter" idx="5"/>
+          </p:nvPr>
+        </p:nvSpPr>
+        <p:spPr>
+          <a:xfrm>
+            <a:off x="3884613" y="8685213"/>
+            <a:ext cx="2971800" cy="458787"/>
+          </a:xfrm>
+          <a:prstGeom prst="rect">
+            <a:avLst/>
+          </a:prstGeom>
+        </p:spPr>
+        <p:txBody>
+          <a:bodyPr vert="horz" lIns="91440" tIns="45720" rIns="91440" bIns="45720" rtlCol="0" anchor="b"/>
+          <a:lstStyle>
+            <a:lvl1pPr algn="r">
+              <a:defRPr sz="1200"/>
+            </a:lvl1pPr>
+          </a:lstStyle>
+          <a:p>
+            <a:fld id="{A32EB774-DDBF-4A6B-A0B4-706F0EFD15E1}" type="slidenum">
+              <a:rPr lang="en-US" smtClean="0"/>
+              <a:t>‹#›</a:t>
+            </a:fld>
+            <a:endParaRPr lang="en-US"/>
+          </a:p>
+        </p:txBody>
+      </p:sp>
+    </p:spTree>
+    <p:extLst>
+      <p:ext uri="{BB962C8B-B14F-4D97-AF65-F5344CB8AC3E}">
+        <p14:creationId xmlns:p14="http://schemas.microsoft.com/office/powerpoint/2010/main" val="3273534512"/>
+      </p:ext>
+    </p:extLst>
+  </p:cSld>
+  <p:clrMap bg1="lt1" tx1="dk1" bg2="lt2" tx2="dk2" accent1="accent1" accent2="accent2" accent3="accent3" accent4="accent4" accent5="accent5" accent6="accent6" hlink="hlink" folHlink="folHlink"/>
+  <p:notesStyle>
+    <a:lvl1pPr marL="0" algn="l" defTabSz="914400" rtl="0" eaLnBrk="1" latinLnBrk="0" hangingPunct="1">
+      <a:defRPr sz="1200" kern="1200">
+        <a:solidFill>
+          <a:schemeClr val="tx1"/>
+        </a:solidFill>
+        <a:latin typeface="+mn-lt"/>
+        <a:ea typeface="+mn-ea"/>
+        <a:cs typeface="+mn-cs"/>
+      </a:defRPr>
+    </a:lvl1pPr>
+    <a:lvl2pPr marL="457200" algn="l" defTabSz="914400" rtl="0" eaLnBrk="1" latinLnBrk="0" hangingPunct="1">
+      <a:defRPr sz="1200" kern="1200">
+        <a:solidFill>
+          <a:schemeClr val="tx1"/>
+        </a:solidFill>
+        <a:latin typeface="+mn-lt"/>
+        <a:ea typeface="+mn-ea"/>
+        <a:cs typeface="+mn-cs"/>
+      </a:defRPr>
+    </a:lvl2pPr>
+    <a:lvl3pPr marL="914400" algn="l" defTabSz="914400" rtl="0" eaLnBrk="1" latinLnBrk="0" hangingPunct="1">
+      <a:defRPr sz="1200" kern="1200">
+        <a:solidFill>
+          <a:schemeClr val="tx1"/>
+        </a:solidFill>
+        <a:latin typeface="+mn-lt"/>
+        <a:ea typeface="+mn-ea"/>
+        <a:cs typeface="+mn-cs"/>
+      </a:defRPr>
+    </a:lvl3pPr>
+    <a:lvl4pPr marL="1371600" algn="l" defTabSz="914400" rtl="0" eaLnBrk="1" latinLnBrk="0" hangingPunct="1">
+      <a:defRPr sz="1200" kern="1200">
+        <a:solidFill>
+          <a:schemeClr val="tx1"/>
+        </a:solidFill>
+        <a:latin typeface="+mn-lt"/>
+        <a:ea typeface="+mn-ea"/>
+        <a:cs typeface="+mn-cs"/>
+      </a:defRPr>
+    </a:lvl4pPr>
+    <a:lvl5pPr marL="1828800" algn="l" defTabSz="914400" rtl="0" eaLnBrk="1" latinLnBrk="0" hangingPunct="1">
+      <a:defRPr sz="1200" kern="1200">
+        <a:solidFill>
+          <a:schemeClr val="tx1"/>
+        </a:solidFill>
+        <a:latin typeface="+mn-lt"/>
+        <a:ea typeface="+mn-ea"/>
+        <a:cs typeface="+mn-cs"/>
+      </a:defRPr>
+    </a:lvl5pPr>
+    <a:lvl6pPr marL="2286000" algn="l" defTabSz="914400" rtl="0" eaLnBrk="1" latinLnBrk="0" hangingPunct="1">
+      <a:defRPr sz="1200" kern="1200">
+        <a:solidFill>
+          <a:schemeClr val="tx1"/>
+        </a:solidFill>
+        <a:latin typeface="+mn-lt"/>
+        <a:ea typeface="+mn-ea"/>
+        <a:cs typeface="+mn-cs"/>
+      </a:defRPr>
+    </a:lvl6pPr>
+    <a:lvl7pPr marL="2743200" algn="l" defTabSz="914400" rtl="0" eaLnBrk="1" latinLnBrk="0" hangingPunct="1">
+      <a:defRPr sz="1200" kern="1200">
+        <a:solidFill>
+          <a:schemeClr val="tx1"/>
+        </a:solidFill>
+        <a:latin typeface="+mn-lt"/>
+        <a:ea typeface="+mn-ea"/>
+        <a:cs typeface="+mn-cs"/>
+      </a:defRPr>
+    </a:lvl7pPr>
+    <a:lvl8pPr marL="3200400" algn="l" defTabSz="914400" rtl="0" eaLnBrk="1" latinLnBrk="0" hangingPunct="1">
+      <a:defRPr sz="1200" kern="1200">
+        <a:solidFill>
+          <a:schemeClr val="tx1"/>
+        </a:solidFill>
+        <a:latin typeface="+mn-lt"/>
+        <a:ea typeface="+mn-ea"/>
+        <a:cs typeface="+mn-cs"/>
+      </a:defRPr>
+    </a:lvl8pPr>
+    <a:lvl9pPr marL="3657600" algn="l" defTabSz="914400" rtl="0" eaLnBrk="1" latinLnBrk="0" hangingPunct="1">
+      <a:defRPr sz="1200" kern="1200">
+        <a:solidFill>
+          <a:schemeClr val="tx1"/>
+        </a:solidFill>
+        <a:latin typeface="+mn-lt"/>
+        <a:ea typeface="+mn-ea"/>
+        <a:cs typeface="+mn-cs"/>
+      </a:defRPr>
+    </a:lvl9pPr>
+  </p:notesStyle>
+</p:notesMaster>
+</file>
+
+<file path=ppt/notesSlides/notesSlide1.xml><?xml version="1.0" encoding="utf-8"?>
+<p:notes xmlns:a="http://schemas.openxmlformats.org/drawingml/2006/main" xmlns:r="http://schemas.openxmlformats.org/officeDocument/2006/relationships" xmlns:p="http://schemas.openxmlformats.org/presentationml/2006/main">
+  <p:cSld>
+    <p:spTree>
+      <p:nvGrpSpPr>
+        <p:cNvPr id="1" name=""/>
+        <p:cNvGrpSpPr/>
+        <p:nvPr/>
+      </p:nvGrpSpPr>
+      <p:grpSpPr>
+        <a:xfrm>
+          <a:off x="0" y="0"/>
+          <a:ext cx="0" cy="0"/>
+          <a:chOff x="0" y="0"/>
+          <a:chExt cx="0" cy="0"/>
+        </a:xfrm>
+      </p:grpSpPr>
+      <p:sp>
+        <p:nvSpPr>
+          <p:cNvPr id="2" name="Slide Image Placeholder 1"/>
+          <p:cNvSpPr>
+            <a:spLocks noGrp="1" noRot="1" noChangeAspect="1"/>
+          </p:cNvSpPr>
+          <p:nvPr>
+            <p:ph type="sldImg"/>
+          </p:nvPr>
+        </p:nvSpPr>
+        <p:spPr/>
+      </p:sp>
+      <p:sp>
+        <p:nvSpPr>
+          <p:cNvPr id="3" name="Notes Placeholder 2"/>
+          <p:cNvSpPr>
+            <a:spLocks noGrp="1"/>
+          </p:cNvSpPr>
+          <p:nvPr>
+            <p:ph type="body" idx="1"/>
+          </p:nvPr>
+        </p:nvSpPr>
+        <p:spPr/>
+        <p:txBody>
+          <a:bodyPr/>
+          <a:lstStyle/>
+          <a:p>
+            <a:endParaRPr lang="en-US"/>
+          </a:p>
+        </p:txBody>
+      </p:sp>
+      <p:sp>
+        <p:nvSpPr>
+          <p:cNvPr id="4" name="Slide Number Placeholder 3"/>
+          <p:cNvSpPr>
+            <a:spLocks noGrp="1"/>
+          </p:cNvSpPr>
+          <p:nvPr>
+            <p:ph type="sldNum" sz="quarter" idx="5"/>
+          </p:nvPr>
+        </p:nvSpPr>
+        <p:spPr/>
+        <p:txBody>
+          <a:bodyPr/>
+          <a:lstStyle/>
+          <a:p>
+            <a:fld id="{A32EB774-DDBF-4A6B-A0B4-706F0EFD15E1}" type="slidenum">
+              <a:rPr lang="en-US" smtClean="0"/>
+              <a:t>1</a:t>
+            </a:fld>
+            <a:endParaRPr lang="en-US"/>
+          </a:p>
+        </p:txBody>
+      </p:sp>
+    </p:spTree>
+    <p:extLst>
+      <p:ext uri="{BB962C8B-B14F-4D97-AF65-F5344CB8AC3E}">
+        <p14:creationId xmlns:p14="http://schemas.microsoft.com/office/powerpoint/2010/main" val="3990973688"/>
+      </p:ext>
+    </p:extLst>
+  </p:cSld>
+  <p:clrMapOvr>
+    <a:masterClrMapping/>
+  </p:clrMapOvr>
+</p:notes>
+</file>
+
 <file path=ppt/slideLayouts/slideLayout1.xml><?xml version="1.0" encoding="utf-8"?>
 <p:sldLayout xmlns:a="http://schemas.openxmlformats.org/drawingml/2006/main" xmlns:r="http://schemas.openxmlformats.org/officeDocument/2006/relationships" xmlns:p="http://schemas.openxmlformats.org/presentationml/2006/main" type="title" preserve="1">
   <p:cSld name="Title Slide">
@@ -300,7 +747,7 @@
           <a:p>
             <a:fld id="{EECBD699-7A79-4FA7-996C-E5C2C0144205}" type="datetimeFigureOut">
               <a:rPr lang="en-US" smtClean="0"/>
-              <a:t>1/21/2025</a:t>
+              <a:t>2/11/2025</a:t>
             </a:fld>
             <a:endParaRPr lang="en-US"/>
           </a:p>
@@ -498,7 +945,7 @@
           <a:p>
             <a:fld id="{EECBD699-7A79-4FA7-996C-E5C2C0144205}" type="datetimeFigureOut">
               <a:rPr lang="en-US" smtClean="0"/>
-              <a:t>1/21/2025</a:t>
+              <a:t>2/11/2025</a:t>
             </a:fld>
             <a:endParaRPr lang="en-US"/>
           </a:p>
@@ -706,7 +1153,7 @@
           <a:p>
             <a:fld id="{EECBD699-7A79-4FA7-996C-E5C2C0144205}" type="datetimeFigureOut">
               <a:rPr lang="en-US" smtClean="0"/>
-              <a:t>1/21/2025</a:t>
+              <a:t>2/11/2025</a:t>
             </a:fld>
             <a:endParaRPr lang="en-US"/>
           </a:p>
@@ -904,7 +1351,7 @@
           <a:p>
             <a:fld id="{EECBD699-7A79-4FA7-996C-E5C2C0144205}" type="datetimeFigureOut">
               <a:rPr lang="en-US" smtClean="0"/>
-              <a:t>1/21/2025</a:t>
+              <a:t>2/11/2025</a:t>
             </a:fld>
             <a:endParaRPr lang="en-US"/>
           </a:p>
@@ -1179,7 +1626,7 @@
           <a:p>
             <a:fld id="{EECBD699-7A79-4FA7-996C-E5C2C0144205}" type="datetimeFigureOut">
               <a:rPr lang="en-US" smtClean="0"/>
-              <a:t>1/21/2025</a:t>
+              <a:t>2/11/2025</a:t>
             </a:fld>
             <a:endParaRPr lang="en-US"/>
           </a:p>
@@ -1444,7 +1891,7 @@
           <a:p>
             <a:fld id="{EECBD699-7A79-4FA7-996C-E5C2C0144205}" type="datetimeFigureOut">
               <a:rPr lang="en-US" smtClean="0"/>
-              <a:t>1/21/2025</a:t>
+              <a:t>2/11/2025</a:t>
             </a:fld>
             <a:endParaRPr lang="en-US"/>
           </a:p>
@@ -1856,7 +2303,7 @@
           <a:p>
             <a:fld id="{EECBD699-7A79-4FA7-996C-E5C2C0144205}" type="datetimeFigureOut">
               <a:rPr lang="en-US" smtClean="0"/>
-              <a:t>1/21/2025</a:t>
+              <a:t>2/11/2025</a:t>
             </a:fld>
             <a:endParaRPr lang="en-US"/>
           </a:p>
@@ -1997,7 +2444,7 @@
           <a:p>
             <a:fld id="{EECBD699-7A79-4FA7-996C-E5C2C0144205}" type="datetimeFigureOut">
               <a:rPr lang="en-US" smtClean="0"/>
-              <a:t>1/21/2025</a:t>
+              <a:t>2/11/2025</a:t>
             </a:fld>
             <a:endParaRPr lang="en-US"/>
           </a:p>
@@ -2110,7 +2557,7 @@
           <a:p>
             <a:fld id="{EECBD699-7A79-4FA7-996C-E5C2C0144205}" type="datetimeFigureOut">
               <a:rPr lang="en-US" smtClean="0"/>
-              <a:t>1/21/2025</a:t>
+              <a:t>2/11/2025</a:t>
             </a:fld>
             <a:endParaRPr lang="en-US"/>
           </a:p>
@@ -2421,7 +2868,7 @@
           <a:p>
             <a:fld id="{EECBD699-7A79-4FA7-996C-E5C2C0144205}" type="datetimeFigureOut">
               <a:rPr lang="en-US" smtClean="0"/>
-              <a:t>1/21/2025</a:t>
+              <a:t>2/11/2025</a:t>
             </a:fld>
             <a:endParaRPr lang="en-US"/>
           </a:p>
@@ -2709,7 +3156,7 @@
           <a:p>
             <a:fld id="{EECBD699-7A79-4FA7-996C-E5C2C0144205}" type="datetimeFigureOut">
               <a:rPr lang="en-US" smtClean="0"/>
-              <a:t>1/21/2025</a:t>
+              <a:t>2/11/2025</a:t>
             </a:fld>
             <a:endParaRPr lang="en-US"/>
           </a:p>
@@ -2950,7 +3397,7 @@
           <a:p>
             <a:fld id="{EECBD699-7A79-4FA7-996C-E5C2C0144205}" type="datetimeFigureOut">
               <a:rPr lang="en-US" smtClean="0"/>
-              <a:t>1/21/2025</a:t>
+              <a:t>2/11/2025</a:t>
             </a:fld>
             <a:endParaRPr lang="en-US"/>
           </a:p>
@@ -13412,6 +13859,1561 @@
 </p:sld>
 </file>
 
+<file path=ppt/slides/slide43.xml><?xml version="1.0" encoding="utf-8"?>
+<p:sld xmlns:a="http://schemas.openxmlformats.org/drawingml/2006/main" xmlns:r="http://schemas.openxmlformats.org/officeDocument/2006/relationships" xmlns:p="http://schemas.openxmlformats.org/presentationml/2006/main">
+  <p:cSld>
+    <p:spTree>
+      <p:nvGrpSpPr>
+        <p:cNvPr id="1" name=""/>
+        <p:cNvGrpSpPr/>
+        <p:nvPr/>
+      </p:nvGrpSpPr>
+      <p:grpSpPr>
+        <a:xfrm>
+          <a:off x="0" y="0"/>
+          <a:ext cx="0" cy="0"/>
+          <a:chOff x="0" y="0"/>
+          <a:chExt cx="0" cy="0"/>
+        </a:xfrm>
+      </p:grpSpPr>
+      <p:sp>
+        <p:nvSpPr>
+          <p:cNvPr id="2" name="Title 1">
+            <a:extLst>
+              <a:ext uri="{FF2B5EF4-FFF2-40B4-BE49-F238E27FC236}">
+                <a16:creationId xmlns:a16="http://schemas.microsoft.com/office/drawing/2014/main" id="{0F3F56CA-C931-67D7-6382-29F1CF339A1F}"/>
+              </a:ext>
+            </a:extLst>
+          </p:cNvPr>
+          <p:cNvSpPr>
+            <a:spLocks noGrp="1"/>
+          </p:cNvSpPr>
+          <p:nvPr>
+            <p:ph type="title"/>
+          </p:nvPr>
+        </p:nvSpPr>
+        <p:spPr/>
+        <p:txBody>
+          <a:bodyPr/>
+          <a:lstStyle/>
+          <a:p>
+            <a:r>
+              <a:rPr lang="en-US" dirty="0" err="1"/>
+              <a:t>NgRX</a:t>
+            </a:r>
+            <a:endParaRPr lang="en-US" dirty="0"/>
+          </a:p>
+        </p:txBody>
+      </p:sp>
+      <p:sp>
+        <p:nvSpPr>
+          <p:cNvPr id="3" name="Content Placeholder 2">
+            <a:extLst>
+              <a:ext uri="{FF2B5EF4-FFF2-40B4-BE49-F238E27FC236}">
+                <a16:creationId xmlns:a16="http://schemas.microsoft.com/office/drawing/2014/main" id="{87EF7DBD-DD82-42F4-40A7-8516331285B8}"/>
+              </a:ext>
+            </a:extLst>
+          </p:cNvPr>
+          <p:cNvSpPr>
+            <a:spLocks noGrp="1"/>
+          </p:cNvSpPr>
+          <p:nvPr>
+            <p:ph idx="1"/>
+          </p:nvPr>
+        </p:nvSpPr>
+        <p:spPr/>
+        <p:txBody>
+          <a:bodyPr>
+            <a:normAutofit lnSpcReduction="10000"/>
+          </a:bodyPr>
+          <a:lstStyle/>
+          <a:p>
+            <a:r>
+              <a:rPr lang="en-US" dirty="0"/>
+              <a:t>State management library.</a:t>
+            </a:r>
+          </a:p>
+          <a:p>
+            <a:r>
+              <a:rPr lang="en-US" dirty="0"/>
+              <a:t>Inspired by REDUX (popular state management library)</a:t>
+            </a:r>
+          </a:p>
+          <a:p>
+            <a:r>
+              <a:rPr lang="en-US" dirty="0"/>
+              <a:t>Follows “UNI Directional Data Flow” principle</a:t>
+            </a:r>
+          </a:p>
+          <a:p>
+            <a:r>
+              <a:rPr lang="en-US" dirty="0"/>
+              <a:t>Provides the building blocks to manage the state of the application in a predictable and scalable manner</a:t>
+            </a:r>
+          </a:p>
+          <a:p>
+            <a:r>
+              <a:rPr lang="en-US" dirty="0"/>
+              <a:t>Building blocks:</a:t>
+            </a:r>
+          </a:p>
+          <a:p>
+            <a:pPr lvl="1"/>
+            <a:r>
+              <a:rPr lang="en-US" dirty="0"/>
+              <a:t>Actions</a:t>
+            </a:r>
+          </a:p>
+          <a:p>
+            <a:pPr lvl="1"/>
+            <a:r>
+              <a:rPr lang="en-US" dirty="0"/>
+              <a:t>Reducers</a:t>
+            </a:r>
+          </a:p>
+          <a:p>
+            <a:pPr lvl="1"/>
+            <a:r>
+              <a:rPr lang="en-US" dirty="0"/>
+              <a:t>Effects</a:t>
+            </a:r>
+          </a:p>
+          <a:p>
+            <a:pPr lvl="1"/>
+            <a:r>
+              <a:rPr lang="en-US" dirty="0"/>
+              <a:t>Selectors</a:t>
+            </a:r>
+          </a:p>
+        </p:txBody>
+      </p:sp>
+    </p:spTree>
+    <p:extLst>
+      <p:ext uri="{BB962C8B-B14F-4D97-AF65-F5344CB8AC3E}">
+        <p14:creationId xmlns:p14="http://schemas.microsoft.com/office/powerpoint/2010/main" val="3442861080"/>
+      </p:ext>
+    </p:extLst>
+  </p:cSld>
+  <p:clrMapOvr>
+    <a:masterClrMapping/>
+  </p:clrMapOvr>
+</p:sld>
+</file>
+
+<file path=ppt/slides/slide44.xml><?xml version="1.0" encoding="utf-8"?>
+<p:sld xmlns:a="http://schemas.openxmlformats.org/drawingml/2006/main" xmlns:r="http://schemas.openxmlformats.org/officeDocument/2006/relationships" xmlns:p="http://schemas.openxmlformats.org/presentationml/2006/main">
+  <p:cSld>
+    <p:bg>
+      <p:bgPr>
+        <a:solidFill>
+          <a:schemeClr val="bg1"/>
+        </a:solidFill>
+        <a:effectLst/>
+      </p:bgPr>
+    </p:bg>
+    <p:spTree>
+      <p:nvGrpSpPr>
+        <p:cNvPr id="1" name=""/>
+        <p:cNvGrpSpPr/>
+        <p:nvPr/>
+      </p:nvGrpSpPr>
+      <p:grpSpPr>
+        <a:xfrm>
+          <a:off x="0" y="0"/>
+          <a:ext cx="0" cy="0"/>
+          <a:chOff x="0" y="0"/>
+          <a:chExt cx="0" cy="0"/>
+        </a:xfrm>
+      </p:grpSpPr>
+      <p:sp useBgFill="1">
+        <p:nvSpPr>
+          <p:cNvPr id="1031" name="Rectangle 1030">
+            <a:extLst>
+              <a:ext uri="{FF2B5EF4-FFF2-40B4-BE49-F238E27FC236}">
+                <a16:creationId xmlns:a16="http://schemas.microsoft.com/office/drawing/2014/main" id="{53F29798-D584-4792-9B62-3F5F5C36D619}"/>
+              </a:ext>
+              <a:ext uri="{C183D7F6-B498-43B3-948B-1728B52AA6E4}">
+                <adec:decorative xmlns:adec="http://schemas.microsoft.com/office/drawing/2017/decorative" val="1"/>
+              </a:ext>
+            </a:extLst>
+          </p:cNvPr>
+          <p:cNvSpPr>
+            <a:spLocks noGrp="1" noRot="1" noChangeAspect="1" noMove="1" noResize="1" noEditPoints="1" noAdjustHandles="1" noChangeArrowheads="1" noChangeShapeType="1" noTextEdit="1"/>
+          </p:cNvSpPr>
+          <p:nvPr>
+            <p:extLst>
+              <p:ext uri="{386F3935-93C4-4BCD-93E2-E3B085C9AB24}">
+                <p16:designElem xmlns:p16="http://schemas.microsoft.com/office/powerpoint/2015/main" val="1"/>
+              </p:ext>
+            </p:extLst>
+          </p:nvPr>
+        </p:nvSpPr>
+        <p:spPr>
+          <a:xfrm>
+            <a:off x="0" y="0"/>
+            <a:ext cx="12188952" cy="6858000"/>
+          </a:xfrm>
+          <a:prstGeom prst="rect">
+            <a:avLst/>
+          </a:prstGeom>
+          <a:ln>
+            <a:noFill/>
+          </a:ln>
+        </p:spPr>
+        <p:style>
+          <a:lnRef idx="2">
+            <a:schemeClr val="accent1">
+              <a:shade val="50000"/>
+            </a:schemeClr>
+          </a:lnRef>
+          <a:fillRef idx="1">
+            <a:schemeClr val="accent1"/>
+          </a:fillRef>
+          <a:effectRef idx="0">
+            <a:schemeClr val="accent1"/>
+          </a:effectRef>
+          <a:fontRef idx="minor">
+            <a:schemeClr val="lt1"/>
+          </a:fontRef>
+        </p:style>
+        <p:txBody>
+          <a:bodyPr rtlCol="0" anchor="ctr"/>
+          <a:lstStyle/>
+          <a:p>
+            <a:pPr algn="ctr"/>
+            <a:endParaRPr lang="en-US"/>
+          </a:p>
+        </p:txBody>
+      </p:sp>
+      <p:sp>
+        <p:nvSpPr>
+          <p:cNvPr id="2" name="Title 1">
+            <a:extLst>
+              <a:ext uri="{FF2B5EF4-FFF2-40B4-BE49-F238E27FC236}">
+                <a16:creationId xmlns:a16="http://schemas.microsoft.com/office/drawing/2014/main" id="{0F3F56CA-C931-67D7-6382-29F1CF339A1F}"/>
+              </a:ext>
+            </a:extLst>
+          </p:cNvPr>
+          <p:cNvSpPr>
+            <a:spLocks noGrp="1"/>
+          </p:cNvSpPr>
+          <p:nvPr>
+            <p:ph type="title"/>
+          </p:nvPr>
+        </p:nvSpPr>
+        <p:spPr>
+          <a:xfrm>
+            <a:off x="838200" y="184805"/>
+            <a:ext cx="10515600" cy="1505883"/>
+          </a:xfrm>
+        </p:spPr>
+        <p:txBody>
+          <a:bodyPr vert="horz" lIns="91440" tIns="45720" rIns="91440" bIns="45720" rtlCol="0" anchor="ctr">
+            <a:normAutofit/>
+          </a:bodyPr>
+          <a:lstStyle/>
+          <a:p>
+            <a:r>
+              <a:rPr lang="en-US" sz="5200" kern="1200">
+                <a:solidFill>
+                  <a:schemeClr val="tx1"/>
+                </a:solidFill>
+                <a:latin typeface="+mj-lt"/>
+                <a:ea typeface="+mj-ea"/>
+                <a:cs typeface="+mj-cs"/>
+              </a:rPr>
+              <a:t>NgRX</a:t>
+            </a:r>
+          </a:p>
+        </p:txBody>
+      </p:sp>
+      <p:pic>
+        <p:nvPicPr>
+          <p:cNvPr id="5" name="Picture 4">
+            <a:extLst>
+              <a:ext uri="{FF2B5EF4-FFF2-40B4-BE49-F238E27FC236}">
+                <a16:creationId xmlns:a16="http://schemas.microsoft.com/office/drawing/2014/main" id="{E46F69ED-1647-302E-F65C-843FEC3A6E4A}"/>
+              </a:ext>
+            </a:extLst>
+          </p:cNvPr>
+          <p:cNvPicPr>
+            <a:picLocks noChangeAspect="1"/>
+          </p:cNvPicPr>
+          <p:nvPr/>
+        </p:nvPicPr>
+        <p:blipFill>
+          <a:blip r:embed="rId2"/>
+          <a:stretch>
+            <a:fillRect/>
+          </a:stretch>
+        </p:blipFill>
+        <p:spPr>
+          <a:xfrm>
+            <a:off x="1536763" y="1451361"/>
+            <a:ext cx="9115425" cy="4724400"/>
+          </a:xfrm>
+          <a:prstGeom prst="rect">
+            <a:avLst/>
+          </a:prstGeom>
+        </p:spPr>
+      </p:pic>
+    </p:spTree>
+    <p:extLst>
+      <p:ext uri="{BB962C8B-B14F-4D97-AF65-F5344CB8AC3E}">
+        <p14:creationId xmlns:p14="http://schemas.microsoft.com/office/powerpoint/2010/main" val="1525142801"/>
+      </p:ext>
+    </p:extLst>
+  </p:cSld>
+  <p:clrMapOvr>
+    <a:masterClrMapping/>
+  </p:clrMapOvr>
+</p:sld>
+</file>
+
+<file path=ppt/slides/slide45.xml><?xml version="1.0" encoding="utf-8"?>
+<p:sld xmlns:a="http://schemas.openxmlformats.org/drawingml/2006/main" xmlns:r="http://schemas.openxmlformats.org/officeDocument/2006/relationships" xmlns:p="http://schemas.openxmlformats.org/presentationml/2006/main">
+  <p:cSld>
+    <p:spTree>
+      <p:nvGrpSpPr>
+        <p:cNvPr id="1" name=""/>
+        <p:cNvGrpSpPr/>
+        <p:nvPr/>
+      </p:nvGrpSpPr>
+      <p:grpSpPr>
+        <a:xfrm>
+          <a:off x="0" y="0"/>
+          <a:ext cx="0" cy="0"/>
+          <a:chOff x="0" y="0"/>
+          <a:chExt cx="0" cy="0"/>
+        </a:xfrm>
+      </p:grpSpPr>
+      <p:sp>
+        <p:nvSpPr>
+          <p:cNvPr id="2" name="Title 1">
+            <a:extLst>
+              <a:ext uri="{FF2B5EF4-FFF2-40B4-BE49-F238E27FC236}">
+                <a16:creationId xmlns:a16="http://schemas.microsoft.com/office/drawing/2014/main" id="{0F3F56CA-C931-67D7-6382-29F1CF339A1F}"/>
+              </a:ext>
+            </a:extLst>
+          </p:cNvPr>
+          <p:cNvSpPr>
+            <a:spLocks noGrp="1"/>
+          </p:cNvSpPr>
+          <p:nvPr>
+            <p:ph type="title"/>
+          </p:nvPr>
+        </p:nvSpPr>
+        <p:spPr/>
+        <p:txBody>
+          <a:bodyPr/>
+          <a:lstStyle/>
+          <a:p>
+            <a:r>
+              <a:rPr lang="en-US" dirty="0" err="1"/>
+              <a:t>NgRX</a:t>
+            </a:r>
+            <a:r>
+              <a:rPr lang="en-US" dirty="0"/>
+              <a:t> - Store</a:t>
+            </a:r>
+          </a:p>
+        </p:txBody>
+      </p:sp>
+      <p:sp>
+        <p:nvSpPr>
+          <p:cNvPr id="3" name="Content Placeholder 2">
+            <a:extLst>
+              <a:ext uri="{FF2B5EF4-FFF2-40B4-BE49-F238E27FC236}">
+                <a16:creationId xmlns:a16="http://schemas.microsoft.com/office/drawing/2014/main" id="{87EF7DBD-DD82-42F4-40A7-8516331285B8}"/>
+              </a:ext>
+            </a:extLst>
+          </p:cNvPr>
+          <p:cNvSpPr>
+            <a:spLocks noGrp="1"/>
+          </p:cNvSpPr>
+          <p:nvPr>
+            <p:ph idx="1"/>
+          </p:nvPr>
+        </p:nvSpPr>
+        <p:spPr/>
+        <p:txBody>
+          <a:bodyPr>
+            <a:normAutofit/>
+          </a:bodyPr>
+          <a:lstStyle/>
+          <a:p>
+            <a:r>
+              <a:rPr lang="en-US" dirty="0"/>
+              <a:t>Application State is saved in “Store”</a:t>
+            </a:r>
+          </a:p>
+          <a:p>
+            <a:r>
+              <a:rPr lang="en-US" dirty="0"/>
+              <a:t>Create a “</a:t>
+            </a:r>
+            <a:r>
+              <a:rPr lang="en-US" dirty="0" err="1"/>
+              <a:t>uni</a:t>
+            </a:r>
+            <a:r>
+              <a:rPr lang="en-US" dirty="0"/>
+              <a:t>-directional data flow” cycle</a:t>
+            </a:r>
+            <a:br>
+              <a:rPr lang="en-US" dirty="0"/>
+            </a:br>
+            <a:r>
+              <a:rPr lang="en-US" dirty="0"/>
+              <a:t>from store to the component</a:t>
+            </a:r>
+          </a:p>
+          <a:p>
+            <a:r>
+              <a:rPr lang="en-US" dirty="0"/>
+              <a:t>Store is mainly for managing global </a:t>
+            </a:r>
+            <a:br>
+              <a:rPr lang="en-US" dirty="0"/>
+            </a:br>
+            <a:r>
+              <a:rPr lang="en-US" dirty="0"/>
+              <a:t>state across an entire application</a:t>
+            </a:r>
+          </a:p>
+        </p:txBody>
+      </p:sp>
+      <p:pic>
+        <p:nvPicPr>
+          <p:cNvPr id="4" name="Picture 3">
+            <a:extLst>
+              <a:ext uri="{FF2B5EF4-FFF2-40B4-BE49-F238E27FC236}">
+                <a16:creationId xmlns:a16="http://schemas.microsoft.com/office/drawing/2014/main" id="{502C8389-AFD3-8FFB-91E0-26021F3EEC58}"/>
+              </a:ext>
+            </a:extLst>
+          </p:cNvPr>
+          <p:cNvPicPr>
+            <a:picLocks noChangeAspect="1"/>
+          </p:cNvPicPr>
+          <p:nvPr/>
+        </p:nvPicPr>
+        <p:blipFill>
+          <a:blip r:embed="rId2"/>
+          <a:stretch>
+            <a:fillRect/>
+          </a:stretch>
+        </p:blipFill>
+        <p:spPr>
+          <a:xfrm>
+            <a:off x="7179030" y="555594"/>
+            <a:ext cx="5012970" cy="2598154"/>
+          </a:xfrm>
+          <a:prstGeom prst="rect">
+            <a:avLst/>
+          </a:prstGeom>
+        </p:spPr>
+      </p:pic>
+      <p:sp>
+        <p:nvSpPr>
+          <p:cNvPr id="5" name="Oval 4">
+            <a:extLst>
+              <a:ext uri="{FF2B5EF4-FFF2-40B4-BE49-F238E27FC236}">
+                <a16:creationId xmlns:a16="http://schemas.microsoft.com/office/drawing/2014/main" id="{7A077143-DD66-550F-3E4E-0829DD793412}"/>
+              </a:ext>
+            </a:extLst>
+          </p:cNvPr>
+          <p:cNvSpPr/>
+          <p:nvPr/>
+        </p:nvSpPr>
+        <p:spPr>
+          <a:xfrm>
+            <a:off x="10151706" y="681037"/>
+            <a:ext cx="242596" cy="242596"/>
+          </a:xfrm>
+          <a:prstGeom prst="ellipse">
+            <a:avLst/>
+          </a:prstGeom>
+          <a:solidFill>
+            <a:srgbClr val="FF0000"/>
+          </a:solidFill>
+        </p:spPr>
+        <p:style>
+          <a:lnRef idx="2">
+            <a:schemeClr val="accent1">
+              <a:shade val="15000"/>
+            </a:schemeClr>
+          </a:lnRef>
+          <a:fillRef idx="1">
+            <a:schemeClr val="accent1"/>
+          </a:fillRef>
+          <a:effectRef idx="0">
+            <a:schemeClr val="accent1"/>
+          </a:effectRef>
+          <a:fontRef idx="minor">
+            <a:schemeClr val="lt1"/>
+          </a:fontRef>
+        </p:style>
+        <p:txBody>
+          <a:bodyPr rtlCol="0" anchor="ctr"/>
+          <a:lstStyle/>
+          <a:p>
+            <a:pPr algn="ctr"/>
+            <a:endParaRPr lang="en-US"/>
+          </a:p>
+        </p:txBody>
+      </p:sp>
+    </p:spTree>
+    <p:extLst>
+      <p:ext uri="{BB962C8B-B14F-4D97-AF65-F5344CB8AC3E}">
+        <p14:creationId xmlns:p14="http://schemas.microsoft.com/office/powerpoint/2010/main" val="2765719309"/>
+      </p:ext>
+    </p:extLst>
+  </p:cSld>
+  <p:clrMapOvr>
+    <a:masterClrMapping/>
+  </p:clrMapOvr>
+</p:sld>
+</file>
+
+<file path=ppt/slides/slide46.xml><?xml version="1.0" encoding="utf-8"?>
+<p:sld xmlns:a="http://schemas.openxmlformats.org/drawingml/2006/main" xmlns:r="http://schemas.openxmlformats.org/officeDocument/2006/relationships" xmlns:p="http://schemas.openxmlformats.org/presentationml/2006/main">
+  <p:cSld>
+    <p:spTree>
+      <p:nvGrpSpPr>
+        <p:cNvPr id="1" name=""/>
+        <p:cNvGrpSpPr/>
+        <p:nvPr/>
+      </p:nvGrpSpPr>
+      <p:grpSpPr>
+        <a:xfrm>
+          <a:off x="0" y="0"/>
+          <a:ext cx="0" cy="0"/>
+          <a:chOff x="0" y="0"/>
+          <a:chExt cx="0" cy="0"/>
+        </a:xfrm>
+      </p:grpSpPr>
+      <p:sp>
+        <p:nvSpPr>
+          <p:cNvPr id="2" name="Title 1">
+            <a:extLst>
+              <a:ext uri="{FF2B5EF4-FFF2-40B4-BE49-F238E27FC236}">
+                <a16:creationId xmlns:a16="http://schemas.microsoft.com/office/drawing/2014/main" id="{0F3F56CA-C931-67D7-6382-29F1CF339A1F}"/>
+              </a:ext>
+            </a:extLst>
+          </p:cNvPr>
+          <p:cNvSpPr>
+            <a:spLocks noGrp="1"/>
+          </p:cNvSpPr>
+          <p:nvPr>
+            <p:ph type="title"/>
+          </p:nvPr>
+        </p:nvSpPr>
+        <p:spPr/>
+        <p:txBody>
+          <a:bodyPr/>
+          <a:lstStyle/>
+          <a:p>
+            <a:r>
+              <a:rPr lang="en-US" dirty="0" err="1"/>
+              <a:t>NgRX</a:t>
+            </a:r>
+            <a:r>
+              <a:rPr lang="en-US" dirty="0"/>
+              <a:t> - Selectors</a:t>
+            </a:r>
+          </a:p>
+        </p:txBody>
+      </p:sp>
+      <p:sp>
+        <p:nvSpPr>
+          <p:cNvPr id="3" name="Content Placeholder 2">
+            <a:extLst>
+              <a:ext uri="{FF2B5EF4-FFF2-40B4-BE49-F238E27FC236}">
+                <a16:creationId xmlns:a16="http://schemas.microsoft.com/office/drawing/2014/main" id="{87EF7DBD-DD82-42F4-40A7-8516331285B8}"/>
+              </a:ext>
+            </a:extLst>
+          </p:cNvPr>
+          <p:cNvSpPr>
+            <a:spLocks noGrp="1"/>
+          </p:cNvSpPr>
+          <p:nvPr>
+            <p:ph idx="1"/>
+          </p:nvPr>
+        </p:nvSpPr>
+        <p:spPr/>
+        <p:txBody>
+          <a:bodyPr>
+            <a:normAutofit lnSpcReduction="10000"/>
+          </a:bodyPr>
+          <a:lstStyle/>
+          <a:p>
+            <a:r>
+              <a:rPr lang="en-US" dirty="0"/>
+              <a:t>Selectors are pure functions used for </a:t>
+            </a:r>
+            <a:br>
+              <a:rPr lang="en-US" dirty="0"/>
+            </a:br>
+            <a:r>
+              <a:rPr lang="en-US" dirty="0"/>
+              <a:t>obtaining slices of store state</a:t>
+            </a:r>
+          </a:p>
+          <a:p>
+            <a:r>
+              <a:rPr lang="en-US" dirty="0"/>
+              <a:t>To select a piece of state based on data </a:t>
+            </a:r>
+            <a:br>
+              <a:rPr lang="en-US" dirty="0"/>
+            </a:br>
+            <a:r>
+              <a:rPr lang="en-US" dirty="0"/>
+              <a:t>you can pass props to the selector function</a:t>
+            </a:r>
+          </a:p>
+          <a:p>
+            <a:r>
+              <a:rPr lang="en-US" dirty="0"/>
+              <a:t>Keep in mind that a selector only keeps the previous input arguments in its cache</a:t>
+            </a:r>
+          </a:p>
+          <a:p>
+            <a:r>
+              <a:rPr lang="en-US" dirty="0"/>
+              <a:t>Selectors empower you to compose a read model for your application state (Command Query Responsibility Segregation (CQRS)) </a:t>
+            </a:r>
+            <a:r>
+              <a:rPr lang="en-US" dirty="0">
+                <a:hlinkClick r:id="rId2"/>
+              </a:rPr>
+              <a:t>Reference</a:t>
+            </a:r>
+            <a:endParaRPr lang="en-US" dirty="0"/>
+          </a:p>
+          <a:p>
+            <a:r>
+              <a:rPr lang="en-US" dirty="0" err="1"/>
+              <a:t>NgRx</a:t>
+            </a:r>
+            <a:r>
+              <a:rPr lang="en-US" dirty="0"/>
+              <a:t> separates the read model (selectors) from the write model (reducers)</a:t>
+            </a:r>
+          </a:p>
+        </p:txBody>
+      </p:sp>
+      <p:pic>
+        <p:nvPicPr>
+          <p:cNvPr id="4" name="Picture 3">
+            <a:extLst>
+              <a:ext uri="{FF2B5EF4-FFF2-40B4-BE49-F238E27FC236}">
+                <a16:creationId xmlns:a16="http://schemas.microsoft.com/office/drawing/2014/main" id="{502C8389-AFD3-8FFB-91E0-26021F3EEC58}"/>
+              </a:ext>
+            </a:extLst>
+          </p:cNvPr>
+          <p:cNvPicPr>
+            <a:picLocks noChangeAspect="1"/>
+          </p:cNvPicPr>
+          <p:nvPr/>
+        </p:nvPicPr>
+        <p:blipFill>
+          <a:blip r:embed="rId3"/>
+          <a:stretch>
+            <a:fillRect/>
+          </a:stretch>
+        </p:blipFill>
+        <p:spPr>
+          <a:xfrm>
+            <a:off x="7179030" y="555594"/>
+            <a:ext cx="5012970" cy="2598154"/>
+          </a:xfrm>
+          <a:prstGeom prst="rect">
+            <a:avLst/>
+          </a:prstGeom>
+        </p:spPr>
+      </p:pic>
+      <p:sp>
+        <p:nvSpPr>
+          <p:cNvPr id="5" name="Oval 4">
+            <a:extLst>
+              <a:ext uri="{FF2B5EF4-FFF2-40B4-BE49-F238E27FC236}">
+                <a16:creationId xmlns:a16="http://schemas.microsoft.com/office/drawing/2014/main" id="{7A077143-DD66-550F-3E4E-0829DD793412}"/>
+              </a:ext>
+            </a:extLst>
+          </p:cNvPr>
+          <p:cNvSpPr/>
+          <p:nvPr/>
+        </p:nvSpPr>
+        <p:spPr>
+          <a:xfrm>
+            <a:off x="7179030" y="785310"/>
+            <a:ext cx="242596" cy="242596"/>
+          </a:xfrm>
+          <a:prstGeom prst="ellipse">
+            <a:avLst/>
+          </a:prstGeom>
+          <a:solidFill>
+            <a:srgbClr val="FF0000"/>
+          </a:solidFill>
+        </p:spPr>
+        <p:style>
+          <a:lnRef idx="2">
+            <a:schemeClr val="accent1">
+              <a:shade val="15000"/>
+            </a:schemeClr>
+          </a:lnRef>
+          <a:fillRef idx="1">
+            <a:schemeClr val="accent1"/>
+          </a:fillRef>
+          <a:effectRef idx="0">
+            <a:schemeClr val="accent1"/>
+          </a:effectRef>
+          <a:fontRef idx="minor">
+            <a:schemeClr val="lt1"/>
+          </a:fontRef>
+        </p:style>
+        <p:txBody>
+          <a:bodyPr rtlCol="0" anchor="ctr"/>
+          <a:lstStyle/>
+          <a:p>
+            <a:pPr algn="ctr"/>
+            <a:endParaRPr lang="en-US"/>
+          </a:p>
+        </p:txBody>
+      </p:sp>
+    </p:spTree>
+    <p:extLst>
+      <p:ext uri="{BB962C8B-B14F-4D97-AF65-F5344CB8AC3E}">
+        <p14:creationId xmlns:p14="http://schemas.microsoft.com/office/powerpoint/2010/main" val="2885576873"/>
+      </p:ext>
+    </p:extLst>
+  </p:cSld>
+  <p:clrMapOvr>
+    <a:masterClrMapping/>
+  </p:clrMapOvr>
+</p:sld>
+</file>
+
+<file path=ppt/slides/slide47.xml><?xml version="1.0" encoding="utf-8"?>
+<p:sld xmlns:a="http://schemas.openxmlformats.org/drawingml/2006/main" xmlns:r="http://schemas.openxmlformats.org/officeDocument/2006/relationships" xmlns:p="http://schemas.openxmlformats.org/presentationml/2006/main">
+  <p:cSld>
+    <p:spTree>
+      <p:nvGrpSpPr>
+        <p:cNvPr id="1" name=""/>
+        <p:cNvGrpSpPr/>
+        <p:nvPr/>
+      </p:nvGrpSpPr>
+      <p:grpSpPr>
+        <a:xfrm>
+          <a:off x="0" y="0"/>
+          <a:ext cx="0" cy="0"/>
+          <a:chOff x="0" y="0"/>
+          <a:chExt cx="0" cy="0"/>
+        </a:xfrm>
+      </p:grpSpPr>
+      <p:sp>
+        <p:nvSpPr>
+          <p:cNvPr id="2" name="Title 1">
+            <a:extLst>
+              <a:ext uri="{FF2B5EF4-FFF2-40B4-BE49-F238E27FC236}">
+                <a16:creationId xmlns:a16="http://schemas.microsoft.com/office/drawing/2014/main" id="{0F3F56CA-C931-67D7-6382-29F1CF339A1F}"/>
+              </a:ext>
+            </a:extLst>
+          </p:cNvPr>
+          <p:cNvSpPr>
+            <a:spLocks noGrp="1"/>
+          </p:cNvSpPr>
+          <p:nvPr>
+            <p:ph type="title"/>
+          </p:nvPr>
+        </p:nvSpPr>
+        <p:spPr/>
+        <p:txBody>
+          <a:bodyPr/>
+          <a:lstStyle/>
+          <a:p>
+            <a:r>
+              <a:rPr lang="en-US" dirty="0" err="1"/>
+              <a:t>NgRX</a:t>
+            </a:r>
+            <a:r>
+              <a:rPr lang="en-US" dirty="0"/>
+              <a:t> - Actions</a:t>
+            </a:r>
+          </a:p>
+        </p:txBody>
+      </p:sp>
+      <p:sp>
+        <p:nvSpPr>
+          <p:cNvPr id="3" name="Content Placeholder 2">
+            <a:extLst>
+              <a:ext uri="{FF2B5EF4-FFF2-40B4-BE49-F238E27FC236}">
+                <a16:creationId xmlns:a16="http://schemas.microsoft.com/office/drawing/2014/main" id="{87EF7DBD-DD82-42F4-40A7-8516331285B8}"/>
+              </a:ext>
+            </a:extLst>
+          </p:cNvPr>
+          <p:cNvSpPr>
+            <a:spLocks noGrp="1"/>
+          </p:cNvSpPr>
+          <p:nvPr>
+            <p:ph idx="1"/>
+          </p:nvPr>
+        </p:nvSpPr>
+        <p:spPr/>
+        <p:txBody>
+          <a:bodyPr>
+            <a:normAutofit/>
+          </a:bodyPr>
+          <a:lstStyle/>
+          <a:p>
+            <a:r>
+              <a:rPr lang="en-US" dirty="0"/>
+              <a:t>Actions describe unique events that </a:t>
+            </a:r>
+            <a:br>
+              <a:rPr lang="en-US" dirty="0"/>
+            </a:br>
+            <a:r>
+              <a:rPr lang="en-US" dirty="0"/>
+              <a:t>are dispatched from components </a:t>
+            </a:r>
+            <a:br>
+              <a:rPr lang="en-US" dirty="0"/>
+            </a:br>
+            <a:r>
+              <a:rPr lang="en-US" dirty="0"/>
+              <a:t>and services</a:t>
+            </a:r>
+          </a:p>
+          <a:p>
+            <a:r>
+              <a:rPr lang="en-US" dirty="0"/>
+              <a:t>Actions help you to understand how </a:t>
+            </a:r>
+            <a:br>
+              <a:rPr lang="en-US" dirty="0"/>
+            </a:br>
+            <a:r>
+              <a:rPr lang="en-US" dirty="0"/>
+              <a:t>events are handled in your application</a:t>
+            </a:r>
+          </a:p>
+          <a:p>
+            <a:r>
+              <a:rPr lang="en-US" dirty="0"/>
+              <a:t>An Action in </a:t>
+            </a:r>
+            <a:r>
+              <a:rPr lang="en-US" dirty="0" err="1"/>
+              <a:t>NgRx</a:t>
+            </a:r>
+            <a:r>
+              <a:rPr lang="en-US" dirty="0"/>
+              <a:t> is made up of a simple interface</a:t>
+            </a:r>
+            <a:br>
+              <a:rPr lang="en-US" dirty="0"/>
+            </a:br>
+            <a:br>
+              <a:rPr lang="en-US" dirty="0"/>
+            </a:br>
+            <a:r>
+              <a:rPr lang="en-US" b="0" i="0" dirty="0" err="1">
+                <a:solidFill>
+                  <a:srgbClr val="D86703"/>
+                </a:solidFill>
+                <a:effectLst/>
+                <a:latin typeface="Droid Sans Mono"/>
+              </a:rPr>
+              <a:t>interface</a:t>
+            </a:r>
+            <a:r>
+              <a:rPr lang="en-US" b="0" i="0" dirty="0">
+                <a:solidFill>
+                  <a:srgbClr val="000000"/>
+                </a:solidFill>
+                <a:effectLst/>
+                <a:latin typeface="Droid Sans Mono"/>
+              </a:rPr>
+              <a:t> </a:t>
+            </a:r>
+            <a:r>
+              <a:rPr lang="en-US" b="0" i="0" u="none" strike="noStrike" dirty="0">
+                <a:solidFill>
+                  <a:srgbClr val="800080"/>
+                </a:solidFill>
+                <a:effectLst/>
+                <a:latin typeface="Droid Sans Mono"/>
+                <a:hlinkClick r:id="rId2"/>
+              </a:rPr>
+              <a:t>Action</a:t>
+            </a:r>
+            <a:r>
+              <a:rPr lang="en-US" b="0" i="0" dirty="0">
+                <a:solidFill>
+                  <a:srgbClr val="000000"/>
+                </a:solidFill>
+                <a:effectLst/>
+                <a:latin typeface="Droid Sans Mono"/>
+              </a:rPr>
+              <a:t> </a:t>
+            </a:r>
+            <a:r>
+              <a:rPr lang="en-US" b="0" i="0" dirty="0">
+                <a:solidFill>
+                  <a:srgbClr val="666600"/>
+                </a:solidFill>
+                <a:effectLst/>
+                <a:latin typeface="Droid Sans Mono"/>
+              </a:rPr>
+              <a:t>{</a:t>
+            </a:r>
+            <a:r>
+              <a:rPr lang="en-US" b="0" i="0" dirty="0">
+                <a:solidFill>
+                  <a:srgbClr val="000000"/>
+                </a:solidFill>
+                <a:effectLst/>
+                <a:latin typeface="Droid Sans Mono"/>
+              </a:rPr>
+              <a:t> </a:t>
+            </a:r>
+            <a:br>
+              <a:rPr lang="en-US" b="0" i="0" dirty="0">
+                <a:solidFill>
+                  <a:srgbClr val="000000"/>
+                </a:solidFill>
+                <a:effectLst/>
+                <a:latin typeface="Droid Sans Mono"/>
+              </a:rPr>
+            </a:br>
+            <a:r>
+              <a:rPr lang="en-US" b="0" i="0" dirty="0">
+                <a:solidFill>
+                  <a:srgbClr val="000000"/>
+                </a:solidFill>
+                <a:effectLst/>
+                <a:latin typeface="Droid Sans Mono"/>
+              </a:rPr>
+              <a:t>  </a:t>
+            </a:r>
+            <a:r>
+              <a:rPr lang="en-US" b="0" i="0" u="none" strike="noStrike" dirty="0">
+                <a:solidFill>
+                  <a:srgbClr val="000000"/>
+                </a:solidFill>
+                <a:effectLst/>
+                <a:latin typeface="Droid Sans Mono"/>
+                <a:hlinkClick r:id="rId3"/>
+              </a:rPr>
+              <a:t>type</a:t>
+            </a:r>
+            <a:r>
+              <a:rPr lang="en-US" b="0" i="0" dirty="0">
+                <a:solidFill>
+                  <a:srgbClr val="666600"/>
+                </a:solidFill>
+                <a:effectLst/>
+                <a:latin typeface="Droid Sans Mono"/>
+              </a:rPr>
+              <a:t>:</a:t>
+            </a:r>
+            <a:r>
+              <a:rPr lang="en-US" b="0" i="0" dirty="0">
+                <a:solidFill>
+                  <a:srgbClr val="000000"/>
+                </a:solidFill>
+                <a:effectLst/>
+                <a:latin typeface="Droid Sans Mono"/>
+              </a:rPr>
+              <a:t> </a:t>
+            </a:r>
+            <a:r>
+              <a:rPr lang="en-US" b="0" i="0" dirty="0">
+                <a:solidFill>
+                  <a:srgbClr val="D86703"/>
+                </a:solidFill>
+                <a:effectLst/>
+                <a:latin typeface="Droid Sans Mono"/>
+              </a:rPr>
+              <a:t>string</a:t>
+            </a:r>
+            <a:r>
+              <a:rPr lang="en-US" b="0" i="0" dirty="0">
+                <a:solidFill>
+                  <a:srgbClr val="666600"/>
+                </a:solidFill>
+                <a:effectLst/>
+                <a:latin typeface="Droid Sans Mono"/>
+              </a:rPr>
+              <a:t>;</a:t>
+            </a:r>
+            <a:r>
+              <a:rPr lang="en-US" b="0" i="0" dirty="0">
+                <a:solidFill>
+                  <a:srgbClr val="000000"/>
+                </a:solidFill>
+                <a:effectLst/>
+                <a:latin typeface="Droid Sans Mono"/>
+              </a:rPr>
+              <a:t> </a:t>
+            </a:r>
+            <a:br>
+              <a:rPr lang="en-US" b="0" i="0" dirty="0">
+                <a:solidFill>
+                  <a:srgbClr val="000000"/>
+                </a:solidFill>
+                <a:effectLst/>
+                <a:latin typeface="Droid Sans Mono"/>
+              </a:rPr>
+            </a:br>
+            <a:r>
+              <a:rPr lang="en-US" b="0" i="0" dirty="0">
+                <a:solidFill>
+                  <a:srgbClr val="666600"/>
+                </a:solidFill>
+                <a:effectLst/>
+                <a:latin typeface="Droid Sans Mono"/>
+              </a:rPr>
+              <a:t>}</a:t>
+            </a:r>
+            <a:endParaRPr lang="en-US" dirty="0"/>
+          </a:p>
+        </p:txBody>
+      </p:sp>
+      <p:pic>
+        <p:nvPicPr>
+          <p:cNvPr id="4" name="Picture 3">
+            <a:extLst>
+              <a:ext uri="{FF2B5EF4-FFF2-40B4-BE49-F238E27FC236}">
+                <a16:creationId xmlns:a16="http://schemas.microsoft.com/office/drawing/2014/main" id="{502C8389-AFD3-8FFB-91E0-26021F3EEC58}"/>
+              </a:ext>
+            </a:extLst>
+          </p:cNvPr>
+          <p:cNvPicPr>
+            <a:picLocks noChangeAspect="1"/>
+          </p:cNvPicPr>
+          <p:nvPr/>
+        </p:nvPicPr>
+        <p:blipFill>
+          <a:blip r:embed="rId4"/>
+          <a:stretch>
+            <a:fillRect/>
+          </a:stretch>
+        </p:blipFill>
+        <p:spPr>
+          <a:xfrm>
+            <a:off x="7179030" y="555594"/>
+            <a:ext cx="5012970" cy="2598154"/>
+          </a:xfrm>
+          <a:prstGeom prst="rect">
+            <a:avLst/>
+          </a:prstGeom>
+        </p:spPr>
+      </p:pic>
+      <p:sp>
+        <p:nvSpPr>
+          <p:cNvPr id="5" name="Oval 4">
+            <a:extLst>
+              <a:ext uri="{FF2B5EF4-FFF2-40B4-BE49-F238E27FC236}">
+                <a16:creationId xmlns:a16="http://schemas.microsoft.com/office/drawing/2014/main" id="{7A077143-DD66-550F-3E4E-0829DD793412}"/>
+              </a:ext>
+            </a:extLst>
+          </p:cNvPr>
+          <p:cNvSpPr/>
+          <p:nvPr/>
+        </p:nvSpPr>
+        <p:spPr>
+          <a:xfrm>
+            <a:off x="9042013" y="2528652"/>
+            <a:ext cx="242596" cy="242596"/>
+          </a:xfrm>
+          <a:prstGeom prst="ellipse">
+            <a:avLst/>
+          </a:prstGeom>
+          <a:solidFill>
+            <a:srgbClr val="FF0000"/>
+          </a:solidFill>
+        </p:spPr>
+        <p:style>
+          <a:lnRef idx="2">
+            <a:schemeClr val="accent1">
+              <a:shade val="15000"/>
+            </a:schemeClr>
+          </a:lnRef>
+          <a:fillRef idx="1">
+            <a:schemeClr val="accent1"/>
+          </a:fillRef>
+          <a:effectRef idx="0">
+            <a:schemeClr val="accent1"/>
+          </a:effectRef>
+          <a:fontRef idx="minor">
+            <a:schemeClr val="lt1"/>
+          </a:fontRef>
+        </p:style>
+        <p:txBody>
+          <a:bodyPr rtlCol="0" anchor="ctr"/>
+          <a:lstStyle/>
+          <a:p>
+            <a:pPr algn="ctr"/>
+            <a:endParaRPr lang="en-US"/>
+          </a:p>
+        </p:txBody>
+      </p:sp>
+    </p:spTree>
+    <p:extLst>
+      <p:ext uri="{BB962C8B-B14F-4D97-AF65-F5344CB8AC3E}">
+        <p14:creationId xmlns:p14="http://schemas.microsoft.com/office/powerpoint/2010/main" val="48223207"/>
+      </p:ext>
+    </p:extLst>
+  </p:cSld>
+  <p:clrMapOvr>
+    <a:masterClrMapping/>
+  </p:clrMapOvr>
+</p:sld>
+</file>
+
+<file path=ppt/slides/slide48.xml><?xml version="1.0" encoding="utf-8"?>
+<p:sld xmlns:a="http://schemas.openxmlformats.org/drawingml/2006/main" xmlns:r="http://schemas.openxmlformats.org/officeDocument/2006/relationships" xmlns:p="http://schemas.openxmlformats.org/presentationml/2006/main">
+  <p:cSld>
+    <p:spTree>
+      <p:nvGrpSpPr>
+        <p:cNvPr id="1" name=""/>
+        <p:cNvGrpSpPr/>
+        <p:nvPr/>
+      </p:nvGrpSpPr>
+      <p:grpSpPr>
+        <a:xfrm>
+          <a:off x="0" y="0"/>
+          <a:ext cx="0" cy="0"/>
+          <a:chOff x="0" y="0"/>
+          <a:chExt cx="0" cy="0"/>
+        </a:xfrm>
+      </p:grpSpPr>
+      <p:sp>
+        <p:nvSpPr>
+          <p:cNvPr id="2" name="Title 1">
+            <a:extLst>
+              <a:ext uri="{FF2B5EF4-FFF2-40B4-BE49-F238E27FC236}">
+                <a16:creationId xmlns:a16="http://schemas.microsoft.com/office/drawing/2014/main" id="{0F3F56CA-C931-67D7-6382-29F1CF339A1F}"/>
+              </a:ext>
+            </a:extLst>
+          </p:cNvPr>
+          <p:cNvSpPr>
+            <a:spLocks noGrp="1"/>
+          </p:cNvSpPr>
+          <p:nvPr>
+            <p:ph type="title"/>
+          </p:nvPr>
+        </p:nvSpPr>
+        <p:spPr/>
+        <p:txBody>
+          <a:bodyPr/>
+          <a:lstStyle/>
+          <a:p>
+            <a:r>
+              <a:rPr lang="en-US" dirty="0" err="1"/>
+              <a:t>NgRX</a:t>
+            </a:r>
+            <a:r>
+              <a:rPr lang="en-US" dirty="0"/>
+              <a:t> - Reducers</a:t>
+            </a:r>
+          </a:p>
+        </p:txBody>
+      </p:sp>
+      <p:sp>
+        <p:nvSpPr>
+          <p:cNvPr id="3" name="Content Placeholder 2">
+            <a:extLst>
+              <a:ext uri="{FF2B5EF4-FFF2-40B4-BE49-F238E27FC236}">
+                <a16:creationId xmlns:a16="http://schemas.microsoft.com/office/drawing/2014/main" id="{87EF7DBD-DD82-42F4-40A7-8516331285B8}"/>
+              </a:ext>
+            </a:extLst>
+          </p:cNvPr>
+          <p:cNvSpPr>
+            <a:spLocks noGrp="1"/>
+          </p:cNvSpPr>
+          <p:nvPr>
+            <p:ph idx="1"/>
+          </p:nvPr>
+        </p:nvSpPr>
+        <p:spPr/>
+        <p:txBody>
+          <a:bodyPr>
+            <a:normAutofit/>
+          </a:bodyPr>
+          <a:lstStyle/>
+          <a:p>
+            <a:r>
+              <a:rPr lang="en-US" dirty="0"/>
+              <a:t>Reducers in </a:t>
+            </a:r>
+            <a:r>
+              <a:rPr lang="en-US" dirty="0" err="1"/>
+              <a:t>NgRx</a:t>
+            </a:r>
+            <a:r>
+              <a:rPr lang="en-US" dirty="0"/>
+              <a:t> are responsible for </a:t>
+            </a:r>
+            <a:br>
+              <a:rPr lang="en-US" dirty="0"/>
+            </a:br>
+            <a:r>
+              <a:rPr lang="en-US" dirty="0"/>
+              <a:t>handling transitions from one state to </a:t>
+            </a:r>
+            <a:br>
+              <a:rPr lang="en-US" dirty="0"/>
+            </a:br>
+            <a:r>
+              <a:rPr lang="en-US" dirty="0"/>
+              <a:t>the next state in your application</a:t>
+            </a:r>
+          </a:p>
+          <a:p>
+            <a:r>
+              <a:rPr lang="en-US" dirty="0"/>
+              <a:t>Reducer functions handle these </a:t>
+            </a:r>
+            <a:br>
+              <a:rPr lang="en-US" dirty="0"/>
+            </a:br>
+            <a:r>
+              <a:rPr lang="en-US" dirty="0"/>
+              <a:t>transitions by determining which actions to handle based on the action's type</a:t>
+            </a:r>
+          </a:p>
+          <a:p>
+            <a:r>
+              <a:rPr lang="en-US" dirty="0"/>
+              <a:t>Reducers handle each state transition synchronously</a:t>
+            </a:r>
+          </a:p>
+          <a:p>
+            <a:r>
+              <a:rPr lang="en-US" dirty="0"/>
+              <a:t>Each reducer function takes the latest Action dispatched, the current state, and determines whether to return a newly modified state or the original state</a:t>
+            </a:r>
+          </a:p>
+        </p:txBody>
+      </p:sp>
+      <p:pic>
+        <p:nvPicPr>
+          <p:cNvPr id="4" name="Picture 3">
+            <a:extLst>
+              <a:ext uri="{FF2B5EF4-FFF2-40B4-BE49-F238E27FC236}">
+                <a16:creationId xmlns:a16="http://schemas.microsoft.com/office/drawing/2014/main" id="{502C8389-AFD3-8FFB-91E0-26021F3EEC58}"/>
+              </a:ext>
+            </a:extLst>
+          </p:cNvPr>
+          <p:cNvPicPr>
+            <a:picLocks noChangeAspect="1"/>
+          </p:cNvPicPr>
+          <p:nvPr/>
+        </p:nvPicPr>
+        <p:blipFill>
+          <a:blip r:embed="rId2"/>
+          <a:stretch>
+            <a:fillRect/>
+          </a:stretch>
+        </p:blipFill>
+        <p:spPr>
+          <a:xfrm>
+            <a:off x="7179030" y="555594"/>
+            <a:ext cx="5012970" cy="2598154"/>
+          </a:xfrm>
+          <a:prstGeom prst="rect">
+            <a:avLst/>
+          </a:prstGeom>
+        </p:spPr>
+      </p:pic>
+      <p:sp>
+        <p:nvSpPr>
+          <p:cNvPr id="5" name="Oval 4">
+            <a:extLst>
+              <a:ext uri="{FF2B5EF4-FFF2-40B4-BE49-F238E27FC236}">
+                <a16:creationId xmlns:a16="http://schemas.microsoft.com/office/drawing/2014/main" id="{7A077143-DD66-550F-3E4E-0829DD793412}"/>
+              </a:ext>
+            </a:extLst>
+          </p:cNvPr>
+          <p:cNvSpPr/>
+          <p:nvPr/>
+        </p:nvSpPr>
+        <p:spPr>
+          <a:xfrm>
+            <a:off x="9990597" y="1690688"/>
+            <a:ext cx="242596" cy="242596"/>
+          </a:xfrm>
+          <a:prstGeom prst="ellipse">
+            <a:avLst/>
+          </a:prstGeom>
+          <a:solidFill>
+            <a:srgbClr val="FF0000"/>
+          </a:solidFill>
+        </p:spPr>
+        <p:style>
+          <a:lnRef idx="2">
+            <a:schemeClr val="accent1">
+              <a:shade val="15000"/>
+            </a:schemeClr>
+          </a:lnRef>
+          <a:fillRef idx="1">
+            <a:schemeClr val="accent1"/>
+          </a:fillRef>
+          <a:effectRef idx="0">
+            <a:schemeClr val="accent1"/>
+          </a:effectRef>
+          <a:fontRef idx="minor">
+            <a:schemeClr val="lt1"/>
+          </a:fontRef>
+        </p:style>
+        <p:txBody>
+          <a:bodyPr rtlCol="0" anchor="ctr"/>
+          <a:lstStyle/>
+          <a:p>
+            <a:pPr algn="ctr"/>
+            <a:endParaRPr lang="en-US"/>
+          </a:p>
+        </p:txBody>
+      </p:sp>
+    </p:spTree>
+    <p:extLst>
+      <p:ext uri="{BB962C8B-B14F-4D97-AF65-F5344CB8AC3E}">
+        <p14:creationId xmlns:p14="http://schemas.microsoft.com/office/powerpoint/2010/main" val="1463039658"/>
+      </p:ext>
+    </p:extLst>
+  </p:cSld>
+  <p:clrMapOvr>
+    <a:masterClrMapping/>
+  </p:clrMapOvr>
+</p:sld>
+</file>
+
+<file path=ppt/slides/slide49.xml><?xml version="1.0" encoding="utf-8"?>
+<p:sld xmlns:a="http://schemas.openxmlformats.org/drawingml/2006/main" xmlns:r="http://schemas.openxmlformats.org/officeDocument/2006/relationships" xmlns:p="http://schemas.openxmlformats.org/presentationml/2006/main">
+  <p:cSld>
+    <p:spTree>
+      <p:nvGrpSpPr>
+        <p:cNvPr id="1" name=""/>
+        <p:cNvGrpSpPr/>
+        <p:nvPr/>
+      </p:nvGrpSpPr>
+      <p:grpSpPr>
+        <a:xfrm>
+          <a:off x="0" y="0"/>
+          <a:ext cx="0" cy="0"/>
+          <a:chOff x="0" y="0"/>
+          <a:chExt cx="0" cy="0"/>
+        </a:xfrm>
+      </p:grpSpPr>
+      <p:sp>
+        <p:nvSpPr>
+          <p:cNvPr id="2" name="Title 1">
+            <a:extLst>
+              <a:ext uri="{FF2B5EF4-FFF2-40B4-BE49-F238E27FC236}">
+                <a16:creationId xmlns:a16="http://schemas.microsoft.com/office/drawing/2014/main" id="{0F3F56CA-C931-67D7-6382-29F1CF339A1F}"/>
+              </a:ext>
+            </a:extLst>
+          </p:cNvPr>
+          <p:cNvSpPr>
+            <a:spLocks noGrp="1"/>
+          </p:cNvSpPr>
+          <p:nvPr>
+            <p:ph type="title"/>
+          </p:nvPr>
+        </p:nvSpPr>
+        <p:spPr/>
+        <p:txBody>
+          <a:bodyPr/>
+          <a:lstStyle/>
+          <a:p>
+            <a:r>
+              <a:rPr lang="en-US" dirty="0" err="1"/>
+              <a:t>NgRX</a:t>
+            </a:r>
+            <a:r>
+              <a:rPr lang="en-US" dirty="0"/>
+              <a:t> - Effects</a:t>
+            </a:r>
+          </a:p>
+        </p:txBody>
+      </p:sp>
+      <p:sp>
+        <p:nvSpPr>
+          <p:cNvPr id="3" name="Content Placeholder 2">
+            <a:extLst>
+              <a:ext uri="{FF2B5EF4-FFF2-40B4-BE49-F238E27FC236}">
+                <a16:creationId xmlns:a16="http://schemas.microsoft.com/office/drawing/2014/main" id="{87EF7DBD-DD82-42F4-40A7-8516331285B8}"/>
+              </a:ext>
+            </a:extLst>
+          </p:cNvPr>
+          <p:cNvSpPr>
+            <a:spLocks noGrp="1"/>
+          </p:cNvSpPr>
+          <p:nvPr>
+            <p:ph idx="1"/>
+          </p:nvPr>
+        </p:nvSpPr>
+        <p:spPr/>
+        <p:txBody>
+          <a:bodyPr>
+            <a:normAutofit fontScale="92500" lnSpcReduction="20000"/>
+          </a:bodyPr>
+          <a:lstStyle/>
+          <a:p>
+            <a:r>
+              <a:rPr lang="en-US" dirty="0"/>
+              <a:t>Effects use streams to provide new </a:t>
+            </a:r>
+            <a:br>
+              <a:rPr lang="en-US" dirty="0"/>
+            </a:br>
+            <a:r>
+              <a:rPr lang="en-US" dirty="0"/>
+              <a:t>sources of actions to reduce state </a:t>
+            </a:r>
+            <a:br>
+              <a:rPr lang="en-US" dirty="0"/>
+            </a:br>
+            <a:r>
+              <a:rPr lang="en-US" dirty="0"/>
+              <a:t>based on external interactions</a:t>
+            </a:r>
+          </a:p>
+          <a:p>
+            <a:r>
+              <a:rPr lang="en-US" dirty="0"/>
+              <a:t>Effects provide a way to interact with </a:t>
+            </a:r>
+            <a:br>
+              <a:rPr lang="en-US" dirty="0"/>
+            </a:br>
+            <a:r>
+              <a:rPr lang="en-US" dirty="0"/>
+              <a:t>services and isolate them from the components</a:t>
+            </a:r>
+          </a:p>
+          <a:p>
+            <a:r>
+              <a:rPr lang="en-US" dirty="0"/>
+              <a:t>Effects isolate side effects from components, allowing for more pure components that select state and dispatch actions.</a:t>
+            </a:r>
+          </a:p>
+          <a:p>
+            <a:r>
+              <a:rPr lang="en-US" dirty="0"/>
+              <a:t>Effects are long-running services that listen to an observable of every action dispatched from the Store.</a:t>
+            </a:r>
+          </a:p>
+          <a:p>
+            <a:r>
+              <a:rPr lang="en-US" dirty="0"/>
+              <a:t>Effects filter those actions based on the type of action they are interested in. </a:t>
+            </a:r>
+          </a:p>
+          <a:p>
+            <a:r>
+              <a:rPr lang="en-US" dirty="0"/>
+              <a:t>Effects perform tasks, which are synchronous or asynchronous and return a new action.</a:t>
+            </a:r>
+          </a:p>
+        </p:txBody>
+      </p:sp>
+      <p:pic>
+        <p:nvPicPr>
+          <p:cNvPr id="4" name="Picture 3">
+            <a:extLst>
+              <a:ext uri="{FF2B5EF4-FFF2-40B4-BE49-F238E27FC236}">
+                <a16:creationId xmlns:a16="http://schemas.microsoft.com/office/drawing/2014/main" id="{502C8389-AFD3-8FFB-91E0-26021F3EEC58}"/>
+              </a:ext>
+            </a:extLst>
+          </p:cNvPr>
+          <p:cNvPicPr>
+            <a:picLocks noChangeAspect="1"/>
+          </p:cNvPicPr>
+          <p:nvPr/>
+        </p:nvPicPr>
+        <p:blipFill>
+          <a:blip r:embed="rId2"/>
+          <a:stretch>
+            <a:fillRect/>
+          </a:stretch>
+        </p:blipFill>
+        <p:spPr>
+          <a:xfrm>
+            <a:off x="7179030" y="555594"/>
+            <a:ext cx="5012970" cy="2598154"/>
+          </a:xfrm>
+          <a:prstGeom prst="rect">
+            <a:avLst/>
+          </a:prstGeom>
+        </p:spPr>
+      </p:pic>
+      <p:sp>
+        <p:nvSpPr>
+          <p:cNvPr id="5" name="Oval 4">
+            <a:extLst>
+              <a:ext uri="{FF2B5EF4-FFF2-40B4-BE49-F238E27FC236}">
+                <a16:creationId xmlns:a16="http://schemas.microsoft.com/office/drawing/2014/main" id="{7A077143-DD66-550F-3E4E-0829DD793412}"/>
+              </a:ext>
+            </a:extLst>
+          </p:cNvPr>
+          <p:cNvSpPr/>
+          <p:nvPr/>
+        </p:nvSpPr>
+        <p:spPr>
+          <a:xfrm>
+            <a:off x="9990597" y="1690688"/>
+            <a:ext cx="242596" cy="242596"/>
+          </a:xfrm>
+          <a:prstGeom prst="ellipse">
+            <a:avLst/>
+          </a:prstGeom>
+          <a:solidFill>
+            <a:srgbClr val="FF0000"/>
+          </a:solidFill>
+        </p:spPr>
+        <p:style>
+          <a:lnRef idx="2">
+            <a:schemeClr val="accent1">
+              <a:shade val="15000"/>
+            </a:schemeClr>
+          </a:lnRef>
+          <a:fillRef idx="1">
+            <a:schemeClr val="accent1"/>
+          </a:fillRef>
+          <a:effectRef idx="0">
+            <a:schemeClr val="accent1"/>
+          </a:effectRef>
+          <a:fontRef idx="minor">
+            <a:schemeClr val="lt1"/>
+          </a:fontRef>
+        </p:style>
+        <p:txBody>
+          <a:bodyPr rtlCol="0" anchor="ctr"/>
+          <a:lstStyle/>
+          <a:p>
+            <a:pPr algn="ctr"/>
+            <a:endParaRPr lang="en-US"/>
+          </a:p>
+        </p:txBody>
+      </p:sp>
+    </p:spTree>
+    <p:extLst>
+      <p:ext uri="{BB962C8B-B14F-4D97-AF65-F5344CB8AC3E}">
+        <p14:creationId xmlns:p14="http://schemas.microsoft.com/office/powerpoint/2010/main" val="906825442"/>
+      </p:ext>
+    </p:extLst>
+  </p:cSld>
+  <p:clrMapOvr>
+    <a:masterClrMapping/>
+  </p:clrMapOvr>
+</p:sld>
+</file>
+
 <file path=ppt/slides/slide5.xml><?xml version="1.0" encoding="utf-8"?>
 <p:sld xmlns:a="http://schemas.openxmlformats.org/drawingml/2006/main" xmlns:r="http://schemas.openxmlformats.org/officeDocument/2006/relationships" xmlns:p="http://schemas.openxmlformats.org/presentationml/2006/main">
   <p:cSld>
@@ -13517,6 +15519,1107 @@
     <p:extLst>
       <p:ext uri="{BB962C8B-B14F-4D97-AF65-F5344CB8AC3E}">
         <p14:creationId xmlns:p14="http://schemas.microsoft.com/office/powerpoint/2010/main" val="1955484564"/>
+      </p:ext>
+    </p:extLst>
+  </p:cSld>
+  <p:clrMapOvr>
+    <a:masterClrMapping/>
+  </p:clrMapOvr>
+</p:sld>
+</file>
+
+<file path=ppt/slides/slide50.xml><?xml version="1.0" encoding="utf-8"?>
+<p:sld xmlns:a="http://schemas.openxmlformats.org/drawingml/2006/main" xmlns:r="http://schemas.openxmlformats.org/officeDocument/2006/relationships" xmlns:p="http://schemas.openxmlformats.org/presentationml/2006/main">
+  <p:cSld>
+    <p:spTree>
+      <p:nvGrpSpPr>
+        <p:cNvPr id="1" name=""/>
+        <p:cNvGrpSpPr/>
+        <p:nvPr/>
+      </p:nvGrpSpPr>
+      <p:grpSpPr>
+        <a:xfrm>
+          <a:off x="0" y="0"/>
+          <a:ext cx="0" cy="0"/>
+          <a:chOff x="0" y="0"/>
+          <a:chExt cx="0" cy="0"/>
+        </a:xfrm>
+      </p:grpSpPr>
+      <p:sp>
+        <p:nvSpPr>
+          <p:cNvPr id="2" name="Title 1">
+            <a:extLst>
+              <a:ext uri="{FF2B5EF4-FFF2-40B4-BE49-F238E27FC236}">
+                <a16:creationId xmlns:a16="http://schemas.microsoft.com/office/drawing/2014/main" id="{0F3F56CA-C931-67D7-6382-29F1CF339A1F}"/>
+              </a:ext>
+            </a:extLst>
+          </p:cNvPr>
+          <p:cNvSpPr>
+            <a:spLocks noGrp="1"/>
+          </p:cNvSpPr>
+          <p:nvPr>
+            <p:ph type="title"/>
+          </p:nvPr>
+        </p:nvSpPr>
+        <p:spPr/>
+        <p:txBody>
+          <a:bodyPr/>
+          <a:lstStyle/>
+          <a:p>
+            <a:r>
+              <a:rPr lang="en-US" dirty="0" err="1"/>
+              <a:t>NgRX</a:t>
+            </a:r>
+            <a:r>
+              <a:rPr lang="en-US" dirty="0"/>
+              <a:t> – A dummy example!</a:t>
+            </a:r>
+          </a:p>
+        </p:txBody>
+      </p:sp>
+      <p:sp>
+        <p:nvSpPr>
+          <p:cNvPr id="3" name="Content Placeholder 2">
+            <a:extLst>
+              <a:ext uri="{FF2B5EF4-FFF2-40B4-BE49-F238E27FC236}">
+                <a16:creationId xmlns:a16="http://schemas.microsoft.com/office/drawing/2014/main" id="{87EF7DBD-DD82-42F4-40A7-8516331285B8}"/>
+              </a:ext>
+            </a:extLst>
+          </p:cNvPr>
+          <p:cNvSpPr>
+            <a:spLocks noGrp="1"/>
+          </p:cNvSpPr>
+          <p:nvPr>
+            <p:ph idx="1"/>
+          </p:nvPr>
+        </p:nvSpPr>
+        <p:spPr/>
+        <p:txBody>
+          <a:bodyPr>
+            <a:normAutofit/>
+          </a:bodyPr>
+          <a:lstStyle/>
+          <a:p>
+            <a:pPr marL="0" indent="0">
+              <a:buNone/>
+            </a:pPr>
+            <a:r>
+              <a:rPr lang="en-US" dirty="0"/>
+              <a:t>Requirement:</a:t>
+            </a:r>
+          </a:p>
+          <a:p>
+            <a:r>
+              <a:rPr lang="en-US" dirty="0"/>
+              <a:t>Component request data</a:t>
+            </a:r>
+          </a:p>
+          <a:p>
+            <a:r>
+              <a:rPr lang="en-US" dirty="0"/>
+              <a:t>Component shows a spinner while “Loading” </a:t>
+            </a:r>
+          </a:p>
+          <a:p>
+            <a:r>
+              <a:rPr lang="en-US" dirty="0"/>
+              <a:t>External service provide response (Success or Fail)</a:t>
+            </a:r>
+          </a:p>
+          <a:p>
+            <a:r>
+              <a:rPr lang="en-US" dirty="0"/>
+              <a:t>Component react accordingly:</a:t>
+            </a:r>
+          </a:p>
+          <a:p>
+            <a:pPr lvl="1"/>
+            <a:r>
+              <a:rPr lang="en-US" dirty="0"/>
+              <a:t>If success: “Data” is shown</a:t>
+            </a:r>
+          </a:p>
+          <a:p>
+            <a:pPr lvl="1"/>
+            <a:r>
+              <a:rPr lang="en-US" dirty="0"/>
+              <a:t>If fails: “Error” is shown</a:t>
+            </a:r>
+          </a:p>
+          <a:p>
+            <a:pPr lvl="1"/>
+            <a:endParaRPr lang="en-US" dirty="0"/>
+          </a:p>
+          <a:p>
+            <a:pPr lvl="1"/>
+            <a:endParaRPr lang="en-US" dirty="0"/>
+          </a:p>
+          <a:p>
+            <a:endParaRPr lang="en-US" dirty="0"/>
+          </a:p>
+        </p:txBody>
+      </p:sp>
+    </p:spTree>
+    <p:extLst>
+      <p:ext uri="{BB962C8B-B14F-4D97-AF65-F5344CB8AC3E}">
+        <p14:creationId xmlns:p14="http://schemas.microsoft.com/office/powerpoint/2010/main" val="3876710053"/>
+      </p:ext>
+    </p:extLst>
+  </p:cSld>
+  <p:clrMapOvr>
+    <a:masterClrMapping/>
+  </p:clrMapOvr>
+</p:sld>
+</file>
+
+<file path=ppt/slides/slide51.xml><?xml version="1.0" encoding="utf-8"?>
+<p:sld xmlns:a="http://schemas.openxmlformats.org/drawingml/2006/main" xmlns:r="http://schemas.openxmlformats.org/officeDocument/2006/relationships" xmlns:p="http://schemas.openxmlformats.org/presentationml/2006/main">
+  <p:cSld>
+    <p:spTree>
+      <p:nvGrpSpPr>
+        <p:cNvPr id="1" name=""/>
+        <p:cNvGrpSpPr/>
+        <p:nvPr/>
+      </p:nvGrpSpPr>
+      <p:grpSpPr>
+        <a:xfrm>
+          <a:off x="0" y="0"/>
+          <a:ext cx="0" cy="0"/>
+          <a:chOff x="0" y="0"/>
+          <a:chExt cx="0" cy="0"/>
+        </a:xfrm>
+      </p:grpSpPr>
+      <p:sp>
+        <p:nvSpPr>
+          <p:cNvPr id="2" name="Title 1">
+            <a:extLst>
+              <a:ext uri="{FF2B5EF4-FFF2-40B4-BE49-F238E27FC236}">
+                <a16:creationId xmlns:a16="http://schemas.microsoft.com/office/drawing/2014/main" id="{0F3F56CA-C931-67D7-6382-29F1CF339A1F}"/>
+              </a:ext>
+            </a:extLst>
+          </p:cNvPr>
+          <p:cNvSpPr>
+            <a:spLocks noGrp="1"/>
+          </p:cNvSpPr>
+          <p:nvPr>
+            <p:ph type="title"/>
+          </p:nvPr>
+        </p:nvSpPr>
+        <p:spPr/>
+        <p:txBody>
+          <a:bodyPr/>
+          <a:lstStyle/>
+          <a:p>
+            <a:r>
+              <a:rPr lang="en-US" dirty="0" err="1"/>
+              <a:t>NgRX</a:t>
+            </a:r>
+            <a:r>
+              <a:rPr lang="en-US" dirty="0"/>
+              <a:t> – A dummy example!</a:t>
+            </a:r>
+          </a:p>
+        </p:txBody>
+      </p:sp>
+      <p:sp>
+        <p:nvSpPr>
+          <p:cNvPr id="3" name="Content Placeholder 2">
+            <a:extLst>
+              <a:ext uri="{FF2B5EF4-FFF2-40B4-BE49-F238E27FC236}">
+                <a16:creationId xmlns:a16="http://schemas.microsoft.com/office/drawing/2014/main" id="{87EF7DBD-DD82-42F4-40A7-8516331285B8}"/>
+              </a:ext>
+            </a:extLst>
+          </p:cNvPr>
+          <p:cNvSpPr>
+            <a:spLocks noGrp="1"/>
+          </p:cNvSpPr>
+          <p:nvPr>
+            <p:ph idx="1"/>
+          </p:nvPr>
+        </p:nvSpPr>
+        <p:spPr>
+          <a:xfrm>
+            <a:off x="838200" y="1834171"/>
+            <a:ext cx="10515600" cy="4351338"/>
+          </a:xfrm>
+        </p:spPr>
+        <p:txBody>
+          <a:bodyPr>
+            <a:normAutofit fontScale="70000" lnSpcReduction="20000"/>
+          </a:bodyPr>
+          <a:lstStyle/>
+          <a:p>
+            <a:pPr marL="0" indent="0">
+              <a:buNone/>
+            </a:pPr>
+            <a:r>
+              <a:rPr lang="en-US" dirty="0"/>
+              <a:t>Sequence of events:</a:t>
+            </a:r>
+          </a:p>
+          <a:p>
+            <a:pPr marL="0" indent="0">
+              <a:buNone/>
+            </a:pPr>
+            <a:r>
+              <a:rPr lang="en-US" dirty="0"/>
+              <a:t>1. Component request data via </a:t>
+            </a:r>
+            <a:r>
+              <a:rPr lang="en-US" b="1" u="sng" dirty="0"/>
+              <a:t>Action</a:t>
+            </a:r>
+          </a:p>
+          <a:p>
+            <a:pPr marL="0" indent="0">
+              <a:buNone/>
+            </a:pPr>
+            <a:r>
+              <a:rPr lang="en-US" dirty="0"/>
+              <a:t>2. </a:t>
+            </a:r>
+            <a:r>
+              <a:rPr lang="en-US" b="1" u="sng" dirty="0"/>
+              <a:t>Reducer</a:t>
+            </a:r>
+            <a:r>
+              <a:rPr lang="en-US" dirty="0"/>
+              <a:t> handles </a:t>
+            </a:r>
+            <a:r>
+              <a:rPr lang="en-US" b="1" u="sng" dirty="0"/>
+              <a:t>Action</a:t>
+            </a:r>
+            <a:r>
+              <a:rPr lang="en-US" dirty="0"/>
+              <a:t> to modify </a:t>
+            </a:r>
+            <a:r>
+              <a:rPr lang="en-US" b="1" u="sng" dirty="0"/>
+              <a:t>Store</a:t>
+            </a:r>
+            <a:r>
+              <a:rPr lang="en-US" dirty="0"/>
+              <a:t> with the following:</a:t>
+            </a:r>
+          </a:p>
+          <a:p>
+            <a:pPr marL="457200" lvl="1" indent="0">
+              <a:buNone/>
+            </a:pPr>
+            <a:r>
+              <a:rPr lang="en-US" dirty="0"/>
+              <a:t>“Error” is clear, new request is handled</a:t>
+            </a:r>
+          </a:p>
+          <a:p>
+            <a:pPr marL="457200" lvl="1" indent="0">
+              <a:buNone/>
+            </a:pPr>
+            <a:r>
+              <a:rPr lang="en-US" dirty="0"/>
+              <a:t>“Loading” is set TRUE to show status</a:t>
+            </a:r>
+          </a:p>
+          <a:p>
+            <a:pPr marL="457200" lvl="1" indent="0">
+              <a:buNone/>
+            </a:pPr>
+            <a:r>
+              <a:rPr lang="en-US" dirty="0"/>
+              <a:t>“Data” is clear to request new</a:t>
+            </a:r>
+          </a:p>
+          <a:p>
+            <a:pPr marL="0" indent="0">
+              <a:buNone/>
+            </a:pPr>
+            <a:r>
+              <a:rPr lang="en-US" dirty="0"/>
+              <a:t>3. Component receives updates via “Loading” </a:t>
+            </a:r>
+            <a:r>
+              <a:rPr lang="en-US" b="1" u="sng" dirty="0"/>
+              <a:t>Selector</a:t>
+            </a:r>
+            <a:endParaRPr lang="en-US" dirty="0"/>
+          </a:p>
+          <a:p>
+            <a:pPr marL="0" indent="0">
+              <a:buNone/>
+            </a:pPr>
+            <a:r>
+              <a:rPr lang="en-US" dirty="0"/>
+              <a:t>2.1 </a:t>
+            </a:r>
+            <a:r>
+              <a:rPr lang="en-US" b="1" u="sng" dirty="0"/>
+              <a:t>Effect</a:t>
+            </a:r>
+            <a:r>
+              <a:rPr lang="en-US" dirty="0"/>
+              <a:t> intercepts action and execute data fetch process</a:t>
+            </a:r>
+          </a:p>
+          <a:p>
+            <a:pPr marL="0" indent="0">
+              <a:buNone/>
+            </a:pPr>
+            <a:r>
+              <a:rPr lang="en-US" dirty="0"/>
+              <a:t>2.2 External service responses data</a:t>
+            </a:r>
+          </a:p>
+          <a:p>
+            <a:pPr marL="0" indent="0">
+              <a:buNone/>
+            </a:pPr>
+            <a:r>
+              <a:rPr lang="en-US" dirty="0"/>
+              <a:t>2.3 </a:t>
+            </a:r>
+            <a:r>
+              <a:rPr lang="en-US" b="1" u="sng" dirty="0"/>
+              <a:t>Effect</a:t>
+            </a:r>
+            <a:r>
+              <a:rPr lang="en-US" dirty="0"/>
+              <a:t> completes process and execute new success or fail </a:t>
+            </a:r>
+            <a:r>
+              <a:rPr lang="en-US" b="1" u="sng" dirty="0"/>
+              <a:t>Action</a:t>
+            </a:r>
+          </a:p>
+          <a:p>
+            <a:pPr marL="0" indent="0">
+              <a:buNone/>
+            </a:pPr>
+            <a:r>
+              <a:rPr lang="en-US" dirty="0"/>
+              <a:t>4. </a:t>
+            </a:r>
+            <a:r>
+              <a:rPr lang="en-US" b="1" u="sng" dirty="0"/>
+              <a:t>Reducer</a:t>
+            </a:r>
+            <a:r>
+              <a:rPr lang="en-US" dirty="0"/>
+              <a:t> handles </a:t>
+            </a:r>
+            <a:r>
+              <a:rPr lang="en-US" b="1" u="sng" dirty="0"/>
+              <a:t>Action</a:t>
+            </a:r>
+            <a:r>
+              <a:rPr lang="en-US" dirty="0"/>
+              <a:t> to modify </a:t>
+            </a:r>
+            <a:r>
+              <a:rPr lang="en-US" b="1" u="sng" dirty="0"/>
+              <a:t>Store</a:t>
+            </a:r>
+            <a:r>
+              <a:rPr lang="en-US" dirty="0"/>
+              <a:t> to do the following:</a:t>
+            </a:r>
+          </a:p>
+          <a:p>
+            <a:pPr marL="457200" lvl="1" indent="0">
+              <a:buNone/>
+            </a:pPr>
+            <a:r>
+              <a:rPr lang="en-US" dirty="0"/>
+              <a:t>If “Success”: “Error” is omitted, “Loading” is set FALSE, “Data” is set</a:t>
+            </a:r>
+          </a:p>
+          <a:p>
+            <a:pPr marL="457200" lvl="1" indent="0">
+              <a:buNone/>
+            </a:pPr>
+            <a:r>
+              <a:rPr lang="en-US" dirty="0"/>
+              <a:t>If “Fails”: “Error” is set, “Loading” is set FALSE, “Data” is NOT set</a:t>
+            </a:r>
+          </a:p>
+          <a:p>
+            <a:pPr marL="0" indent="0">
+              <a:buNone/>
+            </a:pPr>
+            <a:r>
+              <a:rPr lang="en-US" dirty="0"/>
+              <a:t>5. Component receives the updates via </a:t>
+            </a:r>
+            <a:r>
+              <a:rPr lang="en-US" b="1" u="sng" dirty="0"/>
+              <a:t>Selectors</a:t>
+            </a:r>
+            <a:endParaRPr lang="en-US" dirty="0"/>
+          </a:p>
+          <a:p>
+            <a:endParaRPr lang="en-US" dirty="0"/>
+          </a:p>
+        </p:txBody>
+      </p:sp>
+    </p:spTree>
+    <p:extLst>
+      <p:ext uri="{BB962C8B-B14F-4D97-AF65-F5344CB8AC3E}">
+        <p14:creationId xmlns:p14="http://schemas.microsoft.com/office/powerpoint/2010/main" val="1286035546"/>
+      </p:ext>
+    </p:extLst>
+  </p:cSld>
+  <p:clrMapOvr>
+    <a:masterClrMapping/>
+  </p:clrMapOvr>
+</p:sld>
+</file>
+
+<file path=ppt/slides/slide52.xml><?xml version="1.0" encoding="utf-8"?>
+<p:sld xmlns:a="http://schemas.openxmlformats.org/drawingml/2006/main" xmlns:r="http://schemas.openxmlformats.org/officeDocument/2006/relationships" xmlns:p="http://schemas.openxmlformats.org/presentationml/2006/main">
+  <p:cSld>
+    <p:spTree>
+      <p:nvGrpSpPr>
+        <p:cNvPr id="1" name=""/>
+        <p:cNvGrpSpPr/>
+        <p:nvPr/>
+      </p:nvGrpSpPr>
+      <p:grpSpPr>
+        <a:xfrm>
+          <a:off x="0" y="0"/>
+          <a:ext cx="0" cy="0"/>
+          <a:chOff x="0" y="0"/>
+          <a:chExt cx="0" cy="0"/>
+        </a:xfrm>
+      </p:grpSpPr>
+      <p:sp>
+        <p:nvSpPr>
+          <p:cNvPr id="2" name="Title 1">
+            <a:extLst>
+              <a:ext uri="{FF2B5EF4-FFF2-40B4-BE49-F238E27FC236}">
+                <a16:creationId xmlns:a16="http://schemas.microsoft.com/office/drawing/2014/main" id="{0F3F56CA-C931-67D7-6382-29F1CF339A1F}"/>
+              </a:ext>
+            </a:extLst>
+          </p:cNvPr>
+          <p:cNvSpPr>
+            <a:spLocks noGrp="1"/>
+          </p:cNvSpPr>
+          <p:nvPr>
+            <p:ph type="title"/>
+          </p:nvPr>
+        </p:nvSpPr>
+        <p:spPr/>
+        <p:txBody>
+          <a:bodyPr/>
+          <a:lstStyle/>
+          <a:p>
+            <a:r>
+              <a:rPr lang="en-US" dirty="0" err="1"/>
+              <a:t>NgRX</a:t>
+            </a:r>
+            <a:r>
+              <a:rPr lang="en-US" dirty="0"/>
+              <a:t> – A dummy example!</a:t>
+            </a:r>
+          </a:p>
+        </p:txBody>
+      </p:sp>
+      <p:pic>
+        <p:nvPicPr>
+          <p:cNvPr id="6" name="Picture 5">
+            <a:extLst>
+              <a:ext uri="{FF2B5EF4-FFF2-40B4-BE49-F238E27FC236}">
+                <a16:creationId xmlns:a16="http://schemas.microsoft.com/office/drawing/2014/main" id="{ADB9CEFB-5646-B876-C472-E0D12003E527}"/>
+              </a:ext>
+            </a:extLst>
+          </p:cNvPr>
+          <p:cNvPicPr>
+            <a:picLocks noChangeAspect="1"/>
+          </p:cNvPicPr>
+          <p:nvPr/>
+        </p:nvPicPr>
+        <p:blipFill>
+          <a:blip r:embed="rId2"/>
+          <a:stretch>
+            <a:fillRect/>
+          </a:stretch>
+        </p:blipFill>
+        <p:spPr>
+          <a:xfrm>
+            <a:off x="1275281" y="1576874"/>
+            <a:ext cx="9641437" cy="4989443"/>
+          </a:xfrm>
+          <a:prstGeom prst="rect">
+            <a:avLst/>
+          </a:prstGeom>
+        </p:spPr>
+      </p:pic>
+      <p:sp>
+        <p:nvSpPr>
+          <p:cNvPr id="10" name="Oval 9">
+            <a:extLst>
+              <a:ext uri="{FF2B5EF4-FFF2-40B4-BE49-F238E27FC236}">
+                <a16:creationId xmlns:a16="http://schemas.microsoft.com/office/drawing/2014/main" id="{7D563B74-4EC6-41E0-55D9-72DEAB514C79}"/>
+              </a:ext>
+            </a:extLst>
+          </p:cNvPr>
+          <p:cNvSpPr/>
+          <p:nvPr/>
+        </p:nvSpPr>
+        <p:spPr>
+          <a:xfrm>
+            <a:off x="9860664" y="4396539"/>
+            <a:ext cx="548486" cy="492982"/>
+          </a:xfrm>
+          <a:prstGeom prst="ellipse">
+            <a:avLst/>
+          </a:prstGeom>
+          <a:solidFill>
+            <a:srgbClr val="FF0000"/>
+          </a:solidFill>
+        </p:spPr>
+        <p:style>
+          <a:lnRef idx="2">
+            <a:schemeClr val="accent1">
+              <a:shade val="15000"/>
+            </a:schemeClr>
+          </a:lnRef>
+          <a:fillRef idx="1">
+            <a:schemeClr val="accent1"/>
+          </a:fillRef>
+          <a:effectRef idx="0">
+            <a:schemeClr val="accent1"/>
+          </a:effectRef>
+          <a:fontRef idx="minor">
+            <a:schemeClr val="lt1"/>
+          </a:fontRef>
+        </p:style>
+        <p:txBody>
+          <a:bodyPr rtlCol="0" anchor="ctr"/>
+          <a:lstStyle/>
+          <a:p>
+            <a:pPr algn="ctr"/>
+            <a:r>
+              <a:rPr lang="en-US" sz="1200" dirty="0"/>
+              <a:t>2.2</a:t>
+            </a:r>
+            <a:endParaRPr lang="en-US" dirty="0"/>
+          </a:p>
+        </p:txBody>
+      </p:sp>
+      <p:sp>
+        <p:nvSpPr>
+          <p:cNvPr id="14" name="Oval 13">
+            <a:extLst>
+              <a:ext uri="{FF2B5EF4-FFF2-40B4-BE49-F238E27FC236}">
+                <a16:creationId xmlns:a16="http://schemas.microsoft.com/office/drawing/2014/main" id="{464FC1F4-2E40-6EC6-F5D4-02427BDC312C}"/>
+              </a:ext>
+            </a:extLst>
+          </p:cNvPr>
+          <p:cNvSpPr/>
+          <p:nvPr/>
+        </p:nvSpPr>
+        <p:spPr>
+          <a:xfrm>
+            <a:off x="6616514" y="4071595"/>
+            <a:ext cx="548486" cy="492982"/>
+          </a:xfrm>
+          <a:prstGeom prst="ellipse">
+            <a:avLst/>
+          </a:prstGeom>
+          <a:solidFill>
+            <a:srgbClr val="FF0000"/>
+          </a:solidFill>
+        </p:spPr>
+        <p:style>
+          <a:lnRef idx="2">
+            <a:schemeClr val="accent1">
+              <a:shade val="15000"/>
+            </a:schemeClr>
+          </a:lnRef>
+          <a:fillRef idx="1">
+            <a:schemeClr val="accent1"/>
+          </a:fillRef>
+          <a:effectRef idx="0">
+            <a:schemeClr val="accent1"/>
+          </a:effectRef>
+          <a:fontRef idx="minor">
+            <a:schemeClr val="lt1"/>
+          </a:fontRef>
+        </p:style>
+        <p:txBody>
+          <a:bodyPr rtlCol="0" anchor="ctr"/>
+          <a:lstStyle/>
+          <a:p>
+            <a:pPr algn="ctr"/>
+            <a:r>
+              <a:rPr lang="en-US" sz="1200" dirty="0"/>
+              <a:t>2</a:t>
+            </a:r>
+            <a:endParaRPr lang="en-US" dirty="0"/>
+          </a:p>
+        </p:txBody>
+      </p:sp>
+      <p:sp>
+        <p:nvSpPr>
+          <p:cNvPr id="15" name="Oval 14">
+            <a:extLst>
+              <a:ext uri="{FF2B5EF4-FFF2-40B4-BE49-F238E27FC236}">
+                <a16:creationId xmlns:a16="http://schemas.microsoft.com/office/drawing/2014/main" id="{B8EC3C0F-BE3F-B018-81F8-9FD52A8BB480}"/>
+              </a:ext>
+            </a:extLst>
+          </p:cNvPr>
+          <p:cNvSpPr/>
+          <p:nvPr/>
+        </p:nvSpPr>
+        <p:spPr>
+          <a:xfrm>
+            <a:off x="3874392" y="5937939"/>
+            <a:ext cx="548486" cy="492982"/>
+          </a:xfrm>
+          <a:prstGeom prst="ellipse">
+            <a:avLst/>
+          </a:prstGeom>
+          <a:solidFill>
+            <a:srgbClr val="FF0000"/>
+          </a:solidFill>
+        </p:spPr>
+        <p:style>
+          <a:lnRef idx="2">
+            <a:schemeClr val="accent1">
+              <a:shade val="15000"/>
+            </a:schemeClr>
+          </a:lnRef>
+          <a:fillRef idx="1">
+            <a:schemeClr val="accent1"/>
+          </a:fillRef>
+          <a:effectRef idx="0">
+            <a:schemeClr val="accent1"/>
+          </a:effectRef>
+          <a:fontRef idx="minor">
+            <a:schemeClr val="lt1"/>
+          </a:fontRef>
+        </p:style>
+        <p:txBody>
+          <a:bodyPr rtlCol="0" anchor="ctr"/>
+          <a:lstStyle/>
+          <a:p>
+            <a:pPr algn="ctr"/>
+            <a:r>
+              <a:rPr lang="en-US" sz="1200" dirty="0"/>
+              <a:t>1</a:t>
+            </a:r>
+            <a:endParaRPr lang="en-US" dirty="0"/>
+          </a:p>
+        </p:txBody>
+      </p:sp>
+      <p:sp>
+        <p:nvSpPr>
+          <p:cNvPr id="16" name="Oval 15">
+            <a:extLst>
+              <a:ext uri="{FF2B5EF4-FFF2-40B4-BE49-F238E27FC236}">
+                <a16:creationId xmlns:a16="http://schemas.microsoft.com/office/drawing/2014/main" id="{016E5262-C0D4-3993-EB6D-37D04193371C}"/>
+              </a:ext>
+            </a:extLst>
+          </p:cNvPr>
+          <p:cNvSpPr/>
+          <p:nvPr/>
+        </p:nvSpPr>
+        <p:spPr>
+          <a:xfrm>
+            <a:off x="2612164" y="2859327"/>
+            <a:ext cx="548486" cy="492982"/>
+          </a:xfrm>
+          <a:prstGeom prst="ellipse">
+            <a:avLst/>
+          </a:prstGeom>
+          <a:solidFill>
+            <a:srgbClr val="FF0000"/>
+          </a:solidFill>
+        </p:spPr>
+        <p:style>
+          <a:lnRef idx="2">
+            <a:schemeClr val="accent1">
+              <a:shade val="15000"/>
+            </a:schemeClr>
+          </a:lnRef>
+          <a:fillRef idx="1">
+            <a:schemeClr val="accent1"/>
+          </a:fillRef>
+          <a:effectRef idx="0">
+            <a:schemeClr val="accent1"/>
+          </a:effectRef>
+          <a:fontRef idx="minor">
+            <a:schemeClr val="lt1"/>
+          </a:fontRef>
+        </p:style>
+        <p:txBody>
+          <a:bodyPr rtlCol="0" anchor="ctr"/>
+          <a:lstStyle/>
+          <a:p>
+            <a:pPr algn="ctr"/>
+            <a:r>
+              <a:rPr lang="en-US" sz="1200" dirty="0"/>
+              <a:t>3</a:t>
+            </a:r>
+            <a:endParaRPr lang="en-US" dirty="0"/>
+          </a:p>
+        </p:txBody>
+      </p:sp>
+      <p:sp>
+        <p:nvSpPr>
+          <p:cNvPr id="17" name="Oval 16">
+            <a:extLst>
+              <a:ext uri="{FF2B5EF4-FFF2-40B4-BE49-F238E27FC236}">
+                <a16:creationId xmlns:a16="http://schemas.microsoft.com/office/drawing/2014/main" id="{47DD344F-D9BE-85FC-F275-62319527ABA7}"/>
+              </a:ext>
+            </a:extLst>
+          </p:cNvPr>
+          <p:cNvSpPr/>
+          <p:nvPr/>
+        </p:nvSpPr>
+        <p:spPr>
+          <a:xfrm>
+            <a:off x="7190139" y="4071595"/>
+            <a:ext cx="548486" cy="492982"/>
+          </a:xfrm>
+          <a:prstGeom prst="ellipse">
+            <a:avLst/>
+          </a:prstGeom>
+          <a:solidFill>
+            <a:srgbClr val="FF0000"/>
+          </a:solidFill>
+        </p:spPr>
+        <p:style>
+          <a:lnRef idx="2">
+            <a:schemeClr val="accent1">
+              <a:shade val="15000"/>
+            </a:schemeClr>
+          </a:lnRef>
+          <a:fillRef idx="1">
+            <a:schemeClr val="accent1"/>
+          </a:fillRef>
+          <a:effectRef idx="0">
+            <a:schemeClr val="accent1"/>
+          </a:effectRef>
+          <a:fontRef idx="minor">
+            <a:schemeClr val="lt1"/>
+          </a:fontRef>
+        </p:style>
+        <p:txBody>
+          <a:bodyPr rtlCol="0" anchor="ctr"/>
+          <a:lstStyle/>
+          <a:p>
+            <a:pPr algn="ctr"/>
+            <a:r>
+              <a:rPr lang="en-US" sz="1200" dirty="0"/>
+              <a:t>4</a:t>
+            </a:r>
+            <a:endParaRPr lang="en-US" dirty="0"/>
+          </a:p>
+        </p:txBody>
+      </p:sp>
+      <p:sp>
+        <p:nvSpPr>
+          <p:cNvPr id="18" name="Oval 17">
+            <a:extLst>
+              <a:ext uri="{FF2B5EF4-FFF2-40B4-BE49-F238E27FC236}">
+                <a16:creationId xmlns:a16="http://schemas.microsoft.com/office/drawing/2014/main" id="{F836AA28-4E53-B98B-1D4D-4C15524E67EB}"/>
+              </a:ext>
+            </a:extLst>
+          </p:cNvPr>
+          <p:cNvSpPr/>
+          <p:nvPr/>
+        </p:nvSpPr>
+        <p:spPr>
+          <a:xfrm>
+            <a:off x="3223983" y="2869679"/>
+            <a:ext cx="548486" cy="492982"/>
+          </a:xfrm>
+          <a:prstGeom prst="ellipse">
+            <a:avLst/>
+          </a:prstGeom>
+          <a:solidFill>
+            <a:srgbClr val="FF0000"/>
+          </a:solidFill>
+        </p:spPr>
+        <p:style>
+          <a:lnRef idx="2">
+            <a:schemeClr val="accent1">
+              <a:shade val="15000"/>
+            </a:schemeClr>
+          </a:lnRef>
+          <a:fillRef idx="1">
+            <a:schemeClr val="accent1"/>
+          </a:fillRef>
+          <a:effectRef idx="0">
+            <a:schemeClr val="accent1"/>
+          </a:effectRef>
+          <a:fontRef idx="minor">
+            <a:schemeClr val="lt1"/>
+          </a:fontRef>
+        </p:style>
+        <p:txBody>
+          <a:bodyPr rtlCol="0" anchor="ctr"/>
+          <a:lstStyle/>
+          <a:p>
+            <a:pPr algn="ctr"/>
+            <a:r>
+              <a:rPr lang="en-US" sz="1200" dirty="0"/>
+              <a:t>5</a:t>
+            </a:r>
+            <a:endParaRPr lang="en-US" dirty="0"/>
+          </a:p>
+        </p:txBody>
+      </p:sp>
+      <p:sp>
+        <p:nvSpPr>
+          <p:cNvPr id="20" name="Oval 19">
+            <a:extLst>
+              <a:ext uri="{FF2B5EF4-FFF2-40B4-BE49-F238E27FC236}">
+                <a16:creationId xmlns:a16="http://schemas.microsoft.com/office/drawing/2014/main" id="{79965CF4-0B7A-1A90-D374-E17EA3EE24FA}"/>
+              </a:ext>
+            </a:extLst>
+          </p:cNvPr>
+          <p:cNvSpPr/>
+          <p:nvPr/>
+        </p:nvSpPr>
+        <p:spPr>
+          <a:xfrm>
+            <a:off x="8104148" y="5034635"/>
+            <a:ext cx="548486" cy="492982"/>
+          </a:xfrm>
+          <a:prstGeom prst="ellipse">
+            <a:avLst/>
+          </a:prstGeom>
+          <a:solidFill>
+            <a:srgbClr val="FF0000"/>
+          </a:solidFill>
+        </p:spPr>
+        <p:style>
+          <a:lnRef idx="2">
+            <a:schemeClr val="accent1">
+              <a:shade val="15000"/>
+            </a:schemeClr>
+          </a:lnRef>
+          <a:fillRef idx="1">
+            <a:schemeClr val="accent1"/>
+          </a:fillRef>
+          <a:effectRef idx="0">
+            <a:schemeClr val="accent1"/>
+          </a:effectRef>
+          <a:fontRef idx="minor">
+            <a:schemeClr val="lt1"/>
+          </a:fontRef>
+        </p:style>
+        <p:txBody>
+          <a:bodyPr rtlCol="0" anchor="ctr"/>
+          <a:lstStyle/>
+          <a:p>
+            <a:pPr algn="ctr"/>
+            <a:r>
+              <a:rPr lang="en-US" sz="1200" dirty="0"/>
+              <a:t>2.1</a:t>
+            </a:r>
+            <a:endParaRPr lang="en-US" dirty="0"/>
+          </a:p>
+        </p:txBody>
+      </p:sp>
+      <p:sp>
+        <p:nvSpPr>
+          <p:cNvPr id="21" name="Oval 20">
+            <a:extLst>
+              <a:ext uri="{FF2B5EF4-FFF2-40B4-BE49-F238E27FC236}">
+                <a16:creationId xmlns:a16="http://schemas.microsoft.com/office/drawing/2014/main" id="{55ABED35-2276-17C6-A430-1072763B2641}"/>
+              </a:ext>
+            </a:extLst>
+          </p:cNvPr>
+          <p:cNvSpPr/>
+          <p:nvPr/>
+        </p:nvSpPr>
+        <p:spPr>
+          <a:xfrm>
+            <a:off x="8118961" y="6073335"/>
+            <a:ext cx="548486" cy="492982"/>
+          </a:xfrm>
+          <a:prstGeom prst="ellipse">
+            <a:avLst/>
+          </a:prstGeom>
+          <a:solidFill>
+            <a:srgbClr val="FF0000"/>
+          </a:solidFill>
+        </p:spPr>
+        <p:style>
+          <a:lnRef idx="2">
+            <a:schemeClr val="accent1">
+              <a:shade val="15000"/>
+            </a:schemeClr>
+          </a:lnRef>
+          <a:fillRef idx="1">
+            <a:schemeClr val="accent1"/>
+          </a:fillRef>
+          <a:effectRef idx="0">
+            <a:schemeClr val="accent1"/>
+          </a:effectRef>
+          <a:fontRef idx="minor">
+            <a:schemeClr val="lt1"/>
+          </a:fontRef>
+        </p:style>
+        <p:txBody>
+          <a:bodyPr rtlCol="0" anchor="ctr"/>
+          <a:lstStyle/>
+          <a:p>
+            <a:pPr algn="ctr"/>
+            <a:r>
+              <a:rPr lang="en-US" sz="1200" dirty="0"/>
+              <a:t>2.3</a:t>
+            </a:r>
+            <a:endParaRPr lang="en-US" dirty="0"/>
+          </a:p>
+        </p:txBody>
+      </p:sp>
+    </p:spTree>
+    <p:extLst>
+      <p:ext uri="{BB962C8B-B14F-4D97-AF65-F5344CB8AC3E}">
+        <p14:creationId xmlns:p14="http://schemas.microsoft.com/office/powerpoint/2010/main" val="862977130"/>
+      </p:ext>
+    </p:extLst>
+  </p:cSld>
+  <p:clrMapOvr>
+    <a:masterClrMapping/>
+  </p:clrMapOvr>
+</p:sld>
+</file>
+
+<file path=ppt/slides/slide53.xml><?xml version="1.0" encoding="utf-8"?>
+<p:sld xmlns:a="http://schemas.openxmlformats.org/drawingml/2006/main" xmlns:r="http://schemas.openxmlformats.org/officeDocument/2006/relationships" xmlns:p="http://schemas.openxmlformats.org/presentationml/2006/main">
+  <p:cSld>
+    <p:spTree>
+      <p:nvGrpSpPr>
+        <p:cNvPr id="1" name=""/>
+        <p:cNvGrpSpPr/>
+        <p:nvPr/>
+      </p:nvGrpSpPr>
+      <p:grpSpPr>
+        <a:xfrm>
+          <a:off x="0" y="0"/>
+          <a:ext cx="0" cy="0"/>
+          <a:chOff x="0" y="0"/>
+          <a:chExt cx="0" cy="0"/>
+        </a:xfrm>
+      </p:grpSpPr>
+      <p:sp>
+        <p:nvSpPr>
+          <p:cNvPr id="2" name="Title 1">
+            <a:extLst>
+              <a:ext uri="{FF2B5EF4-FFF2-40B4-BE49-F238E27FC236}">
+                <a16:creationId xmlns:a16="http://schemas.microsoft.com/office/drawing/2014/main" id="{0F3F56CA-C931-67D7-6382-29F1CF339A1F}"/>
+              </a:ext>
+            </a:extLst>
+          </p:cNvPr>
+          <p:cNvSpPr>
+            <a:spLocks noGrp="1"/>
+          </p:cNvSpPr>
+          <p:nvPr>
+            <p:ph type="title"/>
+          </p:nvPr>
+        </p:nvSpPr>
+        <p:spPr/>
+        <p:txBody>
+          <a:bodyPr/>
+          <a:lstStyle/>
+          <a:p>
+            <a:r>
+              <a:rPr lang="en-US" dirty="0" err="1"/>
+              <a:t>NgRX</a:t>
+            </a:r>
+            <a:r>
+              <a:rPr lang="en-US" dirty="0"/>
+              <a:t> - Setup</a:t>
+            </a:r>
+          </a:p>
+        </p:txBody>
+      </p:sp>
+      <p:sp>
+        <p:nvSpPr>
+          <p:cNvPr id="3" name="Content Placeholder 2">
+            <a:extLst>
+              <a:ext uri="{FF2B5EF4-FFF2-40B4-BE49-F238E27FC236}">
+                <a16:creationId xmlns:a16="http://schemas.microsoft.com/office/drawing/2014/main" id="{87EF7DBD-DD82-42F4-40A7-8516331285B8}"/>
+              </a:ext>
+            </a:extLst>
+          </p:cNvPr>
+          <p:cNvSpPr>
+            <a:spLocks noGrp="1"/>
+          </p:cNvSpPr>
+          <p:nvPr>
+            <p:ph idx="1"/>
+          </p:nvPr>
+        </p:nvSpPr>
+        <p:spPr/>
+        <p:txBody>
+          <a:bodyPr>
+            <a:normAutofit/>
+          </a:bodyPr>
+          <a:lstStyle/>
+          <a:p>
+            <a:r>
+              <a:rPr lang="en-US" dirty="0"/>
+              <a:t>Install packages with ng CLI:</a:t>
+            </a:r>
+            <a:br>
+              <a:rPr lang="en-US" dirty="0"/>
+            </a:br>
+            <a:br>
+              <a:rPr lang="en-US" dirty="0"/>
+            </a:br>
+            <a:r>
+              <a:rPr lang="en-US" b="1" dirty="0"/>
+              <a:t>ng add @ngrx/store</a:t>
+            </a:r>
+            <a:br>
+              <a:rPr lang="en-US" b="1" dirty="0"/>
+            </a:br>
+            <a:r>
+              <a:rPr lang="en-US" b="1" dirty="0"/>
+              <a:t>ng add @ngrx/effects</a:t>
+            </a:r>
+          </a:p>
+        </p:txBody>
+      </p:sp>
+      <p:pic>
+        <p:nvPicPr>
+          <p:cNvPr id="11" name="Picture 10">
+            <a:extLst>
+              <a:ext uri="{FF2B5EF4-FFF2-40B4-BE49-F238E27FC236}">
+                <a16:creationId xmlns:a16="http://schemas.microsoft.com/office/drawing/2014/main" id="{71E3F82A-5078-761F-BAFA-85E73E3FB312}"/>
+              </a:ext>
+            </a:extLst>
+          </p:cNvPr>
+          <p:cNvPicPr>
+            <a:picLocks noChangeAspect="1"/>
+          </p:cNvPicPr>
+          <p:nvPr/>
+        </p:nvPicPr>
+        <p:blipFill>
+          <a:blip r:embed="rId2"/>
+          <a:stretch>
+            <a:fillRect/>
+          </a:stretch>
+        </p:blipFill>
+        <p:spPr>
+          <a:xfrm>
+            <a:off x="5545608" y="1027906"/>
+            <a:ext cx="6433051" cy="5185293"/>
+          </a:xfrm>
+          <a:prstGeom prst="rect">
+            <a:avLst/>
+          </a:prstGeom>
+        </p:spPr>
+      </p:pic>
+    </p:spTree>
+    <p:extLst>
+      <p:ext uri="{BB962C8B-B14F-4D97-AF65-F5344CB8AC3E}">
+        <p14:creationId xmlns:p14="http://schemas.microsoft.com/office/powerpoint/2010/main" val="1222914190"/>
       </p:ext>
     </p:extLst>
   </p:cSld>
@@ -14341,4 +17444,319 @@
     </a:ext>
   </a:extLst>
 </a:theme>
+</file>
+
+<file path=ppt/theme/theme2.xml><?xml version="1.0" encoding="utf-8"?>
+<a:theme xmlns:a="http://schemas.openxmlformats.org/drawingml/2006/main" name="Office Theme">
+  <a:themeElements>
+    <a:clrScheme name="Office">
+      <a:dk1>
+        <a:sysClr val="windowText" lastClr="000000"/>
+      </a:dk1>
+      <a:lt1>
+        <a:sysClr val="window" lastClr="FFFFFF"/>
+      </a:lt1>
+      <a:dk2>
+        <a:srgbClr val="0E2841"/>
+      </a:dk2>
+      <a:lt2>
+        <a:srgbClr val="E8E8E8"/>
+      </a:lt2>
+      <a:accent1>
+        <a:srgbClr val="156082"/>
+      </a:accent1>
+      <a:accent2>
+        <a:srgbClr val="E97132"/>
+      </a:accent2>
+      <a:accent3>
+        <a:srgbClr val="196B24"/>
+      </a:accent3>
+      <a:accent4>
+        <a:srgbClr val="0F9ED5"/>
+      </a:accent4>
+      <a:accent5>
+        <a:srgbClr val="A02B93"/>
+      </a:accent5>
+      <a:accent6>
+        <a:srgbClr val="4EA72E"/>
+      </a:accent6>
+      <a:hlink>
+        <a:srgbClr val="467886"/>
+      </a:hlink>
+      <a:folHlink>
+        <a:srgbClr val="96607D"/>
+      </a:folHlink>
+    </a:clrScheme>
+    <a:fontScheme name="Office">
+      <a:majorFont>
+        <a:latin typeface="Aptos Display" panose="02110004020202020204"/>
+        <a:ea typeface=""/>
+        <a:cs typeface=""/>
+        <a:font script="Jpan" typeface="游ゴシック Light"/>
+        <a:font script="Hang" typeface="맑은 고딕"/>
+        <a:font script="Hans" typeface="等线 Light"/>
+        <a:font script="Hant" typeface="新細明體"/>
+        <a:font script="Arab" typeface="Times New Roman"/>
+        <a:font script="Hebr" typeface="Times New Roman"/>
+        <a:font script="Thai" typeface="Angsana New"/>
+        <a:font script="Ethi" typeface="Nyala"/>
+        <a:font script="Beng" typeface="Vrinda"/>
+        <a:font script="Gujr" typeface="Shruti"/>
+        <a:font script="Khmr" typeface="MoolBoran"/>
+        <a:font script="Knda" typeface="Tunga"/>
+        <a:font script="Guru" typeface="Raavi"/>
+        <a:font script="Cans" typeface="Euphemia"/>
+        <a:font script="Cher" typeface="Plantagenet Cherokee"/>
+        <a:font script="Yiii" typeface="Microsoft Yi Baiti"/>
+        <a:font script="Tibt" typeface="Microsoft Himalaya"/>
+        <a:font script="Thaa" typeface="MV Boli"/>
+        <a:font script="Deva" typeface="Mangal"/>
+        <a:font script="Telu" typeface="Gautami"/>
+        <a:font script="Taml" typeface="Latha"/>
+        <a:font script="Syrc" typeface="Estrangelo Edessa"/>
+        <a:font script="Orya" typeface="Kalinga"/>
+        <a:font script="Mlym" typeface="Kartika"/>
+        <a:font script="Laoo" typeface="DokChampa"/>
+        <a:font script="Sinh" typeface="Iskoola Pota"/>
+        <a:font script="Mong" typeface="Mongolian Baiti"/>
+        <a:font script="Viet" typeface="Times New Roman"/>
+        <a:font script="Uigh" typeface="Microsoft Uighur"/>
+        <a:font script="Geor" typeface="Sylfaen"/>
+        <a:font script="Armn" typeface="Arial"/>
+        <a:font script="Bugi" typeface="Leelawadee UI"/>
+        <a:font script="Bopo" typeface="Microsoft JhengHei"/>
+        <a:font script="Java" typeface="Javanese Text"/>
+        <a:font script="Lisu" typeface="Segoe UI"/>
+        <a:font script="Mymr" typeface="Myanmar Text"/>
+        <a:font script="Nkoo" typeface="Ebrima"/>
+        <a:font script="Olck" typeface="Nirmala UI"/>
+        <a:font script="Osma" typeface="Ebrima"/>
+        <a:font script="Phag" typeface="Phagspa"/>
+        <a:font script="Syrn" typeface="Estrangelo Edessa"/>
+        <a:font script="Syrj" typeface="Estrangelo Edessa"/>
+        <a:font script="Syre" typeface="Estrangelo Edessa"/>
+        <a:font script="Sora" typeface="Nirmala UI"/>
+        <a:font script="Tale" typeface="Microsoft Tai Le"/>
+        <a:font script="Talu" typeface="Microsoft New Tai Lue"/>
+        <a:font script="Tfng" typeface="Ebrima"/>
+      </a:majorFont>
+      <a:minorFont>
+        <a:latin typeface="Aptos" panose="02110004020202020204"/>
+        <a:ea typeface=""/>
+        <a:cs typeface=""/>
+        <a:font script="Jpan" typeface="游ゴシック"/>
+        <a:font script="Hang" typeface="맑은 고딕"/>
+        <a:font script="Hans" typeface="等线"/>
+        <a:font script="Hant" typeface="新細明體"/>
+        <a:font script="Arab" typeface="Arial"/>
+        <a:font script="Hebr" typeface="Arial"/>
+        <a:font script="Thai" typeface="Cordia New"/>
+        <a:font script="Ethi" typeface="Nyala"/>
+        <a:font script="Beng" typeface="Vrinda"/>
+        <a:font script="Gujr" typeface="Shruti"/>
+        <a:font script="Khmr" typeface="DaunPenh"/>
+        <a:font script="Knda" typeface="Tunga"/>
+        <a:font script="Guru" typeface="Raavi"/>
+        <a:font script="Cans" typeface="Euphemia"/>
+        <a:font script="Cher" typeface="Plantagenet Cherokee"/>
+        <a:font script="Yiii" typeface="Microsoft Yi Baiti"/>
+        <a:font script="Tibt" typeface="Microsoft Himalaya"/>
+        <a:font script="Thaa" typeface="MV Boli"/>
+        <a:font script="Deva" typeface="Mangal"/>
+        <a:font script="Telu" typeface="Gautami"/>
+        <a:font script="Taml" typeface="Latha"/>
+        <a:font script="Syrc" typeface="Estrangelo Edessa"/>
+        <a:font script="Orya" typeface="Kalinga"/>
+        <a:font script="Mlym" typeface="Kartika"/>
+        <a:font script="Laoo" typeface="DokChampa"/>
+        <a:font script="Sinh" typeface="Iskoola Pota"/>
+        <a:font script="Mong" typeface="Mongolian Baiti"/>
+        <a:font script="Viet" typeface="Arial"/>
+        <a:font script="Uigh" typeface="Microsoft Uighur"/>
+        <a:font script="Geor" typeface="Sylfaen"/>
+        <a:font script="Armn" typeface="Arial"/>
+        <a:font script="Bugi" typeface="Leelawadee UI"/>
+        <a:font script="Bopo" typeface="Microsoft JhengHei"/>
+        <a:font script="Java" typeface="Javanese Text"/>
+        <a:font script="Lisu" typeface="Segoe UI"/>
+        <a:font script="Mymr" typeface="Myanmar Text"/>
+        <a:font script="Nkoo" typeface="Ebrima"/>
+        <a:font script="Olck" typeface="Nirmala UI"/>
+        <a:font script="Osma" typeface="Ebrima"/>
+        <a:font script="Phag" typeface="Phagspa"/>
+        <a:font script="Syrn" typeface="Estrangelo Edessa"/>
+        <a:font script="Syrj" typeface="Estrangelo Edessa"/>
+        <a:font script="Syre" typeface="Estrangelo Edessa"/>
+        <a:font script="Sora" typeface="Nirmala UI"/>
+        <a:font script="Tale" typeface="Microsoft Tai Le"/>
+        <a:font script="Talu" typeface="Microsoft New Tai Lue"/>
+        <a:font script="Tfng" typeface="Ebrima"/>
+      </a:minorFont>
+    </a:fontScheme>
+    <a:fmtScheme name="Office">
+      <a:fillStyleLst>
+        <a:solidFill>
+          <a:schemeClr val="phClr"/>
+        </a:solidFill>
+        <a:gradFill rotWithShape="1">
+          <a:gsLst>
+            <a:gs pos="0">
+              <a:schemeClr val="phClr">
+                <a:lumMod val="110000"/>
+                <a:satMod val="105000"/>
+                <a:tint val="67000"/>
+              </a:schemeClr>
+            </a:gs>
+            <a:gs pos="50000">
+              <a:schemeClr val="phClr">
+                <a:lumMod val="105000"/>
+                <a:satMod val="103000"/>
+                <a:tint val="73000"/>
+              </a:schemeClr>
+            </a:gs>
+            <a:gs pos="100000">
+              <a:schemeClr val="phClr">
+                <a:lumMod val="105000"/>
+                <a:satMod val="109000"/>
+                <a:tint val="81000"/>
+              </a:schemeClr>
+            </a:gs>
+          </a:gsLst>
+          <a:lin ang="5400000" scaled="0"/>
+        </a:gradFill>
+        <a:gradFill rotWithShape="1">
+          <a:gsLst>
+            <a:gs pos="0">
+              <a:schemeClr val="phClr">
+                <a:satMod val="103000"/>
+                <a:lumMod val="102000"/>
+                <a:tint val="94000"/>
+              </a:schemeClr>
+            </a:gs>
+            <a:gs pos="50000">
+              <a:schemeClr val="phClr">
+                <a:satMod val="110000"/>
+                <a:lumMod val="100000"/>
+                <a:shade val="100000"/>
+              </a:schemeClr>
+            </a:gs>
+            <a:gs pos="100000">
+              <a:schemeClr val="phClr">
+                <a:lumMod val="99000"/>
+                <a:satMod val="120000"/>
+                <a:shade val="78000"/>
+              </a:schemeClr>
+            </a:gs>
+          </a:gsLst>
+          <a:lin ang="5400000" scaled="0"/>
+        </a:gradFill>
+      </a:fillStyleLst>
+      <a:lnStyleLst>
+        <a:ln w="12700" cap="flat" cmpd="sng" algn="ctr">
+          <a:solidFill>
+            <a:schemeClr val="phClr"/>
+          </a:solidFill>
+          <a:prstDash val="solid"/>
+          <a:miter lim="800000"/>
+        </a:ln>
+        <a:ln w="19050" cap="flat" cmpd="sng" algn="ctr">
+          <a:solidFill>
+            <a:schemeClr val="phClr"/>
+          </a:solidFill>
+          <a:prstDash val="solid"/>
+          <a:miter lim="800000"/>
+        </a:ln>
+        <a:ln w="25400" cap="flat" cmpd="sng" algn="ctr">
+          <a:solidFill>
+            <a:schemeClr val="phClr"/>
+          </a:solidFill>
+          <a:prstDash val="solid"/>
+          <a:miter lim="800000"/>
+        </a:ln>
+      </a:lnStyleLst>
+      <a:effectStyleLst>
+        <a:effectStyle>
+          <a:effectLst/>
+        </a:effectStyle>
+        <a:effectStyle>
+          <a:effectLst/>
+        </a:effectStyle>
+        <a:effectStyle>
+          <a:effectLst>
+            <a:outerShdw blurRad="57150" dist="19050" dir="5400000" algn="ctr" rotWithShape="0">
+              <a:srgbClr val="000000">
+                <a:alpha val="63000"/>
+              </a:srgbClr>
+            </a:outerShdw>
+          </a:effectLst>
+        </a:effectStyle>
+      </a:effectStyleLst>
+      <a:bgFillStyleLst>
+        <a:solidFill>
+          <a:schemeClr val="phClr"/>
+        </a:solidFill>
+        <a:solidFill>
+          <a:schemeClr val="phClr">
+            <a:tint val="95000"/>
+            <a:satMod val="170000"/>
+          </a:schemeClr>
+        </a:solidFill>
+        <a:gradFill rotWithShape="1">
+          <a:gsLst>
+            <a:gs pos="0">
+              <a:schemeClr val="phClr">
+                <a:tint val="93000"/>
+                <a:satMod val="150000"/>
+                <a:shade val="98000"/>
+                <a:lumMod val="102000"/>
+              </a:schemeClr>
+            </a:gs>
+            <a:gs pos="50000">
+              <a:schemeClr val="phClr">
+                <a:tint val="98000"/>
+                <a:satMod val="130000"/>
+                <a:shade val="90000"/>
+                <a:lumMod val="103000"/>
+              </a:schemeClr>
+            </a:gs>
+            <a:gs pos="100000">
+              <a:schemeClr val="phClr">
+                <a:shade val="63000"/>
+                <a:satMod val="120000"/>
+              </a:schemeClr>
+            </a:gs>
+          </a:gsLst>
+          <a:lin ang="5400000" scaled="0"/>
+        </a:gradFill>
+      </a:bgFillStyleLst>
+    </a:fmtScheme>
+  </a:themeElements>
+  <a:objectDefaults>
+    <a:lnDef>
+      <a:spPr/>
+      <a:bodyPr/>
+      <a:lstStyle/>
+      <a:style>
+        <a:lnRef idx="2">
+          <a:schemeClr val="accent1"/>
+        </a:lnRef>
+        <a:fillRef idx="0">
+          <a:schemeClr val="accent1"/>
+        </a:fillRef>
+        <a:effectRef idx="1">
+          <a:schemeClr val="accent1"/>
+        </a:effectRef>
+        <a:fontRef idx="minor">
+          <a:schemeClr val="tx1"/>
+        </a:fontRef>
+      </a:style>
+    </a:lnDef>
+  </a:objectDefaults>
+  <a:extraClrSchemeLst/>
+  <a:extLst>
+    <a:ext uri="{05A4C25C-085E-4340-85A3-A5531E510DB2}">
+      <thm15:themeFamily xmlns:thm15="http://schemas.microsoft.com/office/thememl/2012/main" name="Office Theme" id="{2E142A2C-CD16-42D6-873A-C26D2A0506FA}" vid="{1BDDFF52-6CD6-40A5-AB3C-68EB2F1E4D0A}"/>
+    </a:ext>
+  </a:extLst>
+</a:theme>
 </file>